--- a/translations/en-us/RobotGame/Wheels.pptx
+++ b/translations/en-us/RobotGame/Wheels.pptx
@@ -8,6 +8,7 @@
     <p:sldMasterId id="2147483871" r:id="rId4"/>
     <p:sldMasterId id="2147483883" r:id="rId5"/>
     <p:sldMasterId id="2147483895" r:id="rId6"/>
+    <p:sldMasterId id="2147483907" r:id="rId7"/>
   </p:sldMasterIdLst>
   <p:notesMasterIdLst>
     <p:notesMasterId r:id="rId19"/>
@@ -16,16 +17,15 @@
     <p:handoutMasterId r:id="rId20"/>
   </p:handoutMasterIdLst>
   <p:sldIdLst>
-    <p:sldId id="289" r:id="rId7"/>
-    <p:sldId id="310" r:id="rId8"/>
-    <p:sldId id="312" r:id="rId9"/>
-    <p:sldId id="317" r:id="rId10"/>
-    <p:sldId id="306" r:id="rId11"/>
-    <p:sldId id="313" r:id="rId12"/>
-    <p:sldId id="316" r:id="rId13"/>
-    <p:sldId id="307" r:id="rId14"/>
-    <p:sldId id="309" r:id="rId15"/>
-    <p:sldId id="308" r:id="rId16"/>
+    <p:sldId id="289" r:id="rId8"/>
+    <p:sldId id="310" r:id="rId9"/>
+    <p:sldId id="312" r:id="rId10"/>
+    <p:sldId id="317" r:id="rId11"/>
+    <p:sldId id="306" r:id="rId12"/>
+    <p:sldId id="313" r:id="rId13"/>
+    <p:sldId id="316" r:id="rId14"/>
+    <p:sldId id="307" r:id="rId15"/>
+    <p:sldId id="309" r:id="rId16"/>
     <p:sldId id="314" r:id="rId17"/>
     <p:sldId id="274" r:id="rId18"/>
   </p:sldIdLst>
@@ -227,7 +227,7 @@
           <a:p>
             <a:fld id="{E354B44E-40A3-0E46-B16A-9BF1250A248B}" type="datetimeFigureOut">
               <a:rPr lang="en-US" smtClean="0"/>
-              <a:t>6/7/18</a:t>
+              <a:t>6/11/18</a:t>
             </a:fld>
             <a:endParaRPr lang="en-US"/>
           </a:p>
@@ -393,7 +393,7 @@
           <a:p>
             <a:fld id="{C86AD16C-2DB4-6642-BAD4-9ED973A087A0}" type="datetimeFigureOut">
               <a:rPr lang="en-US" smtClean="0"/>
-              <a:t>6/7/18</a:t>
+              <a:t>6/11/18</a:t>
             </a:fld>
             <a:endParaRPr lang="en-US"/>
           </a:p>
@@ -894,7 +894,7 @@
           <a:p>
             <a:fld id="{1E5BF589-3978-3C45-966B-D7B7A71F2A02}" type="slidenum">
               <a:rPr lang="en-US" smtClean="0"/>
-              <a:t>12</a:t>
+              <a:t>11</a:t>
             </a:fld>
             <a:endParaRPr lang="en-US"/>
           </a:p>
@@ -1104,9 +1104,9 @@
           <a:bodyPr/>
           <a:lstStyle/>
           <a:p>
-            <a:fld id="{3876D5B9-E9E1-4A6B-8F65-5B0F7B33F7AE}" type="datetime1">
+            <a:fld id="{9349420B-CBCD-48AD-8221-4407012B0A7B}" type="datetime1">
               <a:rPr lang="en-US" smtClean="0"/>
-              <a:t>6/7/18</a:t>
+              <a:t>6/11/18</a:t>
             </a:fld>
             <a:endParaRPr lang="en-US"/>
           </a:p>
@@ -1129,7 +1129,7 @@
           <a:p>
             <a:r>
               <a:rPr lang="en-US"/>
-              <a:t>© 2018, FLL Tutorials, Last Edit 8/13/2016</a:t>
+              <a:t>© 2018, FLL Tutorials, Last Edit 6/11/2018</a:t>
             </a:r>
           </a:p>
         </p:txBody>
@@ -1700,9 +1700,9 @@
           <a:bodyPr/>
           <a:lstStyle/>
           <a:p>
-            <a:fld id="{DD5F7F5E-8F59-44C0-8D79-B6D737675409}" type="datetime1">
+            <a:fld id="{082C4CAA-63A0-4455-B8AB-21EAE0327397}" type="datetime1">
               <a:rPr lang="en-US" smtClean="0"/>
-              <a:t>6/7/18</a:t>
+              <a:t>6/11/18</a:t>
             </a:fld>
             <a:endParaRPr lang="en-US"/>
           </a:p>
@@ -1725,7 +1725,7 @@
           <a:p>
             <a:r>
               <a:rPr lang="en-US"/>
-              <a:t>© 2018, FLL Tutorials, Last Edit 8/13/2016</a:t>
+              <a:t>© 2018, FLL Tutorials, Last Edit 6/11/2018</a:t>
             </a:r>
           </a:p>
         </p:txBody>
@@ -1881,9 +1881,9 @@
           <a:bodyPr/>
           <a:lstStyle/>
           <a:p>
-            <a:fld id="{F0531646-A1B1-47D3-BC86-B1E732E8BFA3}" type="datetime1">
+            <a:fld id="{A80DA3FF-47A2-4D8A-A4FC-E2AC383B00AB}" type="datetime1">
               <a:rPr lang="en-US" smtClean="0"/>
-              <a:t>6/7/18</a:t>
+              <a:t>6/11/18</a:t>
             </a:fld>
             <a:endParaRPr lang="en-US"/>
           </a:p>
@@ -1906,7 +1906,7 @@
           <a:p>
             <a:r>
               <a:rPr lang="en-US"/>
-              <a:t>© 2018, FLL Tutorials, Last Edit 8/13/2016</a:t>
+              <a:t>© 2018, FLL Tutorials, Last Edit 6/11/2018</a:t>
             </a:r>
           </a:p>
         </p:txBody>
@@ -2097,9 +2097,9 @@
           <a:bodyPr/>
           <a:lstStyle/>
           <a:p>
-            <a:fld id="{212B7B76-42C1-4979-BF64-4E0D2E1818D9}" type="datetime1">
+            <a:fld id="{23B00F84-3686-4EF6-942C-DDBC98C56970}" type="datetime1">
               <a:rPr lang="en-US" smtClean="0"/>
-              <a:t>6/7/18</a:t>
+              <a:t>6/11/18</a:t>
             </a:fld>
             <a:endParaRPr lang="en-US"/>
           </a:p>
@@ -2127,7 +2127,7 @@
           <a:p>
             <a:r>
               <a:rPr lang="en-US"/>
-              <a:t>© 2018, FLL Tutorials, Last Edit 8/13/2016</a:t>
+              <a:t>© 2018, FLL Tutorials, Last Edit 6/11/2018</a:t>
             </a:r>
           </a:p>
         </p:txBody>
@@ -2317,7 +2317,7 @@
           <a:noFill/>
           <a:extLst>
             <a:ext uri="{909E8E84-426E-40dd-AFC4-6F175D3DCCD1}">
-              <a14:hiddenFill xmlns="" xmlns:a14="http://schemas.microsoft.com/office/drawing/2010/main">
+              <a14:hiddenFill xmlns:a14="http://schemas.microsoft.com/office/drawing/2010/main" xmlns="">
                 <a:solidFill>
                   <a:srgbClr val="FFFFFF"/>
                 </a:solidFill>
@@ -2941,9 +2941,9 @@
           <a:bodyPr/>
           <a:lstStyle/>
           <a:p>
-            <a:fld id="{2230F28A-62E0-4C17-B379-6CC616B5555E}" type="datetime1">
+            <a:fld id="{ACF76208-3E9C-47FB-950A-94EF3996A466}" type="datetime1">
               <a:rPr lang="en-US" smtClean="0"/>
-              <a:t>6/7/18</a:t>
+              <a:t>6/11/18</a:t>
             </a:fld>
             <a:endParaRPr lang="en-US"/>
           </a:p>
@@ -2966,7 +2966,7 @@
           <a:p>
             <a:r>
               <a:rPr lang="en-US"/>
-              <a:t>© 2018, FLL Tutorials, Last Edit 8/13/2016</a:t>
+              <a:t>© 2018, FLL Tutorials, Last Edit 6/11/2018</a:t>
             </a:r>
           </a:p>
         </p:txBody>
@@ -3206,9 +3206,9 @@
           <a:bodyPr/>
           <a:lstStyle/>
           <a:p>
-            <a:fld id="{921CD454-C94F-4F23-83A8-2DEB7B4B5330}" type="datetime1">
+            <a:fld id="{7C8B358B-AB12-4293-AF89-186F361D77EF}" type="datetime1">
               <a:rPr lang="en-US" smtClean="0"/>
-              <a:t>6/7/18</a:t>
+              <a:t>6/11/18</a:t>
             </a:fld>
             <a:endParaRPr lang="en-US"/>
           </a:p>
@@ -3262,7 +3262,7 @@
           <a:p>
             <a:r>
               <a:rPr lang="en-US"/>
-              <a:t>© 2018, FLL Tutorials, Last Edit 8/13/2016</a:t>
+              <a:t>© 2018, FLL Tutorials, Last Edit 6/11/2018</a:t>
             </a:r>
           </a:p>
         </p:txBody>
@@ -3509,9 +3509,9 @@
           <a:bodyPr/>
           <a:lstStyle/>
           <a:p>
-            <a:fld id="{E5FDD67D-0F85-4D87-B230-3102FF9F0ABE}" type="datetime1">
+            <a:fld id="{3E79AB4B-BE55-4EEF-8CC0-35D3D0DD6126}" type="datetime1">
               <a:rPr lang="en-US" smtClean="0"/>
-              <a:t>6/7/18</a:t>
+              <a:t>6/11/18</a:t>
             </a:fld>
             <a:endParaRPr lang="en-US"/>
           </a:p>
@@ -3534,7 +3534,7 @@
           <a:p>
             <a:r>
               <a:rPr lang="en-US"/>
-              <a:t>© 2018, FLL Tutorials, Last Edit 8/13/2016</a:t>
+              <a:t>© 2018, FLL Tutorials, Last Edit 6/11/2018</a:t>
             </a:r>
           </a:p>
         </p:txBody>
@@ -3963,9 +3963,9 @@
           <a:bodyPr/>
           <a:lstStyle/>
           <a:p>
-            <a:fld id="{0D5C8ACD-CE00-4568-A443-888673268339}" type="datetime1">
+            <a:fld id="{320DA002-79C5-4587-8D53-29AFA0893464}" type="datetime1">
               <a:rPr lang="en-US" smtClean="0"/>
-              <a:t>6/7/18</a:t>
+              <a:t>6/11/18</a:t>
             </a:fld>
             <a:endParaRPr lang="en-US"/>
           </a:p>
@@ -3988,7 +3988,7 @@
           <a:p>
             <a:r>
               <a:rPr lang="en-US"/>
-              <a:t>© 2018, FLL Tutorials, Last Edit 8/13/2016</a:t>
+              <a:t>© 2018, FLL Tutorials, Last Edit 6/11/2018</a:t>
             </a:r>
           </a:p>
         </p:txBody>
@@ -4091,9 +4091,9 @@
           <a:bodyPr/>
           <a:lstStyle/>
           <a:p>
-            <a:fld id="{3D190645-C2FD-44E3-8E60-B4814641D3E2}" type="datetime1">
+            <a:fld id="{9C37F31C-06AA-4ED5-B099-0E6B6BDB6C4D}" type="datetime1">
               <a:rPr lang="en-US" smtClean="0"/>
-              <a:t>6/7/18</a:t>
+              <a:t>6/11/18</a:t>
             </a:fld>
             <a:endParaRPr lang="en-US"/>
           </a:p>
@@ -4116,7 +4116,7 @@
           <a:p>
             <a:r>
               <a:rPr lang="en-US"/>
-              <a:t>© 2018, FLL Tutorials, Last Edit 8/13/2016</a:t>
+              <a:t>© 2018, FLL Tutorials, Last Edit 6/11/2018</a:t>
             </a:r>
           </a:p>
         </p:txBody>
@@ -4197,9 +4197,9 @@
           <a:bodyPr/>
           <a:lstStyle/>
           <a:p>
-            <a:fld id="{DD0F570D-1D5B-4629-8862-BD4B76CCD4DA}" type="datetime1">
+            <a:fld id="{1736AC83-1BB0-440E-9575-E027410075FB}" type="datetime1">
               <a:rPr lang="en-US" smtClean="0"/>
-              <a:t>6/7/18</a:t>
+              <a:t>6/11/18</a:t>
             </a:fld>
             <a:endParaRPr lang="en-US"/>
           </a:p>
@@ -4222,7 +4222,7 @@
           <a:p>
             <a:r>
               <a:rPr lang="en-US"/>
-              <a:t>© 2018, FLL Tutorials, Last Edit 8/13/2016</a:t>
+              <a:t>© 2018, FLL Tutorials, Last Edit 6/11/2018</a:t>
             </a:r>
           </a:p>
         </p:txBody>
@@ -4455,9 +4455,9 @@
           <a:bodyPr/>
           <a:lstStyle/>
           <a:p>
-            <a:fld id="{17A41B2B-FD80-4206-BBD9-D5124EC02DC1}" type="datetime1">
+            <a:fld id="{05D270B5-BA41-4D6C-B3E8-B3D8AA1D61C1}" type="datetime1">
               <a:rPr lang="en-US" smtClean="0"/>
-              <a:t>6/7/18</a:t>
+              <a:t>6/11/18</a:t>
             </a:fld>
             <a:endParaRPr lang="en-US"/>
           </a:p>
@@ -4480,7 +4480,7 @@
           <a:p>
             <a:r>
               <a:rPr lang="en-US"/>
-              <a:t>© 2018, FLL Tutorials, Last Edit 8/13/2016</a:t>
+              <a:t>© 2018, FLL Tutorials, Last Edit 6/11/2018</a:t>
             </a:r>
           </a:p>
         </p:txBody>
@@ -4667,9 +4667,9 @@
           <a:bodyPr/>
           <a:lstStyle/>
           <a:p>
-            <a:fld id="{82664B2A-9CC0-4502-A0C8-EAA908A09C35}" type="datetime1">
+            <a:fld id="{D73B99E8-A0B6-4651-9FC9-3A81187133DE}" type="datetime1">
               <a:rPr lang="en-US" smtClean="0"/>
-              <a:t>6/7/18</a:t>
+              <a:t>6/11/18</a:t>
             </a:fld>
             <a:endParaRPr lang="en-US"/>
           </a:p>
@@ -4692,7 +4692,7 @@
           <a:p>
             <a:r>
               <a:rPr lang="en-US"/>
-              <a:t>© 2018, FLL Tutorials, Last Edit 8/13/2016</a:t>
+              <a:t>© 2018, FLL Tutorials, Last Edit 6/11/2018</a:t>
             </a:r>
           </a:p>
         </p:txBody>
@@ -4950,9 +4950,9 @@
           <a:bodyPr/>
           <a:lstStyle/>
           <a:p>
-            <a:fld id="{1B25286A-F7ED-4A71-9D38-C1EA057A05DE}" type="datetime1">
+            <a:fld id="{B0212F50-BB45-44E3-9F27-BE19528B112E}" type="datetime1">
               <a:rPr lang="en-US" smtClean="0"/>
-              <a:t>6/7/18</a:t>
+              <a:t>6/11/18</a:t>
             </a:fld>
             <a:endParaRPr lang="en-US"/>
           </a:p>
@@ -4975,7 +4975,7 @@
           <a:p>
             <a:r>
               <a:rPr lang="en-US"/>
-              <a:t>© 2018, FLL Tutorials, Last Edit 8/13/2016</a:t>
+              <a:t>© 2018, FLL Tutorials, Last Edit 6/11/2018</a:t>
             </a:r>
           </a:p>
         </p:txBody>
@@ -5217,9 +5217,9 @@
           <a:bodyPr/>
           <a:lstStyle/>
           <a:p>
-            <a:fld id="{BF6D19D4-766B-4381-BA35-8C432BBA2B96}" type="datetime1">
+            <a:fld id="{81673716-7010-452F-86A7-B7230E4CA971}" type="datetime1">
               <a:rPr lang="en-US" smtClean="0"/>
-              <a:t>6/7/18</a:t>
+              <a:t>6/11/18</a:t>
             </a:fld>
             <a:endParaRPr lang="en-US"/>
           </a:p>
@@ -5242,7 +5242,7 @@
           <a:p>
             <a:r>
               <a:rPr lang="en-US"/>
-              <a:t>© 2018, FLL Tutorials, Last Edit 8/13/2016</a:t>
+              <a:t>© 2018, FLL Tutorials, Last Edit 6/11/2018</a:t>
             </a:r>
           </a:p>
         </p:txBody>
@@ -5406,9 +5406,9 @@
           <a:bodyPr/>
           <a:lstStyle/>
           <a:p>
-            <a:fld id="{9F37EA8B-ACC3-4745-9E10-217AE482304A}" type="datetime1">
+            <a:fld id="{A1BF3BBC-1B83-44B9-B31C-0932906551E7}" type="datetime1">
               <a:rPr lang="en-US" smtClean="0"/>
-              <a:t>6/7/18</a:t>
+              <a:t>6/11/18</a:t>
             </a:fld>
             <a:endParaRPr lang="en-US"/>
           </a:p>
@@ -5431,7 +5431,7 @@
           <a:p>
             <a:r>
               <a:rPr lang="en-US"/>
-              <a:t>© 2018, FLL Tutorials, Last Edit 8/13/2016</a:t>
+              <a:t>© 2018, FLL Tutorials, Last Edit 6/11/2018</a:t>
             </a:r>
           </a:p>
         </p:txBody>
@@ -5607,9 +5607,9 @@
           <a:bodyPr/>
           <a:lstStyle/>
           <a:p>
-            <a:fld id="{6E4E04F1-CE6B-408E-9F72-1F8B3DB5AE31}" type="datetime1">
+            <a:fld id="{BDF14C09-F59E-4595-AD02-3B86398A2E40}" type="datetime1">
               <a:rPr lang="en-US" smtClean="0"/>
-              <a:t>6/7/18</a:t>
+              <a:t>6/11/18</a:t>
             </a:fld>
             <a:endParaRPr lang="en-US"/>
           </a:p>
@@ -5632,7 +5632,7 @@
           <a:p>
             <a:r>
               <a:rPr lang="en-US"/>
-              <a:t>© 2018, FLL Tutorials, Last Edit 8/13/2016</a:t>
+              <a:t>© 2018, FLL Tutorials, Last Edit 6/11/2018</a:t>
             </a:r>
           </a:p>
         </p:txBody>
@@ -5778,9 +5778,9 @@
           <a:bodyPr/>
           <a:lstStyle/>
           <a:p>
-            <a:fld id="{9B13D893-7B60-459A-B017-7EC9DB200DBA}" type="datetime1">
+            <a:fld id="{DF668F9E-4584-472A-8C91-A2C351287971}" type="datetime1">
               <a:rPr lang="en-US" smtClean="0"/>
-              <a:t>6/7/18</a:t>
+              <a:t>6/11/18</a:t>
             </a:fld>
             <a:endParaRPr lang="en-US"/>
           </a:p>
@@ -5803,7 +5803,7 @@
           <a:p>
             <a:r>
               <a:rPr lang="en-US"/>
-              <a:t>© 2018, FLL Tutorials, Last Edit 8/13/2016</a:t>
+              <a:t>© 2018, FLL Tutorials, Last Edit 6/11/2018</a:t>
             </a:r>
           </a:p>
         </p:txBody>
@@ -6026,9 +6026,9 @@
           <a:bodyPr/>
           <a:lstStyle/>
           <a:p>
-            <a:fld id="{D3F371AD-D3C0-42E8-BA72-A6D7E9A0C949}" type="datetime1">
+            <a:fld id="{8D59AD45-1B16-4DA0-8C10-A02A8B3EC0DA}" type="datetime1">
               <a:rPr lang="en-US" smtClean="0"/>
-              <a:t>6/7/18</a:t>
+              <a:t>6/11/18</a:t>
             </a:fld>
             <a:endParaRPr lang="en-US"/>
           </a:p>
@@ -6051,7 +6051,7 @@
           <a:p>
             <a:r>
               <a:rPr lang="en-US"/>
-              <a:t>© 2018, FLL Tutorials, Last Edit 8/13/2016</a:t>
+              <a:t>© 2018, FLL Tutorials, Last Edit 6/11/2018</a:t>
             </a:r>
           </a:p>
         </p:txBody>
@@ -6258,9 +6258,9 @@
           <a:bodyPr/>
           <a:lstStyle/>
           <a:p>
-            <a:fld id="{60AE9DBA-679F-493F-BB43-5205DCC1B447}" type="datetime1">
+            <a:fld id="{06F7E80D-4834-4338-8DF8-4B60F727D7D3}" type="datetime1">
               <a:rPr lang="en-US" smtClean="0"/>
-              <a:t>6/7/18</a:t>
+              <a:t>6/11/18</a:t>
             </a:fld>
             <a:endParaRPr lang="en-US"/>
           </a:p>
@@ -6283,7 +6283,7 @@
           <a:p>
             <a:r>
               <a:rPr lang="en-US"/>
-              <a:t>© 2018, FLL Tutorials, Last Edit 8/13/2016</a:t>
+              <a:t>© 2018, FLL Tutorials, Last Edit 6/11/2018</a:t>
             </a:r>
           </a:p>
         </p:txBody>
@@ -6625,9 +6625,9 @@
           <a:bodyPr/>
           <a:lstStyle/>
           <a:p>
-            <a:fld id="{3621FBD6-970A-45B6-8A57-8D32A716588D}" type="datetime1">
+            <a:fld id="{82DB38D4-D08E-4563-AD20-5949E0FBBECA}" type="datetime1">
               <a:rPr lang="en-US" smtClean="0"/>
-              <a:t>6/7/18</a:t>
+              <a:t>6/11/18</a:t>
             </a:fld>
             <a:endParaRPr lang="en-US"/>
           </a:p>
@@ -6650,7 +6650,7 @@
           <a:p>
             <a:r>
               <a:rPr lang="en-US"/>
-              <a:t>© 2018, FLL Tutorials, Last Edit 8/13/2016</a:t>
+              <a:t>© 2018, FLL Tutorials, Last Edit 6/11/2018</a:t>
             </a:r>
           </a:p>
         </p:txBody>
@@ -6745,9 +6745,9 @@
           <a:bodyPr/>
           <a:lstStyle/>
           <a:p>
-            <a:fld id="{8709BEFA-58D9-42C8-B0BD-5B3E6938A0A1}" type="datetime1">
+            <a:fld id="{E2FB604C-8FDC-4C44-8803-FF24B0EBBE7D}" type="datetime1">
               <a:rPr lang="en-US" smtClean="0"/>
-              <a:t>6/7/18</a:t>
+              <a:t>6/11/18</a:t>
             </a:fld>
             <a:endParaRPr lang="en-US"/>
           </a:p>
@@ -6770,7 +6770,7 @@
           <a:p>
             <a:r>
               <a:rPr lang="en-US"/>
-              <a:t>© 2018, FLL Tutorials, Last Edit 8/13/2016</a:t>
+              <a:t>© 2018, FLL Tutorials, Last Edit 6/11/2018</a:t>
             </a:r>
           </a:p>
         </p:txBody>
@@ -6843,9 +6843,9 @@
           <a:bodyPr/>
           <a:lstStyle/>
           <a:p>
-            <a:fld id="{AC8F3FF9-445A-44B1-AC6A-61419BCCD8E3}" type="datetime1">
+            <a:fld id="{910A2D96-B18E-4A30-A177-3E92B78AA0F5}" type="datetime1">
               <a:rPr lang="en-US" smtClean="0"/>
-              <a:t>6/7/18</a:t>
+              <a:t>6/11/18</a:t>
             </a:fld>
             <a:endParaRPr lang="en-US"/>
           </a:p>
@@ -6868,7 +6868,7 @@
           <a:p>
             <a:r>
               <a:rPr lang="en-US"/>
-              <a:t>© 2018, FLL Tutorials, Last Edit 8/13/2016</a:t>
+              <a:t>© 2018, FLL Tutorials, Last Edit 6/11/2018</a:t>
             </a:r>
           </a:p>
         </p:txBody>
@@ -7100,9 +7100,9 @@
           <a:bodyPr/>
           <a:lstStyle/>
           <a:p>
-            <a:fld id="{B022EC24-15AB-456B-ABE0-D3FA2D29D363}" type="datetime1">
+            <a:fld id="{1BAE7D30-DA96-4BAB-AFB5-6A53BDBC99A4}" type="datetime1">
               <a:rPr lang="en-US" smtClean="0"/>
-              <a:t>6/7/18</a:t>
+              <a:t>6/11/18</a:t>
             </a:fld>
             <a:endParaRPr lang="en-US"/>
           </a:p>
@@ -7148,7 +7148,7 @@
           <a:p>
             <a:r>
               <a:rPr lang="en-US"/>
-              <a:t>© 2018, FLL Tutorials, Last Edit 8/13/2016</a:t>
+              <a:t>© 2018, FLL Tutorials, Last Edit 6/11/2018</a:t>
             </a:r>
           </a:p>
         </p:txBody>
@@ -7378,9 +7378,9 @@
           <a:bodyPr/>
           <a:lstStyle/>
           <a:p>
-            <a:fld id="{510EE434-4A60-48E8-BFCA-AFD9087ABA4D}" type="datetime1">
+            <a:fld id="{DB479E7B-588F-4DC7-955E-A13B161141E7}" type="datetime1">
               <a:rPr lang="en-US" smtClean="0"/>
-              <a:t>6/7/18</a:t>
+              <a:t>6/11/18</a:t>
             </a:fld>
             <a:endParaRPr lang="en-US"/>
           </a:p>
@@ -7403,7 +7403,7 @@
           <a:p>
             <a:r>
               <a:rPr lang="en-US"/>
-              <a:t>© 2018, FLL Tutorials, Last Edit 8/13/2016</a:t>
+              <a:t>© 2018, FLL Tutorials, Last Edit 6/11/2018</a:t>
             </a:r>
           </a:p>
         </p:txBody>
@@ -7636,9 +7636,9 @@
           <a:bodyPr/>
           <a:lstStyle/>
           <a:p>
-            <a:fld id="{237DA40D-76D4-472F-8287-9A7D03470B56}" type="datetime1">
+            <a:fld id="{6F5D63C5-E791-4E91-9D8D-CE2C17CC312B}" type="datetime1">
               <a:rPr lang="en-US" smtClean="0"/>
-              <a:t>6/7/18</a:t>
+              <a:t>6/11/18</a:t>
             </a:fld>
             <a:endParaRPr lang="en-US"/>
           </a:p>
@@ -7661,7 +7661,7 @@
           <a:p>
             <a:r>
               <a:rPr lang="en-US"/>
-              <a:t>© 2018, FLL Tutorials, Last Edit 8/13/2016</a:t>
+              <a:t>© 2018, FLL Tutorials, Last Edit 6/11/2018</a:t>
             </a:r>
           </a:p>
         </p:txBody>
@@ -7807,9 +7807,9 @@
           <a:bodyPr/>
           <a:lstStyle/>
           <a:p>
-            <a:fld id="{14460923-7006-483C-811B-F3CFF8FD1F7C}" type="datetime1">
+            <a:fld id="{3196AE49-1E95-467B-983A-79317DE998C9}" type="datetime1">
               <a:rPr lang="en-US" smtClean="0"/>
-              <a:t>6/7/18</a:t>
+              <a:t>6/11/18</a:t>
             </a:fld>
             <a:endParaRPr lang="en-US"/>
           </a:p>
@@ -7832,7 +7832,7 @@
           <a:p>
             <a:r>
               <a:rPr lang="en-US"/>
-              <a:t>© 2018, FLL Tutorials, Last Edit 8/13/2016</a:t>
+              <a:t>© 2018, FLL Tutorials, Last Edit 6/11/2018</a:t>
             </a:r>
           </a:p>
         </p:txBody>
@@ -7988,9 +7988,9 @@
           <a:bodyPr/>
           <a:lstStyle/>
           <a:p>
-            <a:fld id="{F9542076-4690-42C6-9963-6F0D6CC44558}" type="datetime1">
+            <a:fld id="{4AB5163F-FF66-41EB-A631-FC77297B2D84}" type="datetime1">
               <a:rPr lang="en-US" smtClean="0"/>
-              <a:t>6/7/18</a:t>
+              <a:t>6/11/18</a:t>
             </a:fld>
             <a:endParaRPr lang="en-US"/>
           </a:p>
@@ -8013,7 +8013,7 @@
           <a:p>
             <a:r>
               <a:rPr lang="en-US"/>
-              <a:t>© 2018, FLL Tutorials, Last Edit 8/13/2016</a:t>
+              <a:t>© 2018, FLL Tutorials, Last Edit 6/11/2018</a:t>
             </a:r>
           </a:p>
         </p:txBody>
@@ -8245,9 +8245,9 @@
           <a:bodyPr/>
           <a:lstStyle/>
           <a:p>
-            <a:fld id="{BAA46D3F-AE39-4EBF-B49B-AC1E872B079F}" type="datetime1">
+            <a:fld id="{A15145B3-7C95-4F84-80A4-28CD27069FA8}" type="datetime1">
               <a:rPr lang="en-US" smtClean="0"/>
-              <a:t>6/7/18</a:t>
+              <a:t>6/11/18</a:t>
             </a:fld>
             <a:endParaRPr lang="en-US"/>
           </a:p>
@@ -8270,7 +8270,7 @@
           <a:p>
             <a:r>
               <a:rPr lang="en-US"/>
-              <a:t>© 2018, FLL Tutorials, Last Edit 8/13/2016</a:t>
+              <a:t>© 2018, FLL Tutorials, Last Edit 6/11/2018</a:t>
             </a:r>
           </a:p>
         </p:txBody>
@@ -9269,9 +9269,9 @@
           <a:bodyPr/>
           <a:lstStyle/>
           <a:p>
-            <a:fld id="{F74B3BA2-64A9-44E5-BF8A-AED83C69AB3E}" type="datetime1">
+            <a:fld id="{9B41F961-914B-469B-9FED-823E2DEF0E59}" type="datetime1">
               <a:rPr lang="en-US" smtClean="0"/>
-              <a:t>6/7/18</a:t>
+              <a:t>6/11/18</a:t>
             </a:fld>
             <a:endParaRPr lang="en-US"/>
           </a:p>
@@ -9294,7 +9294,7 @@
           <a:p>
             <a:r>
               <a:rPr lang="en-US"/>
-              <a:t>© 2018, FLL Tutorials, Last Edit 8/13/2016</a:t>
+              <a:t>© 2018, FLL Tutorials, Last Edit 6/11/2018</a:t>
             </a:r>
           </a:p>
         </p:txBody>
@@ -9531,9 +9531,9 @@
           <a:bodyPr/>
           <a:lstStyle/>
           <a:p>
-            <a:fld id="{9ADB91FD-FED1-4978-B7DC-947CA3AAA71C}" type="datetime1">
+            <a:fld id="{58253196-B6B6-469E-BC09-BFC33D590937}" type="datetime1">
               <a:rPr lang="en-US" smtClean="0"/>
-              <a:t>6/7/18</a:t>
+              <a:t>6/11/18</a:t>
             </a:fld>
             <a:endParaRPr lang="en-US"/>
           </a:p>
@@ -9579,7 +9579,7 @@
           <a:p>
             <a:r>
               <a:rPr lang="en-US"/>
-              <a:t>© 2018, FLL Tutorials, Last Edit 8/13/2016</a:t>
+              <a:t>© 2018, FLL Tutorials, Last Edit 6/11/2018</a:t>
             </a:r>
           </a:p>
         </p:txBody>
@@ -9826,9 +9826,9 @@
           <a:bodyPr/>
           <a:lstStyle/>
           <a:p>
-            <a:fld id="{24196AA2-E184-47B9-99CD-9E928E393A2C}" type="datetime1">
+            <a:fld id="{E67B44E5-4153-458E-9DFC-A40DCBCD4A1A}" type="datetime1">
               <a:rPr lang="en-US" smtClean="0"/>
-              <a:t>6/7/18</a:t>
+              <a:t>6/11/18</a:t>
             </a:fld>
             <a:endParaRPr lang="en-US"/>
           </a:p>
@@ -9851,7 +9851,7 @@
           <a:p>
             <a:r>
               <a:rPr lang="en-US"/>
-              <a:t>© 2018, FLL Tutorials, Last Edit 8/13/2016</a:t>
+              <a:t>© 2018, FLL Tutorials, Last Edit 6/11/2018</a:t>
             </a:r>
           </a:p>
         </p:txBody>
@@ -10272,9 +10272,9 @@
           <a:bodyPr/>
           <a:lstStyle/>
           <a:p>
-            <a:fld id="{2C47176F-CC66-42B7-AECC-E11B404E5EBE}" type="datetime1">
+            <a:fld id="{88C5AA62-C60F-4EDC-87A8-24777F787DC4}" type="datetime1">
               <a:rPr lang="en-US" smtClean="0"/>
-              <a:t>6/7/18</a:t>
+              <a:t>6/11/18</a:t>
             </a:fld>
             <a:endParaRPr lang="en-US"/>
           </a:p>
@@ -10297,7 +10297,7 @@
           <a:p>
             <a:r>
               <a:rPr lang="en-US"/>
-              <a:t>© 2018, FLL Tutorials, Last Edit 8/13/2016</a:t>
+              <a:t>© 2018, FLL Tutorials, Last Edit 6/11/2018</a:t>
             </a:r>
           </a:p>
         </p:txBody>
@@ -10392,9 +10392,9 @@
           <a:bodyPr/>
           <a:lstStyle/>
           <a:p>
-            <a:fld id="{29E0D7F4-84F8-4E72-9E14-EE119EDB4EC0}" type="datetime1">
+            <a:fld id="{478C3C75-9750-4AC4-BECF-38831729928F}" type="datetime1">
               <a:rPr lang="en-US" smtClean="0"/>
-              <a:t>6/7/18</a:t>
+              <a:t>6/11/18</a:t>
             </a:fld>
             <a:endParaRPr lang="en-US"/>
           </a:p>
@@ -10417,7 +10417,7 @@
           <a:p>
             <a:r>
               <a:rPr lang="en-US"/>
-              <a:t>© 2018, FLL Tutorials, Last Edit 8/13/2016</a:t>
+              <a:t>© 2018, FLL Tutorials, Last Edit 6/11/2018</a:t>
             </a:r>
           </a:p>
         </p:txBody>
@@ -10686,9 +10686,9 @@
           <a:bodyPr/>
           <a:lstStyle/>
           <a:p>
-            <a:fld id="{A2CE7686-4E73-4739-B2ED-6A0B6A8979C5}" type="datetime1">
+            <a:fld id="{C9C5B217-76FC-4A0F-9738-F2D14EA55C45}" type="datetime1">
               <a:rPr lang="en-US" smtClean="0"/>
-              <a:t>6/7/18</a:t>
+              <a:t>6/11/18</a:t>
             </a:fld>
             <a:endParaRPr lang="en-US"/>
           </a:p>
@@ -10711,7 +10711,7 @@
           <a:p>
             <a:r>
               <a:rPr lang="en-US"/>
-              <a:t>© 2018, FLL Tutorials, Last Edit 8/13/2016</a:t>
+              <a:t>© 2018, FLL Tutorials, Last Edit 6/11/2018</a:t>
             </a:r>
           </a:p>
         </p:txBody>
@@ -10784,9 +10784,9 @@
           <a:bodyPr/>
           <a:lstStyle/>
           <a:p>
-            <a:fld id="{0718B359-5DB6-4FAF-81F4-6CA561191E63}" type="datetime1">
+            <a:fld id="{A891D4D9-E575-4840-9830-F1E57C125C05}" type="datetime1">
               <a:rPr lang="en-US" smtClean="0"/>
-              <a:t>6/7/18</a:t>
+              <a:t>6/11/18</a:t>
             </a:fld>
             <a:endParaRPr lang="en-US"/>
           </a:p>
@@ -10809,7 +10809,7 @@
           <a:p>
             <a:r>
               <a:rPr lang="en-US"/>
-              <a:t>© 2018, FLL Tutorials, Last Edit 8/13/2016</a:t>
+              <a:t>© 2018, FLL Tutorials, Last Edit 6/11/2018</a:t>
             </a:r>
           </a:p>
         </p:txBody>
@@ -11034,9 +11034,9 @@
           <a:bodyPr/>
           <a:lstStyle/>
           <a:p>
-            <a:fld id="{146F9077-57EE-4E7C-A904-DD9E896E7551}" type="datetime1">
+            <a:fld id="{1A9A9413-3CC1-4831-8DAD-861ECFC6A5AC}" type="datetime1">
               <a:rPr lang="en-US" smtClean="0"/>
-              <a:t>6/7/18</a:t>
+              <a:t>6/11/18</a:t>
             </a:fld>
             <a:endParaRPr lang="en-US"/>
           </a:p>
@@ -11059,7 +11059,7 @@
           <a:p>
             <a:r>
               <a:rPr lang="en-US"/>
-              <a:t>© 2018, FLL Tutorials, Last Edit 8/13/2016</a:t>
+              <a:t>© 2018, FLL Tutorials, Last Edit 6/11/2018</a:t>
             </a:r>
           </a:p>
         </p:txBody>
@@ -11334,9 +11334,9 @@
           <a:bodyPr/>
           <a:lstStyle/>
           <a:p>
-            <a:fld id="{7748A08D-B673-4587-9596-9A744C9B298B}" type="datetime1">
+            <a:fld id="{A788B88F-1DBC-49B4-A6A7-467D930F0FFC}" type="datetime1">
               <a:rPr lang="en-US" smtClean="0"/>
-              <a:t>6/7/18</a:t>
+              <a:t>6/11/18</a:t>
             </a:fld>
             <a:endParaRPr lang="en-US"/>
           </a:p>
@@ -11359,7 +11359,7 @@
           <a:p>
             <a:r>
               <a:rPr lang="en-US"/>
-              <a:t>© 2018, FLL Tutorials, Last Edit 8/13/2016</a:t>
+              <a:t>© 2018, FLL Tutorials, Last Edit 6/11/2018</a:t>
             </a:r>
           </a:p>
         </p:txBody>
@@ -11593,9 +11593,9 @@
           <a:bodyPr/>
           <a:lstStyle/>
           <a:p>
-            <a:fld id="{E6A07F8B-00C1-47B6-A006-4D8F90C97285}" type="datetime1">
+            <a:fld id="{CBE0F99B-1F66-4EE8-8455-1B8F9D3EFDDF}" type="datetime1">
               <a:rPr lang="en-US" smtClean="0"/>
-              <a:t>6/7/18</a:t>
+              <a:t>6/11/18</a:t>
             </a:fld>
             <a:endParaRPr lang="en-US"/>
           </a:p>
@@ -11618,7 +11618,7 @@
           <a:p>
             <a:r>
               <a:rPr lang="en-US"/>
-              <a:t>© 2018, FLL Tutorials, Last Edit 8/13/2016</a:t>
+              <a:t>© 2018, FLL Tutorials, Last Edit 6/11/2018</a:t>
             </a:r>
           </a:p>
         </p:txBody>
@@ -11774,9 +11774,9 @@
           <a:bodyPr/>
           <a:lstStyle/>
           <a:p>
-            <a:fld id="{766CBB4C-1DD5-4A29-ABBE-273AC2FBB2E9}" type="datetime1">
+            <a:fld id="{6310C22A-B5E1-4D6B-B10D-F5B1CBED706D}" type="datetime1">
               <a:rPr lang="en-US" smtClean="0"/>
-              <a:t>6/7/18</a:t>
+              <a:t>6/11/18</a:t>
             </a:fld>
             <a:endParaRPr lang="en-US"/>
           </a:p>
@@ -11799,7 +11799,7 @@
           <a:p>
             <a:r>
               <a:rPr lang="en-US"/>
-              <a:t>© 2018, FLL Tutorials, Last Edit 8/13/2016</a:t>
+              <a:t>© 2018, FLL Tutorials, Last Edit 6/11/2018</a:t>
             </a:r>
           </a:p>
         </p:txBody>
@@ -11990,9 +11990,9 @@
           <a:bodyPr/>
           <a:lstStyle/>
           <a:p>
-            <a:fld id="{AE158E9D-3E02-47C5-95E1-B19F824BF6A5}" type="datetime1">
+            <a:fld id="{9E8BB53B-1940-40EB-A860-C33326F87388}" type="datetime1">
               <a:rPr lang="en-US" smtClean="0"/>
-              <a:t>6/7/18</a:t>
+              <a:t>6/11/18</a:t>
             </a:fld>
             <a:endParaRPr lang="en-US"/>
           </a:p>
@@ -12020,7 +12020,7 @@
           <a:p>
             <a:r>
               <a:rPr lang="en-US"/>
-              <a:t>© 2018, FLL Tutorials, Last Edit 8/13/2016</a:t>
+              <a:t>© 2018, FLL Tutorials, Last Edit 6/11/2018</a:t>
             </a:r>
           </a:p>
         </p:txBody>
@@ -13246,9 +13246,9 @@
           <a:bodyPr/>
           <a:lstStyle/>
           <a:p>
-            <a:fld id="{FD38ADA4-0010-41B7-BE79-DC6522B6A23E}" type="datetime1">
+            <a:fld id="{707EB97F-08AD-4D86-859A-BC3D04E2A332}" type="datetime1">
               <a:rPr lang="en-US" smtClean="0"/>
-              <a:t>6/7/18</a:t>
+              <a:t>6/11/18</a:t>
             </a:fld>
             <a:endParaRPr lang="en-US"/>
           </a:p>
@@ -13271,7 +13271,7 @@
           <a:p>
             <a:r>
               <a:rPr lang="en-US"/>
-              <a:t>© 2018, FLL Tutorials, Last Edit 8/13/2016</a:t>
+              <a:t>© 2018, FLL Tutorials, Last Edit 6/11/2018</a:t>
             </a:r>
           </a:p>
         </p:txBody>
@@ -13511,9 +13511,9 @@
           <a:bodyPr/>
           <a:lstStyle/>
           <a:p>
-            <a:fld id="{169881E7-5AFE-4F62-BD60-ADAF496002FC}" type="datetime1">
+            <a:fld id="{EF3339E6-6BBF-4D92-A7FF-64F9AB71C068}" type="datetime1">
               <a:rPr lang="en-US" smtClean="0"/>
-              <a:t>6/7/18</a:t>
+              <a:t>6/11/18</a:t>
             </a:fld>
             <a:endParaRPr lang="en-US"/>
           </a:p>
@@ -13567,7 +13567,7 @@
           <a:p>
             <a:r>
               <a:rPr lang="en-US"/>
-              <a:t>© 2018, FLL Tutorials, Last Edit 8/13/2016</a:t>
+              <a:t>© 2018, FLL Tutorials, Last Edit 6/11/2018</a:t>
             </a:r>
           </a:p>
         </p:txBody>
@@ -13814,9 +13814,9 @@
           <a:bodyPr/>
           <a:lstStyle/>
           <a:p>
-            <a:fld id="{BE280DDD-B31D-44ED-B657-21693E81CB4E}" type="datetime1">
+            <a:fld id="{82EB940D-32E4-4FD0-8814-C4EC00758C64}" type="datetime1">
               <a:rPr lang="en-US" smtClean="0"/>
-              <a:t>6/7/18</a:t>
+              <a:t>6/11/18</a:t>
             </a:fld>
             <a:endParaRPr lang="en-US"/>
           </a:p>
@@ -13839,7 +13839,7 @@
           <a:p>
             <a:r>
               <a:rPr lang="en-US"/>
-              <a:t>© 2018, FLL Tutorials, Last Edit 8/13/2016</a:t>
+              <a:t>© 2018, FLL Tutorials, Last Edit 6/11/2018</a:t>
             </a:r>
           </a:p>
         </p:txBody>
@@ -14268,9 +14268,9 @@
           <a:bodyPr/>
           <a:lstStyle/>
           <a:p>
-            <a:fld id="{14F168BC-5887-4118-AADA-7DA4F3D95E4F}" type="datetime1">
+            <a:fld id="{E1D59B40-6616-4F6E-98EE-B6F15C7BDDE0}" type="datetime1">
               <a:rPr lang="en-US" smtClean="0"/>
-              <a:t>6/7/18</a:t>
+              <a:t>6/11/18</a:t>
             </a:fld>
             <a:endParaRPr lang="en-US"/>
           </a:p>
@@ -14293,7 +14293,7 @@
           <a:p>
             <a:r>
               <a:rPr lang="en-US"/>
-              <a:t>© 2018, FLL Tutorials, Last Edit 8/13/2016</a:t>
+              <a:t>© 2018, FLL Tutorials, Last Edit 6/11/2018</a:t>
             </a:r>
           </a:p>
         </p:txBody>
@@ -14722,9 +14722,9 @@
           <a:bodyPr/>
           <a:lstStyle/>
           <a:p>
-            <a:fld id="{400CEFBE-5FB5-4C80-A013-4A9DDAD36F81}" type="datetime1">
+            <a:fld id="{722BFFA5-42C9-4BEC-8ACB-D07EC0E16987}" type="datetime1">
               <a:rPr lang="en-US" smtClean="0"/>
-              <a:t>6/7/18</a:t>
+              <a:t>6/11/18</a:t>
             </a:fld>
             <a:endParaRPr lang="en-US"/>
           </a:p>
@@ -14747,7 +14747,7 @@
           <a:p>
             <a:r>
               <a:rPr lang="en-US"/>
-              <a:t>© 2018, FLL Tutorials, Last Edit 8/13/2016</a:t>
+              <a:t>© 2018, FLL Tutorials, Last Edit 6/11/2018</a:t>
             </a:r>
           </a:p>
         </p:txBody>
@@ -14842,9 +14842,9 @@
           <a:bodyPr/>
           <a:lstStyle/>
           <a:p>
-            <a:fld id="{C9BBCE28-0C82-46B0-AC92-C6B04F330FE3}" type="datetime1">
+            <a:fld id="{053CFE50-C637-4FED-BC33-0D35E7009A51}" type="datetime1">
               <a:rPr lang="en-US" smtClean="0"/>
-              <a:t>6/7/18</a:t>
+              <a:t>6/11/18</a:t>
             </a:fld>
             <a:endParaRPr lang="en-US"/>
           </a:p>
@@ -14867,7 +14867,7 @@
           <a:p>
             <a:r>
               <a:rPr lang="en-US"/>
-              <a:t>© 2018, FLL Tutorials, Last Edit 8/13/2016</a:t>
+              <a:t>© 2018, FLL Tutorials, Last Edit 6/11/2018</a:t>
             </a:r>
           </a:p>
         </p:txBody>
@@ -14948,9 +14948,9 @@
           <a:bodyPr/>
           <a:lstStyle/>
           <a:p>
-            <a:fld id="{9D7D096F-3D41-4B67-B6D1-82037092AB10}" type="datetime1">
+            <a:fld id="{B4AAA24C-9082-4BEC-A7FB-041FD44BB849}" type="datetime1">
               <a:rPr lang="en-US" smtClean="0"/>
-              <a:t>6/7/18</a:t>
+              <a:t>6/11/18</a:t>
             </a:fld>
             <a:endParaRPr lang="en-US"/>
           </a:p>
@@ -14973,7 +14973,7 @@
           <a:p>
             <a:r>
               <a:rPr lang="en-US"/>
-              <a:t>© 2018, FLL Tutorials, Last Edit 8/13/2016</a:t>
+              <a:t>© 2018, FLL Tutorials, Last Edit 6/11/2018</a:t>
             </a:r>
           </a:p>
         </p:txBody>
@@ -15206,9 +15206,9 @@
           <a:bodyPr/>
           <a:lstStyle/>
           <a:p>
-            <a:fld id="{181C22A6-100F-4D36-9842-F43A92D6DD75}" type="datetime1">
+            <a:fld id="{9839D54E-ADCE-4C8D-8DA4-5737D16F1DC0}" type="datetime1">
               <a:rPr lang="en-US" smtClean="0"/>
-              <a:t>6/7/18</a:t>
+              <a:t>6/11/18</a:t>
             </a:fld>
             <a:endParaRPr lang="en-US"/>
           </a:p>
@@ -15231,7 +15231,7 @@
           <a:p>
             <a:r>
               <a:rPr lang="en-US"/>
-              <a:t>© 2018, FLL Tutorials, Last Edit 8/13/2016</a:t>
+              <a:t>© 2018, FLL Tutorials, Last Edit 6/11/2018</a:t>
             </a:r>
           </a:p>
         </p:txBody>
@@ -15514,9 +15514,9 @@
           <a:bodyPr/>
           <a:lstStyle/>
           <a:p>
-            <a:fld id="{C1269CFC-76DD-4863-BA66-CE845AAAB3E8}" type="datetime1">
+            <a:fld id="{683CCB1B-6770-48AA-AE13-909113A082C9}" type="datetime1">
               <a:rPr lang="en-US" smtClean="0"/>
-              <a:t>6/7/18</a:t>
+              <a:t>6/11/18</a:t>
             </a:fld>
             <a:endParaRPr lang="en-US"/>
           </a:p>
@@ -15539,7 +15539,7 @@
           <a:p>
             <a:r>
               <a:rPr lang="en-US"/>
-              <a:t>© 2018, FLL Tutorials, Last Edit 8/13/2016</a:t>
+              <a:t>© 2018, FLL Tutorials, Last Edit 6/11/2018</a:t>
             </a:r>
           </a:p>
         </p:txBody>
@@ -15781,9 +15781,9 @@
           <a:bodyPr/>
           <a:lstStyle/>
           <a:p>
-            <a:fld id="{906D8E40-05C8-4214-A0A2-DC90F6A66DCA}" type="datetime1">
+            <a:fld id="{00C0F169-BEB1-452E-BC58-693845839403}" type="datetime1">
               <a:rPr lang="en-US" smtClean="0"/>
-              <a:t>6/7/18</a:t>
+              <a:t>6/11/18</a:t>
             </a:fld>
             <a:endParaRPr lang="en-US"/>
           </a:p>
@@ -15806,7 +15806,7 @@
           <a:p>
             <a:r>
               <a:rPr lang="en-US"/>
-              <a:t>© 2018, FLL Tutorials, Last Edit 8/13/2016</a:t>
+              <a:t>© 2018, FLL Tutorials, Last Edit 6/11/2018</a:t>
             </a:r>
           </a:p>
         </p:txBody>
@@ -15970,9 +15970,9 @@
           <a:bodyPr/>
           <a:lstStyle/>
           <a:p>
-            <a:fld id="{AB77731D-EFB9-40FE-BB98-3BB2B618154F}" type="datetime1">
+            <a:fld id="{37D5FAD8-6F31-4FFC-94EE-A8374E78F412}" type="datetime1">
               <a:rPr lang="en-US" smtClean="0"/>
-              <a:t>6/7/18</a:t>
+              <a:t>6/11/18</a:t>
             </a:fld>
             <a:endParaRPr lang="en-US"/>
           </a:p>
@@ -15995,7 +15995,7 @@
           <a:p>
             <a:r>
               <a:rPr lang="en-US"/>
-              <a:t>© 2018, FLL Tutorials, Last Edit 8/13/2016</a:t>
+              <a:t>© 2018, FLL Tutorials, Last Edit 6/11/2018</a:t>
             </a:r>
           </a:p>
         </p:txBody>
@@ -16171,9 +16171,9 @@
           <a:bodyPr/>
           <a:lstStyle/>
           <a:p>
-            <a:fld id="{C8093665-F755-45AD-A00F-2BC81836E4BD}" type="datetime1">
+            <a:fld id="{E989E815-D6FB-4667-80E1-EF923CF91E92}" type="datetime1">
               <a:rPr lang="en-US" smtClean="0"/>
-              <a:t>6/7/18</a:t>
+              <a:t>6/11/18</a:t>
             </a:fld>
             <a:endParaRPr lang="en-US"/>
           </a:p>
@@ -16196,7 +16196,7 @@
           <a:p>
             <a:r>
               <a:rPr lang="en-US"/>
-              <a:t>© 2018, FLL Tutorials, Last Edit 8/13/2016</a:t>
+              <a:t>© 2018, FLL Tutorials, Last Edit 6/11/2018</a:t>
             </a:r>
           </a:p>
         </p:txBody>
@@ -16342,9 +16342,9 @@
           <a:bodyPr/>
           <a:lstStyle/>
           <a:p>
-            <a:fld id="{2EC3AFF8-D49B-427A-BBCF-2F935C8E844A}" type="datetime1">
+            <a:fld id="{F60A99C5-98C1-48C0-B192-399F435B8D5F}" type="datetime1">
               <a:rPr lang="en-US" smtClean="0"/>
-              <a:t>6/7/18</a:t>
+              <a:t>6/11/18</a:t>
             </a:fld>
             <a:endParaRPr lang="en-US"/>
           </a:p>
@@ -16367,7 +16367,7 @@
           <a:p>
             <a:r>
               <a:rPr lang="en-US"/>
-              <a:t>© 2018, FLL Tutorials, Last Edit 8/13/2016</a:t>
+              <a:t>© 2018, FLL Tutorials, Last Edit 6/11/2018</a:t>
             </a:r>
           </a:p>
         </p:txBody>
@@ -16590,9 +16590,9 @@
           <a:bodyPr/>
           <a:lstStyle/>
           <a:p>
-            <a:fld id="{535E9302-7166-40D6-9529-D8E1BD4E0475}" type="datetime1">
+            <a:fld id="{985AB948-023A-442C-911C-F4910334ACF9}" type="datetime1">
               <a:rPr lang="en-US" smtClean="0"/>
-              <a:t>6/7/18</a:t>
+              <a:t>6/11/18</a:t>
             </a:fld>
             <a:endParaRPr lang="en-US"/>
           </a:p>
@@ -16615,7 +16615,7 @@
           <a:p>
             <a:r>
               <a:rPr lang="en-US"/>
-              <a:t>© 2018, FLL Tutorials, Last Edit 8/13/2016</a:t>
+              <a:t>© 2018, FLL Tutorials, Last Edit 6/11/2018</a:t>
             </a:r>
           </a:p>
         </p:txBody>
@@ -16822,9 +16822,9 @@
           <a:bodyPr/>
           <a:lstStyle/>
           <a:p>
-            <a:fld id="{722B9D5B-65EE-4F11-9EB5-6801E7FDDCB6}" type="datetime1">
+            <a:fld id="{5AD876AA-2B37-42AF-8251-A4A5048C751B}" type="datetime1">
               <a:rPr lang="en-US" smtClean="0"/>
-              <a:t>6/7/18</a:t>
+              <a:t>6/11/18</a:t>
             </a:fld>
             <a:endParaRPr lang="en-US"/>
           </a:p>
@@ -16847,7 +16847,7 @@
           <a:p>
             <a:r>
               <a:rPr lang="en-US"/>
-              <a:t>© 2018, FLL Tutorials, Last Edit 8/13/2016</a:t>
+              <a:t>© 2018, FLL Tutorials, Last Edit 6/11/2018</a:t>
             </a:r>
           </a:p>
         </p:txBody>
@@ -16942,9 +16942,9 @@
           <a:bodyPr/>
           <a:lstStyle/>
           <a:p>
-            <a:fld id="{18EA8B0E-F046-4F44-A60E-0A4E9E13EA82}" type="datetime1">
+            <a:fld id="{EFB030C8-72A6-4ED1-A125-0CEB0CB15E22}" type="datetime1">
               <a:rPr lang="en-US" smtClean="0"/>
-              <a:t>6/7/18</a:t>
+              <a:t>6/11/18</a:t>
             </a:fld>
             <a:endParaRPr lang="en-US"/>
           </a:p>
@@ -16967,7 +16967,7 @@
           <a:p>
             <a:r>
               <a:rPr lang="en-US"/>
-              <a:t>© 2018, FLL Tutorials, Last Edit 8/13/2016</a:t>
+              <a:t>© 2018, FLL Tutorials, Last Edit 6/11/2018</a:t>
             </a:r>
           </a:p>
         </p:txBody>
@@ -17309,9 +17309,9 @@
           <a:bodyPr/>
           <a:lstStyle/>
           <a:p>
-            <a:fld id="{E3295CF7-C4C7-4329-ADA1-88DE5A62CB96}" type="datetime1">
+            <a:fld id="{88312C2C-BB3C-456A-8B42-009E35B82A96}" type="datetime1">
               <a:rPr lang="en-US" smtClean="0"/>
-              <a:t>6/7/18</a:t>
+              <a:t>6/11/18</a:t>
             </a:fld>
             <a:endParaRPr lang="en-US"/>
           </a:p>
@@ -17334,7 +17334,7 @@
           <a:p>
             <a:r>
               <a:rPr lang="en-US"/>
-              <a:t>© 2018, FLL Tutorials, Last Edit 8/13/2016</a:t>
+              <a:t>© 2018, FLL Tutorials, Last Edit 6/11/2018</a:t>
             </a:r>
           </a:p>
         </p:txBody>
@@ -17429,9 +17429,9 @@
           <a:bodyPr/>
           <a:lstStyle/>
           <a:p>
-            <a:fld id="{6308D003-0EBD-4ADA-89BB-5D5D9AA18F4A}" type="datetime1">
+            <a:fld id="{7D87878B-6ECA-42E5-8F50-851CB3E99290}" type="datetime1">
               <a:rPr lang="en-US" smtClean="0"/>
-              <a:t>6/7/18</a:t>
+              <a:t>6/11/18</a:t>
             </a:fld>
             <a:endParaRPr lang="en-US"/>
           </a:p>
@@ -17454,7 +17454,7 @@
           <a:p>
             <a:r>
               <a:rPr lang="en-US"/>
-              <a:t>© 2018, FLL Tutorials, Last Edit 8/13/2016</a:t>
+              <a:t>© 2018, FLL Tutorials, Last Edit 6/11/2018</a:t>
             </a:r>
           </a:p>
         </p:txBody>
@@ -17527,9 +17527,9 @@
           <a:bodyPr/>
           <a:lstStyle/>
           <a:p>
-            <a:fld id="{F6BA750D-9DCC-413A-8369-7D348F44D132}" type="datetime1">
+            <a:fld id="{6EA43F63-00C5-4E6D-B90E-18205030E294}" type="datetime1">
               <a:rPr lang="en-US" smtClean="0"/>
-              <a:t>6/7/18</a:t>
+              <a:t>6/11/18</a:t>
             </a:fld>
             <a:endParaRPr lang="en-US"/>
           </a:p>
@@ -17552,7 +17552,7 @@
           <a:p>
             <a:r>
               <a:rPr lang="en-US"/>
-              <a:t>© 2018, FLL Tutorials, Last Edit 8/13/2016</a:t>
+              <a:t>© 2018, FLL Tutorials, Last Edit 6/11/2018</a:t>
             </a:r>
           </a:p>
         </p:txBody>
@@ -17805,9 +17805,9 @@
           <a:bodyPr/>
           <a:lstStyle/>
           <a:p>
-            <a:fld id="{8C6192EC-2F06-4DB8-9921-B33DBEFBB68C}" type="datetime1">
+            <a:fld id="{0CB40A99-3933-48CD-BD8D-26970D38B563}" type="datetime1">
               <a:rPr lang="en-US" smtClean="0"/>
-              <a:t>6/7/18</a:t>
+              <a:t>6/11/18</a:t>
             </a:fld>
             <a:endParaRPr lang="en-US"/>
           </a:p>
@@ -17830,7 +17830,7 @@
           <a:p>
             <a:r>
               <a:rPr lang="en-US"/>
-              <a:t>© 2018, FLL Tutorials, Last Edit 8/13/2016</a:t>
+              <a:t>© 2018, FLL Tutorials, Last Edit 6/11/2018</a:t>
             </a:r>
           </a:p>
         </p:txBody>
@@ -18063,9 +18063,9 @@
           <a:bodyPr/>
           <a:lstStyle/>
           <a:p>
-            <a:fld id="{4518F70E-2BAB-4C34-86BF-403F5C6031AF}" type="datetime1">
+            <a:fld id="{CFF200E8-3A89-4509-BB3A-008801C84DCB}" type="datetime1">
               <a:rPr lang="en-US" smtClean="0"/>
-              <a:t>6/7/18</a:t>
+              <a:t>6/11/18</a:t>
             </a:fld>
             <a:endParaRPr lang="en-US"/>
           </a:p>
@@ -18088,7 +18088,7 @@
           <a:p>
             <a:r>
               <a:rPr lang="en-US"/>
-              <a:t>© 2018, FLL Tutorials, Last Edit 8/13/2016</a:t>
+              <a:t>© 2018, FLL Tutorials, Last Edit 6/11/2018</a:t>
             </a:r>
           </a:p>
         </p:txBody>
@@ -18234,9 +18234,9 @@
           <a:bodyPr/>
           <a:lstStyle/>
           <a:p>
-            <a:fld id="{CD372E3F-FA45-47EF-9832-85529E97D964}" type="datetime1">
+            <a:fld id="{6B462146-A371-46BD-B426-F256CDE06F04}" type="datetime1">
               <a:rPr lang="en-US" smtClean="0"/>
-              <a:t>6/7/18</a:t>
+              <a:t>6/11/18</a:t>
             </a:fld>
             <a:endParaRPr lang="en-US"/>
           </a:p>
@@ -18259,7 +18259,7 @@
           <a:p>
             <a:r>
               <a:rPr lang="en-US"/>
-              <a:t>© 2018, FLL Tutorials, Last Edit 8/13/2016</a:t>
+              <a:t>© 2018, FLL Tutorials, Last Edit 6/11/2018</a:t>
             </a:r>
           </a:p>
         </p:txBody>
@@ -18415,9 +18415,9 @@
           <a:bodyPr/>
           <a:lstStyle/>
           <a:p>
-            <a:fld id="{A9350AA1-261A-406C-B300-DDB146DB8B64}" type="datetime1">
+            <a:fld id="{4FD4739E-D270-4C85-B956-A9DC12F6888C}" type="datetime1">
               <a:rPr lang="en-US" smtClean="0"/>
-              <a:t>6/7/18</a:t>
+              <a:t>6/11/18</a:t>
             </a:fld>
             <a:endParaRPr lang="en-US"/>
           </a:p>
@@ -18440,7 +18440,7 @@
           <a:p>
             <a:r>
               <a:rPr lang="en-US"/>
-              <a:t>© 2018, FLL Tutorials, Last Edit 8/13/2016</a:t>
+              <a:t>© 2018, FLL Tutorials, Last Edit 6/11/2018</a:t>
             </a:r>
           </a:p>
         </p:txBody>
@@ -18472,6 +18472,1328 @@
     <p:extLst>
       <p:ext uri="{BB962C8B-B14F-4D97-AF65-F5344CB8AC3E}">
         <p14:creationId xmlns:p14="http://schemas.microsoft.com/office/powerpoint/2010/main" val="5720026"/>
+      </p:ext>
+    </p:extLst>
+  </p:cSld>
+  <p:clrMapOvr>
+    <a:masterClrMapping/>
+  </p:clrMapOvr>
+</p:sldLayout>
+</file>
+
+<file path=ppt/slideLayouts/slideLayout67.xml><?xml version="1.0" encoding="utf-8"?>
+<p:sldLayout xmlns:a="http://schemas.openxmlformats.org/drawingml/2006/main" xmlns:r="http://schemas.openxmlformats.org/officeDocument/2006/relationships" xmlns:p="http://schemas.openxmlformats.org/presentationml/2006/main" type="title" preserve="1">
+  <p:cSld name="Title Slide">
+    <p:spTree>
+      <p:nvGrpSpPr>
+        <p:cNvPr id="1" name=""/>
+        <p:cNvGrpSpPr/>
+        <p:nvPr/>
+      </p:nvGrpSpPr>
+      <p:grpSpPr>
+        <a:xfrm>
+          <a:off x="0" y="0"/>
+          <a:ext cx="0" cy="0"/>
+          <a:chOff x="0" y="0"/>
+          <a:chExt cx="0" cy="0"/>
+        </a:xfrm>
+      </p:grpSpPr>
+      <p:sp>
+        <p:nvSpPr>
+          <p:cNvPr id="7" name="Rectangle 6"/>
+          <p:cNvSpPr/>
+          <p:nvPr/>
+        </p:nvSpPr>
+        <p:spPr>
+          <a:xfrm>
+            <a:off x="448091" y="563880"/>
+            <a:ext cx="8240108" cy="5682175"/>
+          </a:xfrm>
+          <a:prstGeom prst="rect">
+            <a:avLst/>
+          </a:prstGeom>
+          <a:solidFill>
+            <a:schemeClr val="accent1"/>
+          </a:solidFill>
+          <a:ln>
+            <a:noFill/>
+          </a:ln>
+          <a:effectLst/>
+        </p:spPr>
+        <p:style>
+          <a:lnRef idx="1">
+            <a:schemeClr val="accent1"/>
+          </a:lnRef>
+          <a:fillRef idx="3">
+            <a:schemeClr val="accent1"/>
+          </a:fillRef>
+          <a:effectRef idx="2">
+            <a:schemeClr val="accent1"/>
+          </a:effectRef>
+          <a:fontRef idx="minor">
+            <a:schemeClr val="lt1"/>
+          </a:fontRef>
+        </p:style>
+      </p:sp>
+      <p:sp>
+        <p:nvSpPr>
+          <p:cNvPr id="2" name="Title 1"/>
+          <p:cNvSpPr>
+            <a:spLocks noGrp="1"/>
+          </p:cNvSpPr>
+          <p:nvPr>
+            <p:ph type="ctrTitle" hasCustomPrompt="1"/>
+          </p:nvPr>
+        </p:nvSpPr>
+        <p:spPr>
+          <a:xfrm>
+            <a:off x="581192" y="3936453"/>
+            <a:ext cx="7989752" cy="1033133"/>
+          </a:xfrm>
+          <a:ln>
+            <a:noFill/>
+          </a:ln>
+          <a:effectLst/>
+        </p:spPr>
+        <p:txBody>
+          <a:bodyPr anchor="b">
+            <a:normAutofit/>
+          </a:bodyPr>
+          <a:lstStyle>
+            <a:lvl1pPr algn="ctr">
+              <a:defRPr sz="3600">
+                <a:solidFill>
+                  <a:schemeClr val="bg1"/>
+                </a:solidFill>
+              </a:defRPr>
+            </a:lvl1pPr>
+          </a:lstStyle>
+          <a:p>
+            <a:r>
+              <a:rPr lang="en-US" dirty="0"/>
+              <a:t>title style</a:t>
+            </a:r>
+          </a:p>
+        </p:txBody>
+      </p:sp>
+      <p:sp>
+        <p:nvSpPr>
+          <p:cNvPr id="3" name="Subtitle 2"/>
+          <p:cNvSpPr>
+            <a:spLocks noGrp="1"/>
+          </p:cNvSpPr>
+          <p:nvPr>
+            <p:ph type="subTitle" idx="1"/>
+          </p:nvPr>
+        </p:nvSpPr>
+        <p:spPr>
+          <a:xfrm>
+            <a:off x="581192" y="5175772"/>
+            <a:ext cx="7989752" cy="590321"/>
+          </a:xfrm>
+          <a:ln>
+            <a:noFill/>
+          </a:ln>
+        </p:spPr>
+        <p:txBody>
+          <a:bodyPr anchor="t">
+            <a:normAutofit/>
+          </a:bodyPr>
+          <a:lstStyle>
+            <a:lvl1pPr marL="0" indent="0" algn="ctr">
+              <a:buNone/>
+              <a:defRPr sz="1600" cap="all">
+                <a:solidFill>
+                  <a:schemeClr val="bg1"/>
+                </a:solidFill>
+              </a:defRPr>
+            </a:lvl1pPr>
+            <a:lvl2pPr marL="457200" indent="0" algn="ctr">
+              <a:buNone/>
+              <a:defRPr>
+                <a:solidFill>
+                  <a:schemeClr val="tx1">
+                    <a:tint val="75000"/>
+                  </a:schemeClr>
+                </a:solidFill>
+              </a:defRPr>
+            </a:lvl2pPr>
+            <a:lvl3pPr marL="914400" indent="0" algn="ctr">
+              <a:buNone/>
+              <a:defRPr>
+                <a:solidFill>
+                  <a:schemeClr val="tx1">
+                    <a:tint val="75000"/>
+                  </a:schemeClr>
+                </a:solidFill>
+              </a:defRPr>
+            </a:lvl3pPr>
+            <a:lvl4pPr marL="1371600" indent="0" algn="ctr">
+              <a:buNone/>
+              <a:defRPr>
+                <a:solidFill>
+                  <a:schemeClr val="tx1">
+                    <a:tint val="75000"/>
+                  </a:schemeClr>
+                </a:solidFill>
+              </a:defRPr>
+            </a:lvl4pPr>
+            <a:lvl5pPr marL="1828800" indent="0" algn="ctr">
+              <a:buNone/>
+              <a:defRPr>
+                <a:solidFill>
+                  <a:schemeClr val="tx1">
+                    <a:tint val="75000"/>
+                  </a:schemeClr>
+                </a:solidFill>
+              </a:defRPr>
+            </a:lvl5pPr>
+            <a:lvl6pPr marL="2286000" indent="0" algn="ctr">
+              <a:buNone/>
+              <a:defRPr>
+                <a:solidFill>
+                  <a:schemeClr val="tx1">
+                    <a:tint val="75000"/>
+                  </a:schemeClr>
+                </a:solidFill>
+              </a:defRPr>
+            </a:lvl6pPr>
+            <a:lvl7pPr marL="2743200" indent="0" algn="ctr">
+              <a:buNone/>
+              <a:defRPr>
+                <a:solidFill>
+                  <a:schemeClr val="tx1">
+                    <a:tint val="75000"/>
+                  </a:schemeClr>
+                </a:solidFill>
+              </a:defRPr>
+            </a:lvl7pPr>
+            <a:lvl8pPr marL="3200400" indent="0" algn="ctr">
+              <a:buNone/>
+              <a:defRPr>
+                <a:solidFill>
+                  <a:schemeClr val="tx1">
+                    <a:tint val="75000"/>
+                  </a:schemeClr>
+                </a:solidFill>
+              </a:defRPr>
+            </a:lvl8pPr>
+            <a:lvl9pPr marL="3657600" indent="0" algn="ctr">
+              <a:buNone/>
+              <a:defRPr>
+                <a:solidFill>
+                  <a:schemeClr val="tx1">
+                    <a:tint val="75000"/>
+                  </a:schemeClr>
+                </a:solidFill>
+              </a:defRPr>
+            </a:lvl9pPr>
+          </a:lstStyle>
+          <a:p>
+            <a:r>
+              <a:rPr lang="en-US"/>
+              <a:t>Click to edit Master subtitle style</a:t>
+            </a:r>
+            <a:endParaRPr lang="en-US" dirty="0"/>
+          </a:p>
+        </p:txBody>
+      </p:sp>
+      <p:sp>
+        <p:nvSpPr>
+          <p:cNvPr id="4" name="Date Placeholder 3"/>
+          <p:cNvSpPr>
+            <a:spLocks noGrp="1"/>
+          </p:cNvSpPr>
+          <p:nvPr>
+            <p:ph type="dt" sz="half" idx="10"/>
+          </p:nvPr>
+        </p:nvSpPr>
+        <p:spPr>
+          <a:xfrm>
+            <a:off x="5559327" y="6392242"/>
+            <a:ext cx="2133600" cy="365125"/>
+          </a:xfrm>
+          <a:prstGeom prst="rect">
+            <a:avLst/>
+          </a:prstGeom>
+        </p:spPr>
+        <p:txBody>
+          <a:bodyPr/>
+          <a:lstStyle>
+            <a:lvl1pPr>
+              <a:defRPr>
+                <a:solidFill>
+                  <a:schemeClr val="accent1">
+                    <a:lumMod val="75000"/>
+                    <a:lumOff val="25000"/>
+                  </a:schemeClr>
+                </a:solidFill>
+              </a:defRPr>
+            </a:lvl1pPr>
+          </a:lstStyle>
+          <a:p>
+            <a:fld id="{6FCE73D4-3489-4DB1-AFF4-06E099C53D33}" type="datetime1">
+              <a:rPr lang="en-US" smtClean="0"/>
+              <a:t>6/11/18</a:t>
+            </a:fld>
+            <a:endParaRPr lang="en-US"/>
+          </a:p>
+        </p:txBody>
+      </p:sp>
+      <p:sp>
+        <p:nvSpPr>
+          <p:cNvPr id="5" name="Footer Placeholder 4"/>
+          <p:cNvSpPr>
+            <a:spLocks noGrp="1"/>
+          </p:cNvSpPr>
+          <p:nvPr>
+            <p:ph type="ftr" sz="quarter" idx="11"/>
+          </p:nvPr>
+        </p:nvSpPr>
+        <p:spPr>
+          <a:xfrm>
+            <a:off x="581192" y="6387916"/>
+            <a:ext cx="4870585" cy="365125"/>
+          </a:xfrm>
+          <a:prstGeom prst="rect">
+            <a:avLst/>
+          </a:prstGeom>
+        </p:spPr>
+        <p:txBody>
+          <a:bodyPr/>
+          <a:lstStyle>
+            <a:lvl1pPr>
+              <a:defRPr>
+                <a:solidFill>
+                  <a:schemeClr val="accent1">
+                    <a:lumMod val="75000"/>
+                    <a:lumOff val="25000"/>
+                  </a:schemeClr>
+                </a:solidFill>
+              </a:defRPr>
+            </a:lvl1pPr>
+          </a:lstStyle>
+          <a:p>
+            <a:r>
+              <a:rPr lang="en-US"/>
+              <a:t>© 2018, FLL Tutorials, Last Edit 6/11/2018</a:t>
+            </a:r>
+          </a:p>
+        </p:txBody>
+      </p:sp>
+      <p:sp>
+        <p:nvSpPr>
+          <p:cNvPr id="6" name="Slide Number Placeholder 5"/>
+          <p:cNvSpPr>
+            <a:spLocks noGrp="1"/>
+          </p:cNvSpPr>
+          <p:nvPr>
+            <p:ph type="sldNum" sz="quarter" idx="12"/>
+          </p:nvPr>
+        </p:nvSpPr>
+        <p:spPr>
+          <a:xfrm>
+            <a:off x="7800476" y="6392242"/>
+            <a:ext cx="770468" cy="365125"/>
+          </a:xfrm>
+          <a:prstGeom prst="rect">
+            <a:avLst/>
+          </a:prstGeom>
+        </p:spPr>
+        <p:txBody>
+          <a:bodyPr/>
+          <a:lstStyle>
+            <a:lvl1pPr>
+              <a:defRPr>
+                <a:solidFill>
+                  <a:schemeClr val="accent1">
+                    <a:lumMod val="75000"/>
+                    <a:lumOff val="25000"/>
+                  </a:schemeClr>
+                </a:solidFill>
+              </a:defRPr>
+            </a:lvl1pPr>
+          </a:lstStyle>
+          <a:p>
+            <a:fld id="{4DBC7FC8-25FB-FC45-8177-2B991DA6778C}" type="slidenum">
+              <a:rPr lang="en-US" smtClean="0"/>
+              <a:t>‹#›</a:t>
+            </a:fld>
+            <a:endParaRPr lang="en-US"/>
+          </a:p>
+        </p:txBody>
+      </p:sp>
+      <p:pic>
+        <p:nvPicPr>
+          <p:cNvPr id="8" name="Picture 7">
+            <a:extLst>
+              <a:ext uri="{FF2B5EF4-FFF2-40B4-BE49-F238E27FC236}">
+                <a16:creationId xmlns:a16="http://schemas.microsoft.com/office/drawing/2014/main" id="{D4B45051-E032-1249-AC8B-C5EB1B15FB44}"/>
+              </a:ext>
+            </a:extLst>
+          </p:cNvPr>
+          <p:cNvPicPr>
+            <a:picLocks noChangeAspect="1"/>
+          </p:cNvPicPr>
+          <p:nvPr/>
+        </p:nvPicPr>
+        <p:blipFill rotWithShape="1">
+          <a:blip r:embed="rId2" cstate="print">
+            <a:extLst>
+              <a:ext uri="{28A0092B-C50C-407E-A947-70E740481C1C}">
+                <a14:useLocalDpi xmlns:a14="http://schemas.microsoft.com/office/drawing/2010/main"/>
+              </a:ext>
+            </a:extLst>
+          </a:blip>
+          <a:srcRect/>
+          <a:stretch/>
+        </p:blipFill>
+        <p:spPr>
+          <a:xfrm>
+            <a:off x="335280" y="563880"/>
+            <a:ext cx="8488680" cy="2915504"/>
+          </a:xfrm>
+          <a:prstGeom prst="rect">
+            <a:avLst/>
+          </a:prstGeom>
+        </p:spPr>
+      </p:pic>
+    </p:spTree>
+    <p:extLst>
+      <p:ext uri="{BB962C8B-B14F-4D97-AF65-F5344CB8AC3E}">
+        <p14:creationId xmlns:p14="http://schemas.microsoft.com/office/powerpoint/2010/main" val="383017008"/>
+      </p:ext>
+    </p:extLst>
+  </p:cSld>
+  <p:clrMapOvr>
+    <a:masterClrMapping/>
+  </p:clrMapOvr>
+</p:sldLayout>
+</file>
+
+<file path=ppt/slideLayouts/slideLayout68.xml><?xml version="1.0" encoding="utf-8"?>
+<p:sldLayout xmlns:a="http://schemas.openxmlformats.org/drawingml/2006/main" xmlns:r="http://schemas.openxmlformats.org/officeDocument/2006/relationships" xmlns:p="http://schemas.openxmlformats.org/presentationml/2006/main" type="obj" preserve="1">
+  <p:cSld name="Title and Content">
+    <p:spTree>
+      <p:nvGrpSpPr>
+        <p:cNvPr id="1" name=""/>
+        <p:cNvGrpSpPr/>
+        <p:nvPr/>
+      </p:nvGrpSpPr>
+      <p:grpSpPr>
+        <a:xfrm>
+          <a:off x="0" y="0"/>
+          <a:ext cx="0" cy="0"/>
+          <a:chOff x="0" y="0"/>
+          <a:chExt cx="0" cy="0"/>
+        </a:xfrm>
+      </p:grpSpPr>
+      <p:sp>
+        <p:nvSpPr>
+          <p:cNvPr id="7" name="Rectangle 6"/>
+          <p:cNvSpPr>
+            <a:spLocks noChangeAspect="1"/>
+          </p:cNvSpPr>
+          <p:nvPr/>
+        </p:nvSpPr>
+        <p:spPr>
+          <a:xfrm>
+            <a:off x="448092" y="599725"/>
+            <a:ext cx="8238707" cy="818109"/>
+          </a:xfrm>
+          <a:prstGeom prst="rect">
+            <a:avLst/>
+          </a:prstGeom>
+          <a:solidFill>
+            <a:schemeClr val="accent1"/>
+          </a:solidFill>
+          <a:ln>
+            <a:noFill/>
+          </a:ln>
+          <a:effectLst/>
+        </p:spPr>
+        <p:style>
+          <a:lnRef idx="1">
+            <a:schemeClr val="accent1"/>
+          </a:lnRef>
+          <a:fillRef idx="3">
+            <a:schemeClr val="accent1"/>
+          </a:fillRef>
+          <a:effectRef idx="2">
+            <a:schemeClr val="accent1"/>
+          </a:effectRef>
+          <a:fontRef idx="minor">
+            <a:schemeClr val="lt1"/>
+          </a:fontRef>
+        </p:style>
+      </p:sp>
+      <p:sp>
+        <p:nvSpPr>
+          <p:cNvPr id="2" name="Title 1"/>
+          <p:cNvSpPr>
+            <a:spLocks noGrp="1"/>
+          </p:cNvSpPr>
+          <p:nvPr>
+            <p:ph type="title"/>
+          </p:nvPr>
+        </p:nvSpPr>
+        <p:spPr>
+          <a:xfrm>
+            <a:off x="581192" y="687475"/>
+            <a:ext cx="7989752" cy="596796"/>
+          </a:xfrm>
+        </p:spPr>
+        <p:txBody>
+          <a:bodyPr/>
+          <a:lstStyle/>
+          <a:p>
+            <a:r>
+              <a:rPr lang="en-US"/>
+              <a:t>Click to edit Master title style</a:t>
+            </a:r>
+            <a:endParaRPr lang="en-US" dirty="0"/>
+          </a:p>
+        </p:txBody>
+      </p:sp>
+      <p:sp>
+        <p:nvSpPr>
+          <p:cNvPr id="3" name="Content Placeholder 2"/>
+          <p:cNvSpPr>
+            <a:spLocks noGrp="1"/>
+          </p:cNvSpPr>
+          <p:nvPr>
+            <p:ph idx="1"/>
+          </p:nvPr>
+        </p:nvSpPr>
+        <p:spPr>
+          <a:xfrm>
+            <a:off x="448091" y="1505583"/>
+            <a:ext cx="8238707" cy="4353215"/>
+          </a:xfrm>
+        </p:spPr>
+        <p:txBody>
+          <a:bodyPr anchor="t"/>
+          <a:lstStyle>
+            <a:lvl1pPr>
+              <a:defRPr sz="3600"/>
+            </a:lvl1pPr>
+            <a:lvl2pPr>
+              <a:defRPr sz="3200"/>
+            </a:lvl2pPr>
+            <a:lvl3pPr>
+              <a:defRPr sz="2800"/>
+            </a:lvl3pPr>
+            <a:lvl4pPr>
+              <a:defRPr sz="2400"/>
+            </a:lvl4pPr>
+            <a:lvl5pPr>
+              <a:defRPr sz="2400"/>
+            </a:lvl5pPr>
+          </a:lstStyle>
+          <a:p>
+            <a:pPr lvl="0"/>
+            <a:r>
+              <a:rPr lang="en-US"/>
+              <a:t>Edit Master text styles</a:t>
+            </a:r>
+          </a:p>
+          <a:p>
+            <a:pPr lvl="1"/>
+            <a:r>
+              <a:rPr lang="en-US"/>
+              <a:t>Second level</a:t>
+            </a:r>
+          </a:p>
+          <a:p>
+            <a:pPr lvl="2"/>
+            <a:r>
+              <a:rPr lang="en-US"/>
+              <a:t>Third level</a:t>
+            </a:r>
+          </a:p>
+          <a:p>
+            <a:pPr lvl="3"/>
+            <a:r>
+              <a:rPr lang="en-US"/>
+              <a:t>Fourth level</a:t>
+            </a:r>
+          </a:p>
+          <a:p>
+            <a:pPr lvl="4"/>
+            <a:r>
+              <a:rPr lang="en-US"/>
+              <a:t>Fifth level</a:t>
+            </a:r>
+            <a:endParaRPr lang="en-US" dirty="0"/>
+          </a:p>
+        </p:txBody>
+      </p:sp>
+      <p:sp>
+        <p:nvSpPr>
+          <p:cNvPr id="8" name="Date Placeholder 3">
+            <a:extLst>
+              <a:ext uri="{FF2B5EF4-FFF2-40B4-BE49-F238E27FC236}">
+                <a16:creationId xmlns:a16="http://schemas.microsoft.com/office/drawing/2014/main" id="{5E510904-FE82-B349-843E-834D82D5778E}"/>
+              </a:ext>
+            </a:extLst>
+          </p:cNvPr>
+          <p:cNvSpPr>
+            <a:spLocks noGrp="1"/>
+          </p:cNvSpPr>
+          <p:nvPr>
+            <p:ph type="dt" sz="half" idx="10"/>
+          </p:nvPr>
+        </p:nvSpPr>
+        <p:spPr>
+          <a:xfrm>
+            <a:off x="5559327" y="6392242"/>
+            <a:ext cx="2133600" cy="365125"/>
+          </a:xfrm>
+        </p:spPr>
+        <p:txBody>
+          <a:bodyPr/>
+          <a:lstStyle>
+            <a:lvl1pPr>
+              <a:defRPr>
+                <a:solidFill>
+                  <a:schemeClr val="accent1">
+                    <a:lumMod val="75000"/>
+                    <a:lumOff val="25000"/>
+                  </a:schemeClr>
+                </a:solidFill>
+              </a:defRPr>
+            </a:lvl1pPr>
+          </a:lstStyle>
+          <a:p>
+            <a:fld id="{CCEF78B4-70E3-4AF7-A6D7-7C13E2357294}" type="datetime1">
+              <a:rPr lang="en-US" smtClean="0"/>
+              <a:t>6/11/18</a:t>
+            </a:fld>
+            <a:endParaRPr lang="en-US"/>
+          </a:p>
+        </p:txBody>
+      </p:sp>
+      <p:sp>
+        <p:nvSpPr>
+          <p:cNvPr id="9" name="Footer Placeholder 4">
+            <a:extLst>
+              <a:ext uri="{FF2B5EF4-FFF2-40B4-BE49-F238E27FC236}">
+                <a16:creationId xmlns:a16="http://schemas.microsoft.com/office/drawing/2014/main" id="{E48965D5-4E22-4D4C-B0D3-4AEC700831CA}"/>
+              </a:ext>
+            </a:extLst>
+          </p:cNvPr>
+          <p:cNvSpPr>
+            <a:spLocks noGrp="1"/>
+          </p:cNvSpPr>
+          <p:nvPr>
+            <p:ph type="ftr" sz="quarter" idx="11"/>
+          </p:nvPr>
+        </p:nvSpPr>
+        <p:spPr>
+          <a:xfrm>
+            <a:off x="581192" y="6387916"/>
+            <a:ext cx="4870585" cy="365125"/>
+          </a:xfrm>
+        </p:spPr>
+        <p:txBody>
+          <a:bodyPr/>
+          <a:lstStyle>
+            <a:lvl1pPr>
+              <a:defRPr>
+                <a:solidFill>
+                  <a:schemeClr val="accent1">
+                    <a:lumMod val="75000"/>
+                    <a:lumOff val="25000"/>
+                  </a:schemeClr>
+                </a:solidFill>
+              </a:defRPr>
+            </a:lvl1pPr>
+          </a:lstStyle>
+          <a:p>
+            <a:r>
+              <a:rPr lang="en-US"/>
+              <a:t>© 2018, FLL Tutorials, Last Edit 6/11/2018</a:t>
+            </a:r>
+          </a:p>
+        </p:txBody>
+      </p:sp>
+      <p:sp>
+        <p:nvSpPr>
+          <p:cNvPr id="10" name="Slide Number Placeholder 5">
+            <a:extLst>
+              <a:ext uri="{FF2B5EF4-FFF2-40B4-BE49-F238E27FC236}">
+                <a16:creationId xmlns:a16="http://schemas.microsoft.com/office/drawing/2014/main" id="{65AB5AFF-5E76-4041-B3D5-669547C07AE0}"/>
+              </a:ext>
+            </a:extLst>
+          </p:cNvPr>
+          <p:cNvSpPr>
+            <a:spLocks noGrp="1"/>
+          </p:cNvSpPr>
+          <p:nvPr>
+            <p:ph type="sldNum" sz="quarter" idx="12"/>
+          </p:nvPr>
+        </p:nvSpPr>
+        <p:spPr>
+          <a:xfrm>
+            <a:off x="7800476" y="6392242"/>
+            <a:ext cx="770468" cy="365125"/>
+          </a:xfrm>
+        </p:spPr>
+        <p:txBody>
+          <a:bodyPr/>
+          <a:lstStyle>
+            <a:lvl1pPr>
+              <a:defRPr>
+                <a:solidFill>
+                  <a:schemeClr val="accent1">
+                    <a:lumMod val="75000"/>
+                    <a:lumOff val="25000"/>
+                  </a:schemeClr>
+                </a:solidFill>
+              </a:defRPr>
+            </a:lvl1pPr>
+          </a:lstStyle>
+          <a:p>
+            <a:fld id="{4DBC7FC8-25FB-FC45-8177-2B991DA6778C}" type="slidenum">
+              <a:rPr lang="en-US" smtClean="0"/>
+              <a:t>‹#›</a:t>
+            </a:fld>
+            <a:endParaRPr lang="en-US" dirty="0"/>
+          </a:p>
+        </p:txBody>
+      </p:sp>
+    </p:spTree>
+    <p:extLst>
+      <p:ext uri="{BB962C8B-B14F-4D97-AF65-F5344CB8AC3E}">
+        <p14:creationId xmlns:p14="http://schemas.microsoft.com/office/powerpoint/2010/main" val="1696878480"/>
+      </p:ext>
+    </p:extLst>
+  </p:cSld>
+  <p:clrMapOvr>
+    <a:masterClrMapping/>
+  </p:clrMapOvr>
+</p:sldLayout>
+</file>
+
+<file path=ppt/slideLayouts/slideLayout69.xml><?xml version="1.0" encoding="utf-8"?>
+<p:sldLayout xmlns:a="http://schemas.openxmlformats.org/drawingml/2006/main" xmlns:r="http://schemas.openxmlformats.org/officeDocument/2006/relationships" xmlns:p="http://schemas.openxmlformats.org/presentationml/2006/main" type="secHead" preserve="1">
+  <p:cSld name="Section Header">
+    <p:spTree>
+      <p:nvGrpSpPr>
+        <p:cNvPr id="1" name=""/>
+        <p:cNvGrpSpPr/>
+        <p:nvPr/>
+      </p:nvGrpSpPr>
+      <p:grpSpPr>
+        <a:xfrm>
+          <a:off x="0" y="0"/>
+          <a:ext cx="0" cy="0"/>
+          <a:chOff x="0" y="0"/>
+          <a:chExt cx="0" cy="0"/>
+        </a:xfrm>
+      </p:grpSpPr>
+      <p:sp>
+        <p:nvSpPr>
+          <p:cNvPr id="8" name="Rectangle 7"/>
+          <p:cNvSpPr>
+            <a:spLocks noChangeAspect="1"/>
+          </p:cNvSpPr>
+          <p:nvPr/>
+        </p:nvSpPr>
+        <p:spPr>
+          <a:xfrm>
+            <a:off x="452646" y="5141973"/>
+            <a:ext cx="8238707" cy="1258827"/>
+          </a:xfrm>
+          <a:prstGeom prst="rect">
+            <a:avLst/>
+          </a:prstGeom>
+          <a:solidFill>
+            <a:schemeClr val="accent1"/>
+          </a:solidFill>
+          <a:ln>
+            <a:noFill/>
+          </a:ln>
+          <a:effectLst/>
+        </p:spPr>
+        <p:style>
+          <a:lnRef idx="1">
+            <a:schemeClr val="accent1"/>
+          </a:lnRef>
+          <a:fillRef idx="3">
+            <a:schemeClr val="accent1"/>
+          </a:fillRef>
+          <a:effectRef idx="2">
+            <a:schemeClr val="accent1"/>
+          </a:effectRef>
+          <a:fontRef idx="minor">
+            <a:schemeClr val="lt1"/>
+          </a:fontRef>
+        </p:style>
+      </p:sp>
+      <p:sp>
+        <p:nvSpPr>
+          <p:cNvPr id="2" name="Title 1"/>
+          <p:cNvSpPr>
+            <a:spLocks noGrp="1"/>
+          </p:cNvSpPr>
+          <p:nvPr>
+            <p:ph type="title"/>
+          </p:nvPr>
+        </p:nvSpPr>
+        <p:spPr>
+          <a:xfrm>
+            <a:off x="581193" y="3036573"/>
+            <a:ext cx="7989751" cy="1504844"/>
+          </a:xfrm>
+        </p:spPr>
+        <p:txBody>
+          <a:bodyPr anchor="b">
+            <a:normAutofit/>
+          </a:bodyPr>
+          <a:lstStyle>
+            <a:lvl1pPr algn="l">
+              <a:defRPr sz="3600" b="0" cap="all">
+                <a:solidFill>
+                  <a:schemeClr val="accent1"/>
+                </a:solidFill>
+              </a:defRPr>
+            </a:lvl1pPr>
+          </a:lstStyle>
+          <a:p>
+            <a:r>
+              <a:rPr lang="en-US"/>
+              <a:t>Click to edit Master title style</a:t>
+            </a:r>
+            <a:endParaRPr lang="en-US" dirty="0"/>
+          </a:p>
+        </p:txBody>
+      </p:sp>
+      <p:sp>
+        <p:nvSpPr>
+          <p:cNvPr id="3" name="Text Placeholder 2"/>
+          <p:cNvSpPr>
+            <a:spLocks noGrp="1"/>
+          </p:cNvSpPr>
+          <p:nvPr>
+            <p:ph type="body" idx="1"/>
+          </p:nvPr>
+        </p:nvSpPr>
+        <p:spPr>
+          <a:xfrm>
+            <a:off x="581193" y="4541417"/>
+            <a:ext cx="7989751" cy="600556"/>
+          </a:xfrm>
+        </p:spPr>
+        <p:txBody>
+          <a:bodyPr anchor="t">
+            <a:normAutofit/>
+          </a:bodyPr>
+          <a:lstStyle>
+            <a:lvl1pPr marL="0" indent="0" algn="l">
+              <a:buNone/>
+              <a:defRPr sz="1800" cap="all">
+                <a:solidFill>
+                  <a:schemeClr val="accent2"/>
+                </a:solidFill>
+              </a:defRPr>
+            </a:lvl1pPr>
+            <a:lvl2pPr marL="457200" indent="0">
+              <a:buNone/>
+              <a:defRPr sz="1800">
+                <a:solidFill>
+                  <a:schemeClr val="tx1">
+                    <a:tint val="75000"/>
+                  </a:schemeClr>
+                </a:solidFill>
+              </a:defRPr>
+            </a:lvl2pPr>
+            <a:lvl3pPr marL="914400" indent="0">
+              <a:buNone/>
+              <a:defRPr sz="1600">
+                <a:solidFill>
+                  <a:schemeClr val="tx1">
+                    <a:tint val="75000"/>
+                  </a:schemeClr>
+                </a:solidFill>
+              </a:defRPr>
+            </a:lvl3pPr>
+            <a:lvl4pPr marL="1371600" indent="0">
+              <a:buNone/>
+              <a:defRPr sz="1400">
+                <a:solidFill>
+                  <a:schemeClr val="tx1">
+                    <a:tint val="75000"/>
+                  </a:schemeClr>
+                </a:solidFill>
+              </a:defRPr>
+            </a:lvl4pPr>
+            <a:lvl5pPr marL="1828800" indent="0">
+              <a:buNone/>
+              <a:defRPr sz="1400">
+                <a:solidFill>
+                  <a:schemeClr val="tx1">
+                    <a:tint val="75000"/>
+                  </a:schemeClr>
+                </a:solidFill>
+              </a:defRPr>
+            </a:lvl5pPr>
+            <a:lvl6pPr marL="2286000" indent="0">
+              <a:buNone/>
+              <a:defRPr sz="1400">
+                <a:solidFill>
+                  <a:schemeClr val="tx1">
+                    <a:tint val="75000"/>
+                  </a:schemeClr>
+                </a:solidFill>
+              </a:defRPr>
+            </a:lvl6pPr>
+            <a:lvl7pPr marL="2743200" indent="0">
+              <a:buNone/>
+              <a:defRPr sz="1400">
+                <a:solidFill>
+                  <a:schemeClr val="tx1">
+                    <a:tint val="75000"/>
+                  </a:schemeClr>
+                </a:solidFill>
+              </a:defRPr>
+            </a:lvl7pPr>
+            <a:lvl8pPr marL="3200400" indent="0">
+              <a:buNone/>
+              <a:defRPr sz="1400">
+                <a:solidFill>
+                  <a:schemeClr val="tx1">
+                    <a:tint val="75000"/>
+                  </a:schemeClr>
+                </a:solidFill>
+              </a:defRPr>
+            </a:lvl8pPr>
+            <a:lvl9pPr marL="3657600" indent="0">
+              <a:buNone/>
+              <a:defRPr sz="1400">
+                <a:solidFill>
+                  <a:schemeClr val="tx1">
+                    <a:tint val="75000"/>
+                  </a:schemeClr>
+                </a:solidFill>
+              </a:defRPr>
+            </a:lvl9pPr>
+          </a:lstStyle>
+          <a:p>
+            <a:pPr lvl="0"/>
+            <a:r>
+              <a:rPr lang="en-US"/>
+              <a:t>Edit Master text styles</a:t>
+            </a:r>
+          </a:p>
+        </p:txBody>
+      </p:sp>
+      <p:sp>
+        <p:nvSpPr>
+          <p:cNvPr id="9" name="Date Placeholder 3">
+            <a:extLst>
+              <a:ext uri="{FF2B5EF4-FFF2-40B4-BE49-F238E27FC236}">
+                <a16:creationId xmlns:a16="http://schemas.microsoft.com/office/drawing/2014/main" id="{52362C45-CC3C-1C41-89EF-9E39AB823873}"/>
+              </a:ext>
+            </a:extLst>
+          </p:cNvPr>
+          <p:cNvSpPr txBox="1">
+            <a:spLocks/>
+          </p:cNvSpPr>
+          <p:nvPr/>
+        </p:nvSpPr>
+        <p:spPr>
+          <a:xfrm>
+            <a:off x="5559327" y="6392242"/>
+            <a:ext cx="2133600" cy="365125"/>
+          </a:xfrm>
+          <a:prstGeom prst="rect">
+            <a:avLst/>
+          </a:prstGeom>
+        </p:spPr>
+        <p:txBody>
+          <a:bodyPr vert="horz" lIns="91440" tIns="45720" rIns="91440" bIns="45720" rtlCol="0" anchor="ctr"/>
+          <a:lstStyle>
+            <a:defPPr>
+              <a:defRPr lang="en-US"/>
+            </a:defPPr>
+            <a:lvl1pPr marL="0" algn="r" defTabSz="457200" rtl="0" eaLnBrk="1" latinLnBrk="0" hangingPunct="1">
+              <a:defRPr sz="900" kern="1200">
+                <a:solidFill>
+                  <a:schemeClr val="accent1">
+                    <a:lumMod val="75000"/>
+                    <a:lumOff val="25000"/>
+                  </a:schemeClr>
+                </a:solidFill>
+                <a:latin typeface="+mn-lt"/>
+                <a:ea typeface="+mn-ea"/>
+                <a:cs typeface="+mn-cs"/>
+              </a:defRPr>
+            </a:lvl1pPr>
+            <a:lvl2pPr marL="457200" algn="l" defTabSz="457200" rtl="0" eaLnBrk="1" latinLnBrk="0" hangingPunct="1">
+              <a:defRPr sz="1800" kern="1200">
+                <a:solidFill>
+                  <a:schemeClr val="tx1"/>
+                </a:solidFill>
+                <a:latin typeface="+mn-lt"/>
+                <a:ea typeface="+mn-ea"/>
+                <a:cs typeface="+mn-cs"/>
+              </a:defRPr>
+            </a:lvl2pPr>
+            <a:lvl3pPr marL="914400" algn="l" defTabSz="457200" rtl="0" eaLnBrk="1" latinLnBrk="0" hangingPunct="1">
+              <a:defRPr sz="1800" kern="1200">
+                <a:solidFill>
+                  <a:schemeClr val="tx1"/>
+                </a:solidFill>
+                <a:latin typeface="+mn-lt"/>
+                <a:ea typeface="+mn-ea"/>
+                <a:cs typeface="+mn-cs"/>
+              </a:defRPr>
+            </a:lvl3pPr>
+            <a:lvl4pPr marL="1371600" algn="l" defTabSz="457200" rtl="0" eaLnBrk="1" latinLnBrk="0" hangingPunct="1">
+              <a:defRPr sz="1800" kern="1200">
+                <a:solidFill>
+                  <a:schemeClr val="tx1"/>
+                </a:solidFill>
+                <a:latin typeface="+mn-lt"/>
+                <a:ea typeface="+mn-ea"/>
+                <a:cs typeface="+mn-cs"/>
+              </a:defRPr>
+            </a:lvl4pPr>
+            <a:lvl5pPr marL="1828800" algn="l" defTabSz="457200" rtl="0" eaLnBrk="1" latinLnBrk="0" hangingPunct="1">
+              <a:defRPr sz="1800" kern="1200">
+                <a:solidFill>
+                  <a:schemeClr val="tx1"/>
+                </a:solidFill>
+                <a:latin typeface="+mn-lt"/>
+                <a:ea typeface="+mn-ea"/>
+                <a:cs typeface="+mn-cs"/>
+              </a:defRPr>
+            </a:lvl5pPr>
+            <a:lvl6pPr marL="2286000" algn="l" defTabSz="457200" rtl="0" eaLnBrk="1" latinLnBrk="0" hangingPunct="1">
+              <a:defRPr sz="1800" kern="1200">
+                <a:solidFill>
+                  <a:schemeClr val="tx1"/>
+                </a:solidFill>
+                <a:latin typeface="+mn-lt"/>
+                <a:ea typeface="+mn-ea"/>
+                <a:cs typeface="+mn-cs"/>
+              </a:defRPr>
+            </a:lvl6pPr>
+            <a:lvl7pPr marL="2743200" algn="l" defTabSz="457200" rtl="0" eaLnBrk="1" latinLnBrk="0" hangingPunct="1">
+              <a:defRPr sz="1800" kern="1200">
+                <a:solidFill>
+                  <a:schemeClr val="tx1"/>
+                </a:solidFill>
+                <a:latin typeface="+mn-lt"/>
+                <a:ea typeface="+mn-ea"/>
+                <a:cs typeface="+mn-cs"/>
+              </a:defRPr>
+            </a:lvl7pPr>
+            <a:lvl8pPr marL="3200400" algn="l" defTabSz="457200" rtl="0" eaLnBrk="1" latinLnBrk="0" hangingPunct="1">
+              <a:defRPr sz="1800" kern="1200">
+                <a:solidFill>
+                  <a:schemeClr val="tx1"/>
+                </a:solidFill>
+                <a:latin typeface="+mn-lt"/>
+                <a:ea typeface="+mn-ea"/>
+                <a:cs typeface="+mn-cs"/>
+              </a:defRPr>
+            </a:lvl8pPr>
+            <a:lvl9pPr marL="3657600" algn="l" defTabSz="457200" rtl="0" eaLnBrk="1" latinLnBrk="0" hangingPunct="1">
+              <a:defRPr sz="1800" kern="1200">
+                <a:solidFill>
+                  <a:schemeClr val="tx1"/>
+                </a:solidFill>
+                <a:latin typeface="+mn-lt"/>
+                <a:ea typeface="+mn-ea"/>
+                <a:cs typeface="+mn-cs"/>
+              </a:defRPr>
+            </a:lvl9pPr>
+          </a:lstStyle>
+          <a:p>
+            <a:r>
+              <a:rPr lang="en-US"/>
+              <a:t>Last Edit: </a:t>
+            </a:r>
+            <a:fld id="{B61BEF0D-F0BB-DE4B-95CE-6DB70DBA9567}" type="datetimeFigureOut">
+              <a:rPr lang="en-US" smtClean="0"/>
+              <a:pPr/>
+              <a:t>6/11/18</a:t>
+            </a:fld>
+            <a:endParaRPr lang="en-US" dirty="0"/>
+          </a:p>
+        </p:txBody>
+      </p:sp>
+      <p:sp>
+        <p:nvSpPr>
+          <p:cNvPr id="10" name="Footer Placeholder 4">
+            <a:extLst>
+              <a:ext uri="{FF2B5EF4-FFF2-40B4-BE49-F238E27FC236}">
+                <a16:creationId xmlns:a16="http://schemas.microsoft.com/office/drawing/2014/main" id="{99E8FBED-B055-2A4A-8E32-9CB6B48C25B3}"/>
+              </a:ext>
+            </a:extLst>
+          </p:cNvPr>
+          <p:cNvSpPr txBox="1">
+            <a:spLocks/>
+          </p:cNvSpPr>
+          <p:nvPr/>
+        </p:nvSpPr>
+        <p:spPr>
+          <a:xfrm>
+            <a:off x="581192" y="6387916"/>
+            <a:ext cx="4870585" cy="365125"/>
+          </a:xfrm>
+          <a:prstGeom prst="rect">
+            <a:avLst/>
+          </a:prstGeom>
+        </p:spPr>
+        <p:txBody>
+          <a:bodyPr vert="horz" lIns="91440" tIns="45720" rIns="91440" bIns="45720" rtlCol="0" anchor="ctr"/>
+          <a:lstStyle>
+            <a:defPPr>
+              <a:defRPr lang="en-US"/>
+            </a:defPPr>
+            <a:lvl1pPr marL="0" algn="l" defTabSz="457200" rtl="0" eaLnBrk="1" latinLnBrk="0" hangingPunct="1">
+              <a:defRPr sz="900" kern="1200" cap="all">
+                <a:solidFill>
+                  <a:schemeClr val="accent1">
+                    <a:lumMod val="75000"/>
+                    <a:lumOff val="25000"/>
+                  </a:schemeClr>
+                </a:solidFill>
+                <a:latin typeface="+mn-lt"/>
+                <a:ea typeface="+mn-ea"/>
+                <a:cs typeface="+mn-cs"/>
+              </a:defRPr>
+            </a:lvl1pPr>
+            <a:lvl2pPr marL="457200" algn="l" defTabSz="457200" rtl="0" eaLnBrk="1" latinLnBrk="0" hangingPunct="1">
+              <a:defRPr sz="1800" kern="1200">
+                <a:solidFill>
+                  <a:schemeClr val="tx1"/>
+                </a:solidFill>
+                <a:latin typeface="+mn-lt"/>
+                <a:ea typeface="+mn-ea"/>
+                <a:cs typeface="+mn-cs"/>
+              </a:defRPr>
+            </a:lvl2pPr>
+            <a:lvl3pPr marL="914400" algn="l" defTabSz="457200" rtl="0" eaLnBrk="1" latinLnBrk="0" hangingPunct="1">
+              <a:defRPr sz="1800" kern="1200">
+                <a:solidFill>
+                  <a:schemeClr val="tx1"/>
+                </a:solidFill>
+                <a:latin typeface="+mn-lt"/>
+                <a:ea typeface="+mn-ea"/>
+                <a:cs typeface="+mn-cs"/>
+              </a:defRPr>
+            </a:lvl3pPr>
+            <a:lvl4pPr marL="1371600" algn="l" defTabSz="457200" rtl="0" eaLnBrk="1" latinLnBrk="0" hangingPunct="1">
+              <a:defRPr sz="1800" kern="1200">
+                <a:solidFill>
+                  <a:schemeClr val="tx1"/>
+                </a:solidFill>
+                <a:latin typeface="+mn-lt"/>
+                <a:ea typeface="+mn-ea"/>
+                <a:cs typeface="+mn-cs"/>
+              </a:defRPr>
+            </a:lvl4pPr>
+            <a:lvl5pPr marL="1828800" algn="l" defTabSz="457200" rtl="0" eaLnBrk="1" latinLnBrk="0" hangingPunct="1">
+              <a:defRPr sz="1800" kern="1200">
+                <a:solidFill>
+                  <a:schemeClr val="tx1"/>
+                </a:solidFill>
+                <a:latin typeface="+mn-lt"/>
+                <a:ea typeface="+mn-ea"/>
+                <a:cs typeface="+mn-cs"/>
+              </a:defRPr>
+            </a:lvl5pPr>
+            <a:lvl6pPr marL="2286000" algn="l" defTabSz="457200" rtl="0" eaLnBrk="1" latinLnBrk="0" hangingPunct="1">
+              <a:defRPr sz="1800" kern="1200">
+                <a:solidFill>
+                  <a:schemeClr val="tx1"/>
+                </a:solidFill>
+                <a:latin typeface="+mn-lt"/>
+                <a:ea typeface="+mn-ea"/>
+                <a:cs typeface="+mn-cs"/>
+              </a:defRPr>
+            </a:lvl6pPr>
+            <a:lvl7pPr marL="2743200" algn="l" defTabSz="457200" rtl="0" eaLnBrk="1" latinLnBrk="0" hangingPunct="1">
+              <a:defRPr sz="1800" kern="1200">
+                <a:solidFill>
+                  <a:schemeClr val="tx1"/>
+                </a:solidFill>
+                <a:latin typeface="+mn-lt"/>
+                <a:ea typeface="+mn-ea"/>
+                <a:cs typeface="+mn-cs"/>
+              </a:defRPr>
+            </a:lvl7pPr>
+            <a:lvl8pPr marL="3200400" algn="l" defTabSz="457200" rtl="0" eaLnBrk="1" latinLnBrk="0" hangingPunct="1">
+              <a:defRPr sz="1800" kern="1200">
+                <a:solidFill>
+                  <a:schemeClr val="tx1"/>
+                </a:solidFill>
+                <a:latin typeface="+mn-lt"/>
+                <a:ea typeface="+mn-ea"/>
+                <a:cs typeface="+mn-cs"/>
+              </a:defRPr>
+            </a:lvl8pPr>
+            <a:lvl9pPr marL="3657600" algn="l" defTabSz="457200" rtl="0" eaLnBrk="1" latinLnBrk="0" hangingPunct="1">
+              <a:defRPr sz="1800" kern="1200">
+                <a:solidFill>
+                  <a:schemeClr val="tx1"/>
+                </a:solidFill>
+                <a:latin typeface="+mn-lt"/>
+                <a:ea typeface="+mn-ea"/>
+                <a:cs typeface="+mn-cs"/>
+              </a:defRPr>
+            </a:lvl9pPr>
+          </a:lstStyle>
+          <a:p>
+            <a:r>
+              <a:rPr lang="en-US"/>
+              <a:t>Copyright 2018, FLL TUTORIALS</a:t>
+            </a:r>
+            <a:endParaRPr lang="en-US" dirty="0"/>
+          </a:p>
+        </p:txBody>
+      </p:sp>
+      <p:sp>
+        <p:nvSpPr>
+          <p:cNvPr id="11" name="Slide Number Placeholder 5">
+            <a:extLst>
+              <a:ext uri="{FF2B5EF4-FFF2-40B4-BE49-F238E27FC236}">
+                <a16:creationId xmlns:a16="http://schemas.microsoft.com/office/drawing/2014/main" id="{AA884034-3EBB-704E-AFCD-9611BBBEBA37}"/>
+              </a:ext>
+            </a:extLst>
+          </p:cNvPr>
+          <p:cNvSpPr txBox="1">
+            <a:spLocks/>
+          </p:cNvSpPr>
+          <p:nvPr/>
+        </p:nvSpPr>
+        <p:spPr>
+          <a:xfrm>
+            <a:off x="7800476" y="6392242"/>
+            <a:ext cx="770468" cy="365125"/>
+          </a:xfrm>
+          <a:prstGeom prst="rect">
+            <a:avLst/>
+          </a:prstGeom>
+        </p:spPr>
+        <p:txBody>
+          <a:bodyPr vert="horz" lIns="91440" tIns="45720" rIns="91440" bIns="45720" rtlCol="0" anchor="ctr"/>
+          <a:lstStyle>
+            <a:defPPr>
+              <a:defRPr lang="en-US"/>
+            </a:defPPr>
+            <a:lvl1pPr marL="0" algn="r" defTabSz="457200" rtl="0" eaLnBrk="1" latinLnBrk="0" hangingPunct="1">
+              <a:defRPr sz="900" kern="1200">
+                <a:solidFill>
+                  <a:schemeClr val="accent1">
+                    <a:lumMod val="75000"/>
+                    <a:lumOff val="25000"/>
+                  </a:schemeClr>
+                </a:solidFill>
+                <a:latin typeface="+mn-lt"/>
+                <a:ea typeface="+mn-ea"/>
+                <a:cs typeface="+mn-cs"/>
+              </a:defRPr>
+            </a:lvl1pPr>
+            <a:lvl2pPr marL="457200" algn="l" defTabSz="457200" rtl="0" eaLnBrk="1" latinLnBrk="0" hangingPunct="1">
+              <a:defRPr sz="1800" kern="1200">
+                <a:solidFill>
+                  <a:schemeClr val="tx1"/>
+                </a:solidFill>
+                <a:latin typeface="+mn-lt"/>
+                <a:ea typeface="+mn-ea"/>
+                <a:cs typeface="+mn-cs"/>
+              </a:defRPr>
+            </a:lvl2pPr>
+            <a:lvl3pPr marL="914400" algn="l" defTabSz="457200" rtl="0" eaLnBrk="1" latinLnBrk="0" hangingPunct="1">
+              <a:defRPr sz="1800" kern="1200">
+                <a:solidFill>
+                  <a:schemeClr val="tx1"/>
+                </a:solidFill>
+                <a:latin typeface="+mn-lt"/>
+                <a:ea typeface="+mn-ea"/>
+                <a:cs typeface="+mn-cs"/>
+              </a:defRPr>
+            </a:lvl3pPr>
+            <a:lvl4pPr marL="1371600" algn="l" defTabSz="457200" rtl="0" eaLnBrk="1" latinLnBrk="0" hangingPunct="1">
+              <a:defRPr sz="1800" kern="1200">
+                <a:solidFill>
+                  <a:schemeClr val="tx1"/>
+                </a:solidFill>
+                <a:latin typeface="+mn-lt"/>
+                <a:ea typeface="+mn-ea"/>
+                <a:cs typeface="+mn-cs"/>
+              </a:defRPr>
+            </a:lvl4pPr>
+            <a:lvl5pPr marL="1828800" algn="l" defTabSz="457200" rtl="0" eaLnBrk="1" latinLnBrk="0" hangingPunct="1">
+              <a:defRPr sz="1800" kern="1200">
+                <a:solidFill>
+                  <a:schemeClr val="tx1"/>
+                </a:solidFill>
+                <a:latin typeface="+mn-lt"/>
+                <a:ea typeface="+mn-ea"/>
+                <a:cs typeface="+mn-cs"/>
+              </a:defRPr>
+            </a:lvl5pPr>
+            <a:lvl6pPr marL="2286000" algn="l" defTabSz="457200" rtl="0" eaLnBrk="1" latinLnBrk="0" hangingPunct="1">
+              <a:defRPr sz="1800" kern="1200">
+                <a:solidFill>
+                  <a:schemeClr val="tx1"/>
+                </a:solidFill>
+                <a:latin typeface="+mn-lt"/>
+                <a:ea typeface="+mn-ea"/>
+                <a:cs typeface="+mn-cs"/>
+              </a:defRPr>
+            </a:lvl6pPr>
+            <a:lvl7pPr marL="2743200" algn="l" defTabSz="457200" rtl="0" eaLnBrk="1" latinLnBrk="0" hangingPunct="1">
+              <a:defRPr sz="1800" kern="1200">
+                <a:solidFill>
+                  <a:schemeClr val="tx1"/>
+                </a:solidFill>
+                <a:latin typeface="+mn-lt"/>
+                <a:ea typeface="+mn-ea"/>
+                <a:cs typeface="+mn-cs"/>
+              </a:defRPr>
+            </a:lvl7pPr>
+            <a:lvl8pPr marL="3200400" algn="l" defTabSz="457200" rtl="0" eaLnBrk="1" latinLnBrk="0" hangingPunct="1">
+              <a:defRPr sz="1800" kern="1200">
+                <a:solidFill>
+                  <a:schemeClr val="tx1"/>
+                </a:solidFill>
+                <a:latin typeface="+mn-lt"/>
+                <a:ea typeface="+mn-ea"/>
+                <a:cs typeface="+mn-cs"/>
+              </a:defRPr>
+            </a:lvl8pPr>
+            <a:lvl9pPr marL="3657600" algn="l" defTabSz="457200" rtl="0" eaLnBrk="1" latinLnBrk="0" hangingPunct="1">
+              <a:defRPr sz="1800" kern="1200">
+                <a:solidFill>
+                  <a:schemeClr val="tx1"/>
+                </a:solidFill>
+                <a:latin typeface="+mn-lt"/>
+                <a:ea typeface="+mn-ea"/>
+                <a:cs typeface="+mn-cs"/>
+              </a:defRPr>
+            </a:lvl9pPr>
+          </a:lstStyle>
+          <a:p>
+            <a:fld id="{D57F1E4F-1CFF-5643-939E-217C01CDF565}" type="slidenum">
+              <a:rPr lang="en-US" smtClean="0"/>
+              <a:pPr/>
+              <a:t>‹#›</a:t>
+            </a:fld>
+            <a:endParaRPr lang="en-US" dirty="0"/>
+          </a:p>
+        </p:txBody>
+      </p:sp>
+    </p:spTree>
+    <p:extLst>
+      <p:ext uri="{BB962C8B-B14F-4D97-AF65-F5344CB8AC3E}">
+        <p14:creationId xmlns:p14="http://schemas.microsoft.com/office/powerpoint/2010/main" val="45874563"/>
       </p:ext>
     </p:extLst>
   </p:cSld>
@@ -18513,9 +19835,9 @@
           <a:bodyPr/>
           <a:lstStyle/>
           <a:p>
-            <a:fld id="{55EE275F-24C8-49C4-838D-FF8824CCB646}" type="datetime1">
+            <a:fld id="{664725A3-D776-40D6-BFDC-311B93FB5F3E}" type="datetime1">
               <a:rPr lang="en-US" smtClean="0"/>
-              <a:t>6/7/18</a:t>
+              <a:t>6/11/18</a:t>
             </a:fld>
             <a:endParaRPr lang="en-US"/>
           </a:p>
@@ -18538,7 +19860,7 @@
           <a:p>
             <a:r>
               <a:rPr lang="en-US"/>
-              <a:t>© 2018, FLL Tutorials, Last Edit 8/13/2016</a:t>
+              <a:t>© 2018, FLL Tutorials, Last Edit 6/11/2018</a:t>
             </a:r>
           </a:p>
         </p:txBody>
@@ -18570,6 +19892,2303 @@
     <p:extLst>
       <p:ext uri="{BB962C8B-B14F-4D97-AF65-F5344CB8AC3E}">
         <p14:creationId xmlns:p14="http://schemas.microsoft.com/office/powerpoint/2010/main" val="74027603"/>
+      </p:ext>
+    </p:extLst>
+  </p:cSld>
+  <p:clrMapOvr>
+    <a:masterClrMapping/>
+  </p:clrMapOvr>
+</p:sldLayout>
+</file>
+
+<file path=ppt/slideLayouts/slideLayout70.xml><?xml version="1.0" encoding="utf-8"?>
+<p:sldLayout xmlns:a="http://schemas.openxmlformats.org/drawingml/2006/main" xmlns:r="http://schemas.openxmlformats.org/officeDocument/2006/relationships" xmlns:p="http://schemas.openxmlformats.org/presentationml/2006/main" type="twoObj" preserve="1">
+  <p:cSld name="Two Content">
+    <p:spTree>
+      <p:nvGrpSpPr>
+        <p:cNvPr id="1" name=""/>
+        <p:cNvGrpSpPr/>
+        <p:nvPr/>
+      </p:nvGrpSpPr>
+      <p:grpSpPr>
+        <a:xfrm>
+          <a:off x="0" y="0"/>
+          <a:ext cx="0" cy="0"/>
+          <a:chOff x="0" y="0"/>
+          <a:chExt cx="0" cy="0"/>
+        </a:xfrm>
+      </p:grpSpPr>
+      <p:sp>
+        <p:nvSpPr>
+          <p:cNvPr id="8" name="Rectangle 7"/>
+          <p:cNvSpPr>
+            <a:spLocks noChangeAspect="1"/>
+          </p:cNvSpPr>
+          <p:nvPr/>
+        </p:nvSpPr>
+        <p:spPr>
+          <a:xfrm>
+            <a:off x="448092" y="599725"/>
+            <a:ext cx="8238707" cy="1258827"/>
+          </a:xfrm>
+          <a:prstGeom prst="rect">
+            <a:avLst/>
+          </a:prstGeom>
+          <a:solidFill>
+            <a:schemeClr val="accent1"/>
+          </a:solidFill>
+          <a:ln>
+            <a:noFill/>
+          </a:ln>
+          <a:effectLst/>
+        </p:spPr>
+        <p:style>
+          <a:lnRef idx="1">
+            <a:schemeClr val="accent1"/>
+          </a:lnRef>
+          <a:fillRef idx="3">
+            <a:schemeClr val="accent1"/>
+          </a:fillRef>
+          <a:effectRef idx="2">
+            <a:schemeClr val="accent1"/>
+          </a:effectRef>
+          <a:fontRef idx="minor">
+            <a:schemeClr val="lt1"/>
+          </a:fontRef>
+        </p:style>
+      </p:sp>
+      <p:sp>
+        <p:nvSpPr>
+          <p:cNvPr id="2" name="Title 1"/>
+          <p:cNvSpPr>
+            <a:spLocks noGrp="1"/>
+          </p:cNvSpPr>
+          <p:nvPr>
+            <p:ph type="title"/>
+          </p:nvPr>
+        </p:nvSpPr>
+        <p:spPr/>
+        <p:txBody>
+          <a:bodyPr/>
+          <a:lstStyle/>
+          <a:p>
+            <a:r>
+              <a:rPr lang="en-US"/>
+              <a:t>Click to edit Master title style</a:t>
+            </a:r>
+            <a:endParaRPr lang="en-US" dirty="0"/>
+          </a:p>
+        </p:txBody>
+      </p:sp>
+      <p:sp>
+        <p:nvSpPr>
+          <p:cNvPr id="3" name="Content Placeholder 2"/>
+          <p:cNvSpPr>
+            <a:spLocks noGrp="1"/>
+          </p:cNvSpPr>
+          <p:nvPr>
+            <p:ph sz="half" idx="1"/>
+          </p:nvPr>
+        </p:nvSpPr>
+        <p:spPr>
+          <a:xfrm>
+            <a:off x="581192" y="2228002"/>
+            <a:ext cx="3899527" cy="3633047"/>
+          </a:xfrm>
+        </p:spPr>
+        <p:txBody>
+          <a:bodyPr>
+            <a:normAutofit/>
+          </a:bodyPr>
+          <a:lstStyle/>
+          <a:p>
+            <a:pPr lvl="0"/>
+            <a:r>
+              <a:rPr lang="en-US"/>
+              <a:t>Edit Master text styles</a:t>
+            </a:r>
+          </a:p>
+          <a:p>
+            <a:pPr lvl="1"/>
+            <a:r>
+              <a:rPr lang="en-US"/>
+              <a:t>Second level</a:t>
+            </a:r>
+          </a:p>
+          <a:p>
+            <a:pPr lvl="2"/>
+            <a:r>
+              <a:rPr lang="en-US"/>
+              <a:t>Third level</a:t>
+            </a:r>
+          </a:p>
+          <a:p>
+            <a:pPr lvl="3"/>
+            <a:r>
+              <a:rPr lang="en-US"/>
+              <a:t>Fourth level</a:t>
+            </a:r>
+          </a:p>
+          <a:p>
+            <a:pPr lvl="4"/>
+            <a:r>
+              <a:rPr lang="en-US"/>
+              <a:t>Fifth level</a:t>
+            </a:r>
+            <a:endParaRPr lang="en-US" dirty="0"/>
+          </a:p>
+        </p:txBody>
+      </p:sp>
+      <p:sp>
+        <p:nvSpPr>
+          <p:cNvPr id="4" name="Content Placeholder 3"/>
+          <p:cNvSpPr>
+            <a:spLocks noGrp="1"/>
+          </p:cNvSpPr>
+          <p:nvPr>
+            <p:ph sz="half" idx="2"/>
+          </p:nvPr>
+        </p:nvSpPr>
+        <p:spPr>
+          <a:xfrm>
+            <a:off x="4663282" y="2228003"/>
+            <a:ext cx="3907662" cy="3633047"/>
+          </a:xfrm>
+        </p:spPr>
+        <p:txBody>
+          <a:bodyPr>
+            <a:normAutofit/>
+          </a:bodyPr>
+          <a:lstStyle/>
+          <a:p>
+            <a:pPr lvl="0"/>
+            <a:r>
+              <a:rPr lang="en-US"/>
+              <a:t>Edit Master text styles</a:t>
+            </a:r>
+          </a:p>
+          <a:p>
+            <a:pPr lvl="1"/>
+            <a:r>
+              <a:rPr lang="en-US"/>
+              <a:t>Second level</a:t>
+            </a:r>
+          </a:p>
+          <a:p>
+            <a:pPr lvl="2"/>
+            <a:r>
+              <a:rPr lang="en-US"/>
+              <a:t>Third level</a:t>
+            </a:r>
+          </a:p>
+          <a:p>
+            <a:pPr lvl="3"/>
+            <a:r>
+              <a:rPr lang="en-US"/>
+              <a:t>Fourth level</a:t>
+            </a:r>
+          </a:p>
+          <a:p>
+            <a:pPr lvl="4"/>
+            <a:r>
+              <a:rPr lang="en-US"/>
+              <a:t>Fifth level</a:t>
+            </a:r>
+            <a:endParaRPr lang="en-US" dirty="0"/>
+          </a:p>
+        </p:txBody>
+      </p:sp>
+      <p:sp>
+        <p:nvSpPr>
+          <p:cNvPr id="5" name="Date Placeholder 4"/>
+          <p:cNvSpPr>
+            <a:spLocks noGrp="1"/>
+          </p:cNvSpPr>
+          <p:nvPr>
+            <p:ph type="dt" sz="half" idx="10"/>
+          </p:nvPr>
+        </p:nvSpPr>
+        <p:spPr>
+          <a:xfrm>
+            <a:off x="5559327" y="5956136"/>
+            <a:ext cx="2133600" cy="365125"/>
+          </a:xfrm>
+          <a:prstGeom prst="rect">
+            <a:avLst/>
+          </a:prstGeom>
+        </p:spPr>
+        <p:txBody>
+          <a:bodyPr/>
+          <a:lstStyle/>
+          <a:p>
+            <a:fld id="{61E23400-5FFF-41D4-9598-DBEB049E45E1}" type="datetime1">
+              <a:rPr lang="en-US" smtClean="0"/>
+              <a:t>6/11/18</a:t>
+            </a:fld>
+            <a:endParaRPr lang="en-US"/>
+          </a:p>
+        </p:txBody>
+      </p:sp>
+      <p:sp>
+        <p:nvSpPr>
+          <p:cNvPr id="6" name="Footer Placeholder 5"/>
+          <p:cNvSpPr>
+            <a:spLocks noGrp="1"/>
+          </p:cNvSpPr>
+          <p:nvPr>
+            <p:ph type="ftr" sz="quarter" idx="11"/>
+          </p:nvPr>
+        </p:nvSpPr>
+        <p:spPr>
+          <a:xfrm>
+            <a:off x="581192" y="5951810"/>
+            <a:ext cx="4870585" cy="365125"/>
+          </a:xfrm>
+          <a:prstGeom prst="rect">
+            <a:avLst/>
+          </a:prstGeom>
+        </p:spPr>
+        <p:txBody>
+          <a:bodyPr/>
+          <a:lstStyle/>
+          <a:p>
+            <a:r>
+              <a:rPr lang="en-US"/>
+              <a:t>© 2018, FLL Tutorials, Last Edit 6/11/2018</a:t>
+            </a:r>
+          </a:p>
+        </p:txBody>
+      </p:sp>
+      <p:sp>
+        <p:nvSpPr>
+          <p:cNvPr id="7" name="Slide Number Placeholder 6"/>
+          <p:cNvSpPr>
+            <a:spLocks noGrp="1"/>
+          </p:cNvSpPr>
+          <p:nvPr>
+            <p:ph type="sldNum" sz="quarter" idx="12"/>
+          </p:nvPr>
+        </p:nvSpPr>
+        <p:spPr>
+          <a:xfrm>
+            <a:off x="7800476" y="5956136"/>
+            <a:ext cx="770468" cy="365125"/>
+          </a:xfrm>
+          <a:prstGeom prst="rect">
+            <a:avLst/>
+          </a:prstGeom>
+        </p:spPr>
+        <p:txBody>
+          <a:bodyPr/>
+          <a:lstStyle/>
+          <a:p>
+            <a:fld id="{4DBC7FC8-25FB-FC45-8177-2B991DA6778C}" type="slidenum">
+              <a:rPr lang="en-US" smtClean="0"/>
+              <a:t>‹#›</a:t>
+            </a:fld>
+            <a:endParaRPr lang="en-US"/>
+          </a:p>
+        </p:txBody>
+      </p:sp>
+    </p:spTree>
+    <p:extLst>
+      <p:ext uri="{BB962C8B-B14F-4D97-AF65-F5344CB8AC3E}">
+        <p14:creationId xmlns:p14="http://schemas.microsoft.com/office/powerpoint/2010/main" val="2327316482"/>
+      </p:ext>
+    </p:extLst>
+  </p:cSld>
+  <p:clrMapOvr>
+    <a:masterClrMapping/>
+  </p:clrMapOvr>
+</p:sldLayout>
+</file>
+
+<file path=ppt/slideLayouts/slideLayout71.xml><?xml version="1.0" encoding="utf-8"?>
+<p:sldLayout xmlns:a="http://schemas.openxmlformats.org/drawingml/2006/main" xmlns:r="http://schemas.openxmlformats.org/officeDocument/2006/relationships" xmlns:p="http://schemas.openxmlformats.org/presentationml/2006/main" type="twoTxTwoObj" preserve="1">
+  <p:cSld name="Comparison">
+    <p:spTree>
+      <p:nvGrpSpPr>
+        <p:cNvPr id="1" name=""/>
+        <p:cNvGrpSpPr/>
+        <p:nvPr/>
+      </p:nvGrpSpPr>
+      <p:grpSpPr>
+        <a:xfrm>
+          <a:off x="0" y="0"/>
+          <a:ext cx="0" cy="0"/>
+          <a:chOff x="0" y="0"/>
+          <a:chExt cx="0" cy="0"/>
+        </a:xfrm>
+      </p:grpSpPr>
+      <p:sp>
+        <p:nvSpPr>
+          <p:cNvPr id="10" name="Rectangle 9"/>
+          <p:cNvSpPr>
+            <a:spLocks noChangeAspect="1"/>
+          </p:cNvSpPr>
+          <p:nvPr/>
+        </p:nvSpPr>
+        <p:spPr>
+          <a:xfrm>
+            <a:off x="448092" y="599725"/>
+            <a:ext cx="8238707" cy="1258827"/>
+          </a:xfrm>
+          <a:prstGeom prst="rect">
+            <a:avLst/>
+          </a:prstGeom>
+          <a:solidFill>
+            <a:schemeClr val="accent1"/>
+          </a:solidFill>
+          <a:ln>
+            <a:noFill/>
+          </a:ln>
+          <a:effectLst/>
+        </p:spPr>
+        <p:style>
+          <a:lnRef idx="1">
+            <a:schemeClr val="accent1"/>
+          </a:lnRef>
+          <a:fillRef idx="3">
+            <a:schemeClr val="accent1"/>
+          </a:fillRef>
+          <a:effectRef idx="2">
+            <a:schemeClr val="accent1"/>
+          </a:effectRef>
+          <a:fontRef idx="minor">
+            <a:schemeClr val="lt1"/>
+          </a:fontRef>
+        </p:style>
+      </p:sp>
+      <p:sp>
+        <p:nvSpPr>
+          <p:cNvPr id="2" name="Title 1"/>
+          <p:cNvSpPr>
+            <a:spLocks noGrp="1"/>
+          </p:cNvSpPr>
+          <p:nvPr>
+            <p:ph type="title"/>
+          </p:nvPr>
+        </p:nvSpPr>
+        <p:spPr/>
+        <p:txBody>
+          <a:bodyPr/>
+          <a:lstStyle>
+            <a:lvl1pPr>
+              <a:defRPr/>
+            </a:lvl1pPr>
+          </a:lstStyle>
+          <a:p>
+            <a:r>
+              <a:rPr lang="en-US"/>
+              <a:t>Click to edit Master title style</a:t>
+            </a:r>
+            <a:endParaRPr lang="en-US" dirty="0"/>
+          </a:p>
+        </p:txBody>
+      </p:sp>
+      <p:sp>
+        <p:nvSpPr>
+          <p:cNvPr id="3" name="Text Placeholder 2"/>
+          <p:cNvSpPr>
+            <a:spLocks noGrp="1"/>
+          </p:cNvSpPr>
+          <p:nvPr>
+            <p:ph type="body" idx="1"/>
+          </p:nvPr>
+        </p:nvSpPr>
+        <p:spPr>
+          <a:xfrm>
+            <a:off x="887219" y="2228003"/>
+            <a:ext cx="3593500" cy="576262"/>
+          </a:xfrm>
+        </p:spPr>
+        <p:txBody>
+          <a:bodyPr anchor="b">
+            <a:noAutofit/>
+          </a:bodyPr>
+          <a:lstStyle>
+            <a:lvl1pPr marL="0" indent="0">
+              <a:buNone/>
+              <a:defRPr sz="2200" b="0">
+                <a:solidFill>
+                  <a:schemeClr val="accent2"/>
+                </a:solidFill>
+              </a:defRPr>
+            </a:lvl1pPr>
+            <a:lvl2pPr marL="457200" indent="0">
+              <a:buNone/>
+              <a:defRPr sz="2000" b="1"/>
+            </a:lvl2pPr>
+            <a:lvl3pPr marL="914400" indent="0">
+              <a:buNone/>
+              <a:defRPr sz="1800" b="1"/>
+            </a:lvl3pPr>
+            <a:lvl4pPr marL="1371600" indent="0">
+              <a:buNone/>
+              <a:defRPr sz="1600" b="1"/>
+            </a:lvl4pPr>
+            <a:lvl5pPr marL="1828800" indent="0">
+              <a:buNone/>
+              <a:defRPr sz="1600" b="1"/>
+            </a:lvl5pPr>
+            <a:lvl6pPr marL="2286000" indent="0">
+              <a:buNone/>
+              <a:defRPr sz="1600" b="1"/>
+            </a:lvl6pPr>
+            <a:lvl7pPr marL="2743200" indent="0">
+              <a:buNone/>
+              <a:defRPr sz="1600" b="1"/>
+            </a:lvl7pPr>
+            <a:lvl8pPr marL="3200400" indent="0">
+              <a:buNone/>
+              <a:defRPr sz="1600" b="1"/>
+            </a:lvl8pPr>
+            <a:lvl9pPr marL="3657600" indent="0">
+              <a:buNone/>
+              <a:defRPr sz="1600" b="1"/>
+            </a:lvl9pPr>
+          </a:lstStyle>
+          <a:p>
+            <a:pPr lvl="0"/>
+            <a:r>
+              <a:rPr lang="en-US"/>
+              <a:t>Edit Master text styles</a:t>
+            </a:r>
+          </a:p>
+        </p:txBody>
+      </p:sp>
+      <p:sp>
+        <p:nvSpPr>
+          <p:cNvPr id="4" name="Content Placeholder 3"/>
+          <p:cNvSpPr>
+            <a:spLocks noGrp="1"/>
+          </p:cNvSpPr>
+          <p:nvPr>
+            <p:ph sz="half" idx="2"/>
+          </p:nvPr>
+        </p:nvSpPr>
+        <p:spPr>
+          <a:xfrm>
+            <a:off x="581192" y="2926051"/>
+            <a:ext cx="3899527" cy="2934999"/>
+          </a:xfrm>
+        </p:spPr>
+        <p:txBody>
+          <a:bodyPr anchor="t">
+            <a:normAutofit/>
+          </a:bodyPr>
+          <a:lstStyle/>
+          <a:p>
+            <a:pPr lvl="0"/>
+            <a:r>
+              <a:rPr lang="en-US"/>
+              <a:t>Edit Master text styles</a:t>
+            </a:r>
+          </a:p>
+          <a:p>
+            <a:pPr lvl="1"/>
+            <a:r>
+              <a:rPr lang="en-US"/>
+              <a:t>Second level</a:t>
+            </a:r>
+          </a:p>
+          <a:p>
+            <a:pPr lvl="2"/>
+            <a:r>
+              <a:rPr lang="en-US"/>
+              <a:t>Third level</a:t>
+            </a:r>
+          </a:p>
+          <a:p>
+            <a:pPr lvl="3"/>
+            <a:r>
+              <a:rPr lang="en-US"/>
+              <a:t>Fourth level</a:t>
+            </a:r>
+          </a:p>
+          <a:p>
+            <a:pPr lvl="4"/>
+            <a:r>
+              <a:rPr lang="en-US"/>
+              <a:t>Fifth level</a:t>
+            </a:r>
+            <a:endParaRPr lang="en-US" dirty="0"/>
+          </a:p>
+        </p:txBody>
+      </p:sp>
+      <p:sp>
+        <p:nvSpPr>
+          <p:cNvPr id="5" name="Text Placeholder 4"/>
+          <p:cNvSpPr>
+            <a:spLocks noGrp="1"/>
+          </p:cNvSpPr>
+          <p:nvPr>
+            <p:ph type="body" sz="quarter" idx="3"/>
+          </p:nvPr>
+        </p:nvSpPr>
+        <p:spPr>
+          <a:xfrm>
+            <a:off x="4969308" y="2228003"/>
+            <a:ext cx="3601635" cy="576262"/>
+          </a:xfrm>
+        </p:spPr>
+        <p:txBody>
+          <a:bodyPr anchor="b">
+            <a:noAutofit/>
+          </a:bodyPr>
+          <a:lstStyle>
+            <a:lvl1pPr marL="0" indent="0">
+              <a:buNone/>
+              <a:defRPr sz="2200" b="0">
+                <a:solidFill>
+                  <a:schemeClr val="accent2"/>
+                </a:solidFill>
+              </a:defRPr>
+            </a:lvl1pPr>
+            <a:lvl2pPr marL="457200" indent="0">
+              <a:buNone/>
+              <a:defRPr sz="2000" b="1"/>
+            </a:lvl2pPr>
+            <a:lvl3pPr marL="914400" indent="0">
+              <a:buNone/>
+              <a:defRPr sz="1800" b="1"/>
+            </a:lvl3pPr>
+            <a:lvl4pPr marL="1371600" indent="0">
+              <a:buNone/>
+              <a:defRPr sz="1600" b="1"/>
+            </a:lvl4pPr>
+            <a:lvl5pPr marL="1828800" indent="0">
+              <a:buNone/>
+              <a:defRPr sz="1600" b="1"/>
+            </a:lvl5pPr>
+            <a:lvl6pPr marL="2286000" indent="0">
+              <a:buNone/>
+              <a:defRPr sz="1600" b="1"/>
+            </a:lvl6pPr>
+            <a:lvl7pPr marL="2743200" indent="0">
+              <a:buNone/>
+              <a:defRPr sz="1600" b="1"/>
+            </a:lvl7pPr>
+            <a:lvl8pPr marL="3200400" indent="0">
+              <a:buNone/>
+              <a:defRPr sz="1600" b="1"/>
+            </a:lvl8pPr>
+            <a:lvl9pPr marL="3657600" indent="0">
+              <a:buNone/>
+              <a:defRPr sz="1600" b="1"/>
+            </a:lvl9pPr>
+          </a:lstStyle>
+          <a:p>
+            <a:pPr lvl="0"/>
+            <a:r>
+              <a:rPr lang="en-US"/>
+              <a:t>Edit Master text styles</a:t>
+            </a:r>
+          </a:p>
+        </p:txBody>
+      </p:sp>
+      <p:sp>
+        <p:nvSpPr>
+          <p:cNvPr id="6" name="Content Placeholder 5"/>
+          <p:cNvSpPr>
+            <a:spLocks noGrp="1"/>
+          </p:cNvSpPr>
+          <p:nvPr>
+            <p:ph sz="quarter" idx="4"/>
+          </p:nvPr>
+        </p:nvSpPr>
+        <p:spPr>
+          <a:xfrm>
+            <a:off x="4663282" y="2926051"/>
+            <a:ext cx="3907662" cy="2934999"/>
+          </a:xfrm>
+        </p:spPr>
+        <p:txBody>
+          <a:bodyPr anchor="t">
+            <a:normAutofit/>
+          </a:bodyPr>
+          <a:lstStyle/>
+          <a:p>
+            <a:pPr lvl="0"/>
+            <a:r>
+              <a:rPr lang="en-US"/>
+              <a:t>Edit Master text styles</a:t>
+            </a:r>
+          </a:p>
+          <a:p>
+            <a:pPr lvl="1"/>
+            <a:r>
+              <a:rPr lang="en-US"/>
+              <a:t>Second level</a:t>
+            </a:r>
+          </a:p>
+          <a:p>
+            <a:pPr lvl="2"/>
+            <a:r>
+              <a:rPr lang="en-US"/>
+              <a:t>Third level</a:t>
+            </a:r>
+          </a:p>
+          <a:p>
+            <a:pPr lvl="3"/>
+            <a:r>
+              <a:rPr lang="en-US"/>
+              <a:t>Fourth level</a:t>
+            </a:r>
+          </a:p>
+          <a:p>
+            <a:pPr lvl="4"/>
+            <a:r>
+              <a:rPr lang="en-US"/>
+              <a:t>Fifth level</a:t>
+            </a:r>
+            <a:endParaRPr lang="en-US" dirty="0"/>
+          </a:p>
+        </p:txBody>
+      </p:sp>
+      <p:sp>
+        <p:nvSpPr>
+          <p:cNvPr id="7" name="Date Placeholder 6"/>
+          <p:cNvSpPr>
+            <a:spLocks noGrp="1"/>
+          </p:cNvSpPr>
+          <p:nvPr>
+            <p:ph type="dt" sz="half" idx="10"/>
+          </p:nvPr>
+        </p:nvSpPr>
+        <p:spPr>
+          <a:xfrm>
+            <a:off x="5559327" y="5956136"/>
+            <a:ext cx="2133600" cy="365125"/>
+          </a:xfrm>
+          <a:prstGeom prst="rect">
+            <a:avLst/>
+          </a:prstGeom>
+        </p:spPr>
+        <p:txBody>
+          <a:bodyPr/>
+          <a:lstStyle/>
+          <a:p>
+            <a:fld id="{CD60870C-6AB6-44B0-8E49-49C47A1DDADC}" type="datetime1">
+              <a:rPr lang="en-US" smtClean="0"/>
+              <a:t>6/11/18</a:t>
+            </a:fld>
+            <a:endParaRPr lang="en-US"/>
+          </a:p>
+        </p:txBody>
+      </p:sp>
+      <p:sp>
+        <p:nvSpPr>
+          <p:cNvPr id="8" name="Footer Placeholder 7"/>
+          <p:cNvSpPr>
+            <a:spLocks noGrp="1"/>
+          </p:cNvSpPr>
+          <p:nvPr>
+            <p:ph type="ftr" sz="quarter" idx="11"/>
+          </p:nvPr>
+        </p:nvSpPr>
+        <p:spPr>
+          <a:xfrm>
+            <a:off x="581192" y="5951810"/>
+            <a:ext cx="4870585" cy="365125"/>
+          </a:xfrm>
+          <a:prstGeom prst="rect">
+            <a:avLst/>
+          </a:prstGeom>
+        </p:spPr>
+        <p:txBody>
+          <a:bodyPr/>
+          <a:lstStyle/>
+          <a:p>
+            <a:r>
+              <a:rPr lang="en-US"/>
+              <a:t>© 2018, FLL Tutorials, Last Edit 6/11/2018</a:t>
+            </a:r>
+          </a:p>
+        </p:txBody>
+      </p:sp>
+      <p:sp>
+        <p:nvSpPr>
+          <p:cNvPr id="9" name="Slide Number Placeholder 8"/>
+          <p:cNvSpPr>
+            <a:spLocks noGrp="1"/>
+          </p:cNvSpPr>
+          <p:nvPr>
+            <p:ph type="sldNum" sz="quarter" idx="12"/>
+          </p:nvPr>
+        </p:nvSpPr>
+        <p:spPr>
+          <a:xfrm>
+            <a:off x="7800476" y="5956136"/>
+            <a:ext cx="770468" cy="365125"/>
+          </a:xfrm>
+          <a:prstGeom prst="rect">
+            <a:avLst/>
+          </a:prstGeom>
+        </p:spPr>
+        <p:txBody>
+          <a:bodyPr/>
+          <a:lstStyle/>
+          <a:p>
+            <a:fld id="{4DBC7FC8-25FB-FC45-8177-2B991DA6778C}" type="slidenum">
+              <a:rPr lang="en-US" smtClean="0"/>
+              <a:t>‹#›</a:t>
+            </a:fld>
+            <a:endParaRPr lang="en-US"/>
+          </a:p>
+        </p:txBody>
+      </p:sp>
+    </p:spTree>
+    <p:extLst>
+      <p:ext uri="{BB962C8B-B14F-4D97-AF65-F5344CB8AC3E}">
+        <p14:creationId xmlns:p14="http://schemas.microsoft.com/office/powerpoint/2010/main" val="3834046666"/>
+      </p:ext>
+    </p:extLst>
+  </p:cSld>
+  <p:clrMapOvr>
+    <a:masterClrMapping/>
+  </p:clrMapOvr>
+</p:sldLayout>
+</file>
+
+<file path=ppt/slideLayouts/slideLayout72.xml><?xml version="1.0" encoding="utf-8"?>
+<p:sldLayout xmlns:a="http://schemas.openxmlformats.org/drawingml/2006/main" xmlns:r="http://schemas.openxmlformats.org/officeDocument/2006/relationships" xmlns:p="http://schemas.openxmlformats.org/presentationml/2006/main" type="titleOnly" preserve="1">
+  <p:cSld name="Title Only">
+    <p:spTree>
+      <p:nvGrpSpPr>
+        <p:cNvPr id="1" name=""/>
+        <p:cNvGrpSpPr/>
+        <p:nvPr/>
+      </p:nvGrpSpPr>
+      <p:grpSpPr>
+        <a:xfrm>
+          <a:off x="0" y="0"/>
+          <a:ext cx="0" cy="0"/>
+          <a:chOff x="0" y="0"/>
+          <a:chExt cx="0" cy="0"/>
+        </a:xfrm>
+      </p:grpSpPr>
+      <p:sp>
+        <p:nvSpPr>
+          <p:cNvPr id="6" name="Rectangle 5"/>
+          <p:cNvSpPr>
+            <a:spLocks noChangeAspect="1"/>
+          </p:cNvSpPr>
+          <p:nvPr/>
+        </p:nvSpPr>
+        <p:spPr>
+          <a:xfrm>
+            <a:off x="448092" y="599725"/>
+            <a:ext cx="8238707" cy="1258827"/>
+          </a:xfrm>
+          <a:prstGeom prst="rect">
+            <a:avLst/>
+          </a:prstGeom>
+          <a:solidFill>
+            <a:schemeClr val="accent1"/>
+          </a:solidFill>
+          <a:ln>
+            <a:noFill/>
+          </a:ln>
+          <a:effectLst/>
+        </p:spPr>
+        <p:style>
+          <a:lnRef idx="1">
+            <a:schemeClr val="accent1"/>
+          </a:lnRef>
+          <a:fillRef idx="3">
+            <a:schemeClr val="accent1"/>
+          </a:fillRef>
+          <a:effectRef idx="2">
+            <a:schemeClr val="accent1"/>
+          </a:effectRef>
+          <a:fontRef idx="minor">
+            <a:schemeClr val="lt1"/>
+          </a:fontRef>
+        </p:style>
+      </p:sp>
+      <p:sp>
+        <p:nvSpPr>
+          <p:cNvPr id="2" name="Title 1"/>
+          <p:cNvSpPr>
+            <a:spLocks noGrp="1"/>
+          </p:cNvSpPr>
+          <p:nvPr>
+            <p:ph type="title"/>
+          </p:nvPr>
+        </p:nvSpPr>
+        <p:spPr/>
+        <p:txBody>
+          <a:bodyPr/>
+          <a:lstStyle/>
+          <a:p>
+            <a:r>
+              <a:rPr lang="en-US"/>
+              <a:t>Click to edit Master title style</a:t>
+            </a:r>
+            <a:endParaRPr lang="en-US" dirty="0"/>
+          </a:p>
+        </p:txBody>
+      </p:sp>
+      <p:sp>
+        <p:nvSpPr>
+          <p:cNvPr id="3" name="Date Placeholder 2"/>
+          <p:cNvSpPr>
+            <a:spLocks noGrp="1"/>
+          </p:cNvSpPr>
+          <p:nvPr>
+            <p:ph type="dt" sz="half" idx="10"/>
+          </p:nvPr>
+        </p:nvSpPr>
+        <p:spPr>
+          <a:xfrm>
+            <a:off x="5559327" y="5956136"/>
+            <a:ext cx="2133600" cy="365125"/>
+          </a:xfrm>
+          <a:prstGeom prst="rect">
+            <a:avLst/>
+          </a:prstGeom>
+        </p:spPr>
+        <p:txBody>
+          <a:bodyPr/>
+          <a:lstStyle/>
+          <a:p>
+            <a:fld id="{BF02DD66-3217-4806-8DA6-C4B282B9E9B6}" type="datetime1">
+              <a:rPr lang="en-US" smtClean="0"/>
+              <a:t>6/11/18</a:t>
+            </a:fld>
+            <a:endParaRPr lang="en-US"/>
+          </a:p>
+        </p:txBody>
+      </p:sp>
+      <p:sp>
+        <p:nvSpPr>
+          <p:cNvPr id="4" name="Footer Placeholder 3"/>
+          <p:cNvSpPr>
+            <a:spLocks noGrp="1"/>
+          </p:cNvSpPr>
+          <p:nvPr>
+            <p:ph type="ftr" sz="quarter" idx="11"/>
+          </p:nvPr>
+        </p:nvSpPr>
+        <p:spPr>
+          <a:xfrm>
+            <a:off x="581192" y="5951810"/>
+            <a:ext cx="4870585" cy="365125"/>
+          </a:xfrm>
+          <a:prstGeom prst="rect">
+            <a:avLst/>
+          </a:prstGeom>
+        </p:spPr>
+        <p:txBody>
+          <a:bodyPr/>
+          <a:lstStyle/>
+          <a:p>
+            <a:r>
+              <a:rPr lang="en-US"/>
+              <a:t>© 2018, FLL Tutorials, Last Edit 6/11/2018</a:t>
+            </a:r>
+          </a:p>
+        </p:txBody>
+      </p:sp>
+      <p:sp>
+        <p:nvSpPr>
+          <p:cNvPr id="5" name="Slide Number Placeholder 4"/>
+          <p:cNvSpPr>
+            <a:spLocks noGrp="1"/>
+          </p:cNvSpPr>
+          <p:nvPr>
+            <p:ph type="sldNum" sz="quarter" idx="12"/>
+          </p:nvPr>
+        </p:nvSpPr>
+        <p:spPr>
+          <a:xfrm>
+            <a:off x="7800476" y="5956136"/>
+            <a:ext cx="770468" cy="365125"/>
+          </a:xfrm>
+          <a:prstGeom prst="rect">
+            <a:avLst/>
+          </a:prstGeom>
+        </p:spPr>
+        <p:txBody>
+          <a:bodyPr/>
+          <a:lstStyle/>
+          <a:p>
+            <a:fld id="{4DBC7FC8-25FB-FC45-8177-2B991DA6778C}" type="slidenum">
+              <a:rPr lang="en-US" smtClean="0"/>
+              <a:t>‹#›</a:t>
+            </a:fld>
+            <a:endParaRPr lang="en-US"/>
+          </a:p>
+        </p:txBody>
+      </p:sp>
+    </p:spTree>
+    <p:extLst>
+      <p:ext uri="{BB962C8B-B14F-4D97-AF65-F5344CB8AC3E}">
+        <p14:creationId xmlns:p14="http://schemas.microsoft.com/office/powerpoint/2010/main" val="534087967"/>
+      </p:ext>
+    </p:extLst>
+  </p:cSld>
+  <p:clrMapOvr>
+    <a:masterClrMapping/>
+  </p:clrMapOvr>
+</p:sldLayout>
+</file>
+
+<file path=ppt/slideLayouts/slideLayout73.xml><?xml version="1.0" encoding="utf-8"?>
+<p:sldLayout xmlns:a="http://schemas.openxmlformats.org/drawingml/2006/main" xmlns:r="http://schemas.openxmlformats.org/officeDocument/2006/relationships" xmlns:p="http://schemas.openxmlformats.org/presentationml/2006/main" type="blank" preserve="1">
+  <p:cSld name="Blank">
+    <p:spTree>
+      <p:nvGrpSpPr>
+        <p:cNvPr id="1" name=""/>
+        <p:cNvGrpSpPr/>
+        <p:nvPr/>
+      </p:nvGrpSpPr>
+      <p:grpSpPr>
+        <a:xfrm>
+          <a:off x="0" y="0"/>
+          <a:ext cx="0" cy="0"/>
+          <a:chOff x="0" y="0"/>
+          <a:chExt cx="0" cy="0"/>
+        </a:xfrm>
+      </p:grpSpPr>
+      <p:sp>
+        <p:nvSpPr>
+          <p:cNvPr id="2" name="Date Placeholder 1"/>
+          <p:cNvSpPr>
+            <a:spLocks noGrp="1"/>
+          </p:cNvSpPr>
+          <p:nvPr>
+            <p:ph type="dt" sz="half" idx="10"/>
+          </p:nvPr>
+        </p:nvSpPr>
+        <p:spPr>
+          <a:xfrm>
+            <a:off x="5559327" y="5956136"/>
+            <a:ext cx="2133600" cy="365125"/>
+          </a:xfrm>
+          <a:prstGeom prst="rect">
+            <a:avLst/>
+          </a:prstGeom>
+        </p:spPr>
+        <p:txBody>
+          <a:bodyPr/>
+          <a:lstStyle/>
+          <a:p>
+            <a:fld id="{47C8580B-EE9C-4C6C-A22B-628D1FB8BAB2}" type="datetime1">
+              <a:rPr lang="en-US" smtClean="0"/>
+              <a:t>6/11/18</a:t>
+            </a:fld>
+            <a:endParaRPr lang="en-US"/>
+          </a:p>
+        </p:txBody>
+      </p:sp>
+      <p:sp>
+        <p:nvSpPr>
+          <p:cNvPr id="3" name="Footer Placeholder 2"/>
+          <p:cNvSpPr>
+            <a:spLocks noGrp="1"/>
+          </p:cNvSpPr>
+          <p:nvPr>
+            <p:ph type="ftr" sz="quarter" idx="11"/>
+          </p:nvPr>
+        </p:nvSpPr>
+        <p:spPr>
+          <a:xfrm>
+            <a:off x="581192" y="5951810"/>
+            <a:ext cx="4870585" cy="365125"/>
+          </a:xfrm>
+          <a:prstGeom prst="rect">
+            <a:avLst/>
+          </a:prstGeom>
+        </p:spPr>
+        <p:txBody>
+          <a:bodyPr/>
+          <a:lstStyle/>
+          <a:p>
+            <a:r>
+              <a:rPr lang="en-US"/>
+              <a:t>© 2018, FLL Tutorials, Last Edit 6/11/2018</a:t>
+            </a:r>
+          </a:p>
+        </p:txBody>
+      </p:sp>
+      <p:sp>
+        <p:nvSpPr>
+          <p:cNvPr id="4" name="Slide Number Placeholder 3"/>
+          <p:cNvSpPr>
+            <a:spLocks noGrp="1"/>
+          </p:cNvSpPr>
+          <p:nvPr>
+            <p:ph type="sldNum" sz="quarter" idx="12"/>
+          </p:nvPr>
+        </p:nvSpPr>
+        <p:spPr>
+          <a:xfrm>
+            <a:off x="7800476" y="5956136"/>
+            <a:ext cx="770468" cy="365125"/>
+          </a:xfrm>
+          <a:prstGeom prst="rect">
+            <a:avLst/>
+          </a:prstGeom>
+        </p:spPr>
+        <p:txBody>
+          <a:bodyPr/>
+          <a:lstStyle/>
+          <a:p>
+            <a:fld id="{4DBC7FC8-25FB-FC45-8177-2B991DA6778C}" type="slidenum">
+              <a:rPr lang="en-US" smtClean="0"/>
+              <a:t>‹#›</a:t>
+            </a:fld>
+            <a:endParaRPr lang="en-US"/>
+          </a:p>
+        </p:txBody>
+      </p:sp>
+    </p:spTree>
+    <p:extLst>
+      <p:ext uri="{BB962C8B-B14F-4D97-AF65-F5344CB8AC3E}">
+        <p14:creationId xmlns:p14="http://schemas.microsoft.com/office/powerpoint/2010/main" val="340414433"/>
+      </p:ext>
+    </p:extLst>
+  </p:cSld>
+  <p:clrMapOvr>
+    <a:masterClrMapping/>
+  </p:clrMapOvr>
+</p:sldLayout>
+</file>
+
+<file path=ppt/slideLayouts/slideLayout74.xml><?xml version="1.0" encoding="utf-8"?>
+<p:sldLayout xmlns:a="http://schemas.openxmlformats.org/drawingml/2006/main" xmlns:r="http://schemas.openxmlformats.org/officeDocument/2006/relationships" xmlns:p="http://schemas.openxmlformats.org/presentationml/2006/main" type="objTx" preserve="1">
+  <p:cSld name="Content with Caption">
+    <p:spTree>
+      <p:nvGrpSpPr>
+        <p:cNvPr id="1" name=""/>
+        <p:cNvGrpSpPr/>
+        <p:nvPr/>
+      </p:nvGrpSpPr>
+      <p:grpSpPr>
+        <a:xfrm>
+          <a:off x="0" y="0"/>
+          <a:ext cx="0" cy="0"/>
+          <a:chOff x="0" y="0"/>
+          <a:chExt cx="0" cy="0"/>
+        </a:xfrm>
+      </p:grpSpPr>
+      <p:sp>
+        <p:nvSpPr>
+          <p:cNvPr id="9" name="Rectangle 8"/>
+          <p:cNvSpPr>
+            <a:spLocks noChangeAspect="1"/>
+          </p:cNvSpPr>
+          <p:nvPr/>
+        </p:nvSpPr>
+        <p:spPr>
+          <a:xfrm>
+            <a:off x="452646" y="5141973"/>
+            <a:ext cx="8238707" cy="1274702"/>
+          </a:xfrm>
+          <a:prstGeom prst="rect">
+            <a:avLst/>
+          </a:prstGeom>
+          <a:solidFill>
+            <a:schemeClr val="accent1"/>
+          </a:solidFill>
+          <a:ln>
+            <a:noFill/>
+          </a:ln>
+          <a:effectLst/>
+        </p:spPr>
+        <p:style>
+          <a:lnRef idx="1">
+            <a:schemeClr val="accent1"/>
+          </a:lnRef>
+          <a:fillRef idx="3">
+            <a:schemeClr val="accent1"/>
+          </a:fillRef>
+          <a:effectRef idx="2">
+            <a:schemeClr val="accent1"/>
+          </a:effectRef>
+          <a:fontRef idx="minor">
+            <a:schemeClr val="lt1"/>
+          </a:fontRef>
+        </p:style>
+      </p:sp>
+      <p:sp>
+        <p:nvSpPr>
+          <p:cNvPr id="2" name="Title 1"/>
+          <p:cNvSpPr>
+            <a:spLocks noGrp="1"/>
+          </p:cNvSpPr>
+          <p:nvPr>
+            <p:ph type="title"/>
+          </p:nvPr>
+        </p:nvSpPr>
+        <p:spPr>
+          <a:xfrm>
+            <a:off x="581352" y="5262296"/>
+            <a:ext cx="3536625" cy="689514"/>
+          </a:xfrm>
+        </p:spPr>
+        <p:txBody>
+          <a:bodyPr anchor="ctr"/>
+          <a:lstStyle>
+            <a:lvl1pPr algn="l">
+              <a:defRPr sz="2000" b="0">
+                <a:solidFill>
+                  <a:schemeClr val="accent1">
+                    <a:lumMod val="75000"/>
+                    <a:lumOff val="25000"/>
+                  </a:schemeClr>
+                </a:solidFill>
+              </a:defRPr>
+            </a:lvl1pPr>
+          </a:lstStyle>
+          <a:p>
+            <a:r>
+              <a:rPr lang="en-US"/>
+              <a:t>Click to edit Master title style</a:t>
+            </a:r>
+            <a:endParaRPr lang="en-US" dirty="0"/>
+          </a:p>
+        </p:txBody>
+      </p:sp>
+      <p:sp>
+        <p:nvSpPr>
+          <p:cNvPr id="3" name="Content Placeholder 2"/>
+          <p:cNvSpPr>
+            <a:spLocks noGrp="1"/>
+          </p:cNvSpPr>
+          <p:nvPr>
+            <p:ph idx="1"/>
+          </p:nvPr>
+        </p:nvSpPr>
+        <p:spPr>
+          <a:xfrm>
+            <a:off x="446399" y="601200"/>
+            <a:ext cx="8240400" cy="4204800"/>
+          </a:xfrm>
+        </p:spPr>
+        <p:txBody>
+          <a:bodyPr anchor="ctr">
+            <a:normAutofit/>
+          </a:bodyPr>
+          <a:lstStyle>
+            <a:lvl1pPr>
+              <a:defRPr sz="2000">
+                <a:solidFill>
+                  <a:schemeClr val="tx2"/>
+                </a:solidFill>
+              </a:defRPr>
+            </a:lvl1pPr>
+            <a:lvl2pPr>
+              <a:defRPr sz="1800">
+                <a:solidFill>
+                  <a:schemeClr val="tx2"/>
+                </a:solidFill>
+              </a:defRPr>
+            </a:lvl2pPr>
+            <a:lvl3pPr>
+              <a:defRPr sz="1600">
+                <a:solidFill>
+                  <a:schemeClr val="tx2"/>
+                </a:solidFill>
+              </a:defRPr>
+            </a:lvl3pPr>
+            <a:lvl4pPr>
+              <a:defRPr sz="1400">
+                <a:solidFill>
+                  <a:schemeClr val="tx2"/>
+                </a:solidFill>
+              </a:defRPr>
+            </a:lvl4pPr>
+            <a:lvl5pPr>
+              <a:defRPr sz="1400">
+                <a:solidFill>
+                  <a:schemeClr val="tx2"/>
+                </a:solidFill>
+              </a:defRPr>
+            </a:lvl5pPr>
+            <a:lvl6pPr>
+              <a:defRPr sz="1400">
+                <a:solidFill>
+                  <a:schemeClr val="tx2"/>
+                </a:solidFill>
+              </a:defRPr>
+            </a:lvl6pPr>
+            <a:lvl7pPr>
+              <a:defRPr sz="1400">
+                <a:solidFill>
+                  <a:schemeClr val="tx2"/>
+                </a:solidFill>
+              </a:defRPr>
+            </a:lvl7pPr>
+            <a:lvl8pPr>
+              <a:defRPr sz="1400">
+                <a:solidFill>
+                  <a:schemeClr val="tx2"/>
+                </a:solidFill>
+              </a:defRPr>
+            </a:lvl8pPr>
+            <a:lvl9pPr>
+              <a:defRPr sz="1400">
+                <a:solidFill>
+                  <a:schemeClr val="tx2"/>
+                </a:solidFill>
+              </a:defRPr>
+            </a:lvl9pPr>
+          </a:lstStyle>
+          <a:p>
+            <a:pPr lvl="0"/>
+            <a:r>
+              <a:rPr lang="en-US"/>
+              <a:t>Edit Master text styles</a:t>
+            </a:r>
+          </a:p>
+          <a:p>
+            <a:pPr lvl="1"/>
+            <a:r>
+              <a:rPr lang="en-US"/>
+              <a:t>Second level</a:t>
+            </a:r>
+          </a:p>
+          <a:p>
+            <a:pPr lvl="2"/>
+            <a:r>
+              <a:rPr lang="en-US"/>
+              <a:t>Third level</a:t>
+            </a:r>
+          </a:p>
+          <a:p>
+            <a:pPr lvl="3"/>
+            <a:r>
+              <a:rPr lang="en-US"/>
+              <a:t>Fourth level</a:t>
+            </a:r>
+          </a:p>
+          <a:p>
+            <a:pPr lvl="4"/>
+            <a:r>
+              <a:rPr lang="en-US"/>
+              <a:t>Fifth level</a:t>
+            </a:r>
+            <a:endParaRPr lang="en-US" dirty="0"/>
+          </a:p>
+        </p:txBody>
+      </p:sp>
+      <p:sp>
+        <p:nvSpPr>
+          <p:cNvPr id="4" name="Text Placeholder 3"/>
+          <p:cNvSpPr>
+            <a:spLocks noGrp="1"/>
+          </p:cNvSpPr>
+          <p:nvPr>
+            <p:ph type="body" sz="half" idx="2"/>
+          </p:nvPr>
+        </p:nvSpPr>
+        <p:spPr>
+          <a:xfrm>
+            <a:off x="4305617" y="5262295"/>
+            <a:ext cx="4265327" cy="689515"/>
+          </a:xfrm>
+        </p:spPr>
+        <p:txBody>
+          <a:bodyPr anchor="ctr">
+            <a:normAutofit/>
+          </a:bodyPr>
+          <a:lstStyle>
+            <a:lvl1pPr marL="0" indent="0" algn="r">
+              <a:buNone/>
+              <a:defRPr sz="1100">
+                <a:solidFill>
+                  <a:schemeClr val="bg1"/>
+                </a:solidFill>
+              </a:defRPr>
+            </a:lvl1pPr>
+            <a:lvl2pPr marL="457200" indent="0">
+              <a:buNone/>
+              <a:defRPr sz="1100"/>
+            </a:lvl2pPr>
+            <a:lvl3pPr marL="914400" indent="0">
+              <a:buNone/>
+              <a:defRPr sz="1000"/>
+            </a:lvl3pPr>
+            <a:lvl4pPr marL="1371600" indent="0">
+              <a:buNone/>
+              <a:defRPr sz="900"/>
+            </a:lvl4pPr>
+            <a:lvl5pPr marL="1828800" indent="0">
+              <a:buNone/>
+              <a:defRPr sz="900"/>
+            </a:lvl5pPr>
+            <a:lvl6pPr marL="2286000" indent="0">
+              <a:buNone/>
+              <a:defRPr sz="900"/>
+            </a:lvl6pPr>
+            <a:lvl7pPr marL="2743200" indent="0">
+              <a:buNone/>
+              <a:defRPr sz="900"/>
+            </a:lvl7pPr>
+            <a:lvl8pPr marL="3200400" indent="0">
+              <a:buNone/>
+              <a:defRPr sz="900"/>
+            </a:lvl8pPr>
+            <a:lvl9pPr marL="3657600" indent="0">
+              <a:buNone/>
+              <a:defRPr sz="900"/>
+            </a:lvl9pPr>
+          </a:lstStyle>
+          <a:p>
+            <a:pPr lvl="0"/>
+            <a:r>
+              <a:rPr lang="en-US"/>
+              <a:t>Edit Master text styles</a:t>
+            </a:r>
+          </a:p>
+        </p:txBody>
+      </p:sp>
+      <p:sp>
+        <p:nvSpPr>
+          <p:cNvPr id="5" name="Date Placeholder 4"/>
+          <p:cNvSpPr>
+            <a:spLocks noGrp="1"/>
+          </p:cNvSpPr>
+          <p:nvPr>
+            <p:ph type="dt" sz="half" idx="10"/>
+          </p:nvPr>
+        </p:nvSpPr>
+        <p:spPr>
+          <a:xfrm>
+            <a:off x="5559327" y="5956136"/>
+            <a:ext cx="2133600" cy="365125"/>
+          </a:xfrm>
+          <a:prstGeom prst="rect">
+            <a:avLst/>
+          </a:prstGeom>
+        </p:spPr>
+        <p:txBody>
+          <a:bodyPr/>
+          <a:lstStyle>
+            <a:lvl1pPr>
+              <a:defRPr>
+                <a:solidFill>
+                  <a:schemeClr val="accent1">
+                    <a:lumMod val="75000"/>
+                    <a:lumOff val="25000"/>
+                  </a:schemeClr>
+                </a:solidFill>
+              </a:defRPr>
+            </a:lvl1pPr>
+          </a:lstStyle>
+          <a:p>
+            <a:fld id="{A83227AB-03CB-4A66-B72D-254F499AC392}" type="datetime1">
+              <a:rPr lang="en-US" smtClean="0"/>
+              <a:t>6/11/18</a:t>
+            </a:fld>
+            <a:endParaRPr lang="en-US"/>
+          </a:p>
+        </p:txBody>
+      </p:sp>
+      <p:sp>
+        <p:nvSpPr>
+          <p:cNvPr id="6" name="Footer Placeholder 5"/>
+          <p:cNvSpPr>
+            <a:spLocks noGrp="1"/>
+          </p:cNvSpPr>
+          <p:nvPr>
+            <p:ph type="ftr" sz="quarter" idx="11"/>
+          </p:nvPr>
+        </p:nvSpPr>
+        <p:spPr>
+          <a:xfrm>
+            <a:off x="581192" y="5951810"/>
+            <a:ext cx="4870585" cy="365125"/>
+          </a:xfrm>
+          <a:prstGeom prst="rect">
+            <a:avLst/>
+          </a:prstGeom>
+        </p:spPr>
+        <p:txBody>
+          <a:bodyPr/>
+          <a:lstStyle>
+            <a:lvl1pPr>
+              <a:defRPr>
+                <a:solidFill>
+                  <a:schemeClr val="accent1">
+                    <a:lumMod val="75000"/>
+                    <a:lumOff val="25000"/>
+                  </a:schemeClr>
+                </a:solidFill>
+              </a:defRPr>
+            </a:lvl1pPr>
+          </a:lstStyle>
+          <a:p>
+            <a:r>
+              <a:rPr lang="en-US"/>
+              <a:t>© 2018, FLL Tutorials, Last Edit 6/11/2018</a:t>
+            </a:r>
+          </a:p>
+        </p:txBody>
+      </p:sp>
+      <p:sp>
+        <p:nvSpPr>
+          <p:cNvPr id="7" name="Slide Number Placeholder 6"/>
+          <p:cNvSpPr>
+            <a:spLocks noGrp="1"/>
+          </p:cNvSpPr>
+          <p:nvPr>
+            <p:ph type="sldNum" sz="quarter" idx="12"/>
+          </p:nvPr>
+        </p:nvSpPr>
+        <p:spPr>
+          <a:xfrm>
+            <a:off x="7800476" y="5956136"/>
+            <a:ext cx="770468" cy="365125"/>
+          </a:xfrm>
+          <a:prstGeom prst="rect">
+            <a:avLst/>
+          </a:prstGeom>
+        </p:spPr>
+        <p:txBody>
+          <a:bodyPr/>
+          <a:lstStyle>
+            <a:lvl1pPr>
+              <a:defRPr>
+                <a:solidFill>
+                  <a:schemeClr val="accent1">
+                    <a:lumMod val="75000"/>
+                    <a:lumOff val="25000"/>
+                  </a:schemeClr>
+                </a:solidFill>
+              </a:defRPr>
+            </a:lvl1pPr>
+          </a:lstStyle>
+          <a:p>
+            <a:fld id="{4DBC7FC8-25FB-FC45-8177-2B991DA6778C}" type="slidenum">
+              <a:rPr lang="en-US" smtClean="0"/>
+              <a:t>‹#›</a:t>
+            </a:fld>
+            <a:endParaRPr lang="en-US"/>
+          </a:p>
+        </p:txBody>
+      </p:sp>
+    </p:spTree>
+    <p:extLst>
+      <p:ext uri="{BB962C8B-B14F-4D97-AF65-F5344CB8AC3E}">
+        <p14:creationId xmlns:p14="http://schemas.microsoft.com/office/powerpoint/2010/main" val="3035403217"/>
+      </p:ext>
+    </p:extLst>
+  </p:cSld>
+  <p:clrMapOvr>
+    <a:masterClrMapping/>
+  </p:clrMapOvr>
+</p:sldLayout>
+</file>
+
+<file path=ppt/slideLayouts/slideLayout75.xml><?xml version="1.0" encoding="utf-8"?>
+<p:sldLayout xmlns:a="http://schemas.openxmlformats.org/drawingml/2006/main" xmlns:r="http://schemas.openxmlformats.org/officeDocument/2006/relationships" xmlns:p="http://schemas.openxmlformats.org/presentationml/2006/main" type="picTx" preserve="1">
+  <p:cSld name="Picture with Caption">
+    <p:spTree>
+      <p:nvGrpSpPr>
+        <p:cNvPr id="1" name=""/>
+        <p:cNvGrpSpPr/>
+        <p:nvPr/>
+      </p:nvGrpSpPr>
+      <p:grpSpPr>
+        <a:xfrm>
+          <a:off x="0" y="0"/>
+          <a:ext cx="0" cy="0"/>
+          <a:chOff x="0" y="0"/>
+          <a:chExt cx="0" cy="0"/>
+        </a:xfrm>
+      </p:grpSpPr>
+      <p:sp>
+        <p:nvSpPr>
+          <p:cNvPr id="2" name="Title 1"/>
+          <p:cNvSpPr>
+            <a:spLocks noGrp="1"/>
+          </p:cNvSpPr>
+          <p:nvPr>
+            <p:ph type="title"/>
+          </p:nvPr>
+        </p:nvSpPr>
+        <p:spPr>
+          <a:xfrm>
+            <a:off x="581192" y="4693389"/>
+            <a:ext cx="7989752" cy="566738"/>
+          </a:xfrm>
+        </p:spPr>
+        <p:txBody>
+          <a:bodyPr anchor="b">
+            <a:normAutofit/>
+          </a:bodyPr>
+          <a:lstStyle>
+            <a:lvl1pPr algn="l">
+              <a:defRPr sz="2400" b="0">
+                <a:solidFill>
+                  <a:schemeClr val="accent1"/>
+                </a:solidFill>
+              </a:defRPr>
+            </a:lvl1pPr>
+          </a:lstStyle>
+          <a:p>
+            <a:r>
+              <a:rPr lang="en-US"/>
+              <a:t>Click to edit Master title style</a:t>
+            </a:r>
+            <a:endParaRPr lang="en-US" dirty="0"/>
+          </a:p>
+        </p:txBody>
+      </p:sp>
+      <p:sp>
+        <p:nvSpPr>
+          <p:cNvPr id="3" name="Picture Placeholder 2"/>
+          <p:cNvSpPr>
+            <a:spLocks noGrp="1" noChangeAspect="1"/>
+          </p:cNvSpPr>
+          <p:nvPr>
+            <p:ph type="pic" idx="1"/>
+          </p:nvPr>
+        </p:nvSpPr>
+        <p:spPr>
+          <a:xfrm>
+            <a:off x="448093" y="599725"/>
+            <a:ext cx="8238706" cy="3557252"/>
+          </a:xfrm>
+        </p:spPr>
+        <p:txBody>
+          <a:bodyPr anchor="t">
+            <a:normAutofit/>
+          </a:bodyPr>
+          <a:lstStyle>
+            <a:lvl1pPr marL="0" indent="0" algn="ctr">
+              <a:buNone/>
+              <a:defRPr sz="1600"/>
+            </a:lvl1pPr>
+            <a:lvl2pPr marL="457200" indent="0">
+              <a:buNone/>
+              <a:defRPr sz="1600"/>
+            </a:lvl2pPr>
+            <a:lvl3pPr marL="914400" indent="0">
+              <a:buNone/>
+              <a:defRPr sz="1600"/>
+            </a:lvl3pPr>
+            <a:lvl4pPr marL="1371600" indent="0">
+              <a:buNone/>
+              <a:defRPr sz="1600"/>
+            </a:lvl4pPr>
+            <a:lvl5pPr marL="1828800" indent="0">
+              <a:buNone/>
+              <a:defRPr sz="1600"/>
+            </a:lvl5pPr>
+            <a:lvl6pPr marL="2286000" indent="0">
+              <a:buNone/>
+              <a:defRPr sz="1600"/>
+            </a:lvl6pPr>
+            <a:lvl7pPr marL="2743200" indent="0">
+              <a:buNone/>
+              <a:defRPr sz="1600"/>
+            </a:lvl7pPr>
+            <a:lvl8pPr marL="3200400" indent="0">
+              <a:buNone/>
+              <a:defRPr sz="1600"/>
+            </a:lvl8pPr>
+            <a:lvl9pPr marL="3657600" indent="0">
+              <a:buNone/>
+              <a:defRPr sz="1600"/>
+            </a:lvl9pPr>
+          </a:lstStyle>
+          <a:p>
+            <a:r>
+              <a:rPr lang="en-US"/>
+              <a:t>Click icon to add picture</a:t>
+            </a:r>
+            <a:endParaRPr lang="en-US" dirty="0"/>
+          </a:p>
+        </p:txBody>
+      </p:sp>
+      <p:sp>
+        <p:nvSpPr>
+          <p:cNvPr id="4" name="Text Placeholder 3"/>
+          <p:cNvSpPr>
+            <a:spLocks noGrp="1"/>
+          </p:cNvSpPr>
+          <p:nvPr>
+            <p:ph type="body" sz="half" idx="2"/>
+          </p:nvPr>
+        </p:nvSpPr>
+        <p:spPr>
+          <a:xfrm>
+            <a:off x="581192" y="5260126"/>
+            <a:ext cx="7989752" cy="598671"/>
+          </a:xfrm>
+        </p:spPr>
+        <p:txBody>
+          <a:bodyPr>
+            <a:normAutofit/>
+          </a:bodyPr>
+          <a:lstStyle>
+            <a:lvl1pPr marL="0" indent="0">
+              <a:buNone/>
+              <a:defRPr sz="1200"/>
+            </a:lvl1pPr>
+            <a:lvl2pPr marL="457200" indent="0">
+              <a:buNone/>
+              <a:defRPr sz="1200"/>
+            </a:lvl2pPr>
+            <a:lvl3pPr marL="914400" indent="0">
+              <a:buNone/>
+              <a:defRPr sz="1000"/>
+            </a:lvl3pPr>
+            <a:lvl4pPr marL="1371600" indent="0">
+              <a:buNone/>
+              <a:defRPr sz="900"/>
+            </a:lvl4pPr>
+            <a:lvl5pPr marL="1828800" indent="0">
+              <a:buNone/>
+              <a:defRPr sz="900"/>
+            </a:lvl5pPr>
+            <a:lvl6pPr marL="2286000" indent="0">
+              <a:buNone/>
+              <a:defRPr sz="900"/>
+            </a:lvl6pPr>
+            <a:lvl7pPr marL="2743200" indent="0">
+              <a:buNone/>
+              <a:defRPr sz="900"/>
+            </a:lvl7pPr>
+            <a:lvl8pPr marL="3200400" indent="0">
+              <a:buNone/>
+              <a:defRPr sz="900"/>
+            </a:lvl8pPr>
+            <a:lvl9pPr marL="3657600" indent="0">
+              <a:buNone/>
+              <a:defRPr sz="900"/>
+            </a:lvl9pPr>
+          </a:lstStyle>
+          <a:p>
+            <a:pPr lvl="0"/>
+            <a:r>
+              <a:rPr lang="en-US"/>
+              <a:t>Edit Master text styles</a:t>
+            </a:r>
+          </a:p>
+        </p:txBody>
+      </p:sp>
+      <p:sp>
+        <p:nvSpPr>
+          <p:cNvPr id="5" name="Date Placeholder 4"/>
+          <p:cNvSpPr>
+            <a:spLocks noGrp="1"/>
+          </p:cNvSpPr>
+          <p:nvPr>
+            <p:ph type="dt" sz="half" idx="10"/>
+          </p:nvPr>
+        </p:nvSpPr>
+        <p:spPr>
+          <a:xfrm>
+            <a:off x="5559327" y="5956136"/>
+            <a:ext cx="2133600" cy="365125"/>
+          </a:xfrm>
+          <a:prstGeom prst="rect">
+            <a:avLst/>
+          </a:prstGeom>
+        </p:spPr>
+        <p:txBody>
+          <a:bodyPr/>
+          <a:lstStyle/>
+          <a:p>
+            <a:fld id="{79E76C16-FFB0-400D-8D7B-8F277497BE25}" type="datetime1">
+              <a:rPr lang="en-US" smtClean="0"/>
+              <a:t>6/11/18</a:t>
+            </a:fld>
+            <a:endParaRPr lang="en-US"/>
+          </a:p>
+        </p:txBody>
+      </p:sp>
+      <p:sp>
+        <p:nvSpPr>
+          <p:cNvPr id="6" name="Footer Placeholder 5"/>
+          <p:cNvSpPr>
+            <a:spLocks noGrp="1"/>
+          </p:cNvSpPr>
+          <p:nvPr>
+            <p:ph type="ftr" sz="quarter" idx="11"/>
+          </p:nvPr>
+        </p:nvSpPr>
+        <p:spPr>
+          <a:xfrm>
+            <a:off x="581192" y="5951810"/>
+            <a:ext cx="4870585" cy="365125"/>
+          </a:xfrm>
+          <a:prstGeom prst="rect">
+            <a:avLst/>
+          </a:prstGeom>
+        </p:spPr>
+        <p:txBody>
+          <a:bodyPr/>
+          <a:lstStyle/>
+          <a:p>
+            <a:r>
+              <a:rPr lang="en-US"/>
+              <a:t>© 2018, FLL Tutorials, Last Edit 6/11/2018</a:t>
+            </a:r>
+          </a:p>
+        </p:txBody>
+      </p:sp>
+      <p:sp>
+        <p:nvSpPr>
+          <p:cNvPr id="7" name="Slide Number Placeholder 6"/>
+          <p:cNvSpPr>
+            <a:spLocks noGrp="1"/>
+          </p:cNvSpPr>
+          <p:nvPr>
+            <p:ph type="sldNum" sz="quarter" idx="12"/>
+          </p:nvPr>
+        </p:nvSpPr>
+        <p:spPr>
+          <a:xfrm>
+            <a:off x="7800476" y="5956136"/>
+            <a:ext cx="770468" cy="365125"/>
+          </a:xfrm>
+          <a:prstGeom prst="rect">
+            <a:avLst/>
+          </a:prstGeom>
+        </p:spPr>
+        <p:txBody>
+          <a:bodyPr/>
+          <a:lstStyle/>
+          <a:p>
+            <a:fld id="{4DBC7FC8-25FB-FC45-8177-2B991DA6778C}" type="slidenum">
+              <a:rPr lang="en-US" smtClean="0"/>
+              <a:t>‹#›</a:t>
+            </a:fld>
+            <a:endParaRPr lang="en-US"/>
+          </a:p>
+        </p:txBody>
+      </p:sp>
+    </p:spTree>
+    <p:extLst>
+      <p:ext uri="{BB962C8B-B14F-4D97-AF65-F5344CB8AC3E}">
+        <p14:creationId xmlns:p14="http://schemas.microsoft.com/office/powerpoint/2010/main" val="3797789697"/>
+      </p:ext>
+    </p:extLst>
+  </p:cSld>
+  <p:clrMapOvr>
+    <a:masterClrMapping/>
+  </p:clrMapOvr>
+</p:sldLayout>
+</file>
+
+<file path=ppt/slideLayouts/slideLayout76.xml><?xml version="1.0" encoding="utf-8"?>
+<p:sldLayout xmlns:a="http://schemas.openxmlformats.org/drawingml/2006/main" xmlns:r="http://schemas.openxmlformats.org/officeDocument/2006/relationships" xmlns:p="http://schemas.openxmlformats.org/presentationml/2006/main" type="vertTx" preserve="1">
+  <p:cSld name="Title and Vertical Text">
+    <p:spTree>
+      <p:nvGrpSpPr>
+        <p:cNvPr id="1" name=""/>
+        <p:cNvGrpSpPr/>
+        <p:nvPr/>
+      </p:nvGrpSpPr>
+      <p:grpSpPr>
+        <a:xfrm>
+          <a:off x="0" y="0"/>
+          <a:ext cx="0" cy="0"/>
+          <a:chOff x="0" y="0"/>
+          <a:chExt cx="0" cy="0"/>
+        </a:xfrm>
+      </p:grpSpPr>
+      <p:sp>
+        <p:nvSpPr>
+          <p:cNvPr id="7" name="Rectangle 6"/>
+          <p:cNvSpPr>
+            <a:spLocks noChangeAspect="1"/>
+          </p:cNvSpPr>
+          <p:nvPr/>
+        </p:nvSpPr>
+        <p:spPr>
+          <a:xfrm>
+            <a:off x="448092" y="599725"/>
+            <a:ext cx="8238707" cy="1258827"/>
+          </a:xfrm>
+          <a:prstGeom prst="rect">
+            <a:avLst/>
+          </a:prstGeom>
+          <a:solidFill>
+            <a:schemeClr val="accent1"/>
+          </a:solidFill>
+          <a:ln>
+            <a:noFill/>
+          </a:ln>
+          <a:effectLst/>
+        </p:spPr>
+        <p:style>
+          <a:lnRef idx="1">
+            <a:schemeClr val="accent1"/>
+          </a:lnRef>
+          <a:fillRef idx="3">
+            <a:schemeClr val="accent1"/>
+          </a:fillRef>
+          <a:effectRef idx="2">
+            <a:schemeClr val="accent1"/>
+          </a:effectRef>
+          <a:fontRef idx="minor">
+            <a:schemeClr val="lt1"/>
+          </a:fontRef>
+        </p:style>
+      </p:sp>
+      <p:sp>
+        <p:nvSpPr>
+          <p:cNvPr id="2" name="Title 1"/>
+          <p:cNvSpPr>
+            <a:spLocks noGrp="1"/>
+          </p:cNvSpPr>
+          <p:nvPr>
+            <p:ph type="title"/>
+          </p:nvPr>
+        </p:nvSpPr>
+        <p:spPr/>
+        <p:txBody>
+          <a:bodyPr/>
+          <a:lstStyle/>
+          <a:p>
+            <a:r>
+              <a:rPr lang="en-US"/>
+              <a:t>Click to edit Master title style</a:t>
+            </a:r>
+            <a:endParaRPr lang="en-US" dirty="0"/>
+          </a:p>
+        </p:txBody>
+      </p:sp>
+      <p:sp>
+        <p:nvSpPr>
+          <p:cNvPr id="3" name="Vertical Text Placeholder 2"/>
+          <p:cNvSpPr>
+            <a:spLocks noGrp="1"/>
+          </p:cNvSpPr>
+          <p:nvPr>
+            <p:ph type="body" orient="vert" idx="1"/>
+          </p:nvPr>
+        </p:nvSpPr>
+        <p:spPr/>
+        <p:txBody>
+          <a:bodyPr vert="eaVert" anchor="t"/>
+          <a:lstStyle>
+            <a:lvl1pPr algn="l">
+              <a:defRPr/>
+            </a:lvl1pPr>
+            <a:lvl2pPr algn="l">
+              <a:defRPr/>
+            </a:lvl2pPr>
+            <a:lvl3pPr algn="l">
+              <a:defRPr/>
+            </a:lvl3pPr>
+            <a:lvl4pPr algn="l">
+              <a:defRPr/>
+            </a:lvl4pPr>
+            <a:lvl5pPr algn="l">
+              <a:defRPr/>
+            </a:lvl5pPr>
+          </a:lstStyle>
+          <a:p>
+            <a:pPr lvl="0"/>
+            <a:r>
+              <a:rPr lang="en-US"/>
+              <a:t>Edit Master text styles</a:t>
+            </a:r>
+          </a:p>
+          <a:p>
+            <a:pPr lvl="1"/>
+            <a:r>
+              <a:rPr lang="en-US"/>
+              <a:t>Second level</a:t>
+            </a:r>
+          </a:p>
+          <a:p>
+            <a:pPr lvl="2"/>
+            <a:r>
+              <a:rPr lang="en-US"/>
+              <a:t>Third level</a:t>
+            </a:r>
+          </a:p>
+          <a:p>
+            <a:pPr lvl="3"/>
+            <a:r>
+              <a:rPr lang="en-US"/>
+              <a:t>Fourth level</a:t>
+            </a:r>
+          </a:p>
+          <a:p>
+            <a:pPr lvl="4"/>
+            <a:r>
+              <a:rPr lang="en-US"/>
+              <a:t>Fifth level</a:t>
+            </a:r>
+            <a:endParaRPr lang="en-US" dirty="0"/>
+          </a:p>
+        </p:txBody>
+      </p:sp>
+      <p:sp>
+        <p:nvSpPr>
+          <p:cNvPr id="4" name="Date Placeholder 3"/>
+          <p:cNvSpPr>
+            <a:spLocks noGrp="1"/>
+          </p:cNvSpPr>
+          <p:nvPr>
+            <p:ph type="dt" sz="half" idx="10"/>
+          </p:nvPr>
+        </p:nvSpPr>
+        <p:spPr>
+          <a:xfrm>
+            <a:off x="5559327" y="5956136"/>
+            <a:ext cx="2133600" cy="365125"/>
+          </a:xfrm>
+          <a:prstGeom prst="rect">
+            <a:avLst/>
+          </a:prstGeom>
+        </p:spPr>
+        <p:txBody>
+          <a:bodyPr/>
+          <a:lstStyle/>
+          <a:p>
+            <a:fld id="{B28D6B16-3E2B-4055-8281-19ADB5083F04}" type="datetime1">
+              <a:rPr lang="en-US" smtClean="0"/>
+              <a:t>6/11/18</a:t>
+            </a:fld>
+            <a:endParaRPr lang="en-US"/>
+          </a:p>
+        </p:txBody>
+      </p:sp>
+      <p:sp>
+        <p:nvSpPr>
+          <p:cNvPr id="5" name="Footer Placeholder 4"/>
+          <p:cNvSpPr>
+            <a:spLocks noGrp="1"/>
+          </p:cNvSpPr>
+          <p:nvPr>
+            <p:ph type="ftr" sz="quarter" idx="11"/>
+          </p:nvPr>
+        </p:nvSpPr>
+        <p:spPr>
+          <a:xfrm>
+            <a:off x="581192" y="5951810"/>
+            <a:ext cx="4870585" cy="365125"/>
+          </a:xfrm>
+          <a:prstGeom prst="rect">
+            <a:avLst/>
+          </a:prstGeom>
+        </p:spPr>
+        <p:txBody>
+          <a:bodyPr/>
+          <a:lstStyle/>
+          <a:p>
+            <a:r>
+              <a:rPr lang="en-US"/>
+              <a:t>© 2018, FLL Tutorials, Last Edit 6/11/2018</a:t>
+            </a:r>
+          </a:p>
+        </p:txBody>
+      </p:sp>
+      <p:sp>
+        <p:nvSpPr>
+          <p:cNvPr id="6" name="Slide Number Placeholder 5"/>
+          <p:cNvSpPr>
+            <a:spLocks noGrp="1"/>
+          </p:cNvSpPr>
+          <p:nvPr>
+            <p:ph type="sldNum" sz="quarter" idx="12"/>
+          </p:nvPr>
+        </p:nvSpPr>
+        <p:spPr>
+          <a:xfrm>
+            <a:off x="7800476" y="5956136"/>
+            <a:ext cx="770468" cy="365125"/>
+          </a:xfrm>
+          <a:prstGeom prst="rect">
+            <a:avLst/>
+          </a:prstGeom>
+        </p:spPr>
+        <p:txBody>
+          <a:bodyPr/>
+          <a:lstStyle/>
+          <a:p>
+            <a:fld id="{4DBC7FC8-25FB-FC45-8177-2B991DA6778C}" type="slidenum">
+              <a:rPr lang="en-US" smtClean="0"/>
+              <a:t>‹#›</a:t>
+            </a:fld>
+            <a:endParaRPr lang="en-US"/>
+          </a:p>
+        </p:txBody>
+      </p:sp>
+    </p:spTree>
+    <p:extLst>
+      <p:ext uri="{BB962C8B-B14F-4D97-AF65-F5344CB8AC3E}">
+        <p14:creationId xmlns:p14="http://schemas.microsoft.com/office/powerpoint/2010/main" val="1780594184"/>
+      </p:ext>
+    </p:extLst>
+  </p:cSld>
+  <p:clrMapOvr>
+    <a:masterClrMapping/>
+  </p:clrMapOvr>
+</p:sldLayout>
+</file>
+
+<file path=ppt/slideLayouts/slideLayout77.xml><?xml version="1.0" encoding="utf-8"?>
+<p:sldLayout xmlns:a="http://schemas.openxmlformats.org/drawingml/2006/main" xmlns:r="http://schemas.openxmlformats.org/officeDocument/2006/relationships" xmlns:p="http://schemas.openxmlformats.org/presentationml/2006/main" type="vertTitleAndTx" preserve="1">
+  <p:cSld name="Vertical Title and Text">
+    <p:spTree>
+      <p:nvGrpSpPr>
+        <p:cNvPr id="1" name=""/>
+        <p:cNvGrpSpPr/>
+        <p:nvPr/>
+      </p:nvGrpSpPr>
+      <p:grpSpPr>
+        <a:xfrm>
+          <a:off x="0" y="0"/>
+          <a:ext cx="0" cy="0"/>
+          <a:chOff x="0" y="0"/>
+          <a:chExt cx="0" cy="0"/>
+        </a:xfrm>
+      </p:grpSpPr>
+      <p:sp>
+        <p:nvSpPr>
+          <p:cNvPr id="7" name="Rectangle 6"/>
+          <p:cNvSpPr>
+            <a:spLocks noChangeAspect="1"/>
+          </p:cNvSpPr>
+          <p:nvPr/>
+        </p:nvSpPr>
+        <p:spPr>
+          <a:xfrm>
+            <a:off x="6629400" y="599725"/>
+            <a:ext cx="2057399" cy="5816950"/>
+          </a:xfrm>
+          <a:prstGeom prst="rect">
+            <a:avLst/>
+          </a:prstGeom>
+          <a:solidFill>
+            <a:schemeClr val="accent1"/>
+          </a:solidFill>
+          <a:ln>
+            <a:noFill/>
+          </a:ln>
+          <a:effectLst/>
+        </p:spPr>
+        <p:style>
+          <a:lnRef idx="1">
+            <a:schemeClr val="accent1"/>
+          </a:lnRef>
+          <a:fillRef idx="3">
+            <a:schemeClr val="accent1"/>
+          </a:fillRef>
+          <a:effectRef idx="2">
+            <a:schemeClr val="accent1"/>
+          </a:effectRef>
+          <a:fontRef idx="minor">
+            <a:schemeClr val="lt1"/>
+          </a:fontRef>
+        </p:style>
+      </p:sp>
+      <p:sp>
+        <p:nvSpPr>
+          <p:cNvPr id="2" name="Vertical Title 1"/>
+          <p:cNvSpPr>
+            <a:spLocks noGrp="1"/>
+          </p:cNvSpPr>
+          <p:nvPr>
+            <p:ph type="title" orient="vert"/>
+          </p:nvPr>
+        </p:nvSpPr>
+        <p:spPr>
+          <a:xfrm>
+            <a:off x="6629400" y="675725"/>
+            <a:ext cx="1503123" cy="5183073"/>
+          </a:xfrm>
+        </p:spPr>
+        <p:txBody>
+          <a:bodyPr vert="eaVert"/>
+          <a:lstStyle/>
+          <a:p>
+            <a:r>
+              <a:rPr lang="en-US"/>
+              <a:t>Click to edit Master title style</a:t>
+            </a:r>
+            <a:endParaRPr lang="en-US" dirty="0"/>
+          </a:p>
+        </p:txBody>
+      </p:sp>
+      <p:sp>
+        <p:nvSpPr>
+          <p:cNvPr id="3" name="Vertical Text Placeholder 2"/>
+          <p:cNvSpPr>
+            <a:spLocks noGrp="1"/>
+          </p:cNvSpPr>
+          <p:nvPr>
+            <p:ph type="body" orient="vert" idx="1"/>
+          </p:nvPr>
+        </p:nvSpPr>
+        <p:spPr>
+          <a:xfrm>
+            <a:off x="581192" y="675725"/>
+            <a:ext cx="5922209" cy="5183073"/>
+          </a:xfrm>
+        </p:spPr>
+        <p:txBody>
+          <a:bodyPr vert="eaVert" anchor="t"/>
+          <a:lstStyle/>
+          <a:p>
+            <a:pPr lvl="0"/>
+            <a:r>
+              <a:rPr lang="en-US"/>
+              <a:t>Edit Master text styles</a:t>
+            </a:r>
+          </a:p>
+          <a:p>
+            <a:pPr lvl="1"/>
+            <a:r>
+              <a:rPr lang="en-US"/>
+              <a:t>Second level</a:t>
+            </a:r>
+          </a:p>
+          <a:p>
+            <a:pPr lvl="2"/>
+            <a:r>
+              <a:rPr lang="en-US"/>
+              <a:t>Third level</a:t>
+            </a:r>
+          </a:p>
+          <a:p>
+            <a:pPr lvl="3"/>
+            <a:r>
+              <a:rPr lang="en-US"/>
+              <a:t>Fourth level</a:t>
+            </a:r>
+          </a:p>
+          <a:p>
+            <a:pPr lvl="4"/>
+            <a:r>
+              <a:rPr lang="en-US"/>
+              <a:t>Fifth level</a:t>
+            </a:r>
+            <a:endParaRPr lang="en-US" dirty="0"/>
+          </a:p>
+        </p:txBody>
+      </p:sp>
+      <p:sp>
+        <p:nvSpPr>
+          <p:cNvPr id="4" name="Date Placeholder 3"/>
+          <p:cNvSpPr>
+            <a:spLocks noGrp="1"/>
+          </p:cNvSpPr>
+          <p:nvPr>
+            <p:ph type="dt" sz="half" idx="10"/>
+          </p:nvPr>
+        </p:nvSpPr>
+        <p:spPr>
+          <a:xfrm>
+            <a:off x="6745255" y="5956136"/>
+            <a:ext cx="947672" cy="365125"/>
+          </a:xfrm>
+          <a:prstGeom prst="rect">
+            <a:avLst/>
+          </a:prstGeom>
+        </p:spPr>
+        <p:txBody>
+          <a:bodyPr/>
+          <a:lstStyle>
+            <a:lvl1pPr>
+              <a:defRPr>
+                <a:solidFill>
+                  <a:schemeClr val="accent1">
+                    <a:lumMod val="75000"/>
+                    <a:lumOff val="25000"/>
+                  </a:schemeClr>
+                </a:solidFill>
+              </a:defRPr>
+            </a:lvl1pPr>
+          </a:lstStyle>
+          <a:p>
+            <a:fld id="{D2520E7A-75CE-4D98-ABCF-25DD87DE19B3}" type="datetime1">
+              <a:rPr lang="en-US" smtClean="0"/>
+              <a:t>6/11/18</a:t>
+            </a:fld>
+            <a:endParaRPr lang="en-US"/>
+          </a:p>
+        </p:txBody>
+      </p:sp>
+      <p:sp>
+        <p:nvSpPr>
+          <p:cNvPr id="5" name="Footer Placeholder 4"/>
+          <p:cNvSpPr>
+            <a:spLocks noGrp="1"/>
+          </p:cNvSpPr>
+          <p:nvPr>
+            <p:ph type="ftr" sz="quarter" idx="11"/>
+          </p:nvPr>
+        </p:nvSpPr>
+        <p:spPr>
+          <a:xfrm>
+            <a:off x="581192" y="5951810"/>
+            <a:ext cx="5922209" cy="365125"/>
+          </a:xfrm>
+          <a:prstGeom prst="rect">
+            <a:avLst/>
+          </a:prstGeom>
+        </p:spPr>
+        <p:txBody>
+          <a:bodyPr/>
+          <a:lstStyle/>
+          <a:p>
+            <a:r>
+              <a:rPr lang="en-US"/>
+              <a:t>© 2018, FLL Tutorials, Last Edit 6/11/2018</a:t>
+            </a:r>
+          </a:p>
+        </p:txBody>
+      </p:sp>
+      <p:sp>
+        <p:nvSpPr>
+          <p:cNvPr id="6" name="Slide Number Placeholder 5"/>
+          <p:cNvSpPr>
+            <a:spLocks noGrp="1"/>
+          </p:cNvSpPr>
+          <p:nvPr>
+            <p:ph type="sldNum" sz="quarter" idx="12"/>
+          </p:nvPr>
+        </p:nvSpPr>
+        <p:spPr>
+          <a:xfrm>
+            <a:off x="7800476" y="5956136"/>
+            <a:ext cx="770468" cy="365125"/>
+          </a:xfrm>
+          <a:prstGeom prst="rect">
+            <a:avLst/>
+          </a:prstGeom>
+        </p:spPr>
+        <p:txBody>
+          <a:bodyPr/>
+          <a:lstStyle>
+            <a:lvl1pPr>
+              <a:defRPr>
+                <a:solidFill>
+                  <a:schemeClr val="accent1">
+                    <a:lumMod val="75000"/>
+                    <a:lumOff val="25000"/>
+                  </a:schemeClr>
+                </a:solidFill>
+              </a:defRPr>
+            </a:lvl1pPr>
+          </a:lstStyle>
+          <a:p>
+            <a:fld id="{4DBC7FC8-25FB-FC45-8177-2B991DA6778C}" type="slidenum">
+              <a:rPr lang="en-US" smtClean="0"/>
+              <a:t>‹#›</a:t>
+            </a:fld>
+            <a:endParaRPr lang="en-US"/>
+          </a:p>
+        </p:txBody>
+      </p:sp>
+    </p:spTree>
+    <p:extLst>
+      <p:ext uri="{BB962C8B-B14F-4D97-AF65-F5344CB8AC3E}">
+        <p14:creationId xmlns:p14="http://schemas.microsoft.com/office/powerpoint/2010/main" val="1513297633"/>
       </p:ext>
     </p:extLst>
   </p:cSld>
@@ -18763,9 +22382,9 @@
           <a:bodyPr/>
           <a:lstStyle/>
           <a:p>
-            <a:fld id="{E431C517-5B31-4E94-9562-6939C5235F14}" type="datetime1">
+            <a:fld id="{361000EB-2A2B-4056-8A87-975784C94963}" type="datetime1">
               <a:rPr lang="en-US" smtClean="0"/>
-              <a:t>6/7/18</a:t>
+              <a:t>6/11/18</a:t>
             </a:fld>
             <a:endParaRPr lang="en-US"/>
           </a:p>
@@ -18788,7 +22407,7 @@
           <a:p>
             <a:r>
               <a:rPr lang="en-US"/>
-              <a:t>© 2018, FLL Tutorials, Last Edit 8/13/2016</a:t>
+              <a:t>© 2018, FLL Tutorials, Last Edit 6/11/2018</a:t>
             </a:r>
           </a:p>
         </p:txBody>
@@ -19063,9 +22682,9 @@
           <a:bodyPr/>
           <a:lstStyle/>
           <a:p>
-            <a:fld id="{A99FFCC4-02E5-4CEA-A897-0EA9595A2A09}" type="datetime1">
+            <a:fld id="{02383E64-A9AE-4474-96E3-707CC87D386B}" type="datetime1">
               <a:rPr lang="en-US" smtClean="0"/>
-              <a:t>6/7/18</a:t>
+              <a:t>6/11/18</a:t>
             </a:fld>
             <a:endParaRPr lang="en-US"/>
           </a:p>
@@ -19088,7 +22707,7 @@
           <a:p>
             <a:r>
               <a:rPr lang="en-US"/>
-              <a:t>© 2018, FLL Tutorials, Last Edit 8/13/2016</a:t>
+              <a:t>© 2018, FLL Tutorials, Last Edit 6/11/2018</a:t>
             </a:r>
           </a:p>
         </p:txBody>
@@ -19364,9 +22983,9 @@
             </a:lvl1pPr>
           </a:lstStyle>
           <a:p>
-            <a:fld id="{08E3ACB7-B321-4F91-A6F8-858BF6BC33F7}" type="datetime1">
+            <a:fld id="{3EC8A541-BD0A-4984-B269-BB9B28EE11C4}" type="datetime1">
               <a:rPr lang="en-US" smtClean="0"/>
-              <a:t>6/7/18</a:t>
+              <a:t>6/11/18</a:t>
             </a:fld>
             <a:endParaRPr lang="en-US"/>
           </a:p>
@@ -19405,7 +23024,7 @@
           <a:p>
             <a:r>
               <a:rPr lang="en-US"/>
-              <a:t>© 2018, FLL Tutorials, Last Edit 8/13/2016</a:t>
+              <a:t>© 2018, FLL Tutorials, Last Edit 6/11/2018</a:t>
             </a:r>
           </a:p>
         </p:txBody>
@@ -19887,7 +23506,7 @@
     <p:sldLayoutId id="2147483845" r:id="rId10"/>
     <p:sldLayoutId id="2147483846" r:id="rId11"/>
   </p:sldLayoutIdLst>
-  <p:hf hdr="0" dt="0"/>
+  <p:hf sldNum="0" hdr="0" dt="0"/>
   <p:txStyles>
     <p:titleStyle>
       <a:lvl1pPr algn="l" defTabSz="914400" rtl="0" eaLnBrk="1" latinLnBrk="0" hangingPunct="1">
@@ -20316,9 +23935,9 @@
             </a:lvl1pPr>
           </a:lstStyle>
           <a:p>
-            <a:fld id="{8D6D5B4C-11A4-4CD1-862F-C4F6710968A6}" type="datetime1">
+            <a:fld id="{20BEB72B-18B7-498F-83F5-39F866192278}" type="datetime1">
               <a:rPr lang="en-US" smtClean="0"/>
-              <a:t>6/7/18</a:t>
+              <a:t>6/11/18</a:t>
             </a:fld>
             <a:endParaRPr lang="en-US"/>
           </a:p>
@@ -20357,7 +23976,7 @@
           <a:p>
             <a:r>
               <a:rPr lang="en-US"/>
-              <a:t>© 2018, FLL Tutorials, Last Edit 8/13/2016</a:t>
+              <a:t>© 2018, FLL Tutorials, Last Edit 6/11/2018</a:t>
             </a:r>
           </a:p>
         </p:txBody>
@@ -20945,7 +24564,7 @@
     <p:sldLayoutId id="2147483857" r:id="rId10"/>
     <p:sldLayoutId id="2147483858" r:id="rId11"/>
   </p:sldLayoutIdLst>
-  <p:hf hdr="0" dt="0"/>
+  <p:hf sldNum="0" hdr="0" dt="0"/>
   <p:txStyles>
     <p:titleStyle>
       <a:lvl1pPr algn="l" defTabSz="914400" rtl="0" eaLnBrk="1" latinLnBrk="0" hangingPunct="1">
@@ -21374,9 +24993,9 @@
             </a:lvl1pPr>
           </a:lstStyle>
           <a:p>
-            <a:fld id="{2D51C9CD-121D-4B6E-8678-6109DE3566ED}" type="datetime1">
+            <a:fld id="{1AC543E0-735D-4416-82FD-864734D17152}" type="datetime1">
               <a:rPr lang="en-US" smtClean="0"/>
-              <a:t>6/7/18</a:t>
+              <a:t>6/11/18</a:t>
             </a:fld>
             <a:endParaRPr lang="en-US"/>
           </a:p>
@@ -21417,7 +25036,7 @@
           <a:p>
             <a:r>
               <a:rPr lang="en-US"/>
-              <a:t>© 2018, FLL Tutorials, Last Edit 8/13/2016</a:t>
+              <a:t>© 2018, FLL Tutorials, Last Edit 6/11/2018</a:t>
             </a:r>
           </a:p>
         </p:txBody>
@@ -21484,7 +25103,7 @@
     <p:sldLayoutId id="2147483869" r:id="rId10"/>
     <p:sldLayoutId id="2147483870" r:id="rId11"/>
   </p:sldLayoutIdLst>
-  <p:hf hdr="0" dt="0"/>
+  <p:hf sldNum="0" hdr="0" dt="0"/>
   <p:txStyles>
     <p:titleStyle>
       <a:lvl1pPr algn="l" defTabSz="914400" rtl="0" eaLnBrk="1" latinLnBrk="0" hangingPunct="1">
@@ -21916,9 +25535,9 @@
             </a:lvl1pPr>
           </a:lstStyle>
           <a:p>
-            <a:fld id="{633DB276-6C9E-41E4-907D-84CF1350B67A}" type="datetime1">
+            <a:fld id="{0510931B-3C3D-4F8E-9C31-2C6468FDD9FE}" type="datetime1">
               <a:rPr lang="en-US" smtClean="0"/>
-              <a:t>6/7/18</a:t>
+              <a:t>6/11/18</a:t>
             </a:fld>
             <a:endParaRPr lang="en-US"/>
           </a:p>
@@ -21957,7 +25576,7 @@
           <a:p>
             <a:r>
               <a:rPr lang="en-US"/>
-              <a:t>© 2018, FLL Tutorials, Last Edit 8/13/2016</a:t>
+              <a:t>© 2018, FLL Tutorials, Last Edit 6/11/2018</a:t>
             </a:r>
           </a:p>
         </p:txBody>
@@ -22856,7 +26475,7 @@
     <p:sldLayoutId id="2147483881" r:id="rId10"/>
     <p:sldLayoutId id="2147483882" r:id="rId11"/>
   </p:sldLayoutIdLst>
-  <p:hf hdr="0" dt="0"/>
+  <p:hf sldNum="0" hdr="0" dt="0"/>
   <p:txStyles>
     <p:titleStyle>
       <a:lvl1pPr algn="l" defTabSz="914400" rtl="0" eaLnBrk="1" latinLnBrk="0" hangingPunct="1">
@@ -23285,9 +26904,9 @@
             </a:lvl1pPr>
           </a:lstStyle>
           <a:p>
-            <a:fld id="{B2052154-C8D5-4564-AF85-F55C9E02BF88}" type="datetime1">
+            <a:fld id="{A58F9666-0961-4CE5-BDD7-5886D8B29A41}" type="datetime1">
               <a:rPr lang="en-US" smtClean="0"/>
-              <a:t>6/7/18</a:t>
+              <a:t>6/11/18</a:t>
             </a:fld>
             <a:endParaRPr lang="en-US"/>
           </a:p>
@@ -23326,7 +26945,7 @@
           <a:p>
             <a:r>
               <a:rPr lang="en-US"/>
-              <a:t>© 2018, FLL Tutorials, Last Edit 8/13/2016</a:t>
+              <a:t>© 2018, FLL Tutorials, Last Edit 6/11/2018</a:t>
             </a:r>
           </a:p>
         </p:txBody>
@@ -23934,7 +27553,7 @@
     <p:sldLayoutId id="2147483893" r:id="rId10"/>
     <p:sldLayoutId id="2147483894" r:id="rId11"/>
   </p:sldLayoutIdLst>
-  <p:hf hdr="0" dt="0"/>
+  <p:hf sldNum="0" hdr="0" dt="0"/>
   <p:txStyles>
     <p:titleStyle>
       <a:lvl1pPr algn="l" defTabSz="914400" rtl="0" eaLnBrk="1" latinLnBrk="0" hangingPunct="1">
@@ -24363,9 +27982,9 @@
             </a:lvl1pPr>
           </a:lstStyle>
           <a:p>
-            <a:fld id="{62987EB6-DE6A-4F6F-AA3C-B272C4DF5355}" type="datetime1">
+            <a:fld id="{7EC62EA2-A671-4729-A8E2-5733A99E350D}" type="datetime1">
               <a:rPr lang="en-US" smtClean="0"/>
-              <a:t>6/7/18</a:t>
+              <a:t>6/11/18</a:t>
             </a:fld>
             <a:endParaRPr lang="en-US"/>
           </a:p>
@@ -24406,7 +28025,7 @@
           <a:p>
             <a:r>
               <a:rPr lang="en-US"/>
-              <a:t>© 2018, FLL Tutorials, Last Edit 8/13/2016</a:t>
+              <a:t>© 2018, FLL Tutorials, Last Edit 6/11/2018</a:t>
             </a:r>
           </a:p>
         </p:txBody>
@@ -24473,7 +28092,7 @@
     <p:sldLayoutId id="2147483905" r:id="rId10"/>
     <p:sldLayoutId id="2147483906" r:id="rId11"/>
   </p:sldLayoutIdLst>
-  <p:hf hdr="0" dt="0"/>
+  <p:hf sldNum="0" hdr="0" dt="0"/>
   <p:txStyles>
     <p:titleStyle>
       <a:lvl1pPr algn="l" defTabSz="914400" rtl="0" eaLnBrk="1" latinLnBrk="0" hangingPunct="1">
@@ -24757,6 +28376,771 @@
 </p:sldMaster>
 </file>
 
+<file path=ppt/slideMasters/slideMaster7.xml><?xml version="1.0" encoding="utf-8"?>
+<p:sldMaster xmlns:a="http://schemas.openxmlformats.org/drawingml/2006/main" xmlns:r="http://schemas.openxmlformats.org/officeDocument/2006/relationships" xmlns:p="http://schemas.openxmlformats.org/presentationml/2006/main">
+  <p:cSld>
+    <p:bg>
+      <p:bgRef idx="1001">
+        <a:schemeClr val="bg1"/>
+      </p:bgRef>
+    </p:bg>
+    <p:spTree>
+      <p:nvGrpSpPr>
+        <p:cNvPr id="1" name=""/>
+        <p:cNvGrpSpPr/>
+        <p:nvPr/>
+      </p:nvGrpSpPr>
+      <p:grpSpPr>
+        <a:xfrm>
+          <a:off x="0" y="0"/>
+          <a:ext cx="0" cy="0"/>
+          <a:chOff x="0" y="0"/>
+          <a:chExt cx="0" cy="0"/>
+        </a:xfrm>
+      </p:grpSpPr>
+      <p:sp>
+        <p:nvSpPr>
+          <p:cNvPr id="2" name="Title Placeholder 1"/>
+          <p:cNvSpPr>
+            <a:spLocks noGrp="1"/>
+          </p:cNvSpPr>
+          <p:nvPr>
+            <p:ph type="title"/>
+          </p:nvPr>
+        </p:nvSpPr>
+        <p:spPr>
+          <a:xfrm>
+            <a:off x="581192" y="687474"/>
+            <a:ext cx="7989752" cy="1083329"/>
+          </a:xfrm>
+          <a:prstGeom prst="rect">
+            <a:avLst/>
+          </a:prstGeom>
+        </p:spPr>
+        <p:txBody>
+          <a:bodyPr vert="horz" lIns="91440" tIns="45720" rIns="91440" bIns="45720" rtlCol="0" anchor="b">
+            <a:normAutofit/>
+          </a:bodyPr>
+          <a:lstStyle/>
+          <a:p>
+            <a:r>
+              <a:rPr lang="en-US"/>
+              <a:t>Click to edit Master title style</a:t>
+            </a:r>
+            <a:endParaRPr lang="en-US" dirty="0"/>
+          </a:p>
+        </p:txBody>
+      </p:sp>
+      <p:sp>
+        <p:nvSpPr>
+          <p:cNvPr id="3" name="Text Placeholder 2"/>
+          <p:cNvSpPr>
+            <a:spLocks noGrp="1"/>
+          </p:cNvSpPr>
+          <p:nvPr>
+            <p:ph type="body" idx="1"/>
+          </p:nvPr>
+        </p:nvSpPr>
+        <p:spPr>
+          <a:xfrm>
+            <a:off x="581192" y="2228003"/>
+            <a:ext cx="7989752" cy="3630794"/>
+          </a:xfrm>
+          <a:prstGeom prst="rect">
+            <a:avLst/>
+          </a:prstGeom>
+        </p:spPr>
+        <p:txBody>
+          <a:bodyPr vert="horz" lIns="91440" tIns="45720" rIns="91440" bIns="45720" rtlCol="0" anchor="ctr">
+            <a:normAutofit/>
+          </a:bodyPr>
+          <a:lstStyle/>
+          <a:p>
+            <a:pPr lvl="0"/>
+            <a:r>
+              <a:rPr lang="en-US"/>
+              <a:t>Edit Master text styles</a:t>
+            </a:r>
+          </a:p>
+          <a:p>
+            <a:pPr lvl="1"/>
+            <a:r>
+              <a:rPr lang="en-US"/>
+              <a:t>Second level</a:t>
+            </a:r>
+          </a:p>
+          <a:p>
+            <a:pPr lvl="2"/>
+            <a:r>
+              <a:rPr lang="en-US"/>
+              <a:t>Third level</a:t>
+            </a:r>
+          </a:p>
+          <a:p>
+            <a:pPr lvl="3"/>
+            <a:r>
+              <a:rPr lang="en-US"/>
+              <a:t>Fourth level</a:t>
+            </a:r>
+          </a:p>
+          <a:p>
+            <a:pPr lvl="4"/>
+            <a:r>
+              <a:rPr lang="en-US"/>
+              <a:t>Fifth level</a:t>
+            </a:r>
+            <a:endParaRPr lang="en-US" dirty="0"/>
+          </a:p>
+        </p:txBody>
+      </p:sp>
+      <p:sp>
+        <p:nvSpPr>
+          <p:cNvPr id="9" name="Rectangle 8"/>
+          <p:cNvSpPr/>
+          <p:nvPr/>
+        </p:nvSpPr>
+        <p:spPr>
+          <a:xfrm>
+            <a:off x="448091" y="441325"/>
+            <a:ext cx="2719909" cy="108000"/>
+          </a:xfrm>
+          <a:prstGeom prst="rect">
+            <a:avLst/>
+          </a:prstGeom>
+          <a:solidFill>
+            <a:schemeClr val="accent1"/>
+          </a:solidFill>
+          <a:ln>
+            <a:noFill/>
+          </a:ln>
+          <a:effectLst/>
+        </p:spPr>
+        <p:style>
+          <a:lnRef idx="1">
+            <a:schemeClr val="accent1"/>
+          </a:lnRef>
+          <a:fillRef idx="3">
+            <a:schemeClr val="accent1"/>
+          </a:fillRef>
+          <a:effectRef idx="2">
+            <a:schemeClr val="accent1"/>
+          </a:effectRef>
+          <a:fontRef idx="minor">
+            <a:schemeClr val="lt1"/>
+          </a:fontRef>
+        </p:style>
+      </p:sp>
+      <p:sp>
+        <p:nvSpPr>
+          <p:cNvPr id="10" name="Rectangle 9"/>
+          <p:cNvSpPr/>
+          <p:nvPr/>
+        </p:nvSpPr>
+        <p:spPr>
+          <a:xfrm>
+            <a:off x="5976001" y="441325"/>
+            <a:ext cx="2710800" cy="108000"/>
+          </a:xfrm>
+          <a:prstGeom prst="rect">
+            <a:avLst/>
+          </a:prstGeom>
+          <a:solidFill>
+            <a:schemeClr val="accent4"/>
+          </a:solidFill>
+          <a:ln>
+            <a:noFill/>
+          </a:ln>
+          <a:effectLst/>
+        </p:spPr>
+        <p:style>
+          <a:lnRef idx="1">
+            <a:schemeClr val="accent1"/>
+          </a:lnRef>
+          <a:fillRef idx="3">
+            <a:schemeClr val="accent1"/>
+          </a:fillRef>
+          <a:effectRef idx="2">
+            <a:schemeClr val="accent1"/>
+          </a:effectRef>
+          <a:fontRef idx="minor">
+            <a:schemeClr val="lt1"/>
+          </a:fontRef>
+        </p:style>
+      </p:sp>
+      <p:sp>
+        <p:nvSpPr>
+          <p:cNvPr id="11" name="Rectangle 10"/>
+          <p:cNvSpPr/>
+          <p:nvPr/>
+        </p:nvSpPr>
+        <p:spPr>
+          <a:xfrm>
+            <a:off x="3216601" y="441325"/>
+            <a:ext cx="2710800" cy="108000"/>
+          </a:xfrm>
+          <a:prstGeom prst="rect">
+            <a:avLst/>
+          </a:prstGeom>
+          <a:solidFill>
+            <a:schemeClr val="accent2"/>
+          </a:solidFill>
+          <a:ln>
+            <a:noFill/>
+          </a:ln>
+          <a:effectLst/>
+        </p:spPr>
+        <p:style>
+          <a:lnRef idx="1">
+            <a:schemeClr val="accent1"/>
+          </a:lnRef>
+          <a:fillRef idx="3">
+            <a:schemeClr val="accent1"/>
+          </a:fillRef>
+          <a:effectRef idx="2">
+            <a:schemeClr val="accent1"/>
+          </a:effectRef>
+          <a:fontRef idx="minor">
+            <a:schemeClr val="lt1"/>
+          </a:fontRef>
+        </p:style>
+      </p:sp>
+      <p:sp>
+        <p:nvSpPr>
+          <p:cNvPr id="12" name="Date Placeholder 3">
+            <a:extLst>
+              <a:ext uri="{FF2B5EF4-FFF2-40B4-BE49-F238E27FC236}">
+                <a16:creationId xmlns:a16="http://schemas.microsoft.com/office/drawing/2014/main" id="{0AAE8D72-8133-BD4C-9ABB-B6CCBBAC2CA1}"/>
+              </a:ext>
+            </a:extLst>
+          </p:cNvPr>
+          <p:cNvSpPr>
+            <a:spLocks noGrp="1"/>
+          </p:cNvSpPr>
+          <p:nvPr>
+            <p:ph type="dt" sz="half" idx="2"/>
+          </p:nvPr>
+        </p:nvSpPr>
+        <p:spPr>
+          <a:xfrm>
+            <a:off x="5559327" y="6392242"/>
+            <a:ext cx="2133600" cy="365125"/>
+          </a:xfrm>
+          <a:prstGeom prst="rect">
+            <a:avLst/>
+          </a:prstGeom>
+        </p:spPr>
+        <p:txBody>
+          <a:bodyPr/>
+          <a:lstStyle>
+            <a:lvl1pPr>
+              <a:defRPr>
+                <a:solidFill>
+                  <a:schemeClr val="accent1">
+                    <a:lumMod val="75000"/>
+                    <a:lumOff val="25000"/>
+                  </a:schemeClr>
+                </a:solidFill>
+              </a:defRPr>
+            </a:lvl1pPr>
+          </a:lstStyle>
+          <a:p>
+            <a:fld id="{3097F251-1ECB-4D59-8A57-8CFB4E06CA06}" type="datetime1">
+              <a:rPr lang="en-US" smtClean="0"/>
+              <a:t>6/11/18</a:t>
+            </a:fld>
+            <a:endParaRPr lang="en-US"/>
+          </a:p>
+        </p:txBody>
+      </p:sp>
+      <p:sp>
+        <p:nvSpPr>
+          <p:cNvPr id="13" name="Footer Placeholder 4">
+            <a:extLst>
+              <a:ext uri="{FF2B5EF4-FFF2-40B4-BE49-F238E27FC236}">
+                <a16:creationId xmlns:a16="http://schemas.microsoft.com/office/drawing/2014/main" id="{CAB9BFBD-8489-AA40-9E3F-B3F63A8BD518}"/>
+              </a:ext>
+            </a:extLst>
+          </p:cNvPr>
+          <p:cNvSpPr>
+            <a:spLocks noGrp="1"/>
+          </p:cNvSpPr>
+          <p:nvPr>
+            <p:ph type="ftr" sz="quarter" idx="3"/>
+          </p:nvPr>
+        </p:nvSpPr>
+        <p:spPr>
+          <a:xfrm>
+            <a:off x="581192" y="6387916"/>
+            <a:ext cx="4870585" cy="365125"/>
+          </a:xfrm>
+          <a:prstGeom prst="rect">
+            <a:avLst/>
+          </a:prstGeom>
+        </p:spPr>
+        <p:txBody>
+          <a:bodyPr/>
+          <a:lstStyle>
+            <a:lvl1pPr>
+              <a:defRPr>
+                <a:solidFill>
+                  <a:schemeClr val="accent1">
+                    <a:lumMod val="75000"/>
+                    <a:lumOff val="25000"/>
+                  </a:schemeClr>
+                </a:solidFill>
+              </a:defRPr>
+            </a:lvl1pPr>
+          </a:lstStyle>
+          <a:p>
+            <a:r>
+              <a:rPr lang="en-US"/>
+              <a:t>© 2018, FLL Tutorials, Last Edit 6/11/2018</a:t>
+            </a:r>
+          </a:p>
+        </p:txBody>
+      </p:sp>
+      <p:sp>
+        <p:nvSpPr>
+          <p:cNvPr id="14" name="Slide Number Placeholder 5">
+            <a:extLst>
+              <a:ext uri="{FF2B5EF4-FFF2-40B4-BE49-F238E27FC236}">
+                <a16:creationId xmlns:a16="http://schemas.microsoft.com/office/drawing/2014/main" id="{B04709EF-0344-434E-8D31-15D41ADEE43F}"/>
+              </a:ext>
+            </a:extLst>
+          </p:cNvPr>
+          <p:cNvSpPr>
+            <a:spLocks noGrp="1"/>
+          </p:cNvSpPr>
+          <p:nvPr>
+            <p:ph type="sldNum" sz="quarter" idx="4"/>
+          </p:nvPr>
+        </p:nvSpPr>
+        <p:spPr>
+          <a:xfrm>
+            <a:off x="7800476" y="6392242"/>
+            <a:ext cx="770468" cy="365125"/>
+          </a:xfrm>
+          <a:prstGeom prst="rect">
+            <a:avLst/>
+          </a:prstGeom>
+        </p:spPr>
+        <p:txBody>
+          <a:bodyPr/>
+          <a:lstStyle>
+            <a:lvl1pPr>
+              <a:defRPr>
+                <a:solidFill>
+                  <a:schemeClr val="accent1">
+                    <a:lumMod val="75000"/>
+                    <a:lumOff val="25000"/>
+                  </a:schemeClr>
+                </a:solidFill>
+              </a:defRPr>
+            </a:lvl1pPr>
+          </a:lstStyle>
+          <a:p>
+            <a:fld id="{4DBC7FC8-25FB-FC45-8177-2B991DA6778C}" type="slidenum">
+              <a:rPr lang="en-US" smtClean="0"/>
+              <a:t>‹#›</a:t>
+            </a:fld>
+            <a:endParaRPr lang="en-US"/>
+          </a:p>
+        </p:txBody>
+      </p:sp>
+    </p:spTree>
+    <p:extLst>
+      <p:ext uri="{BB962C8B-B14F-4D97-AF65-F5344CB8AC3E}">
+        <p14:creationId xmlns:p14="http://schemas.microsoft.com/office/powerpoint/2010/main" val="166159755"/>
+      </p:ext>
+    </p:extLst>
+  </p:cSld>
+  <p:clrMap bg1="lt1" tx1="dk1" bg2="lt2" tx2="dk2" accent1="accent1" accent2="accent2" accent3="accent3" accent4="accent4" accent5="accent5" accent6="accent6" hlink="hlink" folHlink="folHlink"/>
+  <p:sldLayoutIdLst>
+    <p:sldLayoutId id="2147483908" r:id="rId1"/>
+    <p:sldLayoutId id="2147483909" r:id="rId2"/>
+    <p:sldLayoutId id="2147483910" r:id="rId3"/>
+    <p:sldLayoutId id="2147483911" r:id="rId4"/>
+    <p:sldLayoutId id="2147483912" r:id="rId5"/>
+    <p:sldLayoutId id="2147483913" r:id="rId6"/>
+    <p:sldLayoutId id="2147483914" r:id="rId7"/>
+    <p:sldLayoutId id="2147483915" r:id="rId8"/>
+    <p:sldLayoutId id="2147483916" r:id="rId9"/>
+    <p:sldLayoutId id="2147483917" r:id="rId10"/>
+    <p:sldLayoutId id="2147483918" r:id="rId11"/>
+  </p:sldLayoutIdLst>
+  <p:hf sldNum="0" hdr="0" dt="0"/>
+  <p:txStyles>
+    <p:titleStyle>
+      <a:lvl1pPr algn="l" defTabSz="457200" rtl="0" eaLnBrk="1" latinLnBrk="0" hangingPunct="1">
+        <a:spcBef>
+          <a:spcPct val="0"/>
+        </a:spcBef>
+        <a:buNone/>
+        <a:defRPr sz="2800" b="0" kern="1200" cap="all">
+          <a:solidFill>
+            <a:schemeClr val="bg1"/>
+          </a:solidFill>
+          <a:latin typeface="+mj-lt"/>
+          <a:ea typeface="+mj-ea"/>
+          <a:cs typeface="+mj-cs"/>
+        </a:defRPr>
+      </a:lvl1pPr>
+      <a:lvl2pPr eaLnBrk="1" hangingPunct="1">
+        <a:defRPr>
+          <a:solidFill>
+            <a:schemeClr val="tx2"/>
+          </a:solidFill>
+        </a:defRPr>
+      </a:lvl2pPr>
+      <a:lvl3pPr eaLnBrk="1" hangingPunct="1">
+        <a:defRPr>
+          <a:solidFill>
+            <a:schemeClr val="tx2"/>
+          </a:solidFill>
+        </a:defRPr>
+      </a:lvl3pPr>
+      <a:lvl4pPr eaLnBrk="1" hangingPunct="1">
+        <a:defRPr>
+          <a:solidFill>
+            <a:schemeClr val="tx2"/>
+          </a:solidFill>
+        </a:defRPr>
+      </a:lvl4pPr>
+      <a:lvl5pPr eaLnBrk="1" hangingPunct="1">
+        <a:defRPr>
+          <a:solidFill>
+            <a:schemeClr val="tx2"/>
+          </a:solidFill>
+        </a:defRPr>
+      </a:lvl5pPr>
+      <a:lvl6pPr eaLnBrk="1" hangingPunct="1">
+        <a:defRPr>
+          <a:solidFill>
+            <a:schemeClr val="tx2"/>
+          </a:solidFill>
+        </a:defRPr>
+      </a:lvl6pPr>
+      <a:lvl7pPr eaLnBrk="1" hangingPunct="1">
+        <a:defRPr>
+          <a:solidFill>
+            <a:schemeClr val="tx2"/>
+          </a:solidFill>
+        </a:defRPr>
+      </a:lvl7pPr>
+      <a:lvl8pPr eaLnBrk="1" hangingPunct="1">
+        <a:defRPr>
+          <a:solidFill>
+            <a:schemeClr val="tx2"/>
+          </a:solidFill>
+        </a:defRPr>
+      </a:lvl8pPr>
+      <a:lvl9pPr eaLnBrk="1" hangingPunct="1">
+        <a:defRPr>
+          <a:solidFill>
+            <a:schemeClr val="tx2"/>
+          </a:solidFill>
+        </a:defRPr>
+      </a:lvl9pPr>
+    </p:titleStyle>
+    <p:bodyStyle>
+      <a:lvl1pPr marL="306000" indent="-306000" algn="l" defTabSz="457200" rtl="0" eaLnBrk="1" latinLnBrk="0" hangingPunct="1">
+        <a:spcBef>
+          <a:spcPct val="20000"/>
+        </a:spcBef>
+        <a:spcAft>
+          <a:spcPts val="600"/>
+        </a:spcAft>
+        <a:buClr>
+          <a:schemeClr val="accent2"/>
+        </a:buClr>
+        <a:buSzPct val="92000"/>
+        <a:buFont typeface="Wingdings 2" panose="05020102010507070707" pitchFamily="18" charset="2"/>
+        <a:buChar char=""/>
+        <a:defRPr sz="1800" kern="1200">
+          <a:solidFill>
+            <a:schemeClr val="tx2"/>
+          </a:solidFill>
+          <a:latin typeface="+mn-lt"/>
+          <a:ea typeface="+mn-ea"/>
+          <a:cs typeface="+mn-cs"/>
+        </a:defRPr>
+      </a:lvl1pPr>
+      <a:lvl2pPr marL="630000" indent="-306000" algn="l" defTabSz="457200" rtl="0" eaLnBrk="1" latinLnBrk="0" hangingPunct="1">
+        <a:spcBef>
+          <a:spcPct val="20000"/>
+        </a:spcBef>
+        <a:spcAft>
+          <a:spcPts val="600"/>
+        </a:spcAft>
+        <a:buClr>
+          <a:schemeClr val="accent2"/>
+        </a:buClr>
+        <a:buSzPct val="92000"/>
+        <a:buFont typeface="Wingdings 2" panose="05020102010507070707" pitchFamily="18" charset="2"/>
+        <a:buChar char=""/>
+        <a:defRPr sz="1600" kern="1200">
+          <a:solidFill>
+            <a:schemeClr val="tx2"/>
+          </a:solidFill>
+          <a:latin typeface="+mn-lt"/>
+          <a:ea typeface="+mn-ea"/>
+          <a:cs typeface="+mn-cs"/>
+        </a:defRPr>
+      </a:lvl2pPr>
+      <a:lvl3pPr marL="900000" indent="-270000" algn="l" defTabSz="457200" rtl="0" eaLnBrk="1" latinLnBrk="0" hangingPunct="1">
+        <a:spcBef>
+          <a:spcPct val="20000"/>
+        </a:spcBef>
+        <a:spcAft>
+          <a:spcPts val="600"/>
+        </a:spcAft>
+        <a:buClr>
+          <a:schemeClr val="accent2"/>
+        </a:buClr>
+        <a:buSzPct val="92000"/>
+        <a:buFont typeface="Wingdings 2" panose="05020102010507070707" pitchFamily="18" charset="2"/>
+        <a:buChar char=""/>
+        <a:defRPr sz="1400" kern="1200">
+          <a:solidFill>
+            <a:schemeClr val="tx2"/>
+          </a:solidFill>
+          <a:latin typeface="+mn-lt"/>
+          <a:ea typeface="+mn-ea"/>
+          <a:cs typeface="+mn-cs"/>
+        </a:defRPr>
+      </a:lvl3pPr>
+      <a:lvl4pPr marL="1242000" indent="-234000" algn="l" defTabSz="457200" rtl="0" eaLnBrk="1" latinLnBrk="0" hangingPunct="1">
+        <a:spcBef>
+          <a:spcPct val="20000"/>
+        </a:spcBef>
+        <a:spcAft>
+          <a:spcPts val="600"/>
+        </a:spcAft>
+        <a:buClr>
+          <a:schemeClr val="accent2"/>
+        </a:buClr>
+        <a:buSzPct val="92000"/>
+        <a:buFont typeface="Wingdings 2" panose="05020102010507070707" pitchFamily="18" charset="2"/>
+        <a:buChar char=""/>
+        <a:defRPr sz="1200" kern="1200">
+          <a:solidFill>
+            <a:schemeClr val="tx2"/>
+          </a:solidFill>
+          <a:latin typeface="+mn-lt"/>
+          <a:ea typeface="+mn-ea"/>
+          <a:cs typeface="+mn-cs"/>
+        </a:defRPr>
+      </a:lvl4pPr>
+      <a:lvl5pPr marL="1602000" indent="-234000" algn="l" defTabSz="457200" rtl="0" eaLnBrk="1" latinLnBrk="0" hangingPunct="1">
+        <a:spcBef>
+          <a:spcPct val="20000"/>
+        </a:spcBef>
+        <a:spcAft>
+          <a:spcPts val="600"/>
+        </a:spcAft>
+        <a:buClr>
+          <a:schemeClr val="accent2"/>
+        </a:buClr>
+        <a:buSzPct val="92000"/>
+        <a:buFont typeface="Wingdings 2" panose="05020102010507070707" pitchFamily="18" charset="2"/>
+        <a:buChar char=""/>
+        <a:defRPr sz="1200" kern="1200">
+          <a:solidFill>
+            <a:schemeClr val="tx2"/>
+          </a:solidFill>
+          <a:latin typeface="+mn-lt"/>
+          <a:ea typeface="+mn-ea"/>
+          <a:cs typeface="+mn-cs"/>
+        </a:defRPr>
+      </a:lvl5pPr>
+      <a:lvl6pPr marL="1900000" indent="-228600" algn="l" defTabSz="457200" rtl="0" eaLnBrk="1" latinLnBrk="0" hangingPunct="1">
+        <a:spcBef>
+          <a:spcPct val="20000"/>
+        </a:spcBef>
+        <a:spcAft>
+          <a:spcPts val="600"/>
+        </a:spcAft>
+        <a:buClr>
+          <a:schemeClr val="accent2"/>
+        </a:buClr>
+        <a:buSzPct val="92000"/>
+        <a:buFont typeface="Wingdings 2" panose="05020102010507070707" pitchFamily="18" charset="2"/>
+        <a:buChar char=""/>
+        <a:defRPr sz="1200" kern="1200">
+          <a:solidFill>
+            <a:schemeClr val="tx2"/>
+          </a:solidFill>
+          <a:latin typeface="+mn-lt"/>
+          <a:ea typeface="+mn-ea"/>
+          <a:cs typeface="+mn-cs"/>
+        </a:defRPr>
+      </a:lvl6pPr>
+      <a:lvl7pPr marL="2200000" indent="-228600" algn="l" defTabSz="457200" rtl="0" eaLnBrk="1" latinLnBrk="0" hangingPunct="1">
+        <a:spcBef>
+          <a:spcPct val="20000"/>
+        </a:spcBef>
+        <a:spcAft>
+          <a:spcPts val="600"/>
+        </a:spcAft>
+        <a:buClr>
+          <a:schemeClr val="accent2"/>
+        </a:buClr>
+        <a:buSzPct val="92000"/>
+        <a:buFont typeface="Wingdings 2" panose="05020102010507070707" pitchFamily="18" charset="2"/>
+        <a:buChar char=""/>
+        <a:defRPr sz="1200" kern="1200">
+          <a:solidFill>
+            <a:schemeClr val="tx2"/>
+          </a:solidFill>
+          <a:latin typeface="+mn-lt"/>
+          <a:ea typeface="+mn-ea"/>
+          <a:cs typeface="+mn-cs"/>
+        </a:defRPr>
+      </a:lvl7pPr>
+      <a:lvl8pPr marL="2500000" indent="-228600" algn="l" defTabSz="457200" rtl="0" eaLnBrk="1" latinLnBrk="0" hangingPunct="1">
+        <a:spcBef>
+          <a:spcPct val="20000"/>
+        </a:spcBef>
+        <a:spcAft>
+          <a:spcPts val="600"/>
+        </a:spcAft>
+        <a:buClr>
+          <a:schemeClr val="accent2"/>
+        </a:buClr>
+        <a:buSzPct val="92000"/>
+        <a:buFont typeface="Wingdings 2" panose="05020102010507070707" pitchFamily="18" charset="2"/>
+        <a:buChar char=""/>
+        <a:defRPr sz="1200" kern="1200">
+          <a:solidFill>
+            <a:schemeClr val="tx2"/>
+          </a:solidFill>
+          <a:latin typeface="+mn-lt"/>
+          <a:ea typeface="+mn-ea"/>
+          <a:cs typeface="+mn-cs"/>
+        </a:defRPr>
+      </a:lvl8pPr>
+      <a:lvl9pPr marL="2800000" indent="-228600" algn="l" defTabSz="457200" rtl="0" eaLnBrk="1" latinLnBrk="0" hangingPunct="1">
+        <a:spcBef>
+          <a:spcPct val="20000"/>
+        </a:spcBef>
+        <a:spcAft>
+          <a:spcPts val="600"/>
+        </a:spcAft>
+        <a:buClr>
+          <a:schemeClr val="accent2"/>
+        </a:buClr>
+        <a:buSzPct val="92000"/>
+        <a:buFont typeface="Wingdings 2" panose="05020102010507070707" pitchFamily="18" charset="2"/>
+        <a:buChar char=""/>
+        <a:defRPr sz="1200" kern="1200">
+          <a:solidFill>
+            <a:schemeClr val="tx2"/>
+          </a:solidFill>
+          <a:latin typeface="+mn-lt"/>
+          <a:ea typeface="+mn-ea"/>
+          <a:cs typeface="+mn-cs"/>
+        </a:defRPr>
+      </a:lvl9pPr>
+    </p:bodyStyle>
+    <p:otherStyle>
+      <a:defPPr>
+        <a:defRPr lang="en-US"/>
+      </a:defPPr>
+      <a:lvl1pPr marL="0" algn="l" defTabSz="457200" rtl="0" eaLnBrk="1" latinLnBrk="0" hangingPunct="1">
+        <a:defRPr sz="1800" kern="1200">
+          <a:solidFill>
+            <a:schemeClr val="tx1"/>
+          </a:solidFill>
+          <a:latin typeface="+mn-lt"/>
+          <a:ea typeface="+mn-ea"/>
+          <a:cs typeface="+mn-cs"/>
+        </a:defRPr>
+      </a:lvl1pPr>
+      <a:lvl2pPr marL="457200" algn="l" defTabSz="457200" rtl="0" eaLnBrk="1" latinLnBrk="0" hangingPunct="1">
+        <a:defRPr sz="1800" kern="1200">
+          <a:solidFill>
+            <a:schemeClr val="tx1"/>
+          </a:solidFill>
+          <a:latin typeface="+mn-lt"/>
+          <a:ea typeface="+mn-ea"/>
+          <a:cs typeface="+mn-cs"/>
+        </a:defRPr>
+      </a:lvl2pPr>
+      <a:lvl3pPr marL="914400" algn="l" defTabSz="457200" rtl="0" eaLnBrk="1" latinLnBrk="0" hangingPunct="1">
+        <a:defRPr sz="1800" kern="1200">
+          <a:solidFill>
+            <a:schemeClr val="tx1"/>
+          </a:solidFill>
+          <a:latin typeface="+mn-lt"/>
+          <a:ea typeface="+mn-ea"/>
+          <a:cs typeface="+mn-cs"/>
+        </a:defRPr>
+      </a:lvl3pPr>
+      <a:lvl4pPr marL="1371600" algn="l" defTabSz="457200" rtl="0" eaLnBrk="1" latinLnBrk="0" hangingPunct="1">
+        <a:defRPr sz="1800" kern="1200">
+          <a:solidFill>
+            <a:schemeClr val="tx1"/>
+          </a:solidFill>
+          <a:latin typeface="+mn-lt"/>
+          <a:ea typeface="+mn-ea"/>
+          <a:cs typeface="+mn-cs"/>
+        </a:defRPr>
+      </a:lvl4pPr>
+      <a:lvl5pPr marL="1828800" algn="l" defTabSz="457200" rtl="0" eaLnBrk="1" latinLnBrk="0" hangingPunct="1">
+        <a:defRPr sz="1800" kern="1200">
+          <a:solidFill>
+            <a:schemeClr val="tx1"/>
+          </a:solidFill>
+          <a:latin typeface="+mn-lt"/>
+          <a:ea typeface="+mn-ea"/>
+          <a:cs typeface="+mn-cs"/>
+        </a:defRPr>
+      </a:lvl5pPr>
+      <a:lvl6pPr marL="2286000" algn="l" defTabSz="457200" rtl="0" eaLnBrk="1" latinLnBrk="0" hangingPunct="1">
+        <a:defRPr sz="1800" kern="1200">
+          <a:solidFill>
+            <a:schemeClr val="tx1"/>
+          </a:solidFill>
+          <a:latin typeface="+mn-lt"/>
+          <a:ea typeface="+mn-ea"/>
+          <a:cs typeface="+mn-cs"/>
+        </a:defRPr>
+      </a:lvl6pPr>
+      <a:lvl7pPr marL="2743200" algn="l" defTabSz="457200" rtl="0" eaLnBrk="1" latinLnBrk="0" hangingPunct="1">
+        <a:defRPr sz="1800" kern="1200">
+          <a:solidFill>
+            <a:schemeClr val="tx1"/>
+          </a:solidFill>
+          <a:latin typeface="+mn-lt"/>
+          <a:ea typeface="+mn-ea"/>
+          <a:cs typeface="+mn-cs"/>
+        </a:defRPr>
+      </a:lvl7pPr>
+      <a:lvl8pPr marL="3200400" algn="l" defTabSz="457200" rtl="0" eaLnBrk="1" latinLnBrk="0" hangingPunct="1">
+        <a:defRPr sz="1800" kern="1200">
+          <a:solidFill>
+            <a:schemeClr val="tx1"/>
+          </a:solidFill>
+          <a:latin typeface="+mn-lt"/>
+          <a:ea typeface="+mn-ea"/>
+          <a:cs typeface="+mn-cs"/>
+        </a:defRPr>
+      </a:lvl8pPr>
+      <a:lvl9pPr marL="3657600" algn="l" defTabSz="457200" rtl="0" eaLnBrk="1" latinLnBrk="0" hangingPunct="1">
+        <a:defRPr sz="1800" kern="1200">
+          <a:solidFill>
+            <a:schemeClr val="tx1"/>
+          </a:solidFill>
+          <a:latin typeface="+mn-lt"/>
+          <a:ea typeface="+mn-ea"/>
+          <a:cs typeface="+mn-cs"/>
+        </a:defRPr>
+      </a:lvl9pPr>
+    </p:otherStyle>
+  </p:txStyles>
+</p:sldMaster>
+</file>
+
 <file path=ppt/slides/slide1.xml><?xml version="1.0" encoding="utf-8"?>
 <p:sld xmlns:a="http://schemas.openxmlformats.org/drawingml/2006/main" xmlns:r="http://schemas.openxmlformats.org/officeDocument/2006/relationships" xmlns:p="http://schemas.openxmlformats.org/presentationml/2006/main">
   <p:cSld>
@@ -24776,6 +29160,29 @@
       </p:grpSpPr>
       <p:sp>
         <p:nvSpPr>
+          <p:cNvPr id="3" name="Title 2"/>
+          <p:cNvSpPr>
+            <a:spLocks noGrp="1"/>
+          </p:cNvSpPr>
+          <p:nvPr>
+            <p:ph type="ctrTitle"/>
+          </p:nvPr>
+        </p:nvSpPr>
+        <p:spPr/>
+        <p:txBody>
+          <a:bodyPr/>
+          <a:lstStyle/>
+          <a:p>
+            <a:pPr algn="ctr"/>
+            <a:r>
+              <a:rPr lang="en-US" dirty="0"/>
+              <a:t>WHEELS</a:t>
+            </a:r>
+          </a:p>
+        </p:txBody>
+      </p:sp>
+      <p:sp>
+        <p:nvSpPr>
           <p:cNvPr id="2" name="Subtitle 1"/>
           <p:cNvSpPr>
             <a:spLocks noGrp="1"/>
@@ -24790,64 +29197,13 @@
           <a:lstStyle/>
           <a:p>
             <a:r>
-              <a:rPr lang="en-US" dirty="0"/>
-              <a:t>Wheels</a:t>
-            </a:r>
-          </a:p>
-        </p:txBody>
-      </p:sp>
-      <p:sp>
-        <p:nvSpPr>
-          <p:cNvPr id="3" name="Title 2"/>
-          <p:cNvSpPr>
-            <a:spLocks noGrp="1"/>
-          </p:cNvSpPr>
-          <p:nvPr>
-            <p:ph type="ctrTitle"/>
-          </p:nvPr>
-        </p:nvSpPr>
-        <p:spPr/>
-        <p:txBody>
-          <a:bodyPr/>
-          <a:lstStyle/>
-          <a:p>
-            <a:pPr algn="ctr"/>
-            <a:r>
-              <a:rPr lang="en-US" dirty="0"/>
-              <a:t>Robot DESIGN Lesson</a:t>
-            </a:r>
-          </a:p>
-        </p:txBody>
-      </p:sp>
-      <p:pic>
-        <p:nvPicPr>
-          <p:cNvPr id="4" name="Picture 3"/>
-          <p:cNvPicPr>
-            <a:picLocks noChangeAspect="1"/>
-          </p:cNvPicPr>
-          <p:nvPr/>
-        </p:nvPicPr>
-        <p:blipFill rotWithShape="1">
-          <a:blip r:embed="rId2" cstate="print">
-            <a:extLst>
-              <a:ext uri="{28A0092B-C50C-407E-A947-70E740481C1C}">
-                <a14:useLocalDpi xmlns:a14="http://schemas.microsoft.com/office/drawing/2010/main"/>
-              </a:ext>
-            </a:extLst>
-          </a:blip>
-          <a:srcRect/>
-          <a:stretch/>
-        </p:blipFill>
-        <p:spPr>
-          <a:xfrm>
-            <a:off x="3793356" y="4564606"/>
-            <a:ext cx="1536320" cy="954261"/>
-          </a:xfrm>
-          <a:prstGeom prst="rect">
-            <a:avLst/>
-          </a:prstGeom>
-        </p:spPr>
-      </p:pic>
+              <a:rPr lang="en-US"/>
+              <a:t>SESHAN BROTHERS</a:t>
+            </a:r>
+            <a:endParaRPr lang="en-US" dirty="0"/>
+          </a:p>
+        </p:txBody>
+      </p:sp>
     </p:spTree>
     <p:extLst>
       <p:ext uri="{BB962C8B-B14F-4D97-AF65-F5344CB8AC3E}">
@@ -24895,7 +29251,7 @@
           <a:p>
             <a:r>
               <a:rPr lang="en-US" dirty="0"/>
-              <a:t>ROBOTS WITH No wheels</a:t>
+              <a:t>USEFUL TOOL: LEGO WHEELS CHART</a:t>
             </a:r>
           </a:p>
         </p:txBody>
@@ -24912,19 +29268,30 @@
         </p:nvSpPr>
         <p:spPr>
           <a:xfrm>
-            <a:off x="457200" y="5740400"/>
-            <a:ext cx="8245474" cy="385763"/>
+            <a:off x="457200" y="1831510"/>
+            <a:ext cx="2576945" cy="348818"/>
           </a:xfrm>
+          <a:solidFill>
+            <a:schemeClr val="bg2"/>
+          </a:solidFill>
         </p:spPr>
         <p:txBody>
           <a:bodyPr>
-            <a:normAutofit fontScale="85000" lnSpcReduction="20000"/>
+            <a:normAutofit fontScale="40000" lnSpcReduction="20000"/>
           </a:bodyPr>
           <a:lstStyle/>
           <a:p>
             <a:r>
               <a:rPr lang="en-US" dirty="0"/>
-              <a:t>Images from LEGO and LEGO Education</a:t>
+              <a:t>http://</a:t>
+            </a:r>
+            <a:r>
+              <a:rPr lang="en-US" dirty="0" err="1"/>
+              <a:t>wheels.sariel.pl</a:t>
+            </a:r>
+            <a:r>
+              <a:rPr lang="en-US" dirty="0"/>
+              <a:t>/</a:t>
             </a:r>
           </a:p>
           <a:p>
@@ -24949,110 +29316,35 @@
           <a:p>
             <a:r>
               <a:rPr lang="en-US"/>
-              <a:t>© 2018, FLL Tutorials, Last Edit 8/13/2016</a:t>
-            </a:r>
-          </a:p>
-        </p:txBody>
-      </p:sp>
-      <p:sp>
-        <p:nvSpPr>
-          <p:cNvPr id="5" name="Slide Number Placeholder 4"/>
-          <p:cNvSpPr>
-            <a:spLocks noGrp="1"/>
-          </p:cNvSpPr>
-          <p:nvPr>
-            <p:ph type="sldNum" sz="quarter" idx="12"/>
-          </p:nvPr>
-        </p:nvSpPr>
-        <p:spPr/>
-        <p:txBody>
-          <a:bodyPr/>
-          <a:lstStyle/>
-          <a:p>
-            <a:fld id="{4DBC7FC8-25FB-FC45-8177-2B991DA6778C}" type="slidenum">
-              <a:rPr lang="en-US" smtClean="0"/>
-              <a:t>10</a:t>
-            </a:fld>
-            <a:endParaRPr lang="en-US" dirty="0"/>
+              <a:t>© 2018, FLL Tutorials, Last Edit 6/11/2018</a:t>
+            </a:r>
           </a:p>
         </p:txBody>
       </p:sp>
       <p:pic>
         <p:nvPicPr>
-          <p:cNvPr id="6" name="Picture 5"/>
+          <p:cNvPr id="6" name="Content Placeholder 7"/>
           <p:cNvPicPr>
             <a:picLocks noChangeAspect="1"/>
           </p:cNvPicPr>
           <p:nvPr/>
         </p:nvPicPr>
-        <p:blipFill rotWithShape="1">
-          <a:blip r:embed="rId2" cstate="print">
+        <p:blipFill>
+          <a:blip r:embed="rId2">
             <a:extLst>
               <a:ext uri="{28A0092B-C50C-407E-A947-70E740481C1C}">
                 <a14:useLocalDpi xmlns:a14="http://schemas.microsoft.com/office/drawing/2010/main"/>
               </a:ext>
             </a:extLst>
           </a:blip>
-          <a:srcRect/>
-          <a:stretch/>
-        </p:blipFill>
-        <p:spPr>
-          <a:xfrm>
-            <a:off x="1004551" y="2703651"/>
-            <a:ext cx="2881649" cy="2786455"/>
-          </a:xfrm>
-          <a:prstGeom prst="rect">
-            <a:avLst/>
-          </a:prstGeom>
-        </p:spPr>
-      </p:pic>
-      <p:sp>
-        <p:nvSpPr>
-          <p:cNvPr id="8" name="TextBox 7"/>
-          <p:cNvSpPr txBox="1"/>
-          <p:nvPr/>
-        </p:nvSpPr>
-        <p:spPr>
-          <a:xfrm>
-            <a:off x="457199" y="1388533"/>
-            <a:ext cx="7687734" cy="369332"/>
-          </a:xfrm>
-          <a:prstGeom prst="rect">
-            <a:avLst/>
-          </a:prstGeom>
-          <a:noFill/>
-        </p:spPr>
-        <p:txBody>
-          <a:bodyPr wrap="square" rtlCol="0">
-            <a:spAutoFit/>
-          </a:bodyPr>
-          <a:lstStyle/>
-          <a:p>
-            <a:r>
-              <a:rPr lang="en-US" dirty="0"/>
-              <a:t>You don’t always need wheels to build a robot that moves!</a:t>
-            </a:r>
-          </a:p>
-        </p:txBody>
-      </p:sp>
-      <p:pic>
-        <p:nvPicPr>
-          <p:cNvPr id="9" name="Picture 8"/>
-          <p:cNvPicPr>
-            <a:picLocks noChangeAspect="1"/>
-          </p:cNvPicPr>
-          <p:nvPr/>
-        </p:nvPicPr>
-        <p:blipFill>
-          <a:blip r:embed="rId3"/>
           <a:stretch>
             <a:fillRect/>
           </a:stretch>
         </p:blipFill>
         <p:spPr>
           <a:xfrm>
-            <a:off x="4744616" y="2810324"/>
-            <a:ext cx="3538481" cy="2786455"/>
+            <a:off x="3034145" y="1655519"/>
+            <a:ext cx="5673229" cy="4296235"/>
           </a:xfrm>
           <a:prstGeom prst="rect">
             <a:avLst/>
@@ -25062,7 +29354,7 @@
     </p:spTree>
     <p:extLst>
       <p:ext uri="{BB962C8B-B14F-4D97-AF65-F5344CB8AC3E}">
-        <p14:creationId xmlns:p14="http://schemas.microsoft.com/office/powerpoint/2010/main" val="1993078526"/>
+        <p14:creationId xmlns:p14="http://schemas.microsoft.com/office/powerpoint/2010/main" val="1794598852"/>
       </p:ext>
     </p:extLst>
   </p:cSld>
@@ -25106,7 +29398,7 @@
           <a:p>
             <a:r>
               <a:rPr lang="en-US" dirty="0"/>
-              <a:t>USEFUL TOOL: LEGO WHEELS CHART</a:t>
+              <a:t>Credits</a:t>
             </a:r>
           </a:p>
         </p:txBody>
@@ -25121,179 +29413,11 @@
             <p:ph idx="1"/>
           </p:nvPr>
         </p:nvSpPr>
-        <p:spPr>
-          <a:xfrm>
-            <a:off x="457200" y="5777345"/>
-            <a:ext cx="2576945" cy="348818"/>
-          </a:xfrm>
-          <a:solidFill>
-            <a:schemeClr val="bg2"/>
-          </a:solidFill>
-        </p:spPr>
+        <p:spPr/>
         <p:txBody>
           <a:bodyPr>
-            <a:normAutofit fontScale="70000" lnSpcReduction="20000"/>
+            <a:normAutofit/>
           </a:bodyPr>
-          <a:lstStyle/>
-          <a:p>
-            <a:r>
-              <a:rPr lang="en-US" dirty="0"/>
-              <a:t>http://</a:t>
-            </a:r>
-            <a:r>
-              <a:rPr lang="en-US" dirty="0" err="1"/>
-              <a:t>wheels.sariel.pl</a:t>
-            </a:r>
-            <a:r>
-              <a:rPr lang="en-US" dirty="0"/>
-              <a:t>/</a:t>
-            </a:r>
-          </a:p>
-          <a:p>
-            <a:endParaRPr lang="en-US" dirty="0"/>
-          </a:p>
-        </p:txBody>
-      </p:sp>
-      <p:sp>
-        <p:nvSpPr>
-          <p:cNvPr id="4" name="Footer Placeholder 3"/>
-          <p:cNvSpPr>
-            <a:spLocks noGrp="1"/>
-          </p:cNvSpPr>
-          <p:nvPr>
-            <p:ph type="ftr" sz="quarter" idx="11"/>
-          </p:nvPr>
-        </p:nvSpPr>
-        <p:spPr/>
-        <p:txBody>
-          <a:bodyPr/>
-          <a:lstStyle/>
-          <a:p>
-            <a:r>
-              <a:rPr lang="en-US"/>
-              <a:t>© 2018, FLL Tutorials, Last Edit 8/13/2016</a:t>
-            </a:r>
-          </a:p>
-        </p:txBody>
-      </p:sp>
-      <p:sp>
-        <p:nvSpPr>
-          <p:cNvPr id="5" name="Slide Number Placeholder 4"/>
-          <p:cNvSpPr>
-            <a:spLocks noGrp="1"/>
-          </p:cNvSpPr>
-          <p:nvPr>
-            <p:ph type="sldNum" sz="quarter" idx="12"/>
-          </p:nvPr>
-        </p:nvSpPr>
-        <p:spPr/>
-        <p:txBody>
-          <a:bodyPr/>
-          <a:lstStyle/>
-          <a:p>
-            <a:fld id="{4DBC7FC8-25FB-FC45-8177-2B991DA6778C}" type="slidenum">
-              <a:rPr lang="en-US" smtClean="0"/>
-              <a:t>11</a:t>
-            </a:fld>
-            <a:endParaRPr lang="en-US" dirty="0"/>
-          </a:p>
-        </p:txBody>
-      </p:sp>
-      <p:pic>
-        <p:nvPicPr>
-          <p:cNvPr id="6" name="Content Placeholder 7"/>
-          <p:cNvPicPr>
-            <a:picLocks noChangeAspect="1"/>
-          </p:cNvPicPr>
-          <p:nvPr/>
-        </p:nvPicPr>
-        <p:blipFill>
-          <a:blip r:embed="rId2">
-            <a:extLst>
-              <a:ext uri="{28A0092B-C50C-407E-A947-70E740481C1C}">
-                <a14:useLocalDpi xmlns:a14="http://schemas.microsoft.com/office/drawing/2010/main"/>
-              </a:ext>
-            </a:extLst>
-          </a:blip>
-          <a:stretch>
-            <a:fillRect/>
-          </a:stretch>
-        </p:blipFill>
-        <p:spPr>
-          <a:xfrm>
-            <a:off x="1619596" y="1265453"/>
-            <a:ext cx="5673229" cy="4296235"/>
-          </a:xfrm>
-          <a:prstGeom prst="rect">
-            <a:avLst/>
-          </a:prstGeom>
-        </p:spPr>
-      </p:pic>
-    </p:spTree>
-    <p:extLst>
-      <p:ext uri="{BB962C8B-B14F-4D97-AF65-F5344CB8AC3E}">
-        <p14:creationId xmlns:p14="http://schemas.microsoft.com/office/powerpoint/2010/main" val="1794598852"/>
-      </p:ext>
-    </p:extLst>
-  </p:cSld>
-  <p:clrMapOvr>
-    <a:masterClrMapping/>
-  </p:clrMapOvr>
-</p:sld>
-</file>
-
-<file path=ppt/slides/slide12.xml><?xml version="1.0" encoding="utf-8"?>
-<p:sld xmlns:a="http://schemas.openxmlformats.org/drawingml/2006/main" xmlns:r="http://schemas.openxmlformats.org/officeDocument/2006/relationships" xmlns:p="http://schemas.openxmlformats.org/presentationml/2006/main">
-  <p:cSld>
-    <p:spTree>
-      <p:nvGrpSpPr>
-        <p:cNvPr id="1" name=""/>
-        <p:cNvGrpSpPr/>
-        <p:nvPr/>
-      </p:nvGrpSpPr>
-      <p:grpSpPr>
-        <a:xfrm>
-          <a:off x="0" y="0"/>
-          <a:ext cx="0" cy="0"/>
-          <a:chOff x="0" y="0"/>
-          <a:chExt cx="0" cy="0"/>
-        </a:xfrm>
-      </p:grpSpPr>
-      <p:sp>
-        <p:nvSpPr>
-          <p:cNvPr id="2" name="Title 1"/>
-          <p:cNvSpPr>
-            <a:spLocks noGrp="1"/>
-          </p:cNvSpPr>
-          <p:nvPr>
-            <p:ph type="title"/>
-          </p:nvPr>
-        </p:nvSpPr>
-        <p:spPr/>
-        <p:txBody>
-          <a:bodyPr/>
-          <a:lstStyle/>
-          <a:p>
-            <a:r>
-              <a:rPr lang="en-US" dirty="0"/>
-              <a:t>Credits</a:t>
-            </a:r>
-          </a:p>
-        </p:txBody>
-      </p:sp>
-      <p:sp>
-        <p:nvSpPr>
-          <p:cNvPr id="3" name="Content Placeholder 2"/>
-          <p:cNvSpPr>
-            <a:spLocks noGrp="1"/>
-          </p:cNvSpPr>
-          <p:nvPr>
-            <p:ph idx="1"/>
-          </p:nvPr>
-        </p:nvSpPr>
-        <p:spPr/>
-        <p:txBody>
-          <a:bodyPr/>
           <a:lstStyle/>
           <a:p>
             <a:pPr marL="342900" indent="-342900">
@@ -25301,22 +29425,22 @@
               <a:buChar char="•"/>
             </a:pPr>
             <a:r>
-              <a:rPr lang="en-US" dirty="0"/>
+              <a:rPr lang="en-US" sz="2800" dirty="0"/>
               <a:t>This tutorial was created by Sanjay </a:t>
             </a:r>
             <a:r>
-              <a:rPr lang="en-US" dirty="0" err="1"/>
+              <a:rPr lang="en-US" sz="2800" dirty="0" err="1"/>
               <a:t>Seshan</a:t>
             </a:r>
             <a:r>
-              <a:rPr lang="en-US" dirty="0"/>
+              <a:rPr lang="en-US" sz="2800" dirty="0"/>
               <a:t> and Arvind </a:t>
             </a:r>
             <a:r>
-              <a:rPr lang="en-US" dirty="0" err="1"/>
+              <a:rPr lang="en-US" sz="2800" dirty="0" err="1"/>
               <a:t>Seshan</a:t>
             </a:r>
-            <a:endParaRPr lang="en-US" dirty="0"/>
+            <a:endParaRPr lang="en-US" sz="2800" dirty="0"/>
           </a:p>
           <a:p>
             <a:pPr marL="342900" indent="-342900">
@@ -25324,26 +29448,26 @@
               <a:buChar char="•"/>
             </a:pPr>
             <a:r>
-              <a:rPr lang="en-US" dirty="0"/>
+              <a:rPr lang="en-US" sz="2800" dirty="0"/>
               <a:t>More lessons at </a:t>
             </a:r>
             <a:r>
-              <a:rPr lang="en-US" dirty="0">
+              <a:rPr lang="en-US" sz="2800" dirty="0">
                 <a:hlinkClick r:id="rId3"/>
               </a:rPr>
               <a:t>www.ev3lessons.com</a:t>
             </a:r>
             <a:r>
-              <a:rPr lang="en-US" dirty="0"/>
+              <a:rPr lang="en-US" sz="2800" dirty="0"/>
               <a:t> and </a:t>
             </a:r>
             <a:r>
-              <a:rPr lang="en-US" dirty="0">
+              <a:rPr lang="en-US" sz="2800" dirty="0">
                 <a:hlinkClick r:id="rId4"/>
               </a:rPr>
               <a:t>www.flltutorials.com</a:t>
             </a:r>
-            <a:endParaRPr lang="en-US" dirty="0"/>
+            <a:endParaRPr lang="en-US" sz="2800" dirty="0"/>
           </a:p>
           <a:p>
             <a:pPr marL="342900" indent="-342900">
@@ -25351,15 +29475,15 @@
               <a:buChar char="•"/>
             </a:pPr>
             <a:r>
-              <a:rPr lang="en-US" dirty="0"/>
+              <a:rPr lang="en-US" sz="2800" dirty="0"/>
               <a:t>LEGO Wheels Chart from http://</a:t>
             </a:r>
             <a:r>
-              <a:rPr lang="en-US" dirty="0" err="1"/>
+              <a:rPr lang="en-US" sz="2800" dirty="0" err="1"/>
               <a:t>wheels.sariel.pl</a:t>
             </a:r>
             <a:r>
-              <a:rPr lang="en-US" dirty="0"/>
+              <a:rPr lang="en-US" sz="2800" dirty="0"/>
               <a:t>/ </a:t>
             </a:r>
           </a:p>
@@ -25382,32 +29506,8 @@
           <a:p>
             <a:r>
               <a:rPr lang="en-US"/>
-              <a:t>© 2018, FLL Tutorials, Last Edit 8/13/2016</a:t>
-            </a:r>
-          </a:p>
-        </p:txBody>
-      </p:sp>
-      <p:sp>
-        <p:nvSpPr>
-          <p:cNvPr id="7" name="Slide Number Placeholder 6"/>
-          <p:cNvSpPr>
-            <a:spLocks noGrp="1"/>
-          </p:cNvSpPr>
-          <p:nvPr>
-            <p:ph type="sldNum" sz="quarter" idx="12"/>
-          </p:nvPr>
-        </p:nvSpPr>
-        <p:spPr/>
-        <p:txBody>
-          <a:bodyPr/>
-          <a:lstStyle/>
-          <a:p>
-            <a:fld id="{4382A7F7-08BF-4252-8141-63FB96055BBB}" type="slidenum">
-              <a:rPr lang="en-US" smtClean="0"/>
-              <a:pPr/>
-              <a:t>12</a:t>
-            </a:fld>
-            <a:endParaRPr lang="en-US"/>
+              <a:t>© 2018, FLL Tutorials, Last Edit 6/11/2018</a:t>
+            </a:r>
           </a:p>
         </p:txBody>
       </p:sp>
@@ -25436,7 +29536,7 @@
           <a:effectLst/>
           <a:extLst>
             <a:ext uri="{91240B29-F687-4f45-9708-019B960494DF}">
-              <a14:hiddenLine xmlns:a14="http://schemas.microsoft.com/office/drawing/2010/main" xmlns="" w="9525">
+              <a14:hiddenLine xmlns="" xmlns:a14="http://schemas.microsoft.com/office/drawing/2010/main" w="9525">
                 <a:solidFill>
                   <a:schemeClr val="tx1"/>
                 </a:solidFill>
@@ -25446,7 +29546,7 @@
               </a14:hiddenLine>
             </a:ext>
             <a:ext uri="{AF507438-7753-43e0-B8FC-AC1667EBCBE1}">
-              <a14:hiddenEffects xmlns:a14="http://schemas.microsoft.com/office/drawing/2010/main" xmlns="">
+              <a14:hiddenEffects xmlns="" xmlns:a14="http://schemas.microsoft.com/office/drawing/2010/main">
                 <a:effectLst>
                   <a:outerShdw dist="35921" dir="2700000" algn="ctr" rotWithShape="0">
                     <a:schemeClr val="bg2"/>
@@ -25787,7 +29887,7 @@
           <a:noFill/>
           <a:extLst>
             <a:ext uri="{909E8E84-426E-40dd-AFC4-6F175D3DCCD1}">
-              <a14:hiddenFill xmlns:a14="http://schemas.microsoft.com/office/drawing/2010/main" xmlns="">
+              <a14:hiddenFill xmlns="" xmlns:a14="http://schemas.microsoft.com/office/drawing/2010/main">
                 <a:solidFill>
                   <a:srgbClr val="FFFFFF"/>
                 </a:solidFill>
@@ -25865,31 +29965,8 @@
           <a:p>
             <a:r>
               <a:rPr lang="en-US"/>
-              <a:t>© 2018, FLL Tutorials, Last Edit 8/13/2016</a:t>
-            </a:r>
-          </a:p>
-        </p:txBody>
-      </p:sp>
-      <p:sp>
-        <p:nvSpPr>
-          <p:cNvPr id="5" name="Slide Number Placeholder 4"/>
-          <p:cNvSpPr>
-            <a:spLocks noGrp="1"/>
-          </p:cNvSpPr>
-          <p:nvPr>
-            <p:ph type="sldNum" sz="quarter" idx="12"/>
-          </p:nvPr>
-        </p:nvSpPr>
-        <p:spPr/>
-        <p:txBody>
-          <a:bodyPr/>
-          <a:lstStyle/>
-          <a:p>
-            <a:fld id="{4DBC7FC8-25FB-FC45-8177-2B991DA6778C}" type="slidenum">
-              <a:rPr lang="en-US" smtClean="0"/>
-              <a:t>2</a:t>
-            </a:fld>
-            <a:endParaRPr lang="en-US" dirty="0"/>
+              <a:t>© 2018, FLL Tutorials, Last Edit 6/11/2018</a:t>
+            </a:r>
           </a:p>
         </p:txBody>
       </p:sp>
@@ -25901,8 +29978,8 @@
         </p:nvSpPr>
         <p:spPr>
           <a:xfrm>
-            <a:off x="593766" y="1270660"/>
-            <a:ext cx="7746670" cy="646331"/>
+            <a:off x="394721" y="1510762"/>
+            <a:ext cx="3193043" cy="1200329"/>
           </a:xfrm>
           <a:prstGeom prst="rect">
             <a:avLst/>
@@ -26336,7 +30413,9 @@
           </a:xfrm>
         </p:spPr>
         <p:txBody>
-          <a:bodyPr/>
+          <a:bodyPr>
+            <a:normAutofit fontScale="70000" lnSpcReduction="20000"/>
+          </a:bodyPr>
           <a:lstStyle/>
           <a:p>
             <a:pPr marL="457200" indent="-457200">
@@ -26363,23 +30442,7 @@
             </a:pPr>
             <a:r>
               <a:rPr lang="en-US" dirty="0"/>
-              <a:t>Look up the tire on a LEGO catalogue (e.g. </a:t>
-            </a:r>
-            <a:r>
-              <a:rPr lang="en-US" dirty="0" err="1"/>
-              <a:t>Brickowl.com</a:t>
-            </a:r>
-            <a:r>
-              <a:rPr lang="en-US" dirty="0"/>
-              <a:t> and </a:t>
-            </a:r>
-            <a:r>
-              <a:rPr lang="en-US" dirty="0" err="1"/>
-              <a:t>Bricklink.com</a:t>
-            </a:r>
-            <a:r>
-              <a:rPr lang="en-US" dirty="0"/>
-              <a:t>), or using the LEGO wheels chart by </a:t>
+              <a:t>Look up the tire on a LEGO catalogue (e.g. Brickowl.com and Bricklink.com), or using the LEGO wheels chart by </a:t>
             </a:r>
             <a:r>
               <a:rPr lang="en-US" dirty="0" err="1"/>
@@ -26387,7 +30450,7 @@
             </a:r>
             <a:r>
               <a:rPr lang="en-US" dirty="0"/>
-              <a:t> (see page 11)</a:t>
+              <a:t> (see page 10)</a:t>
             </a:r>
           </a:p>
           <a:p>
@@ -26415,31 +30478,8 @@
           <a:p>
             <a:r>
               <a:rPr lang="en-US"/>
-              <a:t>© 2018, FLL Tutorials, Last Edit 8/13/2016</a:t>
-            </a:r>
-          </a:p>
-        </p:txBody>
-      </p:sp>
-      <p:sp>
-        <p:nvSpPr>
-          <p:cNvPr id="5" name="Slide Number Placeholder 4"/>
-          <p:cNvSpPr>
-            <a:spLocks noGrp="1"/>
-          </p:cNvSpPr>
-          <p:nvPr>
-            <p:ph type="sldNum" sz="quarter" idx="12"/>
-          </p:nvPr>
-        </p:nvSpPr>
-        <p:spPr/>
-        <p:txBody>
-          <a:bodyPr/>
-          <a:lstStyle/>
-          <a:p>
-            <a:fld id="{4DBC7FC8-25FB-FC45-8177-2B991DA6778C}" type="slidenum">
-              <a:rPr lang="en-US" smtClean="0"/>
-              <a:t>3</a:t>
-            </a:fld>
-            <a:endParaRPr lang="en-US" dirty="0"/>
+              <a:t>© 2018, FLL Tutorials, Last Edit 6/11/2018</a:t>
+            </a:r>
           </a:p>
         </p:txBody>
       </p:sp>
@@ -26574,7 +30614,12 @@
             <p:ph type="title"/>
           </p:nvPr>
         </p:nvSpPr>
-        <p:spPr/>
+        <p:spPr>
+          <a:xfrm>
+            <a:off x="581192" y="687474"/>
+            <a:ext cx="7989752" cy="749349"/>
+          </a:xfrm>
+        </p:spPr>
         <p:txBody>
           <a:bodyPr>
             <a:normAutofit fontScale="90000"/>
@@ -26612,8 +30657,8 @@
         </p:blipFill>
         <p:spPr>
           <a:xfrm>
-            <a:off x="771221" y="1385454"/>
-            <a:ext cx="7350664" cy="4796127"/>
+            <a:off x="665922" y="1436823"/>
+            <a:ext cx="6949068" cy="4534096"/>
           </a:xfrm>
         </p:spPr>
       </p:pic>
@@ -26634,31 +30679,8 @@
           <a:p>
             <a:r>
               <a:rPr lang="en-US"/>
-              <a:t>© 2018, FLL Tutorials, Last Edit 8/13/2016</a:t>
-            </a:r>
-          </a:p>
-        </p:txBody>
-      </p:sp>
-      <p:sp>
-        <p:nvSpPr>
-          <p:cNvPr id="5" name="Slide Number Placeholder 4"/>
-          <p:cNvSpPr>
-            <a:spLocks noGrp="1"/>
-          </p:cNvSpPr>
-          <p:nvPr>
-            <p:ph type="sldNum" sz="quarter" idx="12"/>
-          </p:nvPr>
-        </p:nvSpPr>
-        <p:spPr/>
-        <p:txBody>
-          <a:bodyPr/>
-          <a:lstStyle/>
-          <a:p>
-            <a:fld id="{4DBC7FC8-25FB-FC45-8177-2B991DA6778C}" type="slidenum">
-              <a:rPr lang="en-US" smtClean="0"/>
-              <a:t>4</a:t>
-            </a:fld>
-            <a:endParaRPr lang="en-US" dirty="0"/>
+              <a:t>© 2018, FLL Tutorials, Last Edit 6/11/2018</a:t>
+            </a:r>
           </a:p>
         </p:txBody>
       </p:sp>
@@ -26970,7 +30992,7 @@
         </p:spPr>
         <p:txBody>
           <a:bodyPr>
-            <a:normAutofit fontScale="85000" lnSpcReduction="20000"/>
+            <a:normAutofit fontScale="47500" lnSpcReduction="20000"/>
           </a:bodyPr>
           <a:lstStyle/>
           <a:p>
@@ -27045,31 +31067,8 @@
           <a:p>
             <a:r>
               <a:rPr lang="en-US"/>
-              <a:t>© 2018, FLL Tutorials, Last Edit 8/13/2016</a:t>
-            </a:r>
-            <a:endParaRPr lang="en-US" dirty="0"/>
-          </a:p>
-        </p:txBody>
-      </p:sp>
-      <p:sp>
-        <p:nvSpPr>
-          <p:cNvPr id="5" name="Slide Number Placeholder 4"/>
-          <p:cNvSpPr>
-            <a:spLocks noGrp="1"/>
-          </p:cNvSpPr>
-          <p:nvPr>
-            <p:ph type="sldNum" sz="quarter" idx="12"/>
-          </p:nvPr>
-        </p:nvSpPr>
-        <p:spPr/>
-        <p:txBody>
-          <a:bodyPr/>
-          <a:lstStyle/>
-          <a:p>
-            <a:fld id="{4DBC7FC8-25FB-FC45-8177-2B991DA6778C}" type="slidenum">
-              <a:rPr lang="en-US" smtClean="0"/>
-              <a:t>5</a:t>
-            </a:fld>
+              <a:t>© 2018, FLL Tutorials, Last Edit 6/11/2018</a:t>
+            </a:r>
             <a:endParaRPr lang="en-US" dirty="0"/>
           </a:p>
         </p:txBody>
@@ -27323,10 +31322,15 @@
             <p:ph type="title"/>
           </p:nvPr>
         </p:nvSpPr>
-        <p:spPr/>
+        <p:spPr>
+          <a:xfrm>
+            <a:off x="581192" y="687475"/>
+            <a:ext cx="7989752" cy="713942"/>
+          </a:xfrm>
+        </p:spPr>
         <p:txBody>
           <a:bodyPr>
-            <a:normAutofit/>
+            <a:normAutofit fontScale="90000"/>
           </a:bodyPr>
           <a:lstStyle/>
           <a:p>
@@ -27369,7 +31373,7 @@
               <a:buChar char="•"/>
             </a:pPr>
             <a:r>
-              <a:rPr lang="en-US" sz="1800" b="0" dirty="0"/>
+              <a:rPr lang="en-US" sz="1600" b="0" dirty="0"/>
               <a:t>Large wheels make a robot taller and so might give you both greater ground clearance as well as a higher center of gravity</a:t>
             </a:r>
           </a:p>
@@ -27379,7 +31383,7 @@
               <a:buChar char="•"/>
             </a:pPr>
             <a:r>
-              <a:rPr lang="en-US" sz="1800" dirty="0"/>
+              <a:rPr lang="en-US" sz="1600" dirty="0"/>
               <a:t>This might be positive as you might be able to to drive over obstacles, but might also make your robot unstable</a:t>
             </a:r>
           </a:p>
@@ -27389,7 +31393,7 @@
               <a:buChar char="•"/>
             </a:pPr>
             <a:r>
-              <a:rPr lang="en-US" sz="1800" b="0" dirty="0"/>
+              <a:rPr lang="en-US" sz="1600" b="0" dirty="0"/>
               <a:t>Large wheels allow your robot to travel further for each rotation, therefore, making your robot faster.</a:t>
             </a:r>
           </a:p>
@@ -27399,7 +31403,7 @@
               <a:buChar char="•"/>
             </a:pPr>
             <a:r>
-              <a:rPr lang="en-US" sz="1800" dirty="0"/>
+              <a:rPr lang="en-US" sz="1600" dirty="0"/>
               <a:t>Speed can be a positive thing in a timed robotics contest, but your robot may not travel as accurately</a:t>
             </a:r>
           </a:p>
@@ -27409,10 +31413,10 @@
               <a:buChar char="•"/>
             </a:pPr>
             <a:r>
-              <a:rPr lang="en-US" sz="1800" b="0" dirty="0"/>
+              <a:rPr lang="en-US" sz="1600" b="0" dirty="0"/>
               <a:t>Smaller wheels are slower but can be more accurate than large wheels</a:t>
             </a:r>
-            <a:endParaRPr lang="en-US" sz="1800" dirty="0"/>
+            <a:endParaRPr lang="en-US" sz="1600" dirty="0"/>
           </a:p>
           <a:p>
             <a:pPr marL="457200" indent="-457200">
@@ -27420,7 +31424,7 @@
               <a:buChar char="•"/>
             </a:pPr>
             <a:r>
-              <a:rPr lang="en-US" sz="1800" b="0" dirty="0"/>
+              <a:rPr lang="en-US" sz="1600" b="0" dirty="0"/>
               <a:t>Wider wheels allow for more contact with the ground which might increase stability, but can also cause more friction. </a:t>
             </a:r>
           </a:p>
@@ -27443,31 +31447,8 @@
           <a:p>
             <a:r>
               <a:rPr lang="en-US"/>
-              <a:t>© 2018, FLL Tutorials, Last Edit 8/13/2016</a:t>
-            </a:r>
-          </a:p>
-        </p:txBody>
-      </p:sp>
-      <p:sp>
-        <p:nvSpPr>
-          <p:cNvPr id="5" name="Slide Number Placeholder 4"/>
-          <p:cNvSpPr>
-            <a:spLocks noGrp="1"/>
-          </p:cNvSpPr>
-          <p:nvPr>
-            <p:ph type="sldNum" sz="quarter" idx="12"/>
-          </p:nvPr>
-        </p:nvSpPr>
-        <p:spPr/>
-        <p:txBody>
-          <a:bodyPr/>
-          <a:lstStyle/>
-          <a:p>
-            <a:fld id="{4DBC7FC8-25FB-FC45-8177-2B991DA6778C}" type="slidenum">
-              <a:rPr lang="en-US" smtClean="0"/>
-              <a:t>6</a:t>
-            </a:fld>
-            <a:endParaRPr lang="en-US" dirty="0"/>
+              <a:t>© 2018, FLL Tutorials, Last Edit 6/11/2018</a:t>
+            </a:r>
           </a:p>
         </p:txBody>
       </p:sp>
@@ -27492,7 +31473,7 @@
         </p:blipFill>
         <p:spPr>
           <a:xfrm>
-            <a:off x="3554123" y="4754440"/>
+            <a:off x="4379071" y="4340111"/>
             <a:ext cx="4460347" cy="1987142"/>
           </a:xfrm>
           <a:prstGeom prst="rect">
@@ -27591,14 +31572,14 @@
             <p:ph idx="1"/>
             <p:extLst>
               <p:ext uri="{D42A27DB-BD31-4B8C-83A1-F6EECF244321}">
-                <p14:modId xmlns:p14="http://schemas.microsoft.com/office/powerpoint/2010/main" val="710685433"/>
+                <p14:modId xmlns:p14="http://schemas.microsoft.com/office/powerpoint/2010/main" val="1615762095"/>
               </p:ext>
             </p:extLst>
           </p:nvPr>
         </p:nvGraphicFramePr>
         <p:xfrm>
-          <a:off x="457198" y="872924"/>
-          <a:ext cx="8245476" cy="4861560"/>
+          <a:off x="457198" y="1414503"/>
+          <a:ext cx="8245476" cy="4587240"/>
         </p:xfrm>
         <a:graphic>
           <a:graphicData uri="http://schemas.openxmlformats.org/drawingml/2006/table">
@@ -27968,31 +31949,8 @@
           <a:p>
             <a:r>
               <a:rPr lang="en-US"/>
-              <a:t>© 2018, FLL Tutorials, Last Edit 8/13/2016</a:t>
-            </a:r>
-          </a:p>
-        </p:txBody>
-      </p:sp>
-      <p:sp>
-        <p:nvSpPr>
-          <p:cNvPr id="5" name="Slide Number Placeholder 4"/>
-          <p:cNvSpPr>
-            <a:spLocks noGrp="1"/>
-          </p:cNvSpPr>
-          <p:nvPr>
-            <p:ph type="sldNum" sz="quarter" idx="12"/>
-          </p:nvPr>
-        </p:nvSpPr>
-        <p:spPr/>
-        <p:txBody>
-          <a:bodyPr/>
-          <a:lstStyle/>
-          <a:p>
-            <a:fld id="{4DBC7FC8-25FB-FC45-8177-2B991DA6778C}" type="slidenum">
-              <a:rPr lang="en-US" smtClean="0"/>
-              <a:t>7</a:t>
-            </a:fld>
-            <a:endParaRPr lang="en-US" dirty="0"/>
+              <a:t>© 2018, FLL Tutorials, Last Edit 6/11/2018</a:t>
+            </a:r>
           </a:p>
         </p:txBody>
       </p:sp>
@@ -28004,7 +31962,7 @@
         </p:nvSpPr>
         <p:spPr>
           <a:xfrm>
-            <a:off x="457197" y="5798918"/>
+            <a:off x="449261" y="6007437"/>
             <a:ext cx="8245477" cy="369332"/>
           </a:xfrm>
           <a:prstGeom prst="rect">
@@ -28099,31 +32057,8 @@
           <a:p>
             <a:r>
               <a:rPr lang="en-US"/>
-              <a:t>© 2018, FLL Tutorials, Last Edit 8/13/2016</a:t>
-            </a:r>
-          </a:p>
-        </p:txBody>
-      </p:sp>
-      <p:sp>
-        <p:nvSpPr>
-          <p:cNvPr id="5" name="Slide Number Placeholder 4"/>
-          <p:cNvSpPr>
-            <a:spLocks noGrp="1"/>
-          </p:cNvSpPr>
-          <p:nvPr>
-            <p:ph type="sldNum" sz="quarter" idx="12"/>
-          </p:nvPr>
-        </p:nvSpPr>
-        <p:spPr/>
-        <p:txBody>
-          <a:bodyPr/>
-          <a:lstStyle/>
-          <a:p>
-            <a:fld id="{4DBC7FC8-25FB-FC45-8177-2B991DA6778C}" type="slidenum">
-              <a:rPr lang="en-US" smtClean="0"/>
-              <a:t>8</a:t>
-            </a:fld>
-            <a:endParaRPr lang="en-US" dirty="0"/>
+              <a:t>© 2018, FLL Tutorials, Last Edit 6/11/2018</a:t>
+            </a:r>
           </a:p>
         </p:txBody>
       </p:sp>
@@ -28404,22 +32339,24 @@
           </a:xfrm>
         </p:spPr>
         <p:txBody>
-          <a:bodyPr/>
-          <a:lstStyle/>
-          <a:p>
-            <a:r>
-              <a:rPr lang="en-US" dirty="0"/>
+          <a:bodyPr>
+            <a:normAutofit/>
+          </a:bodyPr>
+          <a:lstStyle/>
+          <a:p>
+            <a:r>
+              <a:rPr lang="en-US" sz="2400" dirty="0"/>
               <a:t>Riding wheels can help your robot drive along walls. </a:t>
             </a:r>
           </a:p>
           <a:p>
             <a:r>
-              <a:rPr lang="en-US" dirty="0"/>
+              <a:rPr lang="en-US" sz="2400" dirty="0"/>
               <a:t>FLL Tip: Make sure that they are installed at the correct height for your table (at home or at competition). You might have either 2X4 or 2X3 wood as walls.</a:t>
             </a:r>
           </a:p>
           <a:p>
-            <a:endParaRPr lang="en-US" dirty="0"/>
+            <a:endParaRPr lang="en-US" sz="2400" dirty="0"/>
           </a:p>
         </p:txBody>
       </p:sp>
@@ -28440,31 +32377,8 @@
           <a:p>
             <a:r>
               <a:rPr lang="en-US"/>
-              <a:t>© 2018, FLL Tutorials, Last Edit 8/13/2016</a:t>
-            </a:r>
-          </a:p>
-        </p:txBody>
-      </p:sp>
-      <p:sp>
-        <p:nvSpPr>
-          <p:cNvPr id="5" name="Slide Number Placeholder 4"/>
-          <p:cNvSpPr>
-            <a:spLocks noGrp="1"/>
-          </p:cNvSpPr>
-          <p:nvPr>
-            <p:ph type="sldNum" sz="quarter" idx="12"/>
-          </p:nvPr>
-        </p:nvSpPr>
-        <p:spPr/>
-        <p:txBody>
-          <a:bodyPr/>
-          <a:lstStyle/>
-          <a:p>
-            <a:fld id="{4DBC7FC8-25FB-FC45-8177-2B991DA6778C}" type="slidenum">
-              <a:rPr lang="en-US" smtClean="0"/>
-              <a:t>9</a:t>
-            </a:fld>
-            <a:endParaRPr lang="en-US" dirty="0"/>
+              <a:t>© 2018, FLL Tutorials, Last Edit 6/11/2018</a:t>
+            </a:r>
           </a:p>
         </p:txBody>
       </p:sp>
@@ -30176,9 +34090,9 @@
 </file>
 
 <file path=ppt/theme/theme7.xml><?xml version="1.0" encoding="utf-8"?>
-<a:theme xmlns:a="http://schemas.openxmlformats.org/drawingml/2006/main" name="Office Theme">
+<a:theme xmlns:a="http://schemas.openxmlformats.org/drawingml/2006/main" name="Dividend">
   <a:themeElements>
-    <a:clrScheme name="Office">
+    <a:clrScheme name="Dividend">
       <a:dk1>
         <a:sysClr val="windowText" lastClr="000000"/>
       </a:dk1>
@@ -30186,81 +34100,48 @@
         <a:sysClr val="window" lastClr="FFFFFF"/>
       </a:lt1>
       <a:dk2>
-        <a:srgbClr val="1F497D"/>
+        <a:srgbClr val="3D3D3D"/>
       </a:dk2>
       <a:lt2>
-        <a:srgbClr val="EEECE1"/>
+        <a:srgbClr val="EBEBEB"/>
       </a:lt2>
       <a:accent1>
-        <a:srgbClr val="4F81BD"/>
+        <a:srgbClr val="1A3260"/>
       </a:accent1>
       <a:accent2>
-        <a:srgbClr val="C0504D"/>
+        <a:srgbClr val="4590B8"/>
       </a:accent2>
       <a:accent3>
-        <a:srgbClr val="9BBB59"/>
+        <a:srgbClr val="45CBE8"/>
       </a:accent3>
       <a:accent4>
-        <a:srgbClr val="8064A2"/>
+        <a:srgbClr val="969FA7"/>
       </a:accent4>
       <a:accent5>
-        <a:srgbClr val="4BACC6"/>
+        <a:srgbClr val="A2C777"/>
       </a:accent5>
       <a:accent6>
-        <a:srgbClr val="F79646"/>
+        <a:srgbClr val="42955F"/>
       </a:accent6>
       <a:hlink>
-        <a:srgbClr val="0000FF"/>
+        <a:srgbClr val="828282"/>
       </a:hlink>
       <a:folHlink>
-        <a:srgbClr val="800080"/>
+        <a:srgbClr val="A5A5A5"/>
       </a:folHlink>
     </a:clrScheme>
-    <a:fontScheme name="Office">
+    <a:fontScheme name="Dividend">
       <a:majorFont>
-        <a:latin typeface="Calibri"/>
+        <a:latin typeface="Gill Sans MT" panose="020B0502020104020203"/>
         <a:ea typeface=""/>
         <a:cs typeface=""/>
-        <a:font script="Jpan" typeface="ＭＳ Ｐゴシック"/>
-        <a:font script="Hang" typeface="맑은 고딕"/>
-        <a:font script="Hans" typeface="宋体"/>
-        <a:font script="Hant" typeface="新細明體"/>
-        <a:font script="Arab" typeface="Times New Roman"/>
-        <a:font script="Hebr" typeface="Times New Roman"/>
-        <a:font script="Thai" typeface="Angsana New"/>
-        <a:font script="Ethi" typeface="Nyala"/>
-        <a:font script="Beng" typeface="Vrinda"/>
-        <a:font script="Gujr" typeface="Shruti"/>
-        <a:font script="Khmr" typeface="MoolBoran"/>
-        <a:font script="Knda" typeface="Tunga"/>
-        <a:font script="Guru" typeface="Raavi"/>
-        <a:font script="Cans" typeface="Euphemia"/>
-        <a:font script="Cher" typeface="Plantagenet Cherokee"/>
-        <a:font script="Yiii" typeface="Microsoft Yi Baiti"/>
-        <a:font script="Tibt" typeface="Microsoft Himalaya"/>
-        <a:font script="Thaa" typeface="MV Boli"/>
-        <a:font script="Deva" typeface="Mangal"/>
-        <a:font script="Telu" typeface="Gautami"/>
-        <a:font script="Taml" typeface="Latha"/>
-        <a:font script="Syrc" typeface="Estrangelo Edessa"/>
-        <a:font script="Orya" typeface="Kalinga"/>
-        <a:font script="Mlym" typeface="Kartika"/>
-        <a:font script="Laoo" typeface="DokChampa"/>
-        <a:font script="Sinh" typeface="Iskoola Pota"/>
-        <a:font script="Mong" typeface="Mongolian Baiti"/>
-        <a:font script="Viet" typeface="Times New Roman"/>
-        <a:font script="Uigh" typeface="Microsoft Uighur"/>
-        <a:font script="Geor" typeface="Sylfaen"/>
-      </a:majorFont>
-      <a:minorFont>
-        <a:latin typeface="Calibri"/>
-        <a:ea typeface=""/>
-        <a:cs typeface=""/>
-        <a:font script="Jpan" typeface="ＭＳ Ｐゴシック"/>
-        <a:font script="Hang" typeface="맑은 고딕"/>
-        <a:font script="Hans" typeface="宋体"/>
-        <a:font script="Hant" typeface="新細明體"/>
-        <a:font script="Arab" typeface="Arial"/>
+        <a:font script="Grek" typeface="Corbel"/>
+        <a:font script="Cyrl" typeface="Corbel"/>
+        <a:font script="Jpan" typeface="HGｺﾞｼｯｸE"/>
+        <a:font script="Hang" typeface="휴먼매직체"/>
+        <a:font script="Hans" typeface="华文中宋"/>
+        <a:font script="Hant" typeface="微軟正黑體"/>
+        <a:font script="Arab" typeface="Majalla UI"/>
         <a:font script="Hebr" typeface="Arial"/>
         <a:font script="Thai" typeface="Cordia New"/>
         <a:font script="Ethi" typeface="Nyala"/>
@@ -30283,12 +34164,49 @@
         <a:font script="Laoo" typeface="DokChampa"/>
         <a:font script="Sinh" typeface="Iskoola Pota"/>
         <a:font script="Mong" typeface="Mongolian Baiti"/>
-        <a:font script="Viet" typeface="Arial"/>
+        <a:font script="Viet" typeface="Tahoma"/>
+        <a:font script="Uigh" typeface="Microsoft Uighur"/>
+        <a:font script="Geor" typeface="Sylfaen"/>
+      </a:majorFont>
+      <a:minorFont>
+        <a:latin typeface="Gill Sans MT" panose="020B0502020104020203"/>
+        <a:ea typeface=""/>
+        <a:cs typeface=""/>
+        <a:font script="Grek" typeface="Corbel"/>
+        <a:font script="Cyrl" typeface="Corbel"/>
+        <a:font script="Jpan" typeface="HGｺﾞｼｯｸE"/>
+        <a:font script="Hang" typeface="휴먼매직체"/>
+        <a:font script="Hans" typeface="华文中宋"/>
+        <a:font script="Hant" typeface="微軟正黑體"/>
+        <a:font script="Arab" typeface="Majalla UI"/>
+        <a:font script="Hebr" typeface="Arial"/>
+        <a:font script="Thai" typeface="Cordia New"/>
+        <a:font script="Ethi" typeface="Nyala"/>
+        <a:font script="Beng" typeface="Vrinda"/>
+        <a:font script="Gujr" typeface="Shruti"/>
+        <a:font script="Khmr" typeface="DaunPenh"/>
+        <a:font script="Knda" typeface="Tunga"/>
+        <a:font script="Guru" typeface="Raavi"/>
+        <a:font script="Cans" typeface="Euphemia"/>
+        <a:font script="Cher" typeface="Plantagenet Cherokee"/>
+        <a:font script="Yiii" typeface="Microsoft Yi Baiti"/>
+        <a:font script="Tibt" typeface="Microsoft Himalaya"/>
+        <a:font script="Thaa" typeface="MV Boli"/>
+        <a:font script="Deva" typeface="Mangal"/>
+        <a:font script="Telu" typeface="Gautami"/>
+        <a:font script="Taml" typeface="Latha"/>
+        <a:font script="Syrc" typeface="Estrangelo Edessa"/>
+        <a:font script="Orya" typeface="Kalinga"/>
+        <a:font script="Mlym" typeface="Kartika"/>
+        <a:font script="Laoo" typeface="DokChampa"/>
+        <a:font script="Sinh" typeface="Iskoola Pota"/>
+        <a:font script="Mong" typeface="Mongolian Baiti"/>
+        <a:font script="Viet" typeface="Tahoma"/>
         <a:font script="Uigh" typeface="Microsoft Uighur"/>
         <a:font script="Geor" typeface="Sylfaen"/>
       </a:minorFont>
     </a:fontScheme>
-    <a:fmtScheme name="Office">
+    <a:fmtScheme name="Dividend">
       <a:fillStyleLst>
         <a:solidFill>
           <a:schemeClr val="phClr"/>
@@ -30297,62 +34215,54 @@
           <a:gsLst>
             <a:gs pos="0">
               <a:schemeClr val="phClr">
-                <a:tint val="50000"/>
-                <a:satMod val="300000"/>
-              </a:schemeClr>
-            </a:gs>
-            <a:gs pos="35000">
-              <a:schemeClr val="phClr">
-                <a:tint val="37000"/>
-                <a:satMod val="300000"/>
+                <a:tint val="68000"/>
+                <a:alpha val="90000"/>
+                <a:lumMod val="100000"/>
               </a:schemeClr>
             </a:gs>
             <a:gs pos="100000">
               <a:schemeClr val="phClr">
-                <a:tint val="15000"/>
-                <a:satMod val="350000"/>
+                <a:tint val="90000"/>
+                <a:lumMod val="95000"/>
               </a:schemeClr>
             </a:gs>
           </a:gsLst>
-          <a:lin ang="16200000" scaled="1"/>
+          <a:lin ang="5400000" scaled="1"/>
         </a:gradFill>
         <a:gradFill rotWithShape="1">
           <a:gsLst>
             <a:gs pos="0">
               <a:schemeClr val="phClr">
-                <a:tint val="100000"/>
-                <a:shade val="100000"/>
-                <a:satMod val="130000"/>
+                <a:tint val="98000"/>
+                <a:lumMod val="110000"/>
               </a:schemeClr>
             </a:gs>
-            <a:gs pos="100000">
+            <a:gs pos="84000">
               <a:schemeClr val="phClr">
-                <a:tint val="50000"/>
-                <a:shade val="100000"/>
-                <a:satMod val="350000"/>
+                <a:shade val="90000"/>
+                <a:lumMod val="88000"/>
               </a:schemeClr>
             </a:gs>
           </a:gsLst>
-          <a:lin ang="16200000" scaled="0"/>
+          <a:lin ang="5400000" scaled="0"/>
         </a:gradFill>
       </a:fillStyleLst>
       <a:lnStyleLst>
-        <a:ln w="9525" cap="flat" cmpd="sng" algn="ctr">
+        <a:ln w="12700" cap="rnd" cmpd="sng" algn="ctr">
           <a:solidFill>
             <a:schemeClr val="phClr">
-              <a:shade val="95000"/>
-              <a:satMod val="105000"/>
+              <a:lumMod val="90000"/>
             </a:schemeClr>
           </a:solidFill>
           <a:prstDash val="solid"/>
         </a:ln>
-        <a:ln w="25400" cap="flat" cmpd="sng" algn="ctr">
+        <a:ln w="22225" cap="rnd" cmpd="sng" algn="ctr">
           <a:solidFill>
             <a:schemeClr val="phClr"/>
           </a:solidFill>
           <a:prstDash val="solid"/>
         </a:ln>
-        <a:ln w="38100" cap="flat" cmpd="sng" algn="ctr">
+        <a:ln w="25400" cap="rnd" cmpd="sng" algn="ctr">
           <a:solidFill>
             <a:schemeClr val="phClr"/>
           </a:solidFill>
@@ -30361,28 +34271,22 @@
       </a:lnStyleLst>
       <a:effectStyleLst>
         <a:effectStyle>
+          <a:effectLst/>
+        </a:effectStyle>
+        <a:effectStyle>
           <a:effectLst>
-            <a:outerShdw blurRad="40000" dist="20000" dir="5400000" rotWithShape="0">
+            <a:outerShdw blurRad="38100" dist="25400" dir="5400000" rotWithShape="0">
               <a:srgbClr val="000000">
-                <a:alpha val="38000"/>
+                <a:alpha val="55000"/>
               </a:srgbClr>
             </a:outerShdw>
           </a:effectLst>
         </a:effectStyle>
         <a:effectStyle>
           <a:effectLst>
-            <a:outerShdw blurRad="40000" dist="23000" dir="5400000" rotWithShape="0">
+            <a:outerShdw blurRad="88900" dist="38100" dir="5040000" rotWithShape="0">
               <a:srgbClr val="000000">
-                <a:alpha val="35000"/>
-              </a:srgbClr>
-            </a:outerShdw>
-          </a:effectLst>
-        </a:effectStyle>
-        <a:effectStyle>
-          <a:effectLst>
-            <a:outerShdw blurRad="40000" dist="23000" dir="5400000" rotWithShape="0">
-              <a:srgbClr val="000000">
-                <a:alpha val="35000"/>
+                <a:alpha val="60000"/>
               </a:srgbClr>
             </a:outerShdw>
           </a:effectLst>
@@ -30390,12 +34294,12 @@
             <a:camera prst="orthographicFront">
               <a:rot lat="0" lon="0" rev="0"/>
             </a:camera>
-            <a:lightRig rig="threePt" dir="t">
+            <a:lightRig rig="threePt" dir="tl">
               <a:rot lat="0" lon="0" rev="1200000"/>
             </a:lightRig>
           </a:scene3d>
           <a:sp3d>
-            <a:bevelT w="63500" h="25400"/>
+            <a:bevelT w="38100" h="50800"/>
           </a:sp3d>
         </a:effectStyle>
       </a:effectStyleLst>
@@ -30407,91 +34311,50 @@
           <a:gsLst>
             <a:gs pos="0">
               <a:schemeClr val="phClr">
-                <a:tint val="40000"/>
-                <a:satMod val="350000"/>
+                <a:tint val="90000"/>
+                <a:lumMod val="110000"/>
               </a:schemeClr>
             </a:gs>
-            <a:gs pos="40000">
+            <a:gs pos="88000">
               <a:schemeClr val="phClr">
-                <a:tint val="45000"/>
-                <a:shade val="99000"/>
-                <a:satMod val="350000"/>
-              </a:schemeClr>
-            </a:gs>
-            <a:gs pos="100000">
-              <a:schemeClr val="phClr">
-                <a:shade val="20000"/>
-                <a:satMod val="255000"/>
+                <a:shade val="94000"/>
+                <a:satMod val="110000"/>
+                <a:lumMod val="88000"/>
               </a:schemeClr>
             </a:gs>
           </a:gsLst>
-          <a:path path="circle">
-            <a:fillToRect l="50000" t="-80000" r="50000" b="180000"/>
-          </a:path>
+          <a:lin ang="5400000" scaled="0"/>
         </a:gradFill>
         <a:gradFill rotWithShape="1">
           <a:gsLst>
             <a:gs pos="0">
               <a:schemeClr val="phClr">
-                <a:tint val="80000"/>
-                <a:satMod val="300000"/>
+                <a:tint val="90000"/>
+                <a:lumMod val="110000"/>
               </a:schemeClr>
             </a:gs>
             <a:gs pos="100000">
               <a:schemeClr val="phClr">
-                <a:shade val="30000"/>
-                <a:satMod val="200000"/>
+                <a:shade val="98000"/>
+                <a:satMod val="110000"/>
+                <a:lumMod val="86000"/>
               </a:schemeClr>
             </a:gs>
           </a:gsLst>
           <a:path path="circle">
-            <a:fillToRect l="50000" t="50000" r="50000" b="50000"/>
+            <a:fillToRect l="50000" t="50000" r="100000" b="100000"/>
           </a:path>
         </a:gradFill>
       </a:bgFillStyleLst>
     </a:fmtScheme>
   </a:themeElements>
-  <a:objectDefaults>
-    <a:spDef>
-      <a:spPr/>
-      <a:bodyPr/>
-      <a:lstStyle/>
-      <a:style>
-        <a:lnRef idx="1">
-          <a:schemeClr val="accent1"/>
-        </a:lnRef>
-        <a:fillRef idx="3">
-          <a:schemeClr val="accent1"/>
-        </a:fillRef>
-        <a:effectRef idx="2">
-          <a:schemeClr val="accent1"/>
-        </a:effectRef>
-        <a:fontRef idx="minor">
-          <a:schemeClr val="lt1"/>
-        </a:fontRef>
-      </a:style>
-    </a:spDef>
-    <a:lnDef>
-      <a:spPr/>
-      <a:bodyPr/>
-      <a:lstStyle/>
-      <a:style>
-        <a:lnRef idx="2">
-          <a:schemeClr val="accent1"/>
-        </a:lnRef>
-        <a:fillRef idx="0">
-          <a:schemeClr val="accent1"/>
-        </a:fillRef>
-        <a:effectRef idx="1">
-          <a:schemeClr val="accent1"/>
-        </a:effectRef>
-        <a:fontRef idx="minor">
-          <a:schemeClr val="tx1"/>
-        </a:fontRef>
-      </a:style>
-    </a:lnDef>
-  </a:objectDefaults>
+  <a:objectDefaults/>
   <a:extraClrSchemeLst/>
+  <a:extLst>
+    <a:ext uri="{05A4C25C-085E-4340-85A3-A5531E510DB2}">
+      <thm15:themeFamily xmlns:thm15="http://schemas.microsoft.com/office/thememl/2012/main" name="EngineeringJournal" id="{97721FB4-21DC-6D4C-AC10-5E4545120761}" vid="{EB585347-F0B4-B74F-BF80-5185492EFC16}"/>
+    </a:ext>
+  </a:extLst>
 </a:theme>
 </file>
 
@@ -30813,4 +34676,324 @@
   </a:objectDefaults>
   <a:extraClrSchemeLst/>
 </a:theme>
+</file>
+
+<file path=ppt/theme/theme9.xml><?xml version="1.0" encoding="utf-8"?>
+<a:theme xmlns:a="http://schemas.openxmlformats.org/drawingml/2006/main" name="Office Theme">
+  <a:themeElements>
+    <a:clrScheme name="Office">
+      <a:dk1>
+        <a:sysClr val="windowText" lastClr="000000"/>
+      </a:dk1>
+      <a:lt1>
+        <a:sysClr val="window" lastClr="FFFFFF"/>
+      </a:lt1>
+      <a:dk2>
+        <a:srgbClr val="1F497D"/>
+      </a:dk2>
+      <a:lt2>
+        <a:srgbClr val="EEECE1"/>
+      </a:lt2>
+      <a:accent1>
+        <a:srgbClr val="4F81BD"/>
+      </a:accent1>
+      <a:accent2>
+        <a:srgbClr val="C0504D"/>
+      </a:accent2>
+      <a:accent3>
+        <a:srgbClr val="9BBB59"/>
+      </a:accent3>
+      <a:accent4>
+        <a:srgbClr val="8064A2"/>
+      </a:accent4>
+      <a:accent5>
+        <a:srgbClr val="4BACC6"/>
+      </a:accent5>
+      <a:accent6>
+        <a:srgbClr val="F79646"/>
+      </a:accent6>
+      <a:hlink>
+        <a:srgbClr val="0000FF"/>
+      </a:hlink>
+      <a:folHlink>
+        <a:srgbClr val="800080"/>
+      </a:folHlink>
+    </a:clrScheme>
+    <a:fontScheme name="Office">
+      <a:majorFont>
+        <a:latin typeface="Calibri"/>
+        <a:ea typeface=""/>
+        <a:cs typeface=""/>
+        <a:font script="Jpan" typeface="ＭＳ Ｐゴシック"/>
+        <a:font script="Hang" typeface="맑은 고딕"/>
+        <a:font script="Hans" typeface="宋体"/>
+        <a:font script="Hant" typeface="新細明體"/>
+        <a:font script="Arab" typeface="Times New Roman"/>
+        <a:font script="Hebr" typeface="Times New Roman"/>
+        <a:font script="Thai" typeface="Angsana New"/>
+        <a:font script="Ethi" typeface="Nyala"/>
+        <a:font script="Beng" typeface="Vrinda"/>
+        <a:font script="Gujr" typeface="Shruti"/>
+        <a:font script="Khmr" typeface="MoolBoran"/>
+        <a:font script="Knda" typeface="Tunga"/>
+        <a:font script="Guru" typeface="Raavi"/>
+        <a:font script="Cans" typeface="Euphemia"/>
+        <a:font script="Cher" typeface="Plantagenet Cherokee"/>
+        <a:font script="Yiii" typeface="Microsoft Yi Baiti"/>
+        <a:font script="Tibt" typeface="Microsoft Himalaya"/>
+        <a:font script="Thaa" typeface="MV Boli"/>
+        <a:font script="Deva" typeface="Mangal"/>
+        <a:font script="Telu" typeface="Gautami"/>
+        <a:font script="Taml" typeface="Latha"/>
+        <a:font script="Syrc" typeface="Estrangelo Edessa"/>
+        <a:font script="Orya" typeface="Kalinga"/>
+        <a:font script="Mlym" typeface="Kartika"/>
+        <a:font script="Laoo" typeface="DokChampa"/>
+        <a:font script="Sinh" typeface="Iskoola Pota"/>
+        <a:font script="Mong" typeface="Mongolian Baiti"/>
+        <a:font script="Viet" typeface="Times New Roman"/>
+        <a:font script="Uigh" typeface="Microsoft Uighur"/>
+        <a:font script="Geor" typeface="Sylfaen"/>
+      </a:majorFont>
+      <a:minorFont>
+        <a:latin typeface="Calibri"/>
+        <a:ea typeface=""/>
+        <a:cs typeface=""/>
+        <a:font script="Jpan" typeface="ＭＳ Ｐゴシック"/>
+        <a:font script="Hang" typeface="맑은 고딕"/>
+        <a:font script="Hans" typeface="宋体"/>
+        <a:font script="Hant" typeface="新細明體"/>
+        <a:font script="Arab" typeface="Arial"/>
+        <a:font script="Hebr" typeface="Arial"/>
+        <a:font script="Thai" typeface="Cordia New"/>
+        <a:font script="Ethi" typeface="Nyala"/>
+        <a:font script="Beng" typeface="Vrinda"/>
+        <a:font script="Gujr" typeface="Shruti"/>
+        <a:font script="Khmr" typeface="DaunPenh"/>
+        <a:font script="Knda" typeface="Tunga"/>
+        <a:font script="Guru" typeface="Raavi"/>
+        <a:font script="Cans" typeface="Euphemia"/>
+        <a:font script="Cher" typeface="Plantagenet Cherokee"/>
+        <a:font script="Yiii" typeface="Microsoft Yi Baiti"/>
+        <a:font script="Tibt" typeface="Microsoft Himalaya"/>
+        <a:font script="Thaa" typeface="MV Boli"/>
+        <a:font script="Deva" typeface="Mangal"/>
+        <a:font script="Telu" typeface="Gautami"/>
+        <a:font script="Taml" typeface="Latha"/>
+        <a:font script="Syrc" typeface="Estrangelo Edessa"/>
+        <a:font script="Orya" typeface="Kalinga"/>
+        <a:font script="Mlym" typeface="Kartika"/>
+        <a:font script="Laoo" typeface="DokChampa"/>
+        <a:font script="Sinh" typeface="Iskoola Pota"/>
+        <a:font script="Mong" typeface="Mongolian Baiti"/>
+        <a:font script="Viet" typeface="Arial"/>
+        <a:font script="Uigh" typeface="Microsoft Uighur"/>
+        <a:font script="Geor" typeface="Sylfaen"/>
+      </a:minorFont>
+    </a:fontScheme>
+    <a:fmtScheme name="Office">
+      <a:fillStyleLst>
+        <a:solidFill>
+          <a:schemeClr val="phClr"/>
+        </a:solidFill>
+        <a:gradFill rotWithShape="1">
+          <a:gsLst>
+            <a:gs pos="0">
+              <a:schemeClr val="phClr">
+                <a:tint val="50000"/>
+                <a:satMod val="300000"/>
+              </a:schemeClr>
+            </a:gs>
+            <a:gs pos="35000">
+              <a:schemeClr val="phClr">
+                <a:tint val="37000"/>
+                <a:satMod val="300000"/>
+              </a:schemeClr>
+            </a:gs>
+            <a:gs pos="100000">
+              <a:schemeClr val="phClr">
+                <a:tint val="15000"/>
+                <a:satMod val="350000"/>
+              </a:schemeClr>
+            </a:gs>
+          </a:gsLst>
+          <a:lin ang="16200000" scaled="1"/>
+        </a:gradFill>
+        <a:gradFill rotWithShape="1">
+          <a:gsLst>
+            <a:gs pos="0">
+              <a:schemeClr val="phClr">
+                <a:tint val="100000"/>
+                <a:shade val="100000"/>
+                <a:satMod val="130000"/>
+              </a:schemeClr>
+            </a:gs>
+            <a:gs pos="100000">
+              <a:schemeClr val="phClr">
+                <a:tint val="50000"/>
+                <a:shade val="100000"/>
+                <a:satMod val="350000"/>
+              </a:schemeClr>
+            </a:gs>
+          </a:gsLst>
+          <a:lin ang="16200000" scaled="0"/>
+        </a:gradFill>
+      </a:fillStyleLst>
+      <a:lnStyleLst>
+        <a:ln w="9525" cap="flat" cmpd="sng" algn="ctr">
+          <a:solidFill>
+            <a:schemeClr val="phClr">
+              <a:shade val="95000"/>
+              <a:satMod val="105000"/>
+            </a:schemeClr>
+          </a:solidFill>
+          <a:prstDash val="solid"/>
+        </a:ln>
+        <a:ln w="25400" cap="flat" cmpd="sng" algn="ctr">
+          <a:solidFill>
+            <a:schemeClr val="phClr"/>
+          </a:solidFill>
+          <a:prstDash val="solid"/>
+        </a:ln>
+        <a:ln w="38100" cap="flat" cmpd="sng" algn="ctr">
+          <a:solidFill>
+            <a:schemeClr val="phClr"/>
+          </a:solidFill>
+          <a:prstDash val="solid"/>
+        </a:ln>
+      </a:lnStyleLst>
+      <a:effectStyleLst>
+        <a:effectStyle>
+          <a:effectLst>
+            <a:outerShdw blurRad="40000" dist="20000" dir="5400000" rotWithShape="0">
+              <a:srgbClr val="000000">
+                <a:alpha val="38000"/>
+              </a:srgbClr>
+            </a:outerShdw>
+          </a:effectLst>
+        </a:effectStyle>
+        <a:effectStyle>
+          <a:effectLst>
+            <a:outerShdw blurRad="40000" dist="23000" dir="5400000" rotWithShape="0">
+              <a:srgbClr val="000000">
+                <a:alpha val="35000"/>
+              </a:srgbClr>
+            </a:outerShdw>
+          </a:effectLst>
+        </a:effectStyle>
+        <a:effectStyle>
+          <a:effectLst>
+            <a:outerShdw blurRad="40000" dist="23000" dir="5400000" rotWithShape="0">
+              <a:srgbClr val="000000">
+                <a:alpha val="35000"/>
+              </a:srgbClr>
+            </a:outerShdw>
+          </a:effectLst>
+          <a:scene3d>
+            <a:camera prst="orthographicFront">
+              <a:rot lat="0" lon="0" rev="0"/>
+            </a:camera>
+            <a:lightRig rig="threePt" dir="t">
+              <a:rot lat="0" lon="0" rev="1200000"/>
+            </a:lightRig>
+          </a:scene3d>
+          <a:sp3d>
+            <a:bevelT w="63500" h="25400"/>
+          </a:sp3d>
+        </a:effectStyle>
+      </a:effectStyleLst>
+      <a:bgFillStyleLst>
+        <a:solidFill>
+          <a:schemeClr val="phClr"/>
+        </a:solidFill>
+        <a:gradFill rotWithShape="1">
+          <a:gsLst>
+            <a:gs pos="0">
+              <a:schemeClr val="phClr">
+                <a:tint val="40000"/>
+                <a:satMod val="350000"/>
+              </a:schemeClr>
+            </a:gs>
+            <a:gs pos="40000">
+              <a:schemeClr val="phClr">
+                <a:tint val="45000"/>
+                <a:shade val="99000"/>
+                <a:satMod val="350000"/>
+              </a:schemeClr>
+            </a:gs>
+            <a:gs pos="100000">
+              <a:schemeClr val="phClr">
+                <a:shade val="20000"/>
+                <a:satMod val="255000"/>
+              </a:schemeClr>
+            </a:gs>
+          </a:gsLst>
+          <a:path path="circle">
+            <a:fillToRect l="50000" t="-80000" r="50000" b="180000"/>
+          </a:path>
+        </a:gradFill>
+        <a:gradFill rotWithShape="1">
+          <a:gsLst>
+            <a:gs pos="0">
+              <a:schemeClr val="phClr">
+                <a:tint val="80000"/>
+                <a:satMod val="300000"/>
+              </a:schemeClr>
+            </a:gs>
+            <a:gs pos="100000">
+              <a:schemeClr val="phClr">
+                <a:shade val="30000"/>
+                <a:satMod val="200000"/>
+              </a:schemeClr>
+            </a:gs>
+          </a:gsLst>
+          <a:path path="circle">
+            <a:fillToRect l="50000" t="50000" r="50000" b="50000"/>
+          </a:path>
+        </a:gradFill>
+      </a:bgFillStyleLst>
+    </a:fmtScheme>
+  </a:themeElements>
+  <a:objectDefaults>
+    <a:spDef>
+      <a:spPr/>
+      <a:bodyPr/>
+      <a:lstStyle/>
+      <a:style>
+        <a:lnRef idx="1">
+          <a:schemeClr val="accent1"/>
+        </a:lnRef>
+        <a:fillRef idx="3">
+          <a:schemeClr val="accent1"/>
+        </a:fillRef>
+        <a:effectRef idx="2">
+          <a:schemeClr val="accent1"/>
+        </a:effectRef>
+        <a:fontRef idx="minor">
+          <a:schemeClr val="lt1"/>
+        </a:fontRef>
+      </a:style>
+    </a:spDef>
+    <a:lnDef>
+      <a:spPr/>
+      <a:bodyPr/>
+      <a:lstStyle/>
+      <a:style>
+        <a:lnRef idx="2">
+          <a:schemeClr val="accent1"/>
+        </a:lnRef>
+        <a:fillRef idx="0">
+          <a:schemeClr val="accent1"/>
+        </a:fillRef>
+        <a:effectRef idx="1">
+          <a:schemeClr val="accent1"/>
+        </a:effectRef>
+        <a:fontRef idx="minor">
+          <a:schemeClr val="tx1"/>
+        </a:fontRef>
+      </a:style>
+    </a:lnDef>
+  </a:objectDefaults>
+  <a:extraClrSchemeLst/>
+</a:theme>
 </file>
--- a/translations/en-us/RobotGame/Wheels.pptx
+++ b/translations/en-us/RobotGame/Wheels.pptx
@@ -11,23 +11,25 @@
     <p:sldMasterId id="2147483907" r:id="rId7"/>
   </p:sldMasterIdLst>
   <p:notesMasterIdLst>
-    <p:notesMasterId r:id="rId19"/>
+    <p:notesMasterId r:id="rId21"/>
   </p:notesMasterIdLst>
   <p:handoutMasterIdLst>
-    <p:handoutMasterId r:id="rId20"/>
+    <p:handoutMasterId r:id="rId22"/>
   </p:handoutMasterIdLst>
   <p:sldIdLst>
     <p:sldId id="289" r:id="rId8"/>
     <p:sldId id="310" r:id="rId9"/>
-    <p:sldId id="312" r:id="rId10"/>
-    <p:sldId id="317" r:id="rId11"/>
-    <p:sldId id="306" r:id="rId12"/>
-    <p:sldId id="313" r:id="rId13"/>
-    <p:sldId id="316" r:id="rId14"/>
-    <p:sldId id="307" r:id="rId15"/>
-    <p:sldId id="309" r:id="rId16"/>
-    <p:sldId id="314" r:id="rId17"/>
-    <p:sldId id="274" r:id="rId18"/>
+    <p:sldId id="318" r:id="rId10"/>
+    <p:sldId id="312" r:id="rId11"/>
+    <p:sldId id="317" r:id="rId12"/>
+    <p:sldId id="306" r:id="rId13"/>
+    <p:sldId id="313" r:id="rId14"/>
+    <p:sldId id="316" r:id="rId15"/>
+    <p:sldId id="307" r:id="rId16"/>
+    <p:sldId id="320" r:id="rId17"/>
+    <p:sldId id="309" r:id="rId18"/>
+    <p:sldId id="314" r:id="rId19"/>
+    <p:sldId id="274" r:id="rId20"/>
   </p:sldIdLst>
   <p:sldSz cx="9144000" cy="6858000" type="screen4x3"/>
   <p:notesSz cx="6858000" cy="9144000"/>
@@ -227,7 +229,7 @@
           <a:p>
             <a:fld id="{E354B44E-40A3-0E46-B16A-9BF1250A248B}" type="datetimeFigureOut">
               <a:rPr lang="en-US" smtClean="0"/>
-              <a:t>6/11/18</a:t>
+              <a:t>5/29/23</a:t>
             </a:fld>
             <a:endParaRPr lang="en-US"/>
           </a:p>
@@ -393,7 +395,7 @@
           <a:p>
             <a:fld id="{C86AD16C-2DB4-6642-BAD4-9ED973A087A0}" type="datetimeFigureOut">
               <a:rPr lang="en-US" smtClean="0"/>
-              <a:t>6/11/18</a:t>
+              <a:t>5/29/23</a:t>
             </a:fld>
             <a:endParaRPr lang="en-US"/>
           </a:p>
@@ -726,7 +728,7 @@
           <a:p>
             <a:fld id="{1E5BF589-3978-3C45-966B-D7B7A71F2A02}" type="slidenum">
               <a:rPr lang="en-US" smtClean="0"/>
-              <a:t>5</a:t>
+              <a:t>6</a:t>
             </a:fld>
             <a:endParaRPr lang="en-US"/>
           </a:p>
@@ -810,7 +812,7 @@
           <a:p>
             <a:fld id="{1E5BF589-3978-3C45-966B-D7B7A71F2A02}" type="slidenum">
               <a:rPr lang="en-US" smtClean="0"/>
-              <a:t>8</a:t>
+              <a:t>9</a:t>
             </a:fld>
             <a:endParaRPr lang="en-US"/>
           </a:p>
@@ -894,7 +896,7 @@
           <a:p>
             <a:fld id="{1E5BF589-3978-3C45-966B-D7B7A71F2A02}" type="slidenum">
               <a:rPr lang="en-US" smtClean="0"/>
-              <a:t>11</a:t>
+              <a:t>13</a:t>
             </a:fld>
             <a:endParaRPr lang="en-US"/>
           </a:p>
@@ -1104,9 +1106,9 @@
           <a:bodyPr/>
           <a:lstStyle/>
           <a:p>
-            <a:fld id="{9349420B-CBCD-48AD-8221-4407012B0A7B}" type="datetime1">
+            <a:fld id="{BE13AA75-777C-5446-9C80-E3F63177E6C3}" type="datetime1">
               <a:rPr lang="en-US" smtClean="0"/>
-              <a:t>6/11/18</a:t>
+              <a:t>5/29/23</a:t>
             </a:fld>
             <a:endParaRPr lang="en-US"/>
           </a:p>
@@ -1129,7 +1131,7 @@
           <a:p>
             <a:r>
               <a:rPr lang="en-US"/>
-              <a:t>© 2018, FLL Tutorials, Last Edit 6/11/2018</a:t>
+              <a:t>© 2023, FLLTutorials.com, Last Edit 5/29/2023</a:t>
             </a:r>
           </a:p>
         </p:txBody>
@@ -1700,9 +1702,9 @@
           <a:bodyPr/>
           <a:lstStyle/>
           <a:p>
-            <a:fld id="{082C4CAA-63A0-4455-B8AB-21EAE0327397}" type="datetime1">
+            <a:fld id="{B525DBBD-D005-3342-9C2D-BF5CABF12CBC}" type="datetime1">
               <a:rPr lang="en-US" smtClean="0"/>
-              <a:t>6/11/18</a:t>
+              <a:t>5/29/23</a:t>
             </a:fld>
             <a:endParaRPr lang="en-US"/>
           </a:p>
@@ -1725,7 +1727,7 @@
           <a:p>
             <a:r>
               <a:rPr lang="en-US"/>
-              <a:t>© 2018, FLL Tutorials, Last Edit 6/11/2018</a:t>
+              <a:t>© 2023, FLLTutorials.com, Last Edit 5/29/2023</a:t>
             </a:r>
           </a:p>
         </p:txBody>
@@ -1881,9 +1883,9 @@
           <a:bodyPr/>
           <a:lstStyle/>
           <a:p>
-            <a:fld id="{A80DA3FF-47A2-4D8A-A4FC-E2AC383B00AB}" type="datetime1">
+            <a:fld id="{EBE0B4DC-88B4-5749-A078-58F76A98206F}" type="datetime1">
               <a:rPr lang="en-US" smtClean="0"/>
-              <a:t>6/11/18</a:t>
+              <a:t>5/29/23</a:t>
             </a:fld>
             <a:endParaRPr lang="en-US"/>
           </a:p>
@@ -1906,7 +1908,7 @@
           <a:p>
             <a:r>
               <a:rPr lang="en-US"/>
-              <a:t>© 2018, FLL Tutorials, Last Edit 6/11/2018</a:t>
+              <a:t>© 2023, FLLTutorials.com, Last Edit 5/29/2023</a:t>
             </a:r>
           </a:p>
         </p:txBody>
@@ -2097,9 +2099,9 @@
           <a:bodyPr/>
           <a:lstStyle/>
           <a:p>
-            <a:fld id="{23B00F84-3686-4EF6-942C-DDBC98C56970}" type="datetime1">
+            <a:fld id="{7F1B1F43-D26A-F441-B362-59905CB87787}" type="datetime1">
               <a:rPr lang="en-US" smtClean="0"/>
-              <a:t>6/11/18</a:t>
+              <a:t>5/29/23</a:t>
             </a:fld>
             <a:endParaRPr lang="en-US"/>
           </a:p>
@@ -2127,7 +2129,7 @@
           <a:p>
             <a:r>
               <a:rPr lang="en-US"/>
-              <a:t>© 2018, FLL Tutorials, Last Edit 6/11/2018</a:t>
+              <a:t>© 2023, FLLTutorials.com, Last Edit 5/29/2023</a:t>
             </a:r>
           </a:p>
         </p:txBody>
@@ -2941,9 +2943,9 @@
           <a:bodyPr/>
           <a:lstStyle/>
           <a:p>
-            <a:fld id="{ACF76208-3E9C-47FB-950A-94EF3996A466}" type="datetime1">
+            <a:fld id="{0A684A2E-2B35-0947-8756-6BF16956921E}" type="datetime1">
               <a:rPr lang="en-US" smtClean="0"/>
-              <a:t>6/11/18</a:t>
+              <a:t>5/29/23</a:t>
             </a:fld>
             <a:endParaRPr lang="en-US"/>
           </a:p>
@@ -2966,7 +2968,7 @@
           <a:p>
             <a:r>
               <a:rPr lang="en-US"/>
-              <a:t>© 2018, FLL Tutorials, Last Edit 6/11/2018</a:t>
+              <a:t>© 2023, FLLTutorials.com, Last Edit 5/29/2023</a:t>
             </a:r>
           </a:p>
         </p:txBody>
@@ -3206,9 +3208,9 @@
           <a:bodyPr/>
           <a:lstStyle/>
           <a:p>
-            <a:fld id="{7C8B358B-AB12-4293-AF89-186F361D77EF}" type="datetime1">
+            <a:fld id="{7C910CFA-EA41-BE4F-8CB0-BCE7D425E502}" type="datetime1">
               <a:rPr lang="en-US" smtClean="0"/>
-              <a:t>6/11/18</a:t>
+              <a:t>5/29/23</a:t>
             </a:fld>
             <a:endParaRPr lang="en-US"/>
           </a:p>
@@ -3262,7 +3264,7 @@
           <a:p>
             <a:r>
               <a:rPr lang="en-US"/>
-              <a:t>© 2018, FLL Tutorials, Last Edit 6/11/2018</a:t>
+              <a:t>© 2023, FLLTutorials.com, Last Edit 5/29/2023</a:t>
             </a:r>
           </a:p>
         </p:txBody>
@@ -3509,9 +3511,9 @@
           <a:bodyPr/>
           <a:lstStyle/>
           <a:p>
-            <a:fld id="{3E79AB4B-BE55-4EEF-8CC0-35D3D0DD6126}" type="datetime1">
+            <a:fld id="{D5A292B5-2DD5-984A-B6FB-13875C909105}" type="datetime1">
               <a:rPr lang="en-US" smtClean="0"/>
-              <a:t>6/11/18</a:t>
+              <a:t>5/29/23</a:t>
             </a:fld>
             <a:endParaRPr lang="en-US"/>
           </a:p>
@@ -3534,7 +3536,7 @@
           <a:p>
             <a:r>
               <a:rPr lang="en-US"/>
-              <a:t>© 2018, FLL Tutorials, Last Edit 6/11/2018</a:t>
+              <a:t>© 2023, FLLTutorials.com, Last Edit 5/29/2023</a:t>
             </a:r>
           </a:p>
         </p:txBody>
@@ -3963,9 +3965,9 @@
           <a:bodyPr/>
           <a:lstStyle/>
           <a:p>
-            <a:fld id="{320DA002-79C5-4587-8D53-29AFA0893464}" type="datetime1">
+            <a:fld id="{6A1C5BA1-0448-F344-8C6A-6D3323381468}" type="datetime1">
               <a:rPr lang="en-US" smtClean="0"/>
-              <a:t>6/11/18</a:t>
+              <a:t>5/29/23</a:t>
             </a:fld>
             <a:endParaRPr lang="en-US"/>
           </a:p>
@@ -3988,7 +3990,7 @@
           <a:p>
             <a:r>
               <a:rPr lang="en-US"/>
-              <a:t>© 2018, FLL Tutorials, Last Edit 6/11/2018</a:t>
+              <a:t>© 2023, FLLTutorials.com, Last Edit 5/29/2023</a:t>
             </a:r>
           </a:p>
         </p:txBody>
@@ -4091,9 +4093,9 @@
           <a:bodyPr/>
           <a:lstStyle/>
           <a:p>
-            <a:fld id="{9C37F31C-06AA-4ED5-B099-0E6B6BDB6C4D}" type="datetime1">
+            <a:fld id="{58C3C87D-A5CC-F348-835B-692F91539C7F}" type="datetime1">
               <a:rPr lang="en-US" smtClean="0"/>
-              <a:t>6/11/18</a:t>
+              <a:t>5/29/23</a:t>
             </a:fld>
             <a:endParaRPr lang="en-US"/>
           </a:p>
@@ -4116,7 +4118,7 @@
           <a:p>
             <a:r>
               <a:rPr lang="en-US"/>
-              <a:t>© 2018, FLL Tutorials, Last Edit 6/11/2018</a:t>
+              <a:t>© 2023, FLLTutorials.com, Last Edit 5/29/2023</a:t>
             </a:r>
           </a:p>
         </p:txBody>
@@ -4197,9 +4199,9 @@
           <a:bodyPr/>
           <a:lstStyle/>
           <a:p>
-            <a:fld id="{1736AC83-1BB0-440E-9575-E027410075FB}" type="datetime1">
+            <a:fld id="{524AB494-3EC5-F645-9ECE-4DD11580C2E3}" type="datetime1">
               <a:rPr lang="en-US" smtClean="0"/>
-              <a:t>6/11/18</a:t>
+              <a:t>5/29/23</a:t>
             </a:fld>
             <a:endParaRPr lang="en-US"/>
           </a:p>
@@ -4222,7 +4224,7 @@
           <a:p>
             <a:r>
               <a:rPr lang="en-US"/>
-              <a:t>© 2018, FLL Tutorials, Last Edit 6/11/2018</a:t>
+              <a:t>© 2023, FLLTutorials.com, Last Edit 5/29/2023</a:t>
             </a:r>
           </a:p>
         </p:txBody>
@@ -4455,9 +4457,9 @@
           <a:bodyPr/>
           <a:lstStyle/>
           <a:p>
-            <a:fld id="{05D270B5-BA41-4D6C-B3E8-B3D8AA1D61C1}" type="datetime1">
+            <a:fld id="{930CD88B-1FC7-BA46-8FFB-1EA9537325C7}" type="datetime1">
               <a:rPr lang="en-US" smtClean="0"/>
-              <a:t>6/11/18</a:t>
+              <a:t>5/29/23</a:t>
             </a:fld>
             <a:endParaRPr lang="en-US"/>
           </a:p>
@@ -4480,7 +4482,7 @@
           <a:p>
             <a:r>
               <a:rPr lang="en-US"/>
-              <a:t>© 2018, FLL Tutorials, Last Edit 6/11/2018</a:t>
+              <a:t>© 2023, FLLTutorials.com, Last Edit 5/29/2023</a:t>
             </a:r>
           </a:p>
         </p:txBody>
@@ -4667,9 +4669,9 @@
           <a:bodyPr/>
           <a:lstStyle/>
           <a:p>
-            <a:fld id="{D73B99E8-A0B6-4651-9FC9-3A81187133DE}" type="datetime1">
+            <a:fld id="{1942543D-5A64-4745-A484-F713051F30DA}" type="datetime1">
               <a:rPr lang="en-US" smtClean="0"/>
-              <a:t>6/11/18</a:t>
+              <a:t>5/29/23</a:t>
             </a:fld>
             <a:endParaRPr lang="en-US"/>
           </a:p>
@@ -4692,7 +4694,7 @@
           <a:p>
             <a:r>
               <a:rPr lang="en-US"/>
-              <a:t>© 2018, FLL Tutorials, Last Edit 6/11/2018</a:t>
+              <a:t>© 2023, FLLTutorials.com, Last Edit 5/29/2023</a:t>
             </a:r>
           </a:p>
         </p:txBody>
@@ -4950,9 +4952,9 @@
           <a:bodyPr/>
           <a:lstStyle/>
           <a:p>
-            <a:fld id="{B0212F50-BB45-44E3-9F27-BE19528B112E}" type="datetime1">
+            <a:fld id="{9446D33B-5635-354F-9220-AD5A07B61BED}" type="datetime1">
               <a:rPr lang="en-US" smtClean="0"/>
-              <a:t>6/11/18</a:t>
+              <a:t>5/29/23</a:t>
             </a:fld>
             <a:endParaRPr lang="en-US"/>
           </a:p>
@@ -4975,7 +4977,7 @@
           <a:p>
             <a:r>
               <a:rPr lang="en-US"/>
-              <a:t>© 2018, FLL Tutorials, Last Edit 6/11/2018</a:t>
+              <a:t>© 2023, FLLTutorials.com, Last Edit 5/29/2023</a:t>
             </a:r>
           </a:p>
         </p:txBody>
@@ -5217,9 +5219,9 @@
           <a:bodyPr/>
           <a:lstStyle/>
           <a:p>
-            <a:fld id="{81673716-7010-452F-86A7-B7230E4CA971}" type="datetime1">
+            <a:fld id="{6613660C-4F66-4447-B9EB-1D8F8D98A5DF}" type="datetime1">
               <a:rPr lang="en-US" smtClean="0"/>
-              <a:t>6/11/18</a:t>
+              <a:t>5/29/23</a:t>
             </a:fld>
             <a:endParaRPr lang="en-US"/>
           </a:p>
@@ -5242,7 +5244,7 @@
           <a:p>
             <a:r>
               <a:rPr lang="en-US"/>
-              <a:t>© 2018, FLL Tutorials, Last Edit 6/11/2018</a:t>
+              <a:t>© 2023, FLLTutorials.com, Last Edit 5/29/2023</a:t>
             </a:r>
           </a:p>
         </p:txBody>
@@ -5406,9 +5408,9 @@
           <a:bodyPr/>
           <a:lstStyle/>
           <a:p>
-            <a:fld id="{A1BF3BBC-1B83-44B9-B31C-0932906551E7}" type="datetime1">
+            <a:fld id="{940C4CDD-5B6C-1B4B-8D09-D57AEAA67DC6}" type="datetime1">
               <a:rPr lang="en-US" smtClean="0"/>
-              <a:t>6/11/18</a:t>
+              <a:t>5/29/23</a:t>
             </a:fld>
             <a:endParaRPr lang="en-US"/>
           </a:p>
@@ -5431,7 +5433,7 @@
           <a:p>
             <a:r>
               <a:rPr lang="en-US"/>
-              <a:t>© 2018, FLL Tutorials, Last Edit 6/11/2018</a:t>
+              <a:t>© 2023, FLLTutorials.com, Last Edit 5/29/2023</a:t>
             </a:r>
           </a:p>
         </p:txBody>
@@ -5607,9 +5609,9 @@
           <a:bodyPr/>
           <a:lstStyle/>
           <a:p>
-            <a:fld id="{BDF14C09-F59E-4595-AD02-3B86398A2E40}" type="datetime1">
+            <a:fld id="{E2C25177-FC81-7343-BE83-85E5151AA172}" type="datetime1">
               <a:rPr lang="en-US" smtClean="0"/>
-              <a:t>6/11/18</a:t>
+              <a:t>5/29/23</a:t>
             </a:fld>
             <a:endParaRPr lang="en-US"/>
           </a:p>
@@ -5632,7 +5634,7 @@
           <a:p>
             <a:r>
               <a:rPr lang="en-US"/>
-              <a:t>© 2018, FLL Tutorials, Last Edit 6/11/2018</a:t>
+              <a:t>© 2023, FLLTutorials.com, Last Edit 5/29/2023</a:t>
             </a:r>
           </a:p>
         </p:txBody>
@@ -5778,9 +5780,9 @@
           <a:bodyPr/>
           <a:lstStyle/>
           <a:p>
-            <a:fld id="{DF668F9E-4584-472A-8C91-A2C351287971}" type="datetime1">
+            <a:fld id="{CDFB485A-DE95-E643-ADCA-C3F9C3CAA28F}" type="datetime1">
               <a:rPr lang="en-US" smtClean="0"/>
-              <a:t>6/11/18</a:t>
+              <a:t>5/29/23</a:t>
             </a:fld>
             <a:endParaRPr lang="en-US"/>
           </a:p>
@@ -5803,7 +5805,7 @@
           <a:p>
             <a:r>
               <a:rPr lang="en-US"/>
-              <a:t>© 2018, FLL Tutorials, Last Edit 6/11/2018</a:t>
+              <a:t>© 2023, FLLTutorials.com, Last Edit 5/29/2023</a:t>
             </a:r>
           </a:p>
         </p:txBody>
@@ -6026,9 +6028,9 @@
           <a:bodyPr/>
           <a:lstStyle/>
           <a:p>
-            <a:fld id="{8D59AD45-1B16-4DA0-8C10-A02A8B3EC0DA}" type="datetime1">
+            <a:fld id="{3192BED3-3122-FB4D-ACF1-10006FFF38E5}" type="datetime1">
               <a:rPr lang="en-US" smtClean="0"/>
-              <a:t>6/11/18</a:t>
+              <a:t>5/29/23</a:t>
             </a:fld>
             <a:endParaRPr lang="en-US"/>
           </a:p>
@@ -6051,7 +6053,7 @@
           <a:p>
             <a:r>
               <a:rPr lang="en-US"/>
-              <a:t>© 2018, FLL Tutorials, Last Edit 6/11/2018</a:t>
+              <a:t>© 2023, FLLTutorials.com, Last Edit 5/29/2023</a:t>
             </a:r>
           </a:p>
         </p:txBody>
@@ -6258,9 +6260,9 @@
           <a:bodyPr/>
           <a:lstStyle/>
           <a:p>
-            <a:fld id="{06F7E80D-4834-4338-8DF8-4B60F727D7D3}" type="datetime1">
+            <a:fld id="{0C2DAD54-36ED-3B43-B956-912D8B2B3999}" type="datetime1">
               <a:rPr lang="en-US" smtClean="0"/>
-              <a:t>6/11/18</a:t>
+              <a:t>5/29/23</a:t>
             </a:fld>
             <a:endParaRPr lang="en-US"/>
           </a:p>
@@ -6283,7 +6285,7 @@
           <a:p>
             <a:r>
               <a:rPr lang="en-US"/>
-              <a:t>© 2018, FLL Tutorials, Last Edit 6/11/2018</a:t>
+              <a:t>© 2023, FLLTutorials.com, Last Edit 5/29/2023</a:t>
             </a:r>
           </a:p>
         </p:txBody>
@@ -6625,9 +6627,9 @@
           <a:bodyPr/>
           <a:lstStyle/>
           <a:p>
-            <a:fld id="{82DB38D4-D08E-4563-AD20-5949E0FBBECA}" type="datetime1">
+            <a:fld id="{2015998D-E756-3645-AE1E-2E6B6A45296E}" type="datetime1">
               <a:rPr lang="en-US" smtClean="0"/>
-              <a:t>6/11/18</a:t>
+              <a:t>5/29/23</a:t>
             </a:fld>
             <a:endParaRPr lang="en-US"/>
           </a:p>
@@ -6650,7 +6652,7 @@
           <a:p>
             <a:r>
               <a:rPr lang="en-US"/>
-              <a:t>© 2018, FLL Tutorials, Last Edit 6/11/2018</a:t>
+              <a:t>© 2023, FLLTutorials.com, Last Edit 5/29/2023</a:t>
             </a:r>
           </a:p>
         </p:txBody>
@@ -6745,9 +6747,9 @@
           <a:bodyPr/>
           <a:lstStyle/>
           <a:p>
-            <a:fld id="{E2FB604C-8FDC-4C44-8803-FF24B0EBBE7D}" type="datetime1">
+            <a:fld id="{8FB5B8EB-3D13-E843-A658-47434EC55C02}" type="datetime1">
               <a:rPr lang="en-US" smtClean="0"/>
-              <a:t>6/11/18</a:t>
+              <a:t>5/29/23</a:t>
             </a:fld>
             <a:endParaRPr lang="en-US"/>
           </a:p>
@@ -6770,7 +6772,7 @@
           <a:p>
             <a:r>
               <a:rPr lang="en-US"/>
-              <a:t>© 2018, FLL Tutorials, Last Edit 6/11/2018</a:t>
+              <a:t>© 2023, FLLTutorials.com, Last Edit 5/29/2023</a:t>
             </a:r>
           </a:p>
         </p:txBody>
@@ -6843,9 +6845,9 @@
           <a:bodyPr/>
           <a:lstStyle/>
           <a:p>
-            <a:fld id="{910A2D96-B18E-4A30-A177-3E92B78AA0F5}" type="datetime1">
+            <a:fld id="{3E219102-FED4-CE4A-998A-EBA01446B4CA}" type="datetime1">
               <a:rPr lang="en-US" smtClean="0"/>
-              <a:t>6/11/18</a:t>
+              <a:t>5/29/23</a:t>
             </a:fld>
             <a:endParaRPr lang="en-US"/>
           </a:p>
@@ -6868,7 +6870,7 @@
           <a:p>
             <a:r>
               <a:rPr lang="en-US"/>
-              <a:t>© 2018, FLL Tutorials, Last Edit 6/11/2018</a:t>
+              <a:t>© 2023, FLLTutorials.com, Last Edit 5/29/2023</a:t>
             </a:r>
           </a:p>
         </p:txBody>
@@ -7100,9 +7102,9 @@
           <a:bodyPr/>
           <a:lstStyle/>
           <a:p>
-            <a:fld id="{1BAE7D30-DA96-4BAB-AFB5-6A53BDBC99A4}" type="datetime1">
+            <a:fld id="{534809B0-4187-8F4A-8F61-E39A0159C3D7}" type="datetime1">
               <a:rPr lang="en-US" smtClean="0"/>
-              <a:t>6/11/18</a:t>
+              <a:t>5/29/23</a:t>
             </a:fld>
             <a:endParaRPr lang="en-US"/>
           </a:p>
@@ -7148,7 +7150,7 @@
           <a:p>
             <a:r>
               <a:rPr lang="en-US"/>
-              <a:t>© 2018, FLL Tutorials, Last Edit 6/11/2018</a:t>
+              <a:t>© 2023, FLLTutorials.com, Last Edit 5/29/2023</a:t>
             </a:r>
           </a:p>
         </p:txBody>
@@ -7378,9 +7380,9 @@
           <a:bodyPr/>
           <a:lstStyle/>
           <a:p>
-            <a:fld id="{DB479E7B-588F-4DC7-955E-A13B161141E7}" type="datetime1">
+            <a:fld id="{8BBAB1AC-EC36-1949-B322-DC49B15BFAC6}" type="datetime1">
               <a:rPr lang="en-US" smtClean="0"/>
-              <a:t>6/11/18</a:t>
+              <a:t>5/29/23</a:t>
             </a:fld>
             <a:endParaRPr lang="en-US"/>
           </a:p>
@@ -7403,7 +7405,7 @@
           <a:p>
             <a:r>
               <a:rPr lang="en-US"/>
-              <a:t>© 2018, FLL Tutorials, Last Edit 6/11/2018</a:t>
+              <a:t>© 2023, FLLTutorials.com, Last Edit 5/29/2023</a:t>
             </a:r>
           </a:p>
         </p:txBody>
@@ -7636,9 +7638,9 @@
           <a:bodyPr/>
           <a:lstStyle/>
           <a:p>
-            <a:fld id="{6F5D63C5-E791-4E91-9D8D-CE2C17CC312B}" type="datetime1">
+            <a:fld id="{15D2C499-5BD3-D54E-8D4B-49F25F938341}" type="datetime1">
               <a:rPr lang="en-US" smtClean="0"/>
-              <a:t>6/11/18</a:t>
+              <a:t>5/29/23</a:t>
             </a:fld>
             <a:endParaRPr lang="en-US"/>
           </a:p>
@@ -7661,7 +7663,7 @@
           <a:p>
             <a:r>
               <a:rPr lang="en-US"/>
-              <a:t>© 2018, FLL Tutorials, Last Edit 6/11/2018</a:t>
+              <a:t>© 2023, FLLTutorials.com, Last Edit 5/29/2023</a:t>
             </a:r>
           </a:p>
         </p:txBody>
@@ -7807,9 +7809,9 @@
           <a:bodyPr/>
           <a:lstStyle/>
           <a:p>
-            <a:fld id="{3196AE49-1E95-467B-983A-79317DE998C9}" type="datetime1">
+            <a:fld id="{3E416E08-6AC3-A743-9DE9-E9AA2999BAF4}" type="datetime1">
               <a:rPr lang="en-US" smtClean="0"/>
-              <a:t>6/11/18</a:t>
+              <a:t>5/29/23</a:t>
             </a:fld>
             <a:endParaRPr lang="en-US"/>
           </a:p>
@@ -7832,7 +7834,7 @@
           <a:p>
             <a:r>
               <a:rPr lang="en-US"/>
-              <a:t>© 2018, FLL Tutorials, Last Edit 6/11/2018</a:t>
+              <a:t>© 2023, FLLTutorials.com, Last Edit 5/29/2023</a:t>
             </a:r>
           </a:p>
         </p:txBody>
@@ -7988,9 +7990,9 @@
           <a:bodyPr/>
           <a:lstStyle/>
           <a:p>
-            <a:fld id="{4AB5163F-FF66-41EB-A631-FC77297B2D84}" type="datetime1">
+            <a:fld id="{193D6DD5-D5D5-0148-B238-11B750B1B855}" type="datetime1">
               <a:rPr lang="en-US" smtClean="0"/>
-              <a:t>6/11/18</a:t>
+              <a:t>5/29/23</a:t>
             </a:fld>
             <a:endParaRPr lang="en-US"/>
           </a:p>
@@ -8013,7 +8015,7 @@
           <a:p>
             <a:r>
               <a:rPr lang="en-US"/>
-              <a:t>© 2018, FLL Tutorials, Last Edit 6/11/2018</a:t>
+              <a:t>© 2023, FLLTutorials.com, Last Edit 5/29/2023</a:t>
             </a:r>
           </a:p>
         </p:txBody>
@@ -8245,9 +8247,9 @@
           <a:bodyPr/>
           <a:lstStyle/>
           <a:p>
-            <a:fld id="{A15145B3-7C95-4F84-80A4-28CD27069FA8}" type="datetime1">
+            <a:fld id="{7F075CFB-E5C7-E244-95D5-F6F0CE8A65B8}" type="datetime1">
               <a:rPr lang="en-US" smtClean="0"/>
-              <a:t>6/11/18</a:t>
+              <a:t>5/29/23</a:t>
             </a:fld>
             <a:endParaRPr lang="en-US"/>
           </a:p>
@@ -8270,7 +8272,7 @@
           <a:p>
             <a:r>
               <a:rPr lang="en-US"/>
-              <a:t>© 2018, FLL Tutorials, Last Edit 6/11/2018</a:t>
+              <a:t>© 2023, FLLTutorials.com, Last Edit 5/29/2023</a:t>
             </a:r>
           </a:p>
         </p:txBody>
@@ -9269,9 +9271,9 @@
           <a:bodyPr/>
           <a:lstStyle/>
           <a:p>
-            <a:fld id="{9B41F961-914B-469B-9FED-823E2DEF0E59}" type="datetime1">
+            <a:fld id="{F6943877-C8A5-9F4B-B28A-17DB7A880C24}" type="datetime1">
               <a:rPr lang="en-US" smtClean="0"/>
-              <a:t>6/11/18</a:t>
+              <a:t>5/29/23</a:t>
             </a:fld>
             <a:endParaRPr lang="en-US"/>
           </a:p>
@@ -9294,7 +9296,7 @@
           <a:p>
             <a:r>
               <a:rPr lang="en-US"/>
-              <a:t>© 2018, FLL Tutorials, Last Edit 6/11/2018</a:t>
+              <a:t>© 2023, FLLTutorials.com, Last Edit 5/29/2023</a:t>
             </a:r>
           </a:p>
         </p:txBody>
@@ -9531,9 +9533,9 @@
           <a:bodyPr/>
           <a:lstStyle/>
           <a:p>
-            <a:fld id="{58253196-B6B6-469E-BC09-BFC33D590937}" type="datetime1">
+            <a:fld id="{3F3C7FD7-F0D8-3D48-A288-3FB1A3C97CDD}" type="datetime1">
               <a:rPr lang="en-US" smtClean="0"/>
-              <a:t>6/11/18</a:t>
+              <a:t>5/29/23</a:t>
             </a:fld>
             <a:endParaRPr lang="en-US"/>
           </a:p>
@@ -9579,7 +9581,7 @@
           <a:p>
             <a:r>
               <a:rPr lang="en-US"/>
-              <a:t>© 2018, FLL Tutorials, Last Edit 6/11/2018</a:t>
+              <a:t>© 2023, FLLTutorials.com, Last Edit 5/29/2023</a:t>
             </a:r>
           </a:p>
         </p:txBody>
@@ -9826,9 +9828,9 @@
           <a:bodyPr/>
           <a:lstStyle/>
           <a:p>
-            <a:fld id="{E67B44E5-4153-458E-9DFC-A40DCBCD4A1A}" type="datetime1">
+            <a:fld id="{BA7CF6E1-E4D7-E24F-8B51-FC2C984F1284}" type="datetime1">
               <a:rPr lang="en-US" smtClean="0"/>
-              <a:t>6/11/18</a:t>
+              <a:t>5/29/23</a:t>
             </a:fld>
             <a:endParaRPr lang="en-US"/>
           </a:p>
@@ -9851,7 +9853,7 @@
           <a:p>
             <a:r>
               <a:rPr lang="en-US"/>
-              <a:t>© 2018, FLL Tutorials, Last Edit 6/11/2018</a:t>
+              <a:t>© 2023, FLLTutorials.com, Last Edit 5/29/2023</a:t>
             </a:r>
           </a:p>
         </p:txBody>
@@ -10272,9 +10274,9 @@
           <a:bodyPr/>
           <a:lstStyle/>
           <a:p>
-            <a:fld id="{88C5AA62-C60F-4EDC-87A8-24777F787DC4}" type="datetime1">
+            <a:fld id="{ABED25E3-9432-F14F-B204-BBD2E6469F27}" type="datetime1">
               <a:rPr lang="en-US" smtClean="0"/>
-              <a:t>6/11/18</a:t>
+              <a:t>5/29/23</a:t>
             </a:fld>
             <a:endParaRPr lang="en-US"/>
           </a:p>
@@ -10297,7 +10299,7 @@
           <a:p>
             <a:r>
               <a:rPr lang="en-US"/>
-              <a:t>© 2018, FLL Tutorials, Last Edit 6/11/2018</a:t>
+              <a:t>© 2023, FLLTutorials.com, Last Edit 5/29/2023</a:t>
             </a:r>
           </a:p>
         </p:txBody>
@@ -10392,9 +10394,9 @@
           <a:bodyPr/>
           <a:lstStyle/>
           <a:p>
-            <a:fld id="{478C3C75-9750-4AC4-BECF-38831729928F}" type="datetime1">
+            <a:fld id="{131792ED-D5EF-644D-905C-45F2377485AD}" type="datetime1">
               <a:rPr lang="en-US" smtClean="0"/>
-              <a:t>6/11/18</a:t>
+              <a:t>5/29/23</a:t>
             </a:fld>
             <a:endParaRPr lang="en-US"/>
           </a:p>
@@ -10417,7 +10419,7 @@
           <a:p>
             <a:r>
               <a:rPr lang="en-US"/>
-              <a:t>© 2018, FLL Tutorials, Last Edit 6/11/2018</a:t>
+              <a:t>© 2023, FLLTutorials.com, Last Edit 5/29/2023</a:t>
             </a:r>
           </a:p>
         </p:txBody>
@@ -10686,9 +10688,9 @@
           <a:bodyPr/>
           <a:lstStyle/>
           <a:p>
-            <a:fld id="{C9C5B217-76FC-4A0F-9738-F2D14EA55C45}" type="datetime1">
+            <a:fld id="{8B6AF966-9BE7-3947-8FE9-75EB2B6827E5}" type="datetime1">
               <a:rPr lang="en-US" smtClean="0"/>
-              <a:t>6/11/18</a:t>
+              <a:t>5/29/23</a:t>
             </a:fld>
             <a:endParaRPr lang="en-US"/>
           </a:p>
@@ -10711,7 +10713,7 @@
           <a:p>
             <a:r>
               <a:rPr lang="en-US"/>
-              <a:t>© 2018, FLL Tutorials, Last Edit 6/11/2018</a:t>
+              <a:t>© 2023, FLLTutorials.com, Last Edit 5/29/2023</a:t>
             </a:r>
           </a:p>
         </p:txBody>
@@ -10784,9 +10786,9 @@
           <a:bodyPr/>
           <a:lstStyle/>
           <a:p>
-            <a:fld id="{A891D4D9-E575-4840-9830-F1E57C125C05}" type="datetime1">
+            <a:fld id="{503700A8-124B-C54C-8FA9-C2161FDDB4C4}" type="datetime1">
               <a:rPr lang="en-US" smtClean="0"/>
-              <a:t>6/11/18</a:t>
+              <a:t>5/29/23</a:t>
             </a:fld>
             <a:endParaRPr lang="en-US"/>
           </a:p>
@@ -10809,7 +10811,7 @@
           <a:p>
             <a:r>
               <a:rPr lang="en-US"/>
-              <a:t>© 2018, FLL Tutorials, Last Edit 6/11/2018</a:t>
+              <a:t>© 2023, FLLTutorials.com, Last Edit 5/29/2023</a:t>
             </a:r>
           </a:p>
         </p:txBody>
@@ -11034,9 +11036,9 @@
           <a:bodyPr/>
           <a:lstStyle/>
           <a:p>
-            <a:fld id="{1A9A9413-3CC1-4831-8DAD-861ECFC6A5AC}" type="datetime1">
+            <a:fld id="{78BC344C-0408-1F4B-B2D0-BCAFB296FB32}" type="datetime1">
               <a:rPr lang="en-US" smtClean="0"/>
-              <a:t>6/11/18</a:t>
+              <a:t>5/29/23</a:t>
             </a:fld>
             <a:endParaRPr lang="en-US"/>
           </a:p>
@@ -11059,7 +11061,7 @@
           <a:p>
             <a:r>
               <a:rPr lang="en-US"/>
-              <a:t>© 2018, FLL Tutorials, Last Edit 6/11/2018</a:t>
+              <a:t>© 2023, FLLTutorials.com, Last Edit 5/29/2023</a:t>
             </a:r>
           </a:p>
         </p:txBody>
@@ -11334,9 +11336,9 @@
           <a:bodyPr/>
           <a:lstStyle/>
           <a:p>
-            <a:fld id="{A788B88F-1DBC-49B4-A6A7-467D930F0FFC}" type="datetime1">
+            <a:fld id="{59F3B36E-408B-0C4B-A2D7-60D29B334FCF}" type="datetime1">
               <a:rPr lang="en-US" smtClean="0"/>
-              <a:t>6/11/18</a:t>
+              <a:t>5/29/23</a:t>
             </a:fld>
             <a:endParaRPr lang="en-US"/>
           </a:p>
@@ -11359,7 +11361,7 @@
           <a:p>
             <a:r>
               <a:rPr lang="en-US"/>
-              <a:t>© 2018, FLL Tutorials, Last Edit 6/11/2018</a:t>
+              <a:t>© 2023, FLLTutorials.com, Last Edit 5/29/2023</a:t>
             </a:r>
           </a:p>
         </p:txBody>
@@ -11593,9 +11595,9 @@
           <a:bodyPr/>
           <a:lstStyle/>
           <a:p>
-            <a:fld id="{CBE0F99B-1F66-4EE8-8455-1B8F9D3EFDDF}" type="datetime1">
+            <a:fld id="{A3C67618-A0EA-1F42-A144-753C0FF07248}" type="datetime1">
               <a:rPr lang="en-US" smtClean="0"/>
-              <a:t>6/11/18</a:t>
+              <a:t>5/29/23</a:t>
             </a:fld>
             <a:endParaRPr lang="en-US"/>
           </a:p>
@@ -11618,7 +11620,7 @@
           <a:p>
             <a:r>
               <a:rPr lang="en-US"/>
-              <a:t>© 2018, FLL Tutorials, Last Edit 6/11/2018</a:t>
+              <a:t>© 2023, FLLTutorials.com, Last Edit 5/29/2023</a:t>
             </a:r>
           </a:p>
         </p:txBody>
@@ -11774,9 +11776,9 @@
           <a:bodyPr/>
           <a:lstStyle/>
           <a:p>
-            <a:fld id="{6310C22A-B5E1-4D6B-B10D-F5B1CBED706D}" type="datetime1">
+            <a:fld id="{423AC71D-A04B-F34B-9CE6-F52E717E9CA6}" type="datetime1">
               <a:rPr lang="en-US" smtClean="0"/>
-              <a:t>6/11/18</a:t>
+              <a:t>5/29/23</a:t>
             </a:fld>
             <a:endParaRPr lang="en-US"/>
           </a:p>
@@ -11799,7 +11801,7 @@
           <a:p>
             <a:r>
               <a:rPr lang="en-US"/>
-              <a:t>© 2018, FLL Tutorials, Last Edit 6/11/2018</a:t>
+              <a:t>© 2023, FLLTutorials.com, Last Edit 5/29/2023</a:t>
             </a:r>
           </a:p>
         </p:txBody>
@@ -11990,9 +11992,9 @@
           <a:bodyPr/>
           <a:lstStyle/>
           <a:p>
-            <a:fld id="{9E8BB53B-1940-40EB-A860-C33326F87388}" type="datetime1">
+            <a:fld id="{535F0864-0D70-2949-AD0C-FCED68EE22A4}" type="datetime1">
               <a:rPr lang="en-US" smtClean="0"/>
-              <a:t>6/11/18</a:t>
+              <a:t>5/29/23</a:t>
             </a:fld>
             <a:endParaRPr lang="en-US"/>
           </a:p>
@@ -12020,7 +12022,7 @@
           <a:p>
             <a:r>
               <a:rPr lang="en-US"/>
-              <a:t>© 2018, FLL Tutorials, Last Edit 6/11/2018</a:t>
+              <a:t>© 2023, FLLTutorials.com, Last Edit 5/29/2023</a:t>
             </a:r>
           </a:p>
         </p:txBody>
@@ -13246,9 +13248,9 @@
           <a:bodyPr/>
           <a:lstStyle/>
           <a:p>
-            <a:fld id="{707EB97F-08AD-4D86-859A-BC3D04E2A332}" type="datetime1">
+            <a:fld id="{F2DD3DF0-7F81-B24A-BB11-E9F26C3644A0}" type="datetime1">
               <a:rPr lang="en-US" smtClean="0"/>
-              <a:t>6/11/18</a:t>
+              <a:t>5/29/23</a:t>
             </a:fld>
             <a:endParaRPr lang="en-US"/>
           </a:p>
@@ -13271,7 +13273,7 @@
           <a:p>
             <a:r>
               <a:rPr lang="en-US"/>
-              <a:t>© 2018, FLL Tutorials, Last Edit 6/11/2018</a:t>
+              <a:t>© 2023, FLLTutorials.com, Last Edit 5/29/2023</a:t>
             </a:r>
           </a:p>
         </p:txBody>
@@ -13511,9 +13513,9 @@
           <a:bodyPr/>
           <a:lstStyle/>
           <a:p>
-            <a:fld id="{EF3339E6-6BBF-4D92-A7FF-64F9AB71C068}" type="datetime1">
+            <a:fld id="{2E888614-C612-0D4C-A24A-8941E40911FB}" type="datetime1">
               <a:rPr lang="en-US" smtClean="0"/>
-              <a:t>6/11/18</a:t>
+              <a:t>5/29/23</a:t>
             </a:fld>
             <a:endParaRPr lang="en-US"/>
           </a:p>
@@ -13567,7 +13569,7 @@
           <a:p>
             <a:r>
               <a:rPr lang="en-US"/>
-              <a:t>© 2018, FLL Tutorials, Last Edit 6/11/2018</a:t>
+              <a:t>© 2023, FLLTutorials.com, Last Edit 5/29/2023</a:t>
             </a:r>
           </a:p>
         </p:txBody>
@@ -13814,9 +13816,9 @@
           <a:bodyPr/>
           <a:lstStyle/>
           <a:p>
-            <a:fld id="{82EB940D-32E4-4FD0-8814-C4EC00758C64}" type="datetime1">
+            <a:fld id="{E356AD34-DAA6-544F-BBCF-BB999C76CE9D}" type="datetime1">
               <a:rPr lang="en-US" smtClean="0"/>
-              <a:t>6/11/18</a:t>
+              <a:t>5/29/23</a:t>
             </a:fld>
             <a:endParaRPr lang="en-US"/>
           </a:p>
@@ -13839,7 +13841,7 @@
           <a:p>
             <a:r>
               <a:rPr lang="en-US"/>
-              <a:t>© 2018, FLL Tutorials, Last Edit 6/11/2018</a:t>
+              <a:t>© 2023, FLLTutorials.com, Last Edit 5/29/2023</a:t>
             </a:r>
           </a:p>
         </p:txBody>
@@ -14268,9 +14270,9 @@
           <a:bodyPr/>
           <a:lstStyle/>
           <a:p>
-            <a:fld id="{E1D59B40-6616-4F6E-98EE-B6F15C7BDDE0}" type="datetime1">
+            <a:fld id="{8174C5E8-0BEC-9246-9792-5284E677C10D}" type="datetime1">
               <a:rPr lang="en-US" smtClean="0"/>
-              <a:t>6/11/18</a:t>
+              <a:t>5/29/23</a:t>
             </a:fld>
             <a:endParaRPr lang="en-US"/>
           </a:p>
@@ -14293,7 +14295,7 @@
           <a:p>
             <a:r>
               <a:rPr lang="en-US"/>
-              <a:t>© 2018, FLL Tutorials, Last Edit 6/11/2018</a:t>
+              <a:t>© 2023, FLLTutorials.com, Last Edit 5/29/2023</a:t>
             </a:r>
           </a:p>
         </p:txBody>
@@ -14722,9 +14724,9 @@
           <a:bodyPr/>
           <a:lstStyle/>
           <a:p>
-            <a:fld id="{722BFFA5-42C9-4BEC-8ACB-D07EC0E16987}" type="datetime1">
+            <a:fld id="{D7BE2BBF-3E66-3141-B5E4-14EBE88CF13E}" type="datetime1">
               <a:rPr lang="en-US" smtClean="0"/>
-              <a:t>6/11/18</a:t>
+              <a:t>5/29/23</a:t>
             </a:fld>
             <a:endParaRPr lang="en-US"/>
           </a:p>
@@ -14747,7 +14749,7 @@
           <a:p>
             <a:r>
               <a:rPr lang="en-US"/>
-              <a:t>© 2018, FLL Tutorials, Last Edit 6/11/2018</a:t>
+              <a:t>© 2023, FLLTutorials.com, Last Edit 5/29/2023</a:t>
             </a:r>
           </a:p>
         </p:txBody>
@@ -14842,9 +14844,9 @@
           <a:bodyPr/>
           <a:lstStyle/>
           <a:p>
-            <a:fld id="{053CFE50-C637-4FED-BC33-0D35E7009A51}" type="datetime1">
+            <a:fld id="{C36A8A1F-20A2-DE4D-945B-C27B29903160}" type="datetime1">
               <a:rPr lang="en-US" smtClean="0"/>
-              <a:t>6/11/18</a:t>
+              <a:t>5/29/23</a:t>
             </a:fld>
             <a:endParaRPr lang="en-US"/>
           </a:p>
@@ -14867,7 +14869,7 @@
           <a:p>
             <a:r>
               <a:rPr lang="en-US"/>
-              <a:t>© 2018, FLL Tutorials, Last Edit 6/11/2018</a:t>
+              <a:t>© 2023, FLLTutorials.com, Last Edit 5/29/2023</a:t>
             </a:r>
           </a:p>
         </p:txBody>
@@ -14948,9 +14950,9 @@
           <a:bodyPr/>
           <a:lstStyle/>
           <a:p>
-            <a:fld id="{B4AAA24C-9082-4BEC-A7FB-041FD44BB849}" type="datetime1">
+            <a:fld id="{2C7590DE-9D5A-6041-BD4A-281E221077BF}" type="datetime1">
               <a:rPr lang="en-US" smtClean="0"/>
-              <a:t>6/11/18</a:t>
+              <a:t>5/29/23</a:t>
             </a:fld>
             <a:endParaRPr lang="en-US"/>
           </a:p>
@@ -14973,7 +14975,7 @@
           <a:p>
             <a:r>
               <a:rPr lang="en-US"/>
-              <a:t>© 2018, FLL Tutorials, Last Edit 6/11/2018</a:t>
+              <a:t>© 2023, FLLTutorials.com, Last Edit 5/29/2023</a:t>
             </a:r>
           </a:p>
         </p:txBody>
@@ -15206,9 +15208,9 @@
           <a:bodyPr/>
           <a:lstStyle/>
           <a:p>
-            <a:fld id="{9839D54E-ADCE-4C8D-8DA4-5737D16F1DC0}" type="datetime1">
+            <a:fld id="{37098E5F-F4DD-454F-ABB1-89E81BD84AB8}" type="datetime1">
               <a:rPr lang="en-US" smtClean="0"/>
-              <a:t>6/11/18</a:t>
+              <a:t>5/29/23</a:t>
             </a:fld>
             <a:endParaRPr lang="en-US"/>
           </a:p>
@@ -15231,7 +15233,7 @@
           <a:p>
             <a:r>
               <a:rPr lang="en-US"/>
-              <a:t>© 2018, FLL Tutorials, Last Edit 6/11/2018</a:t>
+              <a:t>© 2023, FLLTutorials.com, Last Edit 5/29/2023</a:t>
             </a:r>
           </a:p>
         </p:txBody>
@@ -15514,9 +15516,9 @@
           <a:bodyPr/>
           <a:lstStyle/>
           <a:p>
-            <a:fld id="{683CCB1B-6770-48AA-AE13-909113A082C9}" type="datetime1">
+            <a:fld id="{EF44F072-CFAE-6C46-8306-36783E95FF11}" type="datetime1">
               <a:rPr lang="en-US" smtClean="0"/>
-              <a:t>6/11/18</a:t>
+              <a:t>5/29/23</a:t>
             </a:fld>
             <a:endParaRPr lang="en-US"/>
           </a:p>
@@ -15539,7 +15541,7 @@
           <a:p>
             <a:r>
               <a:rPr lang="en-US"/>
-              <a:t>© 2018, FLL Tutorials, Last Edit 6/11/2018</a:t>
+              <a:t>© 2023, FLLTutorials.com, Last Edit 5/29/2023</a:t>
             </a:r>
           </a:p>
         </p:txBody>
@@ -15781,9 +15783,9 @@
           <a:bodyPr/>
           <a:lstStyle/>
           <a:p>
-            <a:fld id="{00C0F169-BEB1-452E-BC58-693845839403}" type="datetime1">
+            <a:fld id="{9234678F-2F9B-9247-B75E-C7BE9DE2F7A9}" type="datetime1">
               <a:rPr lang="en-US" smtClean="0"/>
-              <a:t>6/11/18</a:t>
+              <a:t>5/29/23</a:t>
             </a:fld>
             <a:endParaRPr lang="en-US"/>
           </a:p>
@@ -15806,7 +15808,7 @@
           <a:p>
             <a:r>
               <a:rPr lang="en-US"/>
-              <a:t>© 2018, FLL Tutorials, Last Edit 6/11/2018</a:t>
+              <a:t>© 2023, FLLTutorials.com, Last Edit 5/29/2023</a:t>
             </a:r>
           </a:p>
         </p:txBody>
@@ -15970,9 +15972,9 @@
           <a:bodyPr/>
           <a:lstStyle/>
           <a:p>
-            <a:fld id="{37D5FAD8-6F31-4FFC-94EE-A8374E78F412}" type="datetime1">
+            <a:fld id="{1A0AB462-F68D-574B-BA6F-597B8F9D7725}" type="datetime1">
               <a:rPr lang="en-US" smtClean="0"/>
-              <a:t>6/11/18</a:t>
+              <a:t>5/29/23</a:t>
             </a:fld>
             <a:endParaRPr lang="en-US"/>
           </a:p>
@@ -15995,7 +15997,7 @@
           <a:p>
             <a:r>
               <a:rPr lang="en-US"/>
-              <a:t>© 2018, FLL Tutorials, Last Edit 6/11/2018</a:t>
+              <a:t>© 2023, FLLTutorials.com, Last Edit 5/29/2023</a:t>
             </a:r>
           </a:p>
         </p:txBody>
@@ -16171,9 +16173,9 @@
           <a:bodyPr/>
           <a:lstStyle/>
           <a:p>
-            <a:fld id="{E989E815-D6FB-4667-80E1-EF923CF91E92}" type="datetime1">
+            <a:fld id="{CD65B343-5275-9546-9677-43620B7CB9D3}" type="datetime1">
               <a:rPr lang="en-US" smtClean="0"/>
-              <a:t>6/11/18</a:t>
+              <a:t>5/29/23</a:t>
             </a:fld>
             <a:endParaRPr lang="en-US"/>
           </a:p>
@@ -16196,7 +16198,7 @@
           <a:p>
             <a:r>
               <a:rPr lang="en-US"/>
-              <a:t>© 2018, FLL Tutorials, Last Edit 6/11/2018</a:t>
+              <a:t>© 2023, FLLTutorials.com, Last Edit 5/29/2023</a:t>
             </a:r>
           </a:p>
         </p:txBody>
@@ -16342,9 +16344,9 @@
           <a:bodyPr/>
           <a:lstStyle/>
           <a:p>
-            <a:fld id="{F60A99C5-98C1-48C0-B192-399F435B8D5F}" type="datetime1">
+            <a:fld id="{56542C50-9AD5-3441-8866-725609CAE2AF}" type="datetime1">
               <a:rPr lang="en-US" smtClean="0"/>
-              <a:t>6/11/18</a:t>
+              <a:t>5/29/23</a:t>
             </a:fld>
             <a:endParaRPr lang="en-US"/>
           </a:p>
@@ -16367,7 +16369,7 @@
           <a:p>
             <a:r>
               <a:rPr lang="en-US"/>
-              <a:t>© 2018, FLL Tutorials, Last Edit 6/11/2018</a:t>
+              <a:t>© 2023, FLLTutorials.com, Last Edit 5/29/2023</a:t>
             </a:r>
           </a:p>
         </p:txBody>
@@ -16590,9 +16592,9 @@
           <a:bodyPr/>
           <a:lstStyle/>
           <a:p>
-            <a:fld id="{985AB948-023A-442C-911C-F4910334ACF9}" type="datetime1">
+            <a:fld id="{CDC2C7E5-22C4-324C-9BCA-E14006443589}" type="datetime1">
               <a:rPr lang="en-US" smtClean="0"/>
-              <a:t>6/11/18</a:t>
+              <a:t>5/29/23</a:t>
             </a:fld>
             <a:endParaRPr lang="en-US"/>
           </a:p>
@@ -16615,7 +16617,7 @@
           <a:p>
             <a:r>
               <a:rPr lang="en-US"/>
-              <a:t>© 2018, FLL Tutorials, Last Edit 6/11/2018</a:t>
+              <a:t>© 2023, FLLTutorials.com, Last Edit 5/29/2023</a:t>
             </a:r>
           </a:p>
         </p:txBody>
@@ -16822,9 +16824,9 @@
           <a:bodyPr/>
           <a:lstStyle/>
           <a:p>
-            <a:fld id="{5AD876AA-2B37-42AF-8251-A4A5048C751B}" type="datetime1">
+            <a:fld id="{6331D931-AF66-2D4A-95AE-77814C56A871}" type="datetime1">
               <a:rPr lang="en-US" smtClean="0"/>
-              <a:t>6/11/18</a:t>
+              <a:t>5/29/23</a:t>
             </a:fld>
             <a:endParaRPr lang="en-US"/>
           </a:p>
@@ -16847,7 +16849,7 @@
           <a:p>
             <a:r>
               <a:rPr lang="en-US"/>
-              <a:t>© 2018, FLL Tutorials, Last Edit 6/11/2018</a:t>
+              <a:t>© 2023, FLLTutorials.com, Last Edit 5/29/2023</a:t>
             </a:r>
           </a:p>
         </p:txBody>
@@ -16942,9 +16944,9 @@
           <a:bodyPr/>
           <a:lstStyle/>
           <a:p>
-            <a:fld id="{EFB030C8-72A6-4ED1-A125-0CEB0CB15E22}" type="datetime1">
+            <a:fld id="{74C4661C-A1BF-BF4E-9ED4-8C4FA99D0CBB}" type="datetime1">
               <a:rPr lang="en-US" smtClean="0"/>
-              <a:t>6/11/18</a:t>
+              <a:t>5/29/23</a:t>
             </a:fld>
             <a:endParaRPr lang="en-US"/>
           </a:p>
@@ -16967,7 +16969,7 @@
           <a:p>
             <a:r>
               <a:rPr lang="en-US"/>
-              <a:t>© 2018, FLL Tutorials, Last Edit 6/11/2018</a:t>
+              <a:t>© 2023, FLLTutorials.com, Last Edit 5/29/2023</a:t>
             </a:r>
           </a:p>
         </p:txBody>
@@ -17309,9 +17311,9 @@
           <a:bodyPr/>
           <a:lstStyle/>
           <a:p>
-            <a:fld id="{88312C2C-BB3C-456A-8B42-009E35B82A96}" type="datetime1">
+            <a:fld id="{98330AC6-C9E4-5C46-9595-EEB88F487EDA}" type="datetime1">
               <a:rPr lang="en-US" smtClean="0"/>
-              <a:t>6/11/18</a:t>
+              <a:t>5/29/23</a:t>
             </a:fld>
             <a:endParaRPr lang="en-US"/>
           </a:p>
@@ -17334,7 +17336,7 @@
           <a:p>
             <a:r>
               <a:rPr lang="en-US"/>
-              <a:t>© 2018, FLL Tutorials, Last Edit 6/11/2018</a:t>
+              <a:t>© 2023, FLLTutorials.com, Last Edit 5/29/2023</a:t>
             </a:r>
           </a:p>
         </p:txBody>
@@ -17429,9 +17431,9 @@
           <a:bodyPr/>
           <a:lstStyle/>
           <a:p>
-            <a:fld id="{7D87878B-6ECA-42E5-8F50-851CB3E99290}" type="datetime1">
+            <a:fld id="{FF747064-F3BA-D544-B035-BE81F4430433}" type="datetime1">
               <a:rPr lang="en-US" smtClean="0"/>
-              <a:t>6/11/18</a:t>
+              <a:t>5/29/23</a:t>
             </a:fld>
             <a:endParaRPr lang="en-US"/>
           </a:p>
@@ -17454,7 +17456,7 @@
           <a:p>
             <a:r>
               <a:rPr lang="en-US"/>
-              <a:t>© 2018, FLL Tutorials, Last Edit 6/11/2018</a:t>
+              <a:t>© 2023, FLLTutorials.com, Last Edit 5/29/2023</a:t>
             </a:r>
           </a:p>
         </p:txBody>
@@ -17527,9 +17529,9 @@
           <a:bodyPr/>
           <a:lstStyle/>
           <a:p>
-            <a:fld id="{6EA43F63-00C5-4E6D-B90E-18205030E294}" type="datetime1">
+            <a:fld id="{FC2F5133-2B52-9744-9B18-83721FBE2B78}" type="datetime1">
               <a:rPr lang="en-US" smtClean="0"/>
-              <a:t>6/11/18</a:t>
+              <a:t>5/29/23</a:t>
             </a:fld>
             <a:endParaRPr lang="en-US"/>
           </a:p>
@@ -17552,7 +17554,7 @@
           <a:p>
             <a:r>
               <a:rPr lang="en-US"/>
-              <a:t>© 2018, FLL Tutorials, Last Edit 6/11/2018</a:t>
+              <a:t>© 2023, FLLTutorials.com, Last Edit 5/29/2023</a:t>
             </a:r>
           </a:p>
         </p:txBody>
@@ -17805,9 +17807,9 @@
           <a:bodyPr/>
           <a:lstStyle/>
           <a:p>
-            <a:fld id="{0CB40A99-3933-48CD-BD8D-26970D38B563}" type="datetime1">
+            <a:fld id="{427598F4-5E7B-A24B-B5CD-CDCAA01A3FA7}" type="datetime1">
               <a:rPr lang="en-US" smtClean="0"/>
-              <a:t>6/11/18</a:t>
+              <a:t>5/29/23</a:t>
             </a:fld>
             <a:endParaRPr lang="en-US"/>
           </a:p>
@@ -17830,7 +17832,7 @@
           <a:p>
             <a:r>
               <a:rPr lang="en-US"/>
-              <a:t>© 2018, FLL Tutorials, Last Edit 6/11/2018</a:t>
+              <a:t>© 2023, FLLTutorials.com, Last Edit 5/29/2023</a:t>
             </a:r>
           </a:p>
         </p:txBody>
@@ -18063,9 +18065,9 @@
           <a:bodyPr/>
           <a:lstStyle/>
           <a:p>
-            <a:fld id="{CFF200E8-3A89-4509-BB3A-008801C84DCB}" type="datetime1">
+            <a:fld id="{39855317-F2D4-6F4D-B998-EBE6C364AE9B}" type="datetime1">
               <a:rPr lang="en-US" smtClean="0"/>
-              <a:t>6/11/18</a:t>
+              <a:t>5/29/23</a:t>
             </a:fld>
             <a:endParaRPr lang="en-US"/>
           </a:p>
@@ -18088,7 +18090,7 @@
           <a:p>
             <a:r>
               <a:rPr lang="en-US"/>
-              <a:t>© 2018, FLL Tutorials, Last Edit 6/11/2018</a:t>
+              <a:t>© 2023, FLLTutorials.com, Last Edit 5/29/2023</a:t>
             </a:r>
           </a:p>
         </p:txBody>
@@ -18234,9 +18236,9 @@
           <a:bodyPr/>
           <a:lstStyle/>
           <a:p>
-            <a:fld id="{6B462146-A371-46BD-B426-F256CDE06F04}" type="datetime1">
+            <a:fld id="{32E572A6-4F14-C44A-A929-3F71E74F8155}" type="datetime1">
               <a:rPr lang="en-US" smtClean="0"/>
-              <a:t>6/11/18</a:t>
+              <a:t>5/29/23</a:t>
             </a:fld>
             <a:endParaRPr lang="en-US"/>
           </a:p>
@@ -18259,7 +18261,7 @@
           <a:p>
             <a:r>
               <a:rPr lang="en-US"/>
-              <a:t>© 2018, FLL Tutorials, Last Edit 6/11/2018</a:t>
+              <a:t>© 2023, FLLTutorials.com, Last Edit 5/29/2023</a:t>
             </a:r>
           </a:p>
         </p:txBody>
@@ -18415,9 +18417,9 @@
           <a:bodyPr/>
           <a:lstStyle/>
           <a:p>
-            <a:fld id="{4FD4739E-D270-4C85-B956-A9DC12F6888C}" type="datetime1">
+            <a:fld id="{DBC7A4AA-2078-104E-B34A-B03C21DFC939}" type="datetime1">
               <a:rPr lang="en-US" smtClean="0"/>
-              <a:t>6/11/18</a:t>
+              <a:t>5/29/23</a:t>
             </a:fld>
             <a:endParaRPr lang="en-US"/>
           </a:p>
@@ -18440,7 +18442,7 @@
           <a:p>
             <a:r>
               <a:rPr lang="en-US"/>
-              <a:t>© 2018, FLL Tutorials, Last Edit 6/11/2018</a:t>
+              <a:t>© 2023, FLLTutorials.com, Last Edit 5/29/2023</a:t>
             </a:r>
           </a:p>
         </p:txBody>
@@ -18732,9 +18734,9 @@
             </a:lvl1pPr>
           </a:lstStyle>
           <a:p>
-            <a:fld id="{6FCE73D4-3489-4DB1-AFF4-06E099C53D33}" type="datetime1">
+            <a:fld id="{FF14D158-23B2-894D-84A1-74C8EBC1D669}" type="datetime1">
               <a:rPr lang="en-US" smtClean="0"/>
-              <a:t>6/11/18</a:t>
+              <a:t>5/29/23</a:t>
             </a:fld>
             <a:endParaRPr lang="en-US"/>
           </a:p>
@@ -18776,7 +18778,7 @@
           <a:p>
             <a:r>
               <a:rPr lang="en-US"/>
-              <a:t>© 2018, FLL Tutorials, Last Edit 6/11/2018</a:t>
+              <a:t>© 2023, FLLTutorials.com, Last Edit 5/29/2023</a:t>
             </a:r>
           </a:p>
         </p:txBody>
@@ -19065,9 +19067,9 @@
             </a:lvl1pPr>
           </a:lstStyle>
           <a:p>
-            <a:fld id="{CCEF78B4-70E3-4AF7-A6D7-7C13E2357294}" type="datetime1">
+            <a:fld id="{2E6E8AA7-82B5-8845-812D-8E2BB19A8BE9}" type="datetime1">
               <a:rPr lang="en-US" smtClean="0"/>
-              <a:t>6/11/18</a:t>
+              <a:t>5/29/23</a:t>
             </a:fld>
             <a:endParaRPr lang="en-US"/>
           </a:p>
@@ -19112,7 +19114,7 @@
           <a:p>
             <a:r>
               <a:rPr lang="en-US"/>
-              <a:t>© 2018, FLL Tutorials, Last Edit 6/11/2018</a:t>
+              <a:t>© 2023, FLLTutorials.com, Last Edit 5/29/2023</a:t>
             </a:r>
           </a:p>
         </p:txBody>
@@ -19519,7 +19521,7 @@
             <a:fld id="{B61BEF0D-F0BB-DE4B-95CE-6DB70DBA9567}" type="datetimeFigureOut">
               <a:rPr lang="en-US" smtClean="0"/>
               <a:pPr/>
-              <a:t>6/11/18</a:t>
+              <a:t>5/29/23</a:t>
             </a:fld>
             <a:endParaRPr lang="en-US" dirty="0"/>
           </a:p>
@@ -19835,9 +19837,9 @@
           <a:bodyPr/>
           <a:lstStyle/>
           <a:p>
-            <a:fld id="{664725A3-D776-40D6-BFDC-311B93FB5F3E}" type="datetime1">
+            <a:fld id="{E68C26FB-36A1-F044-A350-85EDE252F196}" type="datetime1">
               <a:rPr lang="en-US" smtClean="0"/>
-              <a:t>6/11/18</a:t>
+              <a:t>5/29/23</a:t>
             </a:fld>
             <a:endParaRPr lang="en-US"/>
           </a:p>
@@ -19860,7 +19862,7 @@
           <a:p>
             <a:r>
               <a:rPr lang="en-US"/>
-              <a:t>© 2018, FLL Tutorials, Last Edit 6/11/2018</a:t>
+              <a:t>© 2023, FLLTutorials.com, Last Edit 5/29/2023</a:t>
             </a:r>
           </a:p>
         </p:txBody>
@@ -20121,9 +20123,9 @@
           <a:bodyPr/>
           <a:lstStyle/>
           <a:p>
-            <a:fld id="{61E23400-5FFF-41D4-9598-DBEB049E45E1}" type="datetime1">
+            <a:fld id="{2E84A4EF-5762-9A40-AD53-F21799518067}" type="datetime1">
               <a:rPr lang="en-US" smtClean="0"/>
-              <a:t>6/11/18</a:t>
+              <a:t>5/29/23</a:t>
             </a:fld>
             <a:endParaRPr lang="en-US"/>
           </a:p>
@@ -20154,7 +20156,7 @@
           <a:p>
             <a:r>
               <a:rPr lang="en-US"/>
-              <a:t>© 2018, FLL Tutorials, Last Edit 6/11/2018</a:t>
+              <a:t>© 2023, FLLTutorials.com, Last Edit 5/29/2023</a:t>
             </a:r>
           </a:p>
         </p:txBody>
@@ -20569,9 +20571,9 @@
           <a:bodyPr/>
           <a:lstStyle/>
           <a:p>
-            <a:fld id="{CD60870C-6AB6-44B0-8E49-49C47A1DDADC}" type="datetime1">
+            <a:fld id="{B7DF61B5-75B4-104B-A7C3-72B2634EEAFB}" type="datetime1">
               <a:rPr lang="en-US" smtClean="0"/>
-              <a:t>6/11/18</a:t>
+              <a:t>5/29/23</a:t>
             </a:fld>
             <a:endParaRPr lang="en-US"/>
           </a:p>
@@ -20602,7 +20604,7 @@
           <a:p>
             <a:r>
               <a:rPr lang="en-US"/>
-              <a:t>© 2018, FLL Tutorials, Last Edit 6/11/2018</a:t>
+              <a:t>© 2023, FLLTutorials.com, Last Edit 5/29/2023</a:t>
             </a:r>
           </a:p>
         </p:txBody>
@@ -20753,9 +20755,9 @@
           <a:bodyPr/>
           <a:lstStyle/>
           <a:p>
-            <a:fld id="{BF02DD66-3217-4806-8DA6-C4B282B9E9B6}" type="datetime1">
+            <a:fld id="{8AB17324-7527-E748-AB97-041726C9E9E0}" type="datetime1">
               <a:rPr lang="en-US" smtClean="0"/>
-              <a:t>6/11/18</a:t>
+              <a:t>5/29/23</a:t>
             </a:fld>
             <a:endParaRPr lang="en-US"/>
           </a:p>
@@ -20786,7 +20788,7 @@
           <a:p>
             <a:r>
               <a:rPr lang="en-US"/>
-              <a:t>© 2018, FLL Tutorials, Last Edit 6/11/2018</a:t>
+              <a:t>© 2023, FLLTutorials.com, Last Edit 5/29/2023</a:t>
             </a:r>
           </a:p>
         </p:txBody>
@@ -20875,9 +20877,9 @@
           <a:bodyPr/>
           <a:lstStyle/>
           <a:p>
-            <a:fld id="{47C8580B-EE9C-4C6C-A22B-628D1FB8BAB2}" type="datetime1">
+            <a:fld id="{4F47489C-70B9-AC41-B9F8-F073F86D3006}" type="datetime1">
               <a:rPr lang="en-US" smtClean="0"/>
-              <a:t>6/11/18</a:t>
+              <a:t>5/29/23</a:t>
             </a:fld>
             <a:endParaRPr lang="en-US"/>
           </a:p>
@@ -20908,7 +20910,7 @@
           <a:p>
             <a:r>
               <a:rPr lang="en-US"/>
-              <a:t>© 2018, FLL Tutorials, Last Edit 6/11/2018</a:t>
+              <a:t>© 2023, FLLTutorials.com, Last Edit 5/29/2023</a:t>
             </a:r>
           </a:p>
         </p:txBody>
@@ -21280,9 +21282,9 @@
             </a:lvl1pPr>
           </a:lstStyle>
           <a:p>
-            <a:fld id="{A83227AB-03CB-4A66-B72D-254F499AC392}" type="datetime1">
+            <a:fld id="{C941C8E3-A2F9-5E46-9D7B-5749F19C0E3B}" type="datetime1">
               <a:rPr lang="en-US" smtClean="0"/>
-              <a:t>6/11/18</a:t>
+              <a:t>5/29/23</a:t>
             </a:fld>
             <a:endParaRPr lang="en-US"/>
           </a:p>
@@ -21324,7 +21326,7 @@
           <a:p>
             <a:r>
               <a:rPr lang="en-US"/>
-              <a:t>© 2018, FLL Tutorials, Last Edit 6/11/2018</a:t>
+              <a:t>© 2023, FLLTutorials.com, Last Edit 5/29/2023</a:t>
             </a:r>
           </a:p>
         </p:txBody>
@@ -21596,9 +21598,9 @@
           <a:bodyPr/>
           <a:lstStyle/>
           <a:p>
-            <a:fld id="{79E76C16-FFB0-400D-8D7B-8F277497BE25}" type="datetime1">
+            <a:fld id="{8CD7307F-4CC3-464D-B988-509795AB9F3C}" type="datetime1">
               <a:rPr lang="en-US" smtClean="0"/>
-              <a:t>6/11/18</a:t>
+              <a:t>5/29/23</a:t>
             </a:fld>
             <a:endParaRPr lang="en-US"/>
           </a:p>
@@ -21629,7 +21631,7 @@
           <a:p>
             <a:r>
               <a:rPr lang="en-US"/>
-              <a:t>© 2018, FLL Tutorials, Last Edit 6/11/2018</a:t>
+              <a:t>© 2023, FLLTutorials.com, Last Edit 5/29/2023</a:t>
             </a:r>
           </a:p>
         </p:txBody>
@@ -21848,9 +21850,9 @@
           <a:bodyPr/>
           <a:lstStyle/>
           <a:p>
-            <a:fld id="{B28D6B16-3E2B-4055-8281-19ADB5083F04}" type="datetime1">
+            <a:fld id="{E6B5AF96-47FD-4241-A0D2-7CEAC0AB2917}" type="datetime1">
               <a:rPr lang="en-US" smtClean="0"/>
-              <a:t>6/11/18</a:t>
+              <a:t>5/29/23</a:t>
             </a:fld>
             <a:endParaRPr lang="en-US"/>
           </a:p>
@@ -21881,7 +21883,7 @@
           <a:p>
             <a:r>
               <a:rPr lang="en-US"/>
-              <a:t>© 2018, FLL Tutorials, Last Edit 6/11/2018</a:t>
+              <a:t>© 2023, FLLTutorials.com, Last Edit 5/29/2023</a:t>
             </a:r>
           </a:p>
         </p:txBody>
@@ -22105,9 +22107,9 @@
             </a:lvl1pPr>
           </a:lstStyle>
           <a:p>
-            <a:fld id="{D2520E7A-75CE-4D98-ABCF-25DD87DE19B3}" type="datetime1">
+            <a:fld id="{6CC78CE0-F628-5F4D-80DB-F1AA1D58E3AD}" type="datetime1">
               <a:rPr lang="en-US" smtClean="0"/>
-              <a:t>6/11/18</a:t>
+              <a:t>5/29/23</a:t>
             </a:fld>
             <a:endParaRPr lang="en-US"/>
           </a:p>
@@ -22138,7 +22140,7 @@
           <a:p>
             <a:r>
               <a:rPr lang="en-US"/>
-              <a:t>© 2018, FLL Tutorials, Last Edit 6/11/2018</a:t>
+              <a:t>© 2023, FLLTutorials.com, Last Edit 5/29/2023</a:t>
             </a:r>
           </a:p>
         </p:txBody>
@@ -22382,9 +22384,9 @@
           <a:bodyPr/>
           <a:lstStyle/>
           <a:p>
-            <a:fld id="{361000EB-2A2B-4056-8A87-975784C94963}" type="datetime1">
+            <a:fld id="{3131F1F2-7E06-2E4D-8656-D47A5EC413C9}" type="datetime1">
               <a:rPr lang="en-US" smtClean="0"/>
-              <a:t>6/11/18</a:t>
+              <a:t>5/29/23</a:t>
             </a:fld>
             <a:endParaRPr lang="en-US"/>
           </a:p>
@@ -22407,7 +22409,7 @@
           <a:p>
             <a:r>
               <a:rPr lang="en-US"/>
-              <a:t>© 2018, FLL Tutorials, Last Edit 6/11/2018</a:t>
+              <a:t>© 2023, FLLTutorials.com, Last Edit 5/29/2023</a:t>
             </a:r>
           </a:p>
         </p:txBody>
@@ -22682,9 +22684,9 @@
           <a:bodyPr/>
           <a:lstStyle/>
           <a:p>
-            <a:fld id="{02383E64-A9AE-4474-96E3-707CC87D386B}" type="datetime1">
+            <a:fld id="{D7B8D1C7-8764-934F-A052-B8EDC1ED3A42}" type="datetime1">
               <a:rPr lang="en-US" smtClean="0"/>
-              <a:t>6/11/18</a:t>
+              <a:t>5/29/23</a:t>
             </a:fld>
             <a:endParaRPr lang="en-US"/>
           </a:p>
@@ -22707,7 +22709,7 @@
           <a:p>
             <a:r>
               <a:rPr lang="en-US"/>
-              <a:t>© 2018, FLL Tutorials, Last Edit 6/11/2018</a:t>
+              <a:t>© 2023, FLLTutorials.com, Last Edit 5/29/2023</a:t>
             </a:r>
           </a:p>
         </p:txBody>
@@ -22983,9 +22985,9 @@
             </a:lvl1pPr>
           </a:lstStyle>
           <a:p>
-            <a:fld id="{3EC8A541-BD0A-4984-B269-BB9B28EE11C4}" type="datetime1">
+            <a:fld id="{519E89A6-DF48-E546-8E5A-EB20B69E5D23}" type="datetime1">
               <a:rPr lang="en-US" smtClean="0"/>
-              <a:t>6/11/18</a:t>
+              <a:t>5/29/23</a:t>
             </a:fld>
             <a:endParaRPr lang="en-US"/>
           </a:p>
@@ -23024,7 +23026,7 @@
           <a:p>
             <a:r>
               <a:rPr lang="en-US"/>
-              <a:t>© 2018, FLL Tutorials, Last Edit 6/11/2018</a:t>
+              <a:t>© 2023, FLLTutorials.com, Last Edit 5/29/2023</a:t>
             </a:r>
           </a:p>
         </p:txBody>
@@ -23935,9 +23937,9 @@
             </a:lvl1pPr>
           </a:lstStyle>
           <a:p>
-            <a:fld id="{20BEB72B-18B7-498F-83F5-39F866192278}" type="datetime1">
+            <a:fld id="{E91814C1-40BC-0A43-B923-BE8F200252E6}" type="datetime1">
               <a:rPr lang="en-US" smtClean="0"/>
-              <a:t>6/11/18</a:t>
+              <a:t>5/29/23</a:t>
             </a:fld>
             <a:endParaRPr lang="en-US"/>
           </a:p>
@@ -23976,7 +23978,7 @@
           <a:p>
             <a:r>
               <a:rPr lang="en-US"/>
-              <a:t>© 2018, FLL Tutorials, Last Edit 6/11/2018</a:t>
+              <a:t>© 2023, FLLTutorials.com, Last Edit 5/29/2023</a:t>
             </a:r>
           </a:p>
         </p:txBody>
@@ -24993,9 +24995,9 @@
             </a:lvl1pPr>
           </a:lstStyle>
           <a:p>
-            <a:fld id="{1AC543E0-735D-4416-82FD-864734D17152}" type="datetime1">
+            <a:fld id="{290D32B9-E4B6-ED4A-A80C-10C01B962E46}" type="datetime1">
               <a:rPr lang="en-US" smtClean="0"/>
-              <a:t>6/11/18</a:t>
+              <a:t>5/29/23</a:t>
             </a:fld>
             <a:endParaRPr lang="en-US"/>
           </a:p>
@@ -25036,7 +25038,7 @@
           <a:p>
             <a:r>
               <a:rPr lang="en-US"/>
-              <a:t>© 2018, FLL Tutorials, Last Edit 6/11/2018</a:t>
+              <a:t>© 2023, FLLTutorials.com, Last Edit 5/29/2023</a:t>
             </a:r>
           </a:p>
         </p:txBody>
@@ -25535,9 +25537,9 @@
             </a:lvl1pPr>
           </a:lstStyle>
           <a:p>
-            <a:fld id="{0510931B-3C3D-4F8E-9C31-2C6468FDD9FE}" type="datetime1">
+            <a:fld id="{FE13FA4E-4C34-7C40-BFD0-18AD4840B1BB}" type="datetime1">
               <a:rPr lang="en-US" smtClean="0"/>
-              <a:t>6/11/18</a:t>
+              <a:t>5/29/23</a:t>
             </a:fld>
             <a:endParaRPr lang="en-US"/>
           </a:p>
@@ -25576,7 +25578,7 @@
           <a:p>
             <a:r>
               <a:rPr lang="en-US"/>
-              <a:t>© 2018, FLL Tutorials, Last Edit 6/11/2018</a:t>
+              <a:t>© 2023, FLLTutorials.com, Last Edit 5/29/2023</a:t>
             </a:r>
           </a:p>
         </p:txBody>
@@ -26904,9 +26906,9 @@
             </a:lvl1pPr>
           </a:lstStyle>
           <a:p>
-            <a:fld id="{A58F9666-0961-4CE5-BDD7-5886D8B29A41}" type="datetime1">
+            <a:fld id="{2BE8B772-DF9C-1141-8261-A9D0CF0622FD}" type="datetime1">
               <a:rPr lang="en-US" smtClean="0"/>
-              <a:t>6/11/18</a:t>
+              <a:t>5/29/23</a:t>
             </a:fld>
             <a:endParaRPr lang="en-US"/>
           </a:p>
@@ -26945,7 +26947,7 @@
           <a:p>
             <a:r>
               <a:rPr lang="en-US"/>
-              <a:t>© 2018, FLL Tutorials, Last Edit 6/11/2018</a:t>
+              <a:t>© 2023, FLLTutorials.com, Last Edit 5/29/2023</a:t>
             </a:r>
           </a:p>
         </p:txBody>
@@ -27982,9 +27984,9 @@
             </a:lvl1pPr>
           </a:lstStyle>
           <a:p>
-            <a:fld id="{7EC62EA2-A671-4729-A8E2-5733A99E350D}" type="datetime1">
+            <a:fld id="{8DADE719-3782-BA47-A68D-9AF58FBE6AE9}" type="datetime1">
               <a:rPr lang="en-US" smtClean="0"/>
-              <a:t>6/11/18</a:t>
+              <a:t>5/29/23</a:t>
             </a:fld>
             <a:endParaRPr lang="en-US"/>
           </a:p>
@@ -28025,7 +28027,7 @@
           <a:p>
             <a:r>
               <a:rPr lang="en-US"/>
-              <a:t>© 2018, FLL Tutorials, Last Edit 6/11/2018</a:t>
+              <a:t>© 2023, FLLTutorials.com, Last Edit 5/29/2023</a:t>
             </a:r>
           </a:p>
         </p:txBody>
@@ -28644,9 +28646,9 @@
             </a:lvl1pPr>
           </a:lstStyle>
           <a:p>
-            <a:fld id="{3097F251-1ECB-4D59-8A57-8CFB4E06CA06}" type="datetime1">
+            <a:fld id="{BBDA5CD3-8491-7246-AD58-67B2EBEC7C89}" type="datetime1">
               <a:rPr lang="en-US" smtClean="0"/>
-              <a:t>6/11/18</a:t>
+              <a:t>5/29/23</a:t>
             </a:fld>
             <a:endParaRPr lang="en-US"/>
           </a:p>
@@ -28694,7 +28696,7 @@
           <a:p>
             <a:r>
               <a:rPr lang="en-US"/>
-              <a:t>© 2018, FLL Tutorials, Last Edit 6/11/2018</a:t>
+              <a:t>© 2023, FLLTutorials.com, Last Edit 5/29/2023</a:t>
             </a:r>
           </a:p>
         </p:txBody>
@@ -29236,6 +29238,417 @@
       </p:grpSpPr>
       <p:sp>
         <p:nvSpPr>
+          <p:cNvPr id="2" name="Title 1">
+            <a:extLst>
+              <a:ext uri="{FF2B5EF4-FFF2-40B4-BE49-F238E27FC236}">
+                <a16:creationId xmlns:a16="http://schemas.microsoft.com/office/drawing/2014/main" id="{96071826-653C-B181-1EDE-35934284CA1D}"/>
+              </a:ext>
+            </a:extLst>
+          </p:cNvPr>
+          <p:cNvSpPr>
+            <a:spLocks noGrp="1"/>
+          </p:cNvSpPr>
+          <p:nvPr>
+            <p:ph type="title"/>
+          </p:nvPr>
+        </p:nvSpPr>
+        <p:spPr/>
+        <p:txBody>
+          <a:bodyPr/>
+          <a:lstStyle/>
+          <a:p>
+            <a:r>
+              <a:rPr lang="en-US" dirty="0"/>
+              <a:t>SPIKE PRIME CASTER</a:t>
+            </a:r>
+          </a:p>
+        </p:txBody>
+      </p:sp>
+      <p:sp>
+        <p:nvSpPr>
+          <p:cNvPr id="3" name="Content Placeholder 2">
+            <a:extLst>
+              <a:ext uri="{FF2B5EF4-FFF2-40B4-BE49-F238E27FC236}">
+                <a16:creationId xmlns:a16="http://schemas.microsoft.com/office/drawing/2014/main" id="{59F07F17-F67D-3574-D014-FE07193B8C66}"/>
+              </a:ext>
+            </a:extLst>
+          </p:cNvPr>
+          <p:cNvSpPr>
+            <a:spLocks noGrp="1"/>
+          </p:cNvSpPr>
+          <p:nvPr>
+            <p:ph idx="1"/>
+          </p:nvPr>
+        </p:nvSpPr>
+        <p:spPr>
+          <a:xfrm>
+            <a:off x="448092" y="1505583"/>
+            <a:ext cx="3834542" cy="4353215"/>
+          </a:xfrm>
+        </p:spPr>
+        <p:txBody>
+          <a:bodyPr>
+            <a:normAutofit/>
+          </a:bodyPr>
+          <a:lstStyle/>
+          <a:p>
+            <a:r>
+              <a:rPr lang="en-US" sz="2400" dirty="0"/>
+              <a:t>The ball in the caster wheel can be removed by using some floss</a:t>
+            </a:r>
+          </a:p>
+          <a:p>
+            <a:endParaRPr lang="en-US" sz="2400" dirty="0"/>
+          </a:p>
+        </p:txBody>
+      </p:sp>
+      <p:sp>
+        <p:nvSpPr>
+          <p:cNvPr id="4" name="Footer Placeholder 3">
+            <a:extLst>
+              <a:ext uri="{FF2B5EF4-FFF2-40B4-BE49-F238E27FC236}">
+                <a16:creationId xmlns:a16="http://schemas.microsoft.com/office/drawing/2014/main" id="{C1FC521C-4FE3-34CE-38F5-DE87EA5F7062}"/>
+              </a:ext>
+            </a:extLst>
+          </p:cNvPr>
+          <p:cNvSpPr>
+            <a:spLocks noGrp="1"/>
+          </p:cNvSpPr>
+          <p:nvPr>
+            <p:ph type="ftr" sz="quarter" idx="11"/>
+          </p:nvPr>
+        </p:nvSpPr>
+        <p:spPr/>
+        <p:txBody>
+          <a:bodyPr/>
+          <a:lstStyle/>
+          <a:p>
+            <a:r>
+              <a:rPr lang="en-US"/>
+              <a:t>© 2023, FLLTutorials.com, Last Edit 5/29/2023</a:t>
+            </a:r>
+          </a:p>
+        </p:txBody>
+      </p:sp>
+      <p:pic>
+        <p:nvPicPr>
+          <p:cNvPr id="5" name="Content Placeholder 10" descr="A picture containing clock&#10;&#10;Description automatically generated">
+            <a:extLst>
+              <a:ext uri="{FF2B5EF4-FFF2-40B4-BE49-F238E27FC236}">
+                <a16:creationId xmlns:a16="http://schemas.microsoft.com/office/drawing/2014/main" id="{5CF23CB1-98C3-9E3B-6975-DC76375A2A85}"/>
+              </a:ext>
+            </a:extLst>
+          </p:cNvPr>
+          <p:cNvPicPr>
+            <a:picLocks noChangeAspect="1"/>
+          </p:cNvPicPr>
+          <p:nvPr/>
+        </p:nvPicPr>
+        <p:blipFill rotWithShape="1">
+          <a:blip r:embed="rId2"/>
+          <a:srcRect l="63714" t="13068" r="26680" b="71681"/>
+          <a:stretch/>
+        </p:blipFill>
+        <p:spPr>
+          <a:xfrm>
+            <a:off x="4655146" y="1284271"/>
+            <a:ext cx="3907662" cy="3489758"/>
+          </a:xfrm>
+          <a:prstGeom prst="rect">
+            <a:avLst/>
+          </a:prstGeom>
+          <a:noFill/>
+        </p:spPr>
+      </p:pic>
+    </p:spTree>
+    <p:extLst>
+      <p:ext uri="{BB962C8B-B14F-4D97-AF65-F5344CB8AC3E}">
+        <p14:creationId xmlns:p14="http://schemas.microsoft.com/office/powerpoint/2010/main" val="2694819901"/>
+      </p:ext>
+    </p:extLst>
+  </p:cSld>
+  <p:clrMapOvr>
+    <a:masterClrMapping/>
+  </p:clrMapOvr>
+</p:sld>
+</file>
+
+<file path=ppt/slides/slide11.xml><?xml version="1.0" encoding="utf-8"?>
+<p:sld xmlns:a="http://schemas.openxmlformats.org/drawingml/2006/main" xmlns:r="http://schemas.openxmlformats.org/officeDocument/2006/relationships" xmlns:p="http://schemas.openxmlformats.org/presentationml/2006/main">
+  <p:cSld>
+    <p:spTree>
+      <p:nvGrpSpPr>
+        <p:cNvPr id="1" name=""/>
+        <p:cNvGrpSpPr/>
+        <p:nvPr/>
+      </p:nvGrpSpPr>
+      <p:grpSpPr>
+        <a:xfrm>
+          <a:off x="0" y="0"/>
+          <a:ext cx="0" cy="0"/>
+          <a:chOff x="0" y="0"/>
+          <a:chExt cx="0" cy="0"/>
+        </a:xfrm>
+      </p:grpSpPr>
+      <p:sp>
+        <p:nvSpPr>
+          <p:cNvPr id="2" name="Title 1"/>
+          <p:cNvSpPr>
+            <a:spLocks noGrp="1"/>
+          </p:cNvSpPr>
+          <p:nvPr>
+            <p:ph type="title"/>
+          </p:nvPr>
+        </p:nvSpPr>
+        <p:spPr/>
+        <p:txBody>
+          <a:bodyPr/>
+          <a:lstStyle/>
+          <a:p>
+            <a:r>
+              <a:rPr lang="en-US" dirty="0"/>
+              <a:t>Wheels for other uses</a:t>
+            </a:r>
+          </a:p>
+        </p:txBody>
+      </p:sp>
+      <p:sp>
+        <p:nvSpPr>
+          <p:cNvPr id="3" name="Content Placeholder 2"/>
+          <p:cNvSpPr>
+            <a:spLocks noGrp="1"/>
+          </p:cNvSpPr>
+          <p:nvPr>
+            <p:ph idx="1"/>
+          </p:nvPr>
+        </p:nvSpPr>
+        <p:spPr>
+          <a:xfrm>
+            <a:off x="457200" y="1445164"/>
+            <a:ext cx="8245474" cy="4373563"/>
+          </a:xfrm>
+        </p:spPr>
+        <p:txBody>
+          <a:bodyPr>
+            <a:normAutofit/>
+          </a:bodyPr>
+          <a:lstStyle/>
+          <a:p>
+            <a:r>
+              <a:rPr lang="en-US" sz="2400" dirty="0"/>
+              <a:t>Riding wheels can help your robot drive along walls. </a:t>
+            </a:r>
+          </a:p>
+          <a:p>
+            <a:r>
+              <a:rPr lang="en-US" sz="2400" dirty="0"/>
+              <a:t>FLL Tip: Make sure that they are installed at the correct height for your table (at home or at competition). You might have either 2X4 or 2X3 wood as walls.</a:t>
+            </a:r>
+          </a:p>
+          <a:p>
+            <a:endParaRPr lang="en-US" sz="2400" dirty="0"/>
+          </a:p>
+        </p:txBody>
+      </p:sp>
+      <p:sp>
+        <p:nvSpPr>
+          <p:cNvPr id="4" name="Footer Placeholder 3"/>
+          <p:cNvSpPr>
+            <a:spLocks noGrp="1"/>
+          </p:cNvSpPr>
+          <p:nvPr>
+            <p:ph type="ftr" sz="quarter" idx="11"/>
+          </p:nvPr>
+        </p:nvSpPr>
+        <p:spPr/>
+        <p:txBody>
+          <a:bodyPr/>
+          <a:lstStyle/>
+          <a:p>
+            <a:r>
+              <a:rPr lang="en-US"/>
+              <a:t>© 2023, FLLTutorials.com, Last Edit 5/29/2023</a:t>
+            </a:r>
+          </a:p>
+        </p:txBody>
+      </p:sp>
+      <p:pic>
+        <p:nvPicPr>
+          <p:cNvPr id="6" name="Picture 5"/>
+          <p:cNvPicPr>
+            <a:picLocks noChangeAspect="1"/>
+          </p:cNvPicPr>
+          <p:nvPr/>
+        </p:nvPicPr>
+        <p:blipFill>
+          <a:blip r:embed="rId2"/>
+          <a:stretch>
+            <a:fillRect/>
+          </a:stretch>
+        </p:blipFill>
+        <p:spPr>
+          <a:xfrm>
+            <a:off x="4911437" y="3146270"/>
+            <a:ext cx="3187700" cy="3187700"/>
+          </a:xfrm>
+          <a:prstGeom prst="rect">
+            <a:avLst/>
+          </a:prstGeom>
+        </p:spPr>
+      </p:pic>
+      <p:pic>
+        <p:nvPicPr>
+          <p:cNvPr id="7" name="Picture 6"/>
+          <p:cNvPicPr>
+            <a:picLocks noChangeAspect="1"/>
+          </p:cNvPicPr>
+          <p:nvPr/>
+        </p:nvPicPr>
+        <p:blipFill rotWithShape="1">
+          <a:blip r:embed="rId3" cstate="print">
+            <a:extLst>
+              <a:ext uri="{28A0092B-C50C-407E-A947-70E740481C1C}">
+                <a14:useLocalDpi xmlns:a14="http://schemas.microsoft.com/office/drawing/2010/main"/>
+              </a:ext>
+            </a:extLst>
+          </a:blip>
+          <a:srcRect/>
+          <a:stretch/>
+        </p:blipFill>
+        <p:spPr>
+          <a:xfrm>
+            <a:off x="1307939" y="3393701"/>
+            <a:ext cx="3603498" cy="2940269"/>
+          </a:xfrm>
+          <a:prstGeom prst="rect">
+            <a:avLst/>
+          </a:prstGeom>
+        </p:spPr>
+      </p:pic>
+      <p:sp>
+        <p:nvSpPr>
+          <p:cNvPr id="8" name="Oval 7"/>
+          <p:cNvSpPr/>
+          <p:nvPr/>
+        </p:nvSpPr>
+        <p:spPr>
+          <a:xfrm>
+            <a:off x="7269522" y="4870137"/>
+            <a:ext cx="754256" cy="692727"/>
+          </a:xfrm>
+          <a:prstGeom prst="ellipse">
+            <a:avLst/>
+          </a:prstGeom>
+          <a:noFill/>
+          <a:ln>
+            <a:solidFill>
+              <a:srgbClr val="FF0000"/>
+            </a:solidFill>
+          </a:ln>
+        </p:spPr>
+        <p:style>
+          <a:lnRef idx="2">
+            <a:schemeClr val="accent1">
+              <a:shade val="50000"/>
+            </a:schemeClr>
+          </a:lnRef>
+          <a:fillRef idx="1">
+            <a:schemeClr val="accent1"/>
+          </a:fillRef>
+          <a:effectRef idx="0">
+            <a:schemeClr val="accent1"/>
+          </a:effectRef>
+          <a:fontRef idx="minor">
+            <a:schemeClr val="lt1"/>
+          </a:fontRef>
+        </p:style>
+        <p:txBody>
+          <a:bodyPr rtlCol="0" anchor="ctr"/>
+          <a:lstStyle/>
+          <a:p>
+            <a:pPr algn="ctr"/>
+            <a:endParaRPr lang="en-US"/>
+          </a:p>
+        </p:txBody>
+      </p:sp>
+      <p:sp>
+        <p:nvSpPr>
+          <p:cNvPr id="9" name="Oval 8"/>
+          <p:cNvSpPr/>
+          <p:nvPr/>
+        </p:nvSpPr>
+        <p:spPr>
+          <a:xfrm>
+            <a:off x="4157181" y="4708572"/>
+            <a:ext cx="754256" cy="692727"/>
+          </a:xfrm>
+          <a:prstGeom prst="ellipse">
+            <a:avLst/>
+          </a:prstGeom>
+          <a:noFill/>
+          <a:ln>
+            <a:solidFill>
+              <a:srgbClr val="FF0000"/>
+            </a:solidFill>
+          </a:ln>
+        </p:spPr>
+        <p:style>
+          <a:lnRef idx="2">
+            <a:schemeClr val="accent1">
+              <a:shade val="50000"/>
+            </a:schemeClr>
+          </a:lnRef>
+          <a:fillRef idx="1">
+            <a:schemeClr val="accent1"/>
+          </a:fillRef>
+          <a:effectRef idx="0">
+            <a:schemeClr val="accent1"/>
+          </a:effectRef>
+          <a:fontRef idx="minor">
+            <a:schemeClr val="lt1"/>
+          </a:fontRef>
+        </p:style>
+        <p:txBody>
+          <a:bodyPr rtlCol="0" anchor="ctr"/>
+          <a:lstStyle/>
+          <a:p>
+            <a:pPr algn="ctr"/>
+            <a:endParaRPr lang="en-US"/>
+          </a:p>
+        </p:txBody>
+      </p:sp>
+    </p:spTree>
+    <p:extLst>
+      <p:ext uri="{BB962C8B-B14F-4D97-AF65-F5344CB8AC3E}">
+        <p14:creationId xmlns:p14="http://schemas.microsoft.com/office/powerpoint/2010/main" val="475595591"/>
+      </p:ext>
+    </p:extLst>
+  </p:cSld>
+  <p:clrMapOvr>
+    <a:masterClrMapping/>
+  </p:clrMapOvr>
+</p:sld>
+</file>
+
+<file path=ppt/slides/slide12.xml><?xml version="1.0" encoding="utf-8"?>
+<p:sld xmlns:a="http://schemas.openxmlformats.org/drawingml/2006/main" xmlns:r="http://schemas.openxmlformats.org/officeDocument/2006/relationships" xmlns:p="http://schemas.openxmlformats.org/presentationml/2006/main">
+  <p:cSld>
+    <p:spTree>
+      <p:nvGrpSpPr>
+        <p:cNvPr id="1" name=""/>
+        <p:cNvGrpSpPr/>
+        <p:nvPr/>
+      </p:nvGrpSpPr>
+      <p:grpSpPr>
+        <a:xfrm>
+          <a:off x="0" y="0"/>
+          <a:ext cx="0" cy="0"/>
+          <a:chOff x="0" y="0"/>
+          <a:chExt cx="0" cy="0"/>
+        </a:xfrm>
+      </p:grpSpPr>
+      <p:sp>
+        <p:nvSpPr>
           <p:cNvPr id="2" name="Title 1"/>
           <p:cNvSpPr>
             <a:spLocks noGrp="1"/>
@@ -29316,7 +29729,7 @@
           <a:p>
             <a:r>
               <a:rPr lang="en-US"/>
-              <a:t>© 2018, FLL Tutorials, Last Edit 6/11/2018</a:t>
+              <a:t>© 2023, FLLTutorials.com, Last Edit 5/29/2023</a:t>
             </a:r>
           </a:p>
         </p:txBody>
@@ -29364,7 +29777,7 @@
 </p:sld>
 </file>
 
-<file path=ppt/slides/slide11.xml><?xml version="1.0" encoding="utf-8"?>
+<file path=ppt/slides/slide13.xml><?xml version="1.0" encoding="utf-8"?>
 <p:sld xmlns:a="http://schemas.openxmlformats.org/drawingml/2006/main" xmlns:r="http://schemas.openxmlformats.org/officeDocument/2006/relationships" xmlns:p="http://schemas.openxmlformats.org/presentationml/2006/main">
   <p:cSld>
     <p:spTree>
@@ -29459,11 +29872,21 @@
             </a:r>
             <a:r>
               <a:rPr lang="en-US" sz="2800" dirty="0"/>
-              <a:t> and </a:t>
+              <a:t>, </a:t>
             </a:r>
             <a:r>
               <a:rPr lang="en-US" sz="2800" dirty="0">
                 <a:hlinkClick r:id="rId4"/>
+              </a:rPr>
+              <a:t>www.primelessons.org</a:t>
+            </a:r>
+            <a:r>
+              <a:rPr lang="en-US" sz="2800" dirty="0"/>
+              <a:t> and </a:t>
+            </a:r>
+            <a:r>
+              <a:rPr lang="en-US" sz="2800" dirty="0">
+                <a:hlinkClick r:id="rId5"/>
               </a:rPr>
               <a:t>www.flltutorials.com</a:t>
             </a:r>
@@ -29506,7 +29929,7 @@
           <a:p>
             <a:r>
               <a:rPr lang="en-US"/>
-              <a:t>© 2018, FLL Tutorials, Last Edit 6/11/2018</a:t>
+              <a:t>© 2023, FLLTutorials.com, Last Edit 5/29/2023</a:t>
             </a:r>
           </a:p>
         </p:txBody>
@@ -29755,7 +30178,7 @@
                 </a:solidFill>
                 <a:effectLst/>
                 <a:latin typeface="Helvetica Neue"/>
-                <a:hlinkClick r:id="rId5"/>
+                <a:hlinkClick r:id="rId6"/>
               </a:rPr>
               <a:t>Creative Commons Attribution-</a:t>
             </a:r>
@@ -29769,7 +30192,7 @@
                 </a:solidFill>
                 <a:effectLst/>
                 <a:latin typeface="Helvetica Neue"/>
-                <a:hlinkClick r:id="rId5"/>
+                <a:hlinkClick r:id="rId6"/>
               </a:rPr>
               <a:t>NonCommercial</a:t>
             </a:r>
@@ -29783,7 +30206,7 @@
                 </a:solidFill>
                 <a:effectLst/>
                 <a:latin typeface="Helvetica Neue"/>
-                <a:hlinkClick r:id="rId5"/>
+                <a:hlinkClick r:id="rId6"/>
               </a:rPr>
               <a:t>-</a:t>
             </a:r>
@@ -29797,7 +30220,7 @@
                 </a:solidFill>
                 <a:effectLst/>
                 <a:latin typeface="Helvetica Neue"/>
-                <a:hlinkClick r:id="rId5"/>
+                <a:hlinkClick r:id="rId6"/>
               </a:rPr>
               <a:t>ShareAlike</a:t>
             </a:r>
@@ -29811,7 +30234,7 @@
                 </a:solidFill>
                 <a:effectLst/>
                 <a:latin typeface="Helvetica Neue"/>
-                <a:hlinkClick r:id="rId5"/>
+                <a:hlinkClick r:id="rId6"/>
               </a:rPr>
               <a:t> 4.0 International License</a:t>
             </a:r>
@@ -29856,7 +30279,7 @@
       <p:pic>
         <p:nvPicPr>
           <p:cNvPr id="6" name="Picture 2" descr="Creative Commons License">
-            <a:hlinkClick r:id="rId5"/>
+            <a:hlinkClick r:id="rId6"/>
           </p:cNvPr>
           <p:cNvPicPr>
             <a:picLocks noChangeAspect="1" noChangeArrowheads="1"/>
@@ -29864,7 +30287,7 @@
           <p:nvPr/>
         </p:nvPicPr>
         <p:blipFill>
-          <a:blip r:embed="rId6">
+          <a:blip r:embed="rId7">
             <a:extLst>
               <a:ext uri="{28A0092B-C50C-407E-A947-70E740481C1C}">
                 <a14:useLocalDpi xmlns:a14="http://schemas.microsoft.com/office/drawing/2010/main"/>
@@ -29965,7 +30388,7 @@
           <a:p>
             <a:r>
               <a:rPr lang="en-US"/>
-              <a:t>© 2018, FLL Tutorials, Last Edit 6/11/2018</a:t>
+              <a:t>© 2023, FLLTutorials.com, Last Edit 5/29/2023</a:t>
             </a:r>
           </a:p>
         </p:txBody>
@@ -30376,6 +30799,203 @@
       </p:grpSpPr>
       <p:sp>
         <p:nvSpPr>
+          <p:cNvPr id="2" name="Title 1">
+            <a:extLst>
+              <a:ext uri="{FF2B5EF4-FFF2-40B4-BE49-F238E27FC236}">
+                <a16:creationId xmlns:a16="http://schemas.microsoft.com/office/drawing/2014/main" id="{F1D91927-4D54-2E11-8327-5371C6396331}"/>
+              </a:ext>
+            </a:extLst>
+          </p:cNvPr>
+          <p:cNvSpPr>
+            <a:spLocks noGrp="1"/>
+          </p:cNvSpPr>
+          <p:nvPr>
+            <p:ph type="title"/>
+          </p:nvPr>
+        </p:nvSpPr>
+        <p:spPr/>
+        <p:txBody>
+          <a:bodyPr/>
+          <a:lstStyle/>
+          <a:p>
+            <a:r>
+              <a:rPr lang="en-US" dirty="0"/>
+              <a:t>SPIKE PRIME WHEELS</a:t>
+            </a:r>
+          </a:p>
+        </p:txBody>
+      </p:sp>
+      <p:sp>
+        <p:nvSpPr>
+          <p:cNvPr id="3" name="Content Placeholder 2">
+            <a:extLst>
+              <a:ext uri="{FF2B5EF4-FFF2-40B4-BE49-F238E27FC236}">
+                <a16:creationId xmlns:a16="http://schemas.microsoft.com/office/drawing/2014/main" id="{174B3B79-E373-7E10-DA5A-D6AF2C720C44}"/>
+              </a:ext>
+            </a:extLst>
+          </p:cNvPr>
+          <p:cNvSpPr>
+            <a:spLocks noGrp="1"/>
+          </p:cNvSpPr>
+          <p:nvPr>
+            <p:ph idx="1"/>
+          </p:nvPr>
+        </p:nvSpPr>
+        <p:spPr>
+          <a:xfrm>
+            <a:off x="448091" y="1505583"/>
+            <a:ext cx="8209772" cy="4353215"/>
+          </a:xfrm>
+        </p:spPr>
+        <p:txBody>
+          <a:bodyPr>
+            <a:normAutofit/>
+          </a:bodyPr>
+          <a:lstStyle/>
+          <a:p>
+            <a:r>
+              <a:rPr lang="en-US" sz="1600" dirty="0"/>
+              <a:t>The rubber tire is molded on to the rim.  Therefore, they will not slip off the rim as many LEGO tires do.</a:t>
+            </a:r>
+          </a:p>
+          <a:p>
+            <a:r>
+              <a:rPr lang="en-US" sz="1600" dirty="0"/>
+              <a:t>The small tire is 56 X14 (same size as the wheel in the EV3 Core set) and the large tire is 88 X 14</a:t>
+            </a:r>
+          </a:p>
+          <a:p>
+            <a:r>
+              <a:rPr lang="en-US" sz="1600" dirty="0"/>
+              <a:t>In SPIKE Prime, you get four 56 X14 tires in the Core Set and an additional four 88 X 14 in the Expansion Set</a:t>
+            </a:r>
+          </a:p>
+          <a:p>
+            <a:r>
+              <a:rPr lang="en-US" sz="1600" dirty="0"/>
+              <a:t>While these tires are firm, teams often complain that that they get dirty very easily and lack enough friction. Because these tires tend to slip on the challenge mat, teams who use these wheels have to clean the tires often.</a:t>
+            </a:r>
+          </a:p>
+        </p:txBody>
+      </p:sp>
+      <p:sp>
+        <p:nvSpPr>
+          <p:cNvPr id="4" name="Footer Placeholder 3">
+            <a:extLst>
+              <a:ext uri="{FF2B5EF4-FFF2-40B4-BE49-F238E27FC236}">
+                <a16:creationId xmlns:a16="http://schemas.microsoft.com/office/drawing/2014/main" id="{DF7C3767-A1DA-F32A-EA5B-DD25357DBCC7}"/>
+              </a:ext>
+            </a:extLst>
+          </p:cNvPr>
+          <p:cNvSpPr>
+            <a:spLocks noGrp="1"/>
+          </p:cNvSpPr>
+          <p:nvPr>
+            <p:ph type="ftr" sz="quarter" idx="11"/>
+          </p:nvPr>
+        </p:nvSpPr>
+        <p:spPr/>
+        <p:txBody>
+          <a:bodyPr/>
+          <a:lstStyle/>
+          <a:p>
+            <a:r>
+              <a:rPr lang="en-US"/>
+              <a:t>© 2023, FLLTutorials.com, Last Edit 5/29/2023</a:t>
+            </a:r>
+          </a:p>
+        </p:txBody>
+      </p:sp>
+      <p:pic>
+        <p:nvPicPr>
+          <p:cNvPr id="5" name="Picture 4" descr="A picture containing object, clock, blue&#10;&#10;Description automatically generated">
+            <a:extLst>
+              <a:ext uri="{FF2B5EF4-FFF2-40B4-BE49-F238E27FC236}">
+                <a16:creationId xmlns:a16="http://schemas.microsoft.com/office/drawing/2014/main" id="{09C28491-89C6-D616-B04F-957C643CA428}"/>
+              </a:ext>
+            </a:extLst>
+          </p:cNvPr>
+          <p:cNvPicPr>
+            <a:picLocks noChangeAspect="1"/>
+          </p:cNvPicPr>
+          <p:nvPr/>
+        </p:nvPicPr>
+        <p:blipFill rotWithShape="1">
+          <a:blip r:embed="rId2"/>
+          <a:srcRect l="29141" t="40444" r="29622"/>
+          <a:stretch/>
+        </p:blipFill>
+        <p:spPr>
+          <a:xfrm>
+            <a:off x="4692324" y="3836015"/>
+            <a:ext cx="2155212" cy="2334510"/>
+          </a:xfrm>
+          <a:prstGeom prst="rect">
+            <a:avLst/>
+          </a:prstGeom>
+        </p:spPr>
+      </p:pic>
+      <p:pic>
+        <p:nvPicPr>
+          <p:cNvPr id="6" name="Picture 5" descr="A picture containing object, clock, blue&#10;&#10;Description automatically generated">
+            <a:extLst>
+              <a:ext uri="{FF2B5EF4-FFF2-40B4-BE49-F238E27FC236}">
+                <a16:creationId xmlns:a16="http://schemas.microsoft.com/office/drawing/2014/main" id="{3937CFAA-3C37-29C7-3B1F-07268B020DD6}"/>
+              </a:ext>
+            </a:extLst>
+          </p:cNvPr>
+          <p:cNvPicPr>
+            <a:picLocks noChangeAspect="1"/>
+          </p:cNvPicPr>
+          <p:nvPr/>
+        </p:nvPicPr>
+        <p:blipFill rotWithShape="1">
+          <a:blip r:embed="rId2"/>
+          <a:srcRect l="29141" r="29622" b="59556"/>
+          <a:stretch/>
+        </p:blipFill>
+        <p:spPr>
+          <a:xfrm>
+            <a:off x="2203768" y="4263150"/>
+            <a:ext cx="2155212" cy="1585361"/>
+          </a:xfrm>
+          <a:prstGeom prst="rect">
+            <a:avLst/>
+          </a:prstGeom>
+        </p:spPr>
+      </p:pic>
+    </p:spTree>
+    <p:extLst>
+      <p:ext uri="{BB962C8B-B14F-4D97-AF65-F5344CB8AC3E}">
+        <p14:creationId xmlns:p14="http://schemas.microsoft.com/office/powerpoint/2010/main" val="2402791449"/>
+      </p:ext>
+    </p:extLst>
+  </p:cSld>
+  <p:clrMapOvr>
+    <a:masterClrMapping/>
+  </p:clrMapOvr>
+</p:sld>
+</file>
+
+<file path=ppt/slides/slide4.xml><?xml version="1.0" encoding="utf-8"?>
+<p:sld xmlns:a="http://schemas.openxmlformats.org/drawingml/2006/main" xmlns:r="http://schemas.openxmlformats.org/officeDocument/2006/relationships" xmlns:p="http://schemas.openxmlformats.org/presentationml/2006/main">
+  <p:cSld>
+    <p:spTree>
+      <p:nvGrpSpPr>
+        <p:cNvPr id="1" name=""/>
+        <p:cNvGrpSpPr/>
+        <p:nvPr/>
+      </p:nvGrpSpPr>
+      <p:grpSpPr>
+        <a:xfrm>
+          <a:off x="0" y="0"/>
+          <a:ext cx="0" cy="0"/>
+          <a:chOff x="0" y="0"/>
+          <a:chExt cx="0" cy="0"/>
+        </a:xfrm>
+      </p:grpSpPr>
+      <p:sp>
+        <p:nvSpPr>
           <p:cNvPr id="2" name="Title 1"/>
           <p:cNvSpPr>
             <a:spLocks noGrp="1"/>
@@ -30450,7 +31070,7 @@
             </a:r>
             <a:r>
               <a:rPr lang="en-US" dirty="0"/>
-              <a:t> (see page 10)</a:t>
+              <a:t> (see page 12)</a:t>
             </a:r>
           </a:p>
           <a:p>
@@ -30478,7 +31098,7 @@
           <a:p>
             <a:r>
               <a:rPr lang="en-US"/>
-              <a:t>© 2018, FLL Tutorials, Last Edit 6/11/2018</a:t>
+              <a:t>© 2023, FLLTutorials.com, Last Edit 5/29/2023</a:t>
             </a:r>
           </a:p>
         </p:txBody>
@@ -30587,7 +31207,7 @@
 </p:sld>
 </file>
 
-<file path=ppt/slides/slide4.xml><?xml version="1.0" encoding="utf-8"?>
+<file path=ppt/slides/slide5.xml><?xml version="1.0" encoding="utf-8"?>
 <p:sld xmlns:a="http://schemas.openxmlformats.org/drawingml/2006/main" xmlns:r="http://schemas.openxmlformats.org/officeDocument/2006/relationships" xmlns:p="http://schemas.openxmlformats.org/presentationml/2006/main">
   <p:cSld>
     <p:spTree>
@@ -30679,7 +31299,7 @@
           <a:p>
             <a:r>
               <a:rPr lang="en-US"/>
-              <a:t>© 2018, FLL Tutorials, Last Edit 6/11/2018</a:t>
+              <a:t>© 2023, FLLTutorials.com, Last Edit 5/29/2023</a:t>
             </a:r>
           </a:p>
         </p:txBody>
@@ -30694,7 +31314,7 @@
         </p:nvSpPr>
         <p:spPr>
           <a:xfrm>
-            <a:off x="2369127" y="5694218"/>
+            <a:off x="2500560" y="5754946"/>
             <a:ext cx="6333546" cy="431945"/>
           </a:xfrm>
           <a:prstGeom prst="rect">
@@ -30711,7 +31331,7 @@
         </p:spPr>
         <p:txBody>
           <a:bodyPr vert="horz" lIns="91440" tIns="45720" rIns="91440" bIns="45720" rtlCol="0">
-            <a:normAutofit/>
+            <a:normAutofit fontScale="92500"/>
           </a:bodyPr>
           <a:lstStyle>
             <a:lvl1pPr marL="0" indent="0" algn="l" defTabSz="914400" rtl="0" eaLnBrk="1" latinLnBrk="0" hangingPunct="1">
@@ -30879,17 +31499,12 @@
           </a:lstStyle>
           <a:p>
             <a:r>
-              <a:rPr lang="en-US" dirty="0"/>
-              <a:t>http://ev3lessons.com/resources/</a:t>
-            </a:r>
-            <a:r>
-              <a:rPr lang="en-US" dirty="0" err="1"/>
-              <a:t>wheelconverter</a:t>
-            </a:r>
-            <a:r>
-              <a:rPr lang="en-US" dirty="0"/>
-              <a:t>/</a:t>
-            </a:r>
+              <a:rPr lang="en-US" dirty="0">
+                <a:hlinkClick r:id="rId3"/>
+              </a:rPr>
+              <a:t>https://ev3lessons.com/en/Resources/WheelConverter/</a:t>
+            </a:r>
+            <a:endParaRPr lang="en-US" dirty="0"/>
           </a:p>
         </p:txBody>
       </p:sp>
@@ -30906,7 +31521,7 @@
 </p:sld>
 </file>
 
-<file path=ppt/slides/slide5.xml><?xml version="1.0" encoding="utf-8"?>
+<file path=ppt/slides/slide6.xml><?xml version="1.0" encoding="utf-8"?>
 <p:sld xmlns:a="http://schemas.openxmlformats.org/drawingml/2006/main" xmlns:r="http://schemas.openxmlformats.org/officeDocument/2006/relationships" xmlns:p="http://schemas.openxmlformats.org/presentationml/2006/main">
   <p:cSld>
     <p:spTree>
@@ -30969,7 +31584,15 @@
           <a:p>
             <a:r>
               <a:rPr lang="en-US" dirty="0"/>
-              <a:t>“Best” Wheels for FIRST LEGO LEAGUE</a:t>
+              <a:t>“Best” Wheels for </a:t>
+            </a:r>
+            <a:r>
+              <a:rPr lang="en-US" i="1" dirty="0"/>
+              <a:t>FIRST</a:t>
+            </a:r>
+            <a:r>
+              <a:rPr lang="en-US" dirty="0"/>
+              <a:t> LEGO LEAGUE</a:t>
             </a:r>
           </a:p>
         </p:txBody>
@@ -31067,7 +31690,7 @@
           <a:p>
             <a:r>
               <a:rPr lang="en-US"/>
-              <a:t>© 2018, FLL Tutorials, Last Edit 6/11/2018</a:t>
+              <a:t>© 2023, FLLTutorials.com, Last Edit 5/29/2023</a:t>
             </a:r>
             <a:endParaRPr lang="en-US" dirty="0"/>
           </a:p>
@@ -31295,7 +31918,7 @@
 </p:sld>
 </file>
 
-<file path=ppt/slides/slide6.xml><?xml version="1.0" encoding="utf-8"?>
+<file path=ppt/slides/slide7.xml><?xml version="1.0" encoding="utf-8"?>
 <p:sld xmlns:a="http://schemas.openxmlformats.org/drawingml/2006/main" xmlns:r="http://schemas.openxmlformats.org/officeDocument/2006/relationships" xmlns:p="http://schemas.openxmlformats.org/presentationml/2006/main">
   <p:cSld>
     <p:spTree>
@@ -31447,7 +32070,7 @@
           <a:p>
             <a:r>
               <a:rPr lang="en-US"/>
-              <a:t>© 2018, FLL Tutorials, Last Edit 6/11/2018</a:t>
+              <a:t>© 2023, FLLTutorials.com, Last Edit 5/29/2023</a:t>
             </a:r>
           </a:p>
         </p:txBody>
@@ -31523,7 +32146,7 @@
 </p:sld>
 </file>
 
-<file path=ppt/slides/slide7.xml><?xml version="1.0" encoding="utf-8"?>
+<file path=ppt/slides/slide8.xml><?xml version="1.0" encoding="utf-8"?>
 <p:sld xmlns:a="http://schemas.openxmlformats.org/drawingml/2006/main" xmlns:r="http://schemas.openxmlformats.org/officeDocument/2006/relationships" xmlns:p="http://schemas.openxmlformats.org/presentationml/2006/main">
   <p:cSld>
     <p:spTree>
@@ -31949,7 +32572,7 @@
           <a:p>
             <a:r>
               <a:rPr lang="en-US"/>
-              <a:t>© 2018, FLL Tutorials, Last Edit 6/11/2018</a:t>
+              <a:t>© 2023, FLLTutorials.com, Last Edit 5/29/2023</a:t>
             </a:r>
           </a:p>
         </p:txBody>
@@ -31996,7 +32619,7 @@
 </p:sld>
 </file>
 
-<file path=ppt/slides/slide8.xml><?xml version="1.0" encoding="utf-8"?>
+<file path=ppt/slides/slide9.xml><?xml version="1.0" encoding="utf-8"?>
 <p:sld xmlns:a="http://schemas.openxmlformats.org/drawingml/2006/main" xmlns:r="http://schemas.openxmlformats.org/officeDocument/2006/relationships" xmlns:p="http://schemas.openxmlformats.org/presentationml/2006/main">
   <p:cSld>
     <p:spTree>
@@ -32057,7 +32680,7 @@
           <a:p>
             <a:r>
               <a:rPr lang="en-US"/>
-              <a:t>© 2018, FLL Tutorials, Last Edit 6/11/2018</a:t>
+              <a:t>© 2023, FLLTutorials.com, Last Edit 5/29/2023</a:t>
             </a:r>
           </a:p>
         </p:txBody>
@@ -32083,7 +32706,7 @@
         </p:blipFill>
         <p:spPr>
           <a:xfrm>
-            <a:off x="4808536" y="1650080"/>
+            <a:off x="5145890" y="1496440"/>
             <a:ext cx="3691093" cy="2429158"/>
           </a:xfrm>
           <a:prstGeom prst="rect">
@@ -32099,8 +32722,8 @@
         </p:nvSpPr>
         <p:spPr>
           <a:xfrm>
-            <a:off x="3695699" y="4250741"/>
-            <a:ext cx="4761683" cy="2031325"/>
+            <a:off x="517576" y="4565435"/>
+            <a:ext cx="8266902" cy="1200329"/>
           </a:xfrm>
           <a:prstGeom prst="rect">
             <a:avLst/>
@@ -32141,7 +32764,7 @@
         </p:blipFill>
         <p:spPr>
           <a:xfrm>
-            <a:off x="445009" y="3401468"/>
+            <a:off x="83132" y="1390121"/>
             <a:ext cx="2570832" cy="3069464"/>
           </a:xfrm>
           <a:prstGeom prst="rect">
@@ -32170,7 +32793,7 @@
         </p:blipFill>
         <p:spPr>
           <a:xfrm>
-            <a:off x="1961615" y="1361467"/>
+            <a:off x="2575058" y="1496440"/>
             <a:ext cx="2950350" cy="2577840"/>
           </a:xfrm>
           <a:prstGeom prst="rect">
@@ -32186,7 +32809,7 @@
         </p:nvSpPr>
         <p:spPr>
           <a:xfrm>
-            <a:off x="3130984" y="3202465"/>
+            <a:off x="3731778" y="3319281"/>
             <a:ext cx="919249" cy="947651"/>
           </a:xfrm>
           <a:prstGeom prst="ellipse">
@@ -32231,8 +32854,8 @@
           <p:nvPr/>
         </p:nvSpPr>
         <p:spPr>
-          <a:xfrm rot="1580122">
-            <a:off x="590060" y="5652657"/>
+          <a:xfrm rot="1310493">
+            <a:off x="249430" y="3619795"/>
             <a:ext cx="1188864" cy="546284"/>
           </a:xfrm>
           <a:prstGeom prst="ellipse">
@@ -32274,263 +32897,6 @@
     <p:extLst>
       <p:ext uri="{BB962C8B-B14F-4D97-AF65-F5344CB8AC3E}">
         <p14:creationId xmlns:p14="http://schemas.microsoft.com/office/powerpoint/2010/main" val="1957952903"/>
-      </p:ext>
-    </p:extLst>
-  </p:cSld>
-  <p:clrMapOvr>
-    <a:masterClrMapping/>
-  </p:clrMapOvr>
-</p:sld>
-</file>
-
-<file path=ppt/slides/slide9.xml><?xml version="1.0" encoding="utf-8"?>
-<p:sld xmlns:a="http://schemas.openxmlformats.org/drawingml/2006/main" xmlns:r="http://schemas.openxmlformats.org/officeDocument/2006/relationships" xmlns:p="http://schemas.openxmlformats.org/presentationml/2006/main">
-  <p:cSld>
-    <p:spTree>
-      <p:nvGrpSpPr>
-        <p:cNvPr id="1" name=""/>
-        <p:cNvGrpSpPr/>
-        <p:nvPr/>
-      </p:nvGrpSpPr>
-      <p:grpSpPr>
-        <a:xfrm>
-          <a:off x="0" y="0"/>
-          <a:ext cx="0" cy="0"/>
-          <a:chOff x="0" y="0"/>
-          <a:chExt cx="0" cy="0"/>
-        </a:xfrm>
-      </p:grpSpPr>
-      <p:sp>
-        <p:nvSpPr>
-          <p:cNvPr id="2" name="Title 1"/>
-          <p:cNvSpPr>
-            <a:spLocks noGrp="1"/>
-          </p:cNvSpPr>
-          <p:nvPr>
-            <p:ph type="title"/>
-          </p:nvPr>
-        </p:nvSpPr>
-        <p:spPr/>
-        <p:txBody>
-          <a:bodyPr/>
-          <a:lstStyle/>
-          <a:p>
-            <a:r>
-              <a:rPr lang="en-US" dirty="0"/>
-              <a:t>Wheels for other uses</a:t>
-            </a:r>
-          </a:p>
-        </p:txBody>
-      </p:sp>
-      <p:sp>
-        <p:nvSpPr>
-          <p:cNvPr id="3" name="Content Placeholder 2"/>
-          <p:cNvSpPr>
-            <a:spLocks noGrp="1"/>
-          </p:cNvSpPr>
-          <p:nvPr>
-            <p:ph idx="1"/>
-          </p:nvPr>
-        </p:nvSpPr>
-        <p:spPr>
-          <a:xfrm>
-            <a:off x="457200" y="1445164"/>
-            <a:ext cx="8245474" cy="4373563"/>
-          </a:xfrm>
-        </p:spPr>
-        <p:txBody>
-          <a:bodyPr>
-            <a:normAutofit/>
-          </a:bodyPr>
-          <a:lstStyle/>
-          <a:p>
-            <a:r>
-              <a:rPr lang="en-US" sz="2400" dirty="0"/>
-              <a:t>Riding wheels can help your robot drive along walls. </a:t>
-            </a:r>
-          </a:p>
-          <a:p>
-            <a:r>
-              <a:rPr lang="en-US" sz="2400" dirty="0"/>
-              <a:t>FLL Tip: Make sure that they are installed at the correct height for your table (at home or at competition). You might have either 2X4 or 2X3 wood as walls.</a:t>
-            </a:r>
-          </a:p>
-          <a:p>
-            <a:endParaRPr lang="en-US" sz="2400" dirty="0"/>
-          </a:p>
-        </p:txBody>
-      </p:sp>
-      <p:sp>
-        <p:nvSpPr>
-          <p:cNvPr id="4" name="Footer Placeholder 3"/>
-          <p:cNvSpPr>
-            <a:spLocks noGrp="1"/>
-          </p:cNvSpPr>
-          <p:nvPr>
-            <p:ph type="ftr" sz="quarter" idx="11"/>
-          </p:nvPr>
-        </p:nvSpPr>
-        <p:spPr/>
-        <p:txBody>
-          <a:bodyPr/>
-          <a:lstStyle/>
-          <a:p>
-            <a:r>
-              <a:rPr lang="en-US"/>
-              <a:t>© 2018, FLL Tutorials, Last Edit 6/11/2018</a:t>
-            </a:r>
-          </a:p>
-        </p:txBody>
-      </p:sp>
-      <p:pic>
-        <p:nvPicPr>
-          <p:cNvPr id="6" name="Picture 5"/>
-          <p:cNvPicPr>
-            <a:picLocks noChangeAspect="1"/>
-          </p:cNvPicPr>
-          <p:nvPr/>
-        </p:nvPicPr>
-        <p:blipFill>
-          <a:blip r:embed="rId2"/>
-          <a:stretch>
-            <a:fillRect/>
-          </a:stretch>
-        </p:blipFill>
-        <p:spPr>
-          <a:xfrm>
-            <a:off x="4911437" y="3146270"/>
-            <a:ext cx="3187700" cy="3187700"/>
-          </a:xfrm>
-          <a:prstGeom prst="rect">
-            <a:avLst/>
-          </a:prstGeom>
-        </p:spPr>
-      </p:pic>
-      <p:pic>
-        <p:nvPicPr>
-          <p:cNvPr id="7" name="Picture 6"/>
-          <p:cNvPicPr>
-            <a:picLocks noChangeAspect="1"/>
-          </p:cNvPicPr>
-          <p:nvPr/>
-        </p:nvPicPr>
-        <p:blipFill rotWithShape="1">
-          <a:blip r:embed="rId3" cstate="print">
-            <a:extLst>
-              <a:ext uri="{28A0092B-C50C-407E-A947-70E740481C1C}">
-                <a14:useLocalDpi xmlns:a14="http://schemas.microsoft.com/office/drawing/2010/main"/>
-              </a:ext>
-            </a:extLst>
-          </a:blip>
-          <a:srcRect/>
-          <a:stretch/>
-        </p:blipFill>
-        <p:spPr>
-          <a:xfrm>
-            <a:off x="1307939" y="3393701"/>
-            <a:ext cx="3603498" cy="2940269"/>
-          </a:xfrm>
-          <a:prstGeom prst="rect">
-            <a:avLst/>
-          </a:prstGeom>
-        </p:spPr>
-      </p:pic>
-      <p:sp>
-        <p:nvSpPr>
-          <p:cNvPr id="8" name="Oval 7"/>
-          <p:cNvSpPr/>
-          <p:nvPr/>
-        </p:nvSpPr>
-        <p:spPr>
-          <a:xfrm>
-            <a:off x="7269522" y="4870137"/>
-            <a:ext cx="754256" cy="692727"/>
-          </a:xfrm>
-          <a:prstGeom prst="ellipse">
-            <a:avLst/>
-          </a:prstGeom>
-          <a:noFill/>
-          <a:ln>
-            <a:solidFill>
-              <a:srgbClr val="FF0000"/>
-            </a:solidFill>
-          </a:ln>
-        </p:spPr>
-        <p:style>
-          <a:lnRef idx="2">
-            <a:schemeClr val="accent1">
-              <a:shade val="50000"/>
-            </a:schemeClr>
-          </a:lnRef>
-          <a:fillRef idx="1">
-            <a:schemeClr val="accent1"/>
-          </a:fillRef>
-          <a:effectRef idx="0">
-            <a:schemeClr val="accent1"/>
-          </a:effectRef>
-          <a:fontRef idx="minor">
-            <a:schemeClr val="lt1"/>
-          </a:fontRef>
-        </p:style>
-        <p:txBody>
-          <a:bodyPr rtlCol="0" anchor="ctr"/>
-          <a:lstStyle/>
-          <a:p>
-            <a:pPr algn="ctr"/>
-            <a:endParaRPr lang="en-US"/>
-          </a:p>
-        </p:txBody>
-      </p:sp>
-      <p:sp>
-        <p:nvSpPr>
-          <p:cNvPr id="9" name="Oval 8"/>
-          <p:cNvSpPr/>
-          <p:nvPr/>
-        </p:nvSpPr>
-        <p:spPr>
-          <a:xfrm>
-            <a:off x="4157181" y="4708572"/>
-            <a:ext cx="754256" cy="692727"/>
-          </a:xfrm>
-          <a:prstGeom prst="ellipse">
-            <a:avLst/>
-          </a:prstGeom>
-          <a:noFill/>
-          <a:ln>
-            <a:solidFill>
-              <a:srgbClr val="FF0000"/>
-            </a:solidFill>
-          </a:ln>
-        </p:spPr>
-        <p:style>
-          <a:lnRef idx="2">
-            <a:schemeClr val="accent1">
-              <a:shade val="50000"/>
-            </a:schemeClr>
-          </a:lnRef>
-          <a:fillRef idx="1">
-            <a:schemeClr val="accent1"/>
-          </a:fillRef>
-          <a:effectRef idx="0">
-            <a:schemeClr val="accent1"/>
-          </a:effectRef>
-          <a:fontRef idx="minor">
-            <a:schemeClr val="lt1"/>
-          </a:fontRef>
-        </p:style>
-        <p:txBody>
-          <a:bodyPr rtlCol="0" anchor="ctr"/>
-          <a:lstStyle/>
-          <a:p>
-            <a:pPr algn="ctr"/>
-            <a:endParaRPr lang="en-US"/>
-          </a:p>
-        </p:txBody>
-      </p:sp>
-    </p:spTree>
-    <p:extLst>
-      <p:ext uri="{BB962C8B-B14F-4D97-AF65-F5344CB8AC3E}">
-        <p14:creationId xmlns:p14="http://schemas.microsoft.com/office/powerpoint/2010/main" val="475595591"/>
       </p:ext>
     </p:extLst>
   </p:cSld>
